--- a/theory_03-wearable_sensors_part_2/theory_03-wearable_sensors_part_2.pptx
+++ b/theory_03-wearable_sensors_part_2/theory_03-wearable_sensors_part_2.pptx
@@ -5,7 +5,7 @@
     <p:sldMasterId id="2147483648" r:id="rId1"/>
   </p:sldMasterIdLst>
   <p:notesMasterIdLst>
-    <p:notesMasterId r:id="rId38"/>
+    <p:notesMasterId r:id="rId37"/>
   </p:notesMasterIdLst>
   <p:sldIdLst>
     <p:sldId id="256" r:id="rId2"/>
@@ -43,7 +43,6 @@
     <p:sldId id="309" r:id="rId34"/>
     <p:sldId id="310" r:id="rId35"/>
     <p:sldId id="274" r:id="rId36"/>
-    <p:sldId id="303" r:id="rId37"/>
   </p:sldIdLst>
   <p:sldSz cx="12192000" cy="6858000"/>
   <p:notesSz cx="6858000" cy="9144000"/>
@@ -232,7 +231,7 @@
           <a:p>
             <a:fld id="{5BDD61AD-5ABE-41AD-B3EF-A04A3105339F}" type="datetimeFigureOut">
               <a:rPr lang="en-GB" smtClean="0"/>
-              <a:t>30/01/2024</a:t>
+              <a:t>02/02/2024</a:t>
             </a:fld>
             <a:endParaRPr lang="en-GB"/>
           </a:p>
@@ -4050,8 +4049,8 @@
           </a:p>
         </p:txBody>
       </p:sp>
-      <mc:AlternateContent xmlns:mc="http://schemas.openxmlformats.org/markup-compatibility/2006">
-        <mc:Choice xmlns:a14="http://schemas.microsoft.com/office/drawing/2010/main" Requires="a14">
+      <mc:AlternateContent xmlns:mc="http://schemas.openxmlformats.org/markup-compatibility/2006" xmlns:a14="http://schemas.microsoft.com/office/drawing/2010/main">
+        <mc:Choice Requires="a14">
           <p:sp>
             <p:nvSpPr>
               <p:cNvPr id="3" name="Segnaposto contenuto 2"/>
@@ -4194,7 +4193,7 @@
             </p:txBody>
           </p:sp>
         </mc:Choice>
-        <mc:Fallback>
+        <mc:Fallback xmlns="">
           <p:sp>
             <p:nvSpPr>
               <p:cNvPr id="3" name="Segnaposto contenuto 2"/>
@@ -25507,7 +25506,15 @@
           <a:p>
             <a:r>
               <a:rPr lang="en-GB" dirty="0"/>
-              <a:t>Wearable devices require a data transmission systems that wirelessly communicate between the sensing device and the receiver and/or gateway device (it can be the smartphone).</a:t>
+              <a:t>Wearable devices require a data transmission systems that </a:t>
+            </a:r>
+            <a:r>
+              <a:rPr lang="en-GB" b="1" dirty="0"/>
+              <a:t>wirelessly</a:t>
+            </a:r>
+            <a:r>
+              <a:rPr lang="en-GB" dirty="0"/>
+              <a:t> communicate between the sensing device and the receiver and/or gateway device (it can be the smartphone).</a:t>
             </a:r>
           </a:p>
           <a:p>
@@ -25856,1785 +25863,6 @@
       <p:bldP spid="5" grpId="0"/>
     </p:bldLst>
   </p:timing>
-</p:sld>
-</file>
-
-<file path=ppt/slides/slide36.xml><?xml version="1.0" encoding="utf-8"?>
-<p:sld xmlns:a="http://schemas.openxmlformats.org/drawingml/2006/main" xmlns:r="http://schemas.openxmlformats.org/officeDocument/2006/relationships" xmlns:p="http://schemas.openxmlformats.org/presentationml/2006/main">
-  <p:cSld>
-    <p:spTree>
-      <p:nvGrpSpPr>
-        <p:cNvPr id="1" name=""/>
-        <p:cNvGrpSpPr/>
-        <p:nvPr/>
-      </p:nvGrpSpPr>
-      <p:grpSpPr>
-        <a:xfrm>
-          <a:off x="0" y="0"/>
-          <a:ext cx="0" cy="0"/>
-          <a:chOff x="0" y="0"/>
-          <a:chExt cx="0" cy="0"/>
-        </a:xfrm>
-      </p:grpSpPr>
-      <p:sp>
-        <p:nvSpPr>
-          <p:cNvPr id="2" name="Titolo 1"/>
-          <p:cNvSpPr>
-            <a:spLocks noGrp="1"/>
-          </p:cNvSpPr>
-          <p:nvPr>
-            <p:ph type="title"/>
-          </p:nvPr>
-        </p:nvSpPr>
-        <p:spPr/>
-        <p:txBody>
-          <a:bodyPr>
-            <a:normAutofit/>
-          </a:bodyPr>
-          <a:lstStyle/>
-          <a:p>
-            <a:r>
-              <a:rPr lang="en-US" dirty="0"/>
-              <a:t>The architecture of wearable </a:t>
-            </a:r>
-            <a:r>
-              <a:rPr lang="en-US" dirty="0" err="1"/>
-              <a:t>IoT</a:t>
-            </a:r>
-            <a:r>
-              <a:rPr lang="en-US" dirty="0"/>
-              <a:t> systems</a:t>
-            </a:r>
-          </a:p>
-        </p:txBody>
-      </p:sp>
-      <p:sp>
-        <p:nvSpPr>
-          <p:cNvPr id="4" name="Rettangolo arrotondato 3"/>
-          <p:cNvSpPr/>
-          <p:nvPr/>
-        </p:nvSpPr>
-        <p:spPr>
-          <a:xfrm>
-            <a:off x="586154" y="5457092"/>
-            <a:ext cx="10861431" cy="1260000"/>
-          </a:xfrm>
-          <a:prstGeom prst="roundRect">
-            <a:avLst/>
-          </a:prstGeom>
-          <a:noFill/>
-          <a:ln w="38100">
-            <a:solidFill>
-              <a:schemeClr val="accent6">
-                <a:lumMod val="50000"/>
-              </a:schemeClr>
-            </a:solidFill>
-          </a:ln>
-        </p:spPr>
-        <p:style>
-          <a:lnRef idx="2">
-            <a:schemeClr val="accent1">
-              <a:shade val="50000"/>
-            </a:schemeClr>
-          </a:lnRef>
-          <a:fillRef idx="1">
-            <a:schemeClr val="accent1"/>
-          </a:fillRef>
-          <a:effectRef idx="0">
-            <a:schemeClr val="accent1"/>
-          </a:effectRef>
-          <a:fontRef idx="minor">
-            <a:schemeClr val="lt1"/>
-          </a:fontRef>
-        </p:style>
-        <p:txBody>
-          <a:bodyPr rtlCol="0" anchor="ctr"/>
-          <a:lstStyle/>
-          <a:p>
-            <a:pPr algn="ctr"/>
-            <a:endParaRPr lang="en-GB"/>
-          </a:p>
-        </p:txBody>
-      </p:sp>
-      <p:sp>
-        <p:nvSpPr>
-          <p:cNvPr id="5" name="CasellaDiTesto 4"/>
-          <p:cNvSpPr txBox="1"/>
-          <p:nvPr/>
-        </p:nvSpPr>
-        <p:spPr>
-          <a:xfrm>
-            <a:off x="658166" y="5902426"/>
-            <a:ext cx="2620108" cy="369332"/>
-          </a:xfrm>
-          <a:prstGeom prst="rect">
-            <a:avLst/>
-          </a:prstGeom>
-          <a:noFill/>
-        </p:spPr>
-        <p:txBody>
-          <a:bodyPr wrap="square" rtlCol="0">
-            <a:spAutoFit/>
-          </a:bodyPr>
-          <a:lstStyle/>
-          <a:p>
-            <a:r>
-              <a:rPr lang="it-IT" b="1" dirty="0">
-                <a:latin typeface="Palatino Linotype" panose="02040502050505030304" pitchFamily="18" charset="0"/>
-              </a:rPr>
-              <a:t>1. </a:t>
-            </a:r>
-            <a:r>
-              <a:rPr lang="it-IT" b="1" dirty="0" err="1">
-                <a:latin typeface="Palatino Linotype" panose="02040502050505030304" pitchFamily="18" charset="0"/>
-              </a:rPr>
-              <a:t>Sensing</a:t>
-            </a:r>
-            <a:r>
-              <a:rPr lang="it-IT" b="1" dirty="0">
-                <a:latin typeface="Palatino Linotype" panose="02040502050505030304" pitchFamily="18" charset="0"/>
-              </a:rPr>
-              <a:t> </a:t>
-            </a:r>
-            <a:r>
-              <a:rPr lang="it-IT" b="1" dirty="0" err="1">
-                <a:latin typeface="Palatino Linotype" panose="02040502050505030304" pitchFamily="18" charset="0"/>
-              </a:rPr>
-              <a:t>layer</a:t>
-            </a:r>
-            <a:endParaRPr lang="en-GB" b="1" dirty="0">
-              <a:latin typeface="Palatino Linotype" panose="02040502050505030304" pitchFamily="18" charset="0"/>
-            </a:endParaRPr>
-          </a:p>
-        </p:txBody>
-      </p:sp>
-      <p:sp>
-        <p:nvSpPr>
-          <p:cNvPr id="6" name="Rettangolo arrotondato 5"/>
-          <p:cNvSpPr/>
-          <p:nvPr/>
-        </p:nvSpPr>
-        <p:spPr>
-          <a:xfrm>
-            <a:off x="586154" y="4091374"/>
-            <a:ext cx="10861431" cy="1260000"/>
-          </a:xfrm>
-          <a:prstGeom prst="roundRect">
-            <a:avLst/>
-          </a:prstGeom>
-          <a:noFill/>
-          <a:ln w="38100">
-            <a:solidFill>
-              <a:schemeClr val="accent6">
-                <a:lumMod val="75000"/>
-              </a:schemeClr>
-            </a:solidFill>
-          </a:ln>
-        </p:spPr>
-        <p:style>
-          <a:lnRef idx="2">
-            <a:schemeClr val="accent1">
-              <a:shade val="50000"/>
-            </a:schemeClr>
-          </a:lnRef>
-          <a:fillRef idx="1">
-            <a:schemeClr val="accent1"/>
-          </a:fillRef>
-          <a:effectRef idx="0">
-            <a:schemeClr val="accent1"/>
-          </a:effectRef>
-          <a:fontRef idx="minor">
-            <a:schemeClr val="lt1"/>
-          </a:fontRef>
-        </p:style>
-        <p:txBody>
-          <a:bodyPr rtlCol="0" anchor="ctr"/>
-          <a:lstStyle/>
-          <a:p>
-            <a:pPr algn="ctr"/>
-            <a:endParaRPr lang="en-GB"/>
-          </a:p>
-        </p:txBody>
-      </p:sp>
-      <p:sp>
-        <p:nvSpPr>
-          <p:cNvPr id="7" name="CasellaDiTesto 6"/>
-          <p:cNvSpPr txBox="1"/>
-          <p:nvPr/>
-        </p:nvSpPr>
-        <p:spPr>
-          <a:xfrm>
-            <a:off x="658166" y="4536708"/>
-            <a:ext cx="2620108" cy="369332"/>
-          </a:xfrm>
-          <a:prstGeom prst="rect">
-            <a:avLst/>
-          </a:prstGeom>
-          <a:noFill/>
-        </p:spPr>
-        <p:txBody>
-          <a:bodyPr wrap="square" rtlCol="0">
-            <a:spAutoFit/>
-          </a:bodyPr>
-          <a:lstStyle/>
-          <a:p>
-            <a:r>
-              <a:rPr lang="it-IT" b="1" dirty="0">
-                <a:latin typeface="Palatino Linotype" panose="02040502050505030304" pitchFamily="18" charset="0"/>
-              </a:rPr>
-              <a:t>2. Network </a:t>
-            </a:r>
-            <a:r>
-              <a:rPr lang="it-IT" b="1" dirty="0" err="1">
-                <a:latin typeface="Palatino Linotype" panose="02040502050505030304" pitchFamily="18" charset="0"/>
-              </a:rPr>
-              <a:t>layer</a:t>
-            </a:r>
-            <a:endParaRPr lang="en-GB" b="1" dirty="0">
-              <a:latin typeface="Palatino Linotype" panose="02040502050505030304" pitchFamily="18" charset="0"/>
-            </a:endParaRPr>
-          </a:p>
-        </p:txBody>
-      </p:sp>
-      <p:sp>
-        <p:nvSpPr>
-          <p:cNvPr id="8" name="Rettangolo arrotondato 7"/>
-          <p:cNvSpPr/>
-          <p:nvPr/>
-        </p:nvSpPr>
-        <p:spPr>
-          <a:xfrm>
-            <a:off x="586153" y="2719790"/>
-            <a:ext cx="10861431" cy="1260000"/>
-          </a:xfrm>
-          <a:prstGeom prst="roundRect">
-            <a:avLst/>
-          </a:prstGeom>
-          <a:noFill/>
-          <a:ln w="38100">
-            <a:solidFill>
-              <a:schemeClr val="accent6">
-                <a:lumMod val="60000"/>
-                <a:lumOff val="40000"/>
-              </a:schemeClr>
-            </a:solidFill>
-          </a:ln>
-        </p:spPr>
-        <p:style>
-          <a:lnRef idx="2">
-            <a:schemeClr val="accent1">
-              <a:shade val="50000"/>
-            </a:schemeClr>
-          </a:lnRef>
-          <a:fillRef idx="1">
-            <a:schemeClr val="accent1"/>
-          </a:fillRef>
-          <a:effectRef idx="0">
-            <a:schemeClr val="accent1"/>
-          </a:effectRef>
-          <a:fontRef idx="minor">
-            <a:schemeClr val="lt1"/>
-          </a:fontRef>
-        </p:style>
-        <p:txBody>
-          <a:bodyPr rtlCol="0" anchor="ctr"/>
-          <a:lstStyle/>
-          <a:p>
-            <a:pPr algn="ctr"/>
-            <a:endParaRPr lang="en-GB"/>
-          </a:p>
-        </p:txBody>
-      </p:sp>
-      <p:sp>
-        <p:nvSpPr>
-          <p:cNvPr id="9" name="CasellaDiTesto 8"/>
-          <p:cNvSpPr txBox="1"/>
-          <p:nvPr/>
-        </p:nvSpPr>
-        <p:spPr>
-          <a:xfrm>
-            <a:off x="666143" y="3037008"/>
-            <a:ext cx="2804745" cy="646331"/>
-          </a:xfrm>
-          <a:prstGeom prst="rect">
-            <a:avLst/>
-          </a:prstGeom>
-          <a:noFill/>
-        </p:spPr>
-        <p:txBody>
-          <a:bodyPr wrap="square" rtlCol="0">
-            <a:spAutoFit/>
-          </a:bodyPr>
-          <a:lstStyle/>
-          <a:p>
-            <a:r>
-              <a:rPr lang="it-IT" b="1" dirty="0">
-                <a:latin typeface="Palatino Linotype" panose="02040502050505030304" pitchFamily="18" charset="0"/>
-              </a:rPr>
-              <a:t>3. Data </a:t>
-            </a:r>
-            <a:r>
-              <a:rPr lang="it-IT" b="1" dirty="0" err="1">
-                <a:latin typeface="Palatino Linotype" panose="02040502050505030304" pitchFamily="18" charset="0"/>
-              </a:rPr>
-              <a:t>storing</a:t>
-            </a:r>
-            <a:r>
-              <a:rPr lang="it-IT" b="1" dirty="0">
-                <a:latin typeface="Palatino Linotype" panose="02040502050505030304" pitchFamily="18" charset="0"/>
-              </a:rPr>
-              <a:t> and processing </a:t>
-            </a:r>
-            <a:r>
-              <a:rPr lang="it-IT" b="1" dirty="0" err="1">
-                <a:latin typeface="Palatino Linotype" panose="02040502050505030304" pitchFamily="18" charset="0"/>
-              </a:rPr>
-              <a:t>layer</a:t>
-            </a:r>
-            <a:endParaRPr lang="en-GB" b="1" dirty="0">
-              <a:latin typeface="Palatino Linotype" panose="02040502050505030304" pitchFamily="18" charset="0"/>
-            </a:endParaRPr>
-          </a:p>
-        </p:txBody>
-      </p:sp>
-      <p:sp>
-        <p:nvSpPr>
-          <p:cNvPr id="10" name="Rettangolo arrotondato 9"/>
-          <p:cNvSpPr/>
-          <p:nvPr/>
-        </p:nvSpPr>
-        <p:spPr>
-          <a:xfrm>
-            <a:off x="586153" y="1331674"/>
-            <a:ext cx="10796954" cy="1260000"/>
-          </a:xfrm>
-          <a:prstGeom prst="roundRect">
-            <a:avLst/>
-          </a:prstGeom>
-          <a:noFill/>
-          <a:ln w="38100">
-            <a:solidFill>
-              <a:schemeClr val="accent6">
-                <a:lumMod val="40000"/>
-                <a:lumOff val="60000"/>
-              </a:schemeClr>
-            </a:solidFill>
-          </a:ln>
-        </p:spPr>
-        <p:style>
-          <a:lnRef idx="2">
-            <a:schemeClr val="accent1">
-              <a:shade val="50000"/>
-            </a:schemeClr>
-          </a:lnRef>
-          <a:fillRef idx="1">
-            <a:schemeClr val="accent1"/>
-          </a:fillRef>
-          <a:effectRef idx="0">
-            <a:schemeClr val="accent1"/>
-          </a:effectRef>
-          <a:fontRef idx="minor">
-            <a:schemeClr val="lt1"/>
-          </a:fontRef>
-        </p:style>
-        <p:txBody>
-          <a:bodyPr rtlCol="0" anchor="ctr"/>
-          <a:lstStyle/>
-          <a:p>
-            <a:pPr algn="ctr"/>
-            <a:endParaRPr lang="en-GB"/>
-          </a:p>
-        </p:txBody>
-      </p:sp>
-      <p:sp>
-        <p:nvSpPr>
-          <p:cNvPr id="11" name="CasellaDiTesto 10"/>
-          <p:cNvSpPr txBox="1"/>
-          <p:nvPr/>
-        </p:nvSpPr>
-        <p:spPr>
-          <a:xfrm>
-            <a:off x="658166" y="1777008"/>
-            <a:ext cx="2620108" cy="369332"/>
-          </a:xfrm>
-          <a:prstGeom prst="rect">
-            <a:avLst/>
-          </a:prstGeom>
-          <a:noFill/>
-        </p:spPr>
-        <p:txBody>
-          <a:bodyPr wrap="square" rtlCol="0">
-            <a:spAutoFit/>
-          </a:bodyPr>
-          <a:lstStyle/>
-          <a:p>
-            <a:r>
-              <a:rPr lang="it-IT" b="1" dirty="0">
-                <a:latin typeface="Palatino Linotype" panose="02040502050505030304" pitchFamily="18" charset="0"/>
-              </a:rPr>
-              <a:t>4. Application </a:t>
-            </a:r>
-            <a:r>
-              <a:rPr lang="it-IT" b="1" dirty="0" err="1">
-                <a:latin typeface="Palatino Linotype" panose="02040502050505030304" pitchFamily="18" charset="0"/>
-              </a:rPr>
-              <a:t>layer</a:t>
-            </a:r>
-            <a:endParaRPr lang="en-GB" b="1" dirty="0">
-              <a:latin typeface="Palatino Linotype" panose="02040502050505030304" pitchFamily="18" charset="0"/>
-            </a:endParaRPr>
-          </a:p>
-        </p:txBody>
-      </p:sp>
-      <p:sp>
-        <p:nvSpPr>
-          <p:cNvPr id="12" name="CasellaDiTesto 11"/>
-          <p:cNvSpPr txBox="1"/>
-          <p:nvPr/>
-        </p:nvSpPr>
-        <p:spPr>
-          <a:xfrm>
-            <a:off x="3206262" y="1488831"/>
-            <a:ext cx="1453661" cy="369332"/>
-          </a:xfrm>
-          <a:prstGeom prst="rect">
-            <a:avLst/>
-          </a:prstGeom>
-          <a:noFill/>
-        </p:spPr>
-        <p:txBody>
-          <a:bodyPr wrap="square" rtlCol="0">
-            <a:spAutoFit/>
-          </a:bodyPr>
-          <a:lstStyle/>
-          <a:p>
-            <a:r>
-              <a:rPr lang="it-IT" dirty="0">
-                <a:latin typeface="Palatino Linotype" panose="02040502050505030304" pitchFamily="18" charset="0"/>
-              </a:rPr>
-              <a:t>Alerts</a:t>
-            </a:r>
-            <a:endParaRPr lang="en-GB" dirty="0">
-              <a:latin typeface="Palatino Linotype" panose="02040502050505030304" pitchFamily="18" charset="0"/>
-            </a:endParaRPr>
-          </a:p>
-        </p:txBody>
-      </p:sp>
-      <p:sp>
-        <p:nvSpPr>
-          <p:cNvPr id="13" name="CasellaDiTesto 12"/>
-          <p:cNvSpPr txBox="1"/>
-          <p:nvPr/>
-        </p:nvSpPr>
-        <p:spPr>
-          <a:xfrm>
-            <a:off x="4654063" y="1488831"/>
-            <a:ext cx="2344614" cy="369332"/>
-          </a:xfrm>
-          <a:prstGeom prst="rect">
-            <a:avLst/>
-          </a:prstGeom>
-          <a:noFill/>
-        </p:spPr>
-        <p:txBody>
-          <a:bodyPr wrap="square" rtlCol="0">
-            <a:spAutoFit/>
-          </a:bodyPr>
-          <a:lstStyle/>
-          <a:p>
-            <a:r>
-              <a:rPr lang="it-IT" dirty="0" err="1">
-                <a:latin typeface="Palatino Linotype" panose="02040502050505030304" pitchFamily="18" charset="0"/>
-              </a:rPr>
-              <a:t>Decision-support</a:t>
-            </a:r>
-            <a:endParaRPr lang="en-GB" dirty="0">
-              <a:latin typeface="Palatino Linotype" panose="02040502050505030304" pitchFamily="18" charset="0"/>
-            </a:endParaRPr>
-          </a:p>
-        </p:txBody>
-      </p:sp>
-      <p:sp>
-        <p:nvSpPr>
-          <p:cNvPr id="14" name="CasellaDiTesto 13"/>
-          <p:cNvSpPr txBox="1"/>
-          <p:nvPr/>
-        </p:nvSpPr>
-        <p:spPr>
-          <a:xfrm>
-            <a:off x="6998677" y="1488831"/>
-            <a:ext cx="1260231" cy="369332"/>
-          </a:xfrm>
-          <a:prstGeom prst="rect">
-            <a:avLst/>
-          </a:prstGeom>
-          <a:noFill/>
-        </p:spPr>
-        <p:txBody>
-          <a:bodyPr wrap="square" rtlCol="0">
-            <a:spAutoFit/>
-          </a:bodyPr>
-          <a:lstStyle/>
-          <a:p>
-            <a:r>
-              <a:rPr lang="it-IT" dirty="0" err="1">
-                <a:latin typeface="Palatino Linotype" panose="02040502050505030304" pitchFamily="18" charset="0"/>
-              </a:rPr>
-              <a:t>Event</a:t>
-            </a:r>
-            <a:r>
-              <a:rPr lang="it-IT" dirty="0">
-                <a:latin typeface="Palatino Linotype" panose="02040502050505030304" pitchFamily="18" charset="0"/>
-              </a:rPr>
-              <a:t> log</a:t>
-            </a:r>
-            <a:endParaRPr lang="en-GB" dirty="0">
-              <a:latin typeface="Palatino Linotype" panose="02040502050505030304" pitchFamily="18" charset="0"/>
-            </a:endParaRPr>
-          </a:p>
-        </p:txBody>
-      </p:sp>
-      <p:sp>
-        <p:nvSpPr>
-          <p:cNvPr id="15" name="CasellaDiTesto 14"/>
-          <p:cNvSpPr txBox="1"/>
-          <p:nvPr/>
-        </p:nvSpPr>
-        <p:spPr>
-          <a:xfrm>
-            <a:off x="8991601" y="1501647"/>
-            <a:ext cx="2086707" cy="369332"/>
-          </a:xfrm>
-          <a:prstGeom prst="rect">
-            <a:avLst/>
-          </a:prstGeom>
-          <a:noFill/>
-        </p:spPr>
-        <p:txBody>
-          <a:bodyPr wrap="square" rtlCol="0">
-            <a:spAutoFit/>
-          </a:bodyPr>
-          <a:lstStyle/>
-          <a:p>
-            <a:r>
-              <a:rPr lang="it-IT" dirty="0">
-                <a:latin typeface="Palatino Linotype" panose="02040502050505030304" pitchFamily="18" charset="0"/>
-              </a:rPr>
-              <a:t>Self-management</a:t>
-            </a:r>
-            <a:endParaRPr lang="en-GB" dirty="0">
-              <a:latin typeface="Palatino Linotype" panose="02040502050505030304" pitchFamily="18" charset="0"/>
-            </a:endParaRPr>
-          </a:p>
-        </p:txBody>
-      </p:sp>
-      <p:sp>
-        <p:nvSpPr>
-          <p:cNvPr id="16" name="CasellaDiTesto 15"/>
-          <p:cNvSpPr txBox="1"/>
-          <p:nvPr/>
-        </p:nvSpPr>
-        <p:spPr>
-          <a:xfrm>
-            <a:off x="5701662" y="2801335"/>
-            <a:ext cx="1922585" cy="369332"/>
-          </a:xfrm>
-          <a:prstGeom prst="rect">
-            <a:avLst/>
-          </a:prstGeom>
-          <a:noFill/>
-        </p:spPr>
-        <p:txBody>
-          <a:bodyPr wrap="square" rtlCol="0">
-            <a:spAutoFit/>
-          </a:bodyPr>
-          <a:lstStyle/>
-          <a:p>
-            <a:r>
-              <a:rPr lang="it-IT" dirty="0">
-                <a:latin typeface="Palatino Linotype" panose="02040502050505030304" pitchFamily="18" charset="0"/>
-              </a:rPr>
-              <a:t>Data </a:t>
-            </a:r>
-            <a:r>
-              <a:rPr lang="it-IT" dirty="0" err="1">
-                <a:latin typeface="Palatino Linotype" panose="02040502050505030304" pitchFamily="18" charset="0"/>
-              </a:rPr>
-              <a:t>analyses</a:t>
-            </a:r>
-            <a:endParaRPr lang="en-GB" dirty="0">
-              <a:latin typeface="Palatino Linotype" panose="02040502050505030304" pitchFamily="18" charset="0"/>
-            </a:endParaRPr>
-          </a:p>
-        </p:txBody>
-      </p:sp>
-      <p:sp>
-        <p:nvSpPr>
-          <p:cNvPr id="17" name="CasellaDiTesto 16"/>
-          <p:cNvSpPr txBox="1"/>
-          <p:nvPr/>
-        </p:nvSpPr>
-        <p:spPr>
-          <a:xfrm>
-            <a:off x="8302649" y="2811852"/>
-            <a:ext cx="3845171" cy="369332"/>
-          </a:xfrm>
-          <a:prstGeom prst="rect">
-            <a:avLst/>
-          </a:prstGeom>
-          <a:noFill/>
-        </p:spPr>
-        <p:txBody>
-          <a:bodyPr wrap="square" rtlCol="0">
-            <a:spAutoFit/>
-          </a:bodyPr>
-          <a:lstStyle/>
-          <a:p>
-            <a:pPr algn="ctr"/>
-            <a:r>
-              <a:rPr lang="it-IT" dirty="0" err="1">
-                <a:latin typeface="Palatino Linotype" panose="02040502050505030304" pitchFamily="18" charset="0"/>
-              </a:rPr>
-              <a:t>Modeling</a:t>
-            </a:r>
-            <a:r>
-              <a:rPr lang="it-IT" dirty="0">
-                <a:latin typeface="Palatino Linotype" panose="02040502050505030304" pitchFamily="18" charset="0"/>
-              </a:rPr>
-              <a:t> </a:t>
-            </a:r>
-          </a:p>
-        </p:txBody>
-      </p:sp>
-      <p:sp>
-        <p:nvSpPr>
-          <p:cNvPr id="18" name="CasellaDiTesto 17"/>
-          <p:cNvSpPr txBox="1"/>
-          <p:nvPr/>
-        </p:nvSpPr>
-        <p:spPr>
-          <a:xfrm>
-            <a:off x="7527578" y="2808458"/>
-            <a:ext cx="2819399" cy="369332"/>
-          </a:xfrm>
-          <a:prstGeom prst="rect">
-            <a:avLst/>
-          </a:prstGeom>
-          <a:noFill/>
-        </p:spPr>
-        <p:txBody>
-          <a:bodyPr wrap="square" rtlCol="0">
-            <a:spAutoFit/>
-          </a:bodyPr>
-          <a:lstStyle/>
-          <a:p>
-            <a:r>
-              <a:rPr lang="it-IT" dirty="0" err="1">
-                <a:latin typeface="Palatino Linotype" panose="02040502050505030304" pitchFamily="18" charset="0"/>
-              </a:rPr>
-              <a:t>Signal</a:t>
-            </a:r>
-            <a:r>
-              <a:rPr lang="it-IT" dirty="0">
-                <a:latin typeface="Palatino Linotype" panose="02040502050505030304" pitchFamily="18" charset="0"/>
-              </a:rPr>
-              <a:t> processing</a:t>
-            </a:r>
-            <a:endParaRPr lang="en-GB" dirty="0">
-              <a:latin typeface="Palatino Linotype" panose="02040502050505030304" pitchFamily="18" charset="0"/>
-            </a:endParaRPr>
-          </a:p>
-        </p:txBody>
-      </p:sp>
-      <p:sp>
-        <p:nvSpPr>
-          <p:cNvPr id="19" name="CasellaDiTesto 18"/>
-          <p:cNvSpPr txBox="1"/>
-          <p:nvPr/>
-        </p:nvSpPr>
-        <p:spPr>
-          <a:xfrm>
-            <a:off x="2642052" y="4178031"/>
-            <a:ext cx="2442348" cy="369332"/>
-          </a:xfrm>
-          <a:prstGeom prst="rect">
-            <a:avLst/>
-          </a:prstGeom>
-          <a:noFill/>
-        </p:spPr>
-        <p:txBody>
-          <a:bodyPr wrap="square" rtlCol="0">
-            <a:spAutoFit/>
-          </a:bodyPr>
-          <a:lstStyle/>
-          <a:p>
-            <a:pPr algn="ctr"/>
-            <a:r>
-              <a:rPr lang="it-IT" dirty="0">
-                <a:latin typeface="Palatino Linotype" panose="02040502050505030304" pitchFamily="18" charset="0"/>
-              </a:rPr>
-              <a:t>Gateway </a:t>
-            </a:r>
-            <a:r>
-              <a:rPr lang="it-IT" dirty="0" err="1">
-                <a:latin typeface="Palatino Linotype" panose="02040502050505030304" pitchFamily="18" charset="0"/>
-              </a:rPr>
-              <a:t>device</a:t>
-            </a:r>
-            <a:endParaRPr lang="en-GB" dirty="0">
-              <a:latin typeface="Palatino Linotype" panose="02040502050505030304" pitchFamily="18" charset="0"/>
-            </a:endParaRPr>
-          </a:p>
-        </p:txBody>
-      </p:sp>
-      <p:sp>
-        <p:nvSpPr>
-          <p:cNvPr id="20" name="CasellaDiTesto 19"/>
-          <p:cNvSpPr txBox="1"/>
-          <p:nvPr/>
-        </p:nvSpPr>
-        <p:spPr>
-          <a:xfrm>
-            <a:off x="5704075" y="4141499"/>
-            <a:ext cx="1922585" cy="646331"/>
-          </a:xfrm>
-          <a:prstGeom prst="rect">
-            <a:avLst/>
-          </a:prstGeom>
-          <a:noFill/>
-        </p:spPr>
-        <p:txBody>
-          <a:bodyPr wrap="square" rtlCol="0">
-            <a:spAutoFit/>
-          </a:bodyPr>
-          <a:lstStyle/>
-          <a:p>
-            <a:r>
-              <a:rPr lang="it-IT" dirty="0" err="1">
-                <a:latin typeface="Palatino Linotype" panose="02040502050505030304" pitchFamily="18" charset="0"/>
-              </a:rPr>
-              <a:t>WiFi</a:t>
-            </a:r>
-            <a:r>
-              <a:rPr lang="it-IT" dirty="0">
-                <a:latin typeface="Palatino Linotype" panose="02040502050505030304" pitchFamily="18" charset="0"/>
-              </a:rPr>
-              <a:t>, </a:t>
-            </a:r>
-          </a:p>
-          <a:p>
-            <a:r>
-              <a:rPr lang="it-IT" dirty="0">
-                <a:latin typeface="Palatino Linotype" panose="02040502050505030304" pitchFamily="18" charset="0"/>
-              </a:rPr>
-              <a:t>Router </a:t>
-            </a:r>
-            <a:endParaRPr lang="en-GB" dirty="0">
-              <a:latin typeface="Palatino Linotype" panose="02040502050505030304" pitchFamily="18" charset="0"/>
-            </a:endParaRPr>
-          </a:p>
-        </p:txBody>
-      </p:sp>
-      <p:sp>
-        <p:nvSpPr>
-          <p:cNvPr id="22" name="CasellaDiTesto 21"/>
-          <p:cNvSpPr txBox="1"/>
-          <p:nvPr/>
-        </p:nvSpPr>
-        <p:spPr>
-          <a:xfrm>
-            <a:off x="9174823" y="4234017"/>
-            <a:ext cx="1922585" cy="369332"/>
-          </a:xfrm>
-          <a:prstGeom prst="rect">
-            <a:avLst/>
-          </a:prstGeom>
-          <a:noFill/>
-        </p:spPr>
-        <p:txBody>
-          <a:bodyPr wrap="square" rtlCol="0">
-            <a:spAutoFit/>
-          </a:bodyPr>
-          <a:lstStyle/>
-          <a:p>
-            <a:r>
-              <a:rPr lang="it-IT" dirty="0">
-                <a:latin typeface="Palatino Linotype" panose="02040502050505030304" pitchFamily="18" charset="0"/>
-              </a:rPr>
-              <a:t>Internet</a:t>
-            </a:r>
-            <a:endParaRPr lang="en-GB" dirty="0">
-              <a:latin typeface="Palatino Linotype" panose="02040502050505030304" pitchFamily="18" charset="0"/>
-            </a:endParaRPr>
-          </a:p>
-        </p:txBody>
-      </p:sp>
-      <p:sp>
-        <p:nvSpPr>
-          <p:cNvPr id="23" name="CasellaDiTesto 22"/>
-          <p:cNvSpPr txBox="1"/>
-          <p:nvPr/>
-        </p:nvSpPr>
-        <p:spPr>
-          <a:xfrm>
-            <a:off x="6187264" y="5525689"/>
-            <a:ext cx="1541585" cy="369332"/>
-          </a:xfrm>
-          <a:prstGeom prst="rect">
-            <a:avLst/>
-          </a:prstGeom>
-          <a:noFill/>
-        </p:spPr>
-        <p:txBody>
-          <a:bodyPr wrap="square" rtlCol="0">
-            <a:spAutoFit/>
-          </a:bodyPr>
-          <a:lstStyle/>
-          <a:p>
-            <a:r>
-              <a:rPr lang="it-IT" dirty="0" err="1">
-                <a:latin typeface="Palatino Linotype" panose="02040502050505030304" pitchFamily="18" charset="0"/>
-              </a:rPr>
-              <a:t>Sensors</a:t>
-            </a:r>
-            <a:endParaRPr lang="en-GB" sz="2400" dirty="0">
-              <a:latin typeface="Palatino Linotype" panose="02040502050505030304" pitchFamily="18" charset="0"/>
-            </a:endParaRPr>
-          </a:p>
-        </p:txBody>
-      </p:sp>
-      <p:sp>
-        <p:nvSpPr>
-          <p:cNvPr id="24" name="CasellaDiTesto 23"/>
-          <p:cNvSpPr txBox="1"/>
-          <p:nvPr/>
-        </p:nvSpPr>
-        <p:spPr>
-          <a:xfrm>
-            <a:off x="3114146" y="5660879"/>
-            <a:ext cx="2086711" cy="307777"/>
-          </a:xfrm>
-          <a:prstGeom prst="rect">
-            <a:avLst/>
-          </a:prstGeom>
-          <a:noFill/>
-        </p:spPr>
-        <p:txBody>
-          <a:bodyPr wrap="square" rtlCol="0">
-            <a:spAutoFit/>
-          </a:bodyPr>
-          <a:lstStyle/>
-          <a:p>
-            <a:r>
-              <a:rPr lang="it-IT" sz="1400" dirty="0">
-                <a:latin typeface="Palatino Linotype" panose="02040502050505030304" pitchFamily="18" charset="0"/>
-              </a:rPr>
-              <a:t>Activity </a:t>
-            </a:r>
-            <a:r>
-              <a:rPr lang="it-IT" sz="1400" dirty="0" err="1">
-                <a:latin typeface="Palatino Linotype" panose="02040502050505030304" pitchFamily="18" charset="0"/>
-              </a:rPr>
-              <a:t>tracker</a:t>
-            </a:r>
-            <a:endParaRPr lang="en-GB" sz="1400" dirty="0">
-              <a:latin typeface="Palatino Linotype" panose="02040502050505030304" pitchFamily="18" charset="0"/>
-            </a:endParaRPr>
-          </a:p>
-        </p:txBody>
-      </p:sp>
-      <p:sp>
-        <p:nvSpPr>
-          <p:cNvPr id="25" name="CasellaDiTesto 24"/>
-          <p:cNvSpPr txBox="1"/>
-          <p:nvPr/>
-        </p:nvSpPr>
-        <p:spPr>
-          <a:xfrm>
-            <a:off x="5068973" y="6332950"/>
-            <a:ext cx="2086711" cy="307777"/>
-          </a:xfrm>
-          <a:prstGeom prst="rect">
-            <a:avLst/>
-          </a:prstGeom>
-          <a:noFill/>
-        </p:spPr>
-        <p:txBody>
-          <a:bodyPr wrap="square" rtlCol="0">
-            <a:spAutoFit/>
-          </a:bodyPr>
-          <a:lstStyle/>
-          <a:p>
-            <a:r>
-              <a:rPr lang="it-IT" sz="1400" dirty="0">
-                <a:latin typeface="Palatino Linotype" panose="02040502050505030304" pitchFamily="18" charset="0"/>
-              </a:rPr>
-              <a:t>Blood pressure </a:t>
-            </a:r>
-            <a:r>
-              <a:rPr lang="it-IT" sz="1400" dirty="0" err="1">
-                <a:latin typeface="Palatino Linotype" panose="02040502050505030304" pitchFamily="18" charset="0"/>
-              </a:rPr>
-              <a:t>sensor</a:t>
-            </a:r>
-            <a:endParaRPr lang="en-GB" sz="1400" dirty="0">
-              <a:latin typeface="Palatino Linotype" panose="02040502050505030304" pitchFamily="18" charset="0"/>
-            </a:endParaRPr>
-          </a:p>
-        </p:txBody>
-      </p:sp>
-      <p:sp>
-        <p:nvSpPr>
-          <p:cNvPr id="26" name="CasellaDiTesto 25"/>
-          <p:cNvSpPr txBox="1"/>
-          <p:nvPr/>
-        </p:nvSpPr>
-        <p:spPr>
-          <a:xfrm>
-            <a:off x="7728849" y="5701229"/>
-            <a:ext cx="2086711" cy="307777"/>
-          </a:xfrm>
-          <a:prstGeom prst="rect">
-            <a:avLst/>
-          </a:prstGeom>
-          <a:noFill/>
-        </p:spPr>
-        <p:txBody>
-          <a:bodyPr wrap="square" rtlCol="0">
-            <a:spAutoFit/>
-          </a:bodyPr>
-          <a:lstStyle/>
-          <a:p>
-            <a:r>
-              <a:rPr lang="it-IT" sz="1400" dirty="0">
-                <a:latin typeface="Palatino Linotype" panose="02040502050505030304" pitchFamily="18" charset="0"/>
-              </a:rPr>
-              <a:t>ECG </a:t>
-            </a:r>
-            <a:r>
-              <a:rPr lang="it-IT" sz="1400" dirty="0" err="1">
-                <a:latin typeface="Palatino Linotype" panose="02040502050505030304" pitchFamily="18" charset="0"/>
-              </a:rPr>
-              <a:t>sensor</a:t>
-            </a:r>
-            <a:endParaRPr lang="en-GB" sz="1400" dirty="0">
-              <a:latin typeface="Palatino Linotype" panose="02040502050505030304" pitchFamily="18" charset="0"/>
-            </a:endParaRPr>
-          </a:p>
-        </p:txBody>
-      </p:sp>
-      <p:sp>
-        <p:nvSpPr>
-          <p:cNvPr id="27" name="CasellaDiTesto 26"/>
-          <p:cNvSpPr txBox="1"/>
-          <p:nvPr/>
-        </p:nvSpPr>
-        <p:spPr>
-          <a:xfrm>
-            <a:off x="9709775" y="6332949"/>
-            <a:ext cx="2086711" cy="307777"/>
-          </a:xfrm>
-          <a:prstGeom prst="rect">
-            <a:avLst/>
-          </a:prstGeom>
-          <a:noFill/>
-        </p:spPr>
-        <p:txBody>
-          <a:bodyPr wrap="square" rtlCol="0">
-            <a:spAutoFit/>
-          </a:bodyPr>
-          <a:lstStyle/>
-          <a:p>
-            <a:r>
-              <a:rPr lang="it-IT" sz="1400" dirty="0" err="1">
-                <a:latin typeface="Palatino Linotype" panose="02040502050505030304" pitchFamily="18" charset="0"/>
-              </a:rPr>
-              <a:t>Glucose</a:t>
-            </a:r>
-            <a:r>
-              <a:rPr lang="it-IT" sz="1400" dirty="0">
-                <a:latin typeface="Palatino Linotype" panose="02040502050505030304" pitchFamily="18" charset="0"/>
-              </a:rPr>
-              <a:t> </a:t>
-            </a:r>
-            <a:r>
-              <a:rPr lang="it-IT" sz="1400" dirty="0" err="1">
-                <a:latin typeface="Palatino Linotype" panose="02040502050505030304" pitchFamily="18" charset="0"/>
-              </a:rPr>
-              <a:t>sensor</a:t>
-            </a:r>
-            <a:endParaRPr lang="en-GB" sz="1400" dirty="0">
-              <a:latin typeface="Palatino Linotype" panose="02040502050505030304" pitchFamily="18" charset="0"/>
-            </a:endParaRPr>
-          </a:p>
-        </p:txBody>
-      </p:sp>
-      <p:sp>
-        <p:nvSpPr>
-          <p:cNvPr id="29" name="Nuvola 28"/>
-          <p:cNvSpPr/>
-          <p:nvPr/>
-        </p:nvSpPr>
-        <p:spPr>
-          <a:xfrm>
-            <a:off x="9087036" y="4595118"/>
-            <a:ext cx="1148861" cy="468923"/>
-          </a:xfrm>
-          <a:prstGeom prst="cloud">
-            <a:avLst/>
-          </a:prstGeom>
-        </p:spPr>
-        <p:style>
-          <a:lnRef idx="1">
-            <a:schemeClr val="accent3"/>
-          </a:lnRef>
-          <a:fillRef idx="2">
-            <a:schemeClr val="accent3"/>
-          </a:fillRef>
-          <a:effectRef idx="1">
-            <a:schemeClr val="accent3"/>
-          </a:effectRef>
-          <a:fontRef idx="minor">
-            <a:schemeClr val="dk1"/>
-          </a:fontRef>
-        </p:style>
-        <p:txBody>
-          <a:bodyPr rtlCol="0" anchor="ctr"/>
-          <a:lstStyle/>
-          <a:p>
-            <a:pPr algn="ctr"/>
-            <a:endParaRPr lang="en-GB"/>
-          </a:p>
-        </p:txBody>
-      </p:sp>
-      <p:sp>
-        <p:nvSpPr>
-          <p:cNvPr id="30" name="Freccia bidirezionale orizzontale 29"/>
-          <p:cNvSpPr/>
-          <p:nvPr/>
-        </p:nvSpPr>
-        <p:spPr>
-          <a:xfrm>
-            <a:off x="4317616" y="4744982"/>
-            <a:ext cx="1226738" cy="169194"/>
-          </a:xfrm>
-          <a:prstGeom prst="leftRightArrow">
-            <a:avLst/>
-          </a:prstGeom>
-        </p:spPr>
-        <p:style>
-          <a:lnRef idx="2">
-            <a:schemeClr val="dk1">
-              <a:shade val="50000"/>
-            </a:schemeClr>
-          </a:lnRef>
-          <a:fillRef idx="1">
-            <a:schemeClr val="dk1"/>
-          </a:fillRef>
-          <a:effectRef idx="0">
-            <a:schemeClr val="dk1"/>
-          </a:effectRef>
-          <a:fontRef idx="minor">
-            <a:schemeClr val="lt1"/>
-          </a:fontRef>
-        </p:style>
-        <p:txBody>
-          <a:bodyPr rtlCol="0" anchor="ctr"/>
-          <a:lstStyle/>
-          <a:p>
-            <a:pPr algn="ctr"/>
-            <a:endParaRPr lang="en-GB"/>
-          </a:p>
-        </p:txBody>
-      </p:sp>
-      <p:pic>
-        <p:nvPicPr>
-          <p:cNvPr id="32" name="Immagine 31"/>
-          <p:cNvPicPr>
-            <a:picLocks noChangeAspect="1"/>
-          </p:cNvPicPr>
-          <p:nvPr/>
-        </p:nvPicPr>
-        <p:blipFill rotWithShape="1">
-          <a:blip r:embed="rId2" cstate="print">
-            <a:extLst>
-              <a:ext uri="{28A0092B-C50C-407E-A947-70E740481C1C}">
-                <a14:useLocalDpi xmlns:a14="http://schemas.microsoft.com/office/drawing/2010/main" val="0"/>
-              </a:ext>
-            </a:extLst>
-          </a:blip>
-          <a:srcRect t="13660" b="12302"/>
-          <a:stretch/>
-        </p:blipFill>
-        <p:spPr>
-          <a:xfrm>
-            <a:off x="6568116" y="4163857"/>
-            <a:ext cx="790166" cy="585025"/>
-          </a:xfrm>
-          <a:prstGeom prst="rect">
-            <a:avLst/>
-          </a:prstGeom>
-        </p:spPr>
-      </p:pic>
-      <p:sp>
-        <p:nvSpPr>
-          <p:cNvPr id="34" name="CasellaDiTesto 33"/>
-          <p:cNvSpPr txBox="1"/>
-          <p:nvPr/>
-        </p:nvSpPr>
-        <p:spPr>
-          <a:xfrm>
-            <a:off x="5832653" y="4855596"/>
-            <a:ext cx="751125" cy="369332"/>
-          </a:xfrm>
-          <a:prstGeom prst="rect">
-            <a:avLst/>
-          </a:prstGeom>
-          <a:noFill/>
-        </p:spPr>
-        <p:txBody>
-          <a:bodyPr wrap="square" rtlCol="0">
-            <a:spAutoFit/>
-          </a:bodyPr>
-          <a:lstStyle/>
-          <a:p>
-            <a:r>
-              <a:rPr lang="it-IT" dirty="0">
-                <a:latin typeface="Palatino Linotype" panose="02040502050505030304" pitchFamily="18" charset="0"/>
-              </a:rPr>
-              <a:t>GSM</a:t>
-            </a:r>
-            <a:endParaRPr lang="en-GB" dirty="0">
-              <a:latin typeface="Palatino Linotype" panose="02040502050505030304" pitchFamily="18" charset="0"/>
-            </a:endParaRPr>
-          </a:p>
-        </p:txBody>
-      </p:sp>
-      <p:pic>
-        <p:nvPicPr>
-          <p:cNvPr id="35" name="Immagine 34"/>
-          <p:cNvPicPr>
-            <a:picLocks noChangeAspect="1"/>
-          </p:cNvPicPr>
-          <p:nvPr/>
-        </p:nvPicPr>
-        <p:blipFill rotWithShape="1">
-          <a:blip r:embed="rId3" cstate="print">
-            <a:extLst>
-              <a:ext uri="{28A0092B-C50C-407E-A947-70E740481C1C}">
-                <a14:useLocalDpi xmlns:a14="http://schemas.microsoft.com/office/drawing/2010/main" val="0"/>
-              </a:ext>
-            </a:extLst>
-          </a:blip>
-          <a:srcRect t="2223" b="9488"/>
-          <a:stretch/>
-        </p:blipFill>
-        <p:spPr>
-          <a:xfrm>
-            <a:off x="6721426" y="4783171"/>
-            <a:ext cx="510962" cy="487222"/>
-          </a:xfrm>
-          <a:prstGeom prst="rect">
-            <a:avLst/>
-          </a:prstGeom>
-        </p:spPr>
-      </p:pic>
-      <p:pic>
-        <p:nvPicPr>
-          <p:cNvPr id="36" name="Immagine 35"/>
-          <p:cNvPicPr>
-            <a:picLocks noChangeAspect="1"/>
-          </p:cNvPicPr>
-          <p:nvPr/>
-        </p:nvPicPr>
-        <p:blipFill>
-          <a:blip r:embed="rId4" cstate="print">
-            <a:extLst>
-              <a:ext uri="{28A0092B-C50C-407E-A947-70E740481C1C}">
-                <a14:useLocalDpi xmlns:a14="http://schemas.microsoft.com/office/drawing/2010/main" val="0"/>
-              </a:ext>
-            </a:extLst>
-          </a:blip>
-          <a:stretch>
-            <a:fillRect/>
-          </a:stretch>
-        </p:blipFill>
-        <p:spPr>
-          <a:xfrm>
-            <a:off x="3470888" y="4505560"/>
-            <a:ext cx="791025" cy="791025"/>
-          </a:xfrm>
-          <a:prstGeom prst="rect">
-            <a:avLst/>
-          </a:prstGeom>
-        </p:spPr>
-      </p:pic>
-      <p:pic>
-        <p:nvPicPr>
-          <p:cNvPr id="37" name="Immagine 36"/>
-          <p:cNvPicPr>
-            <a:picLocks noChangeAspect="1"/>
-          </p:cNvPicPr>
-          <p:nvPr/>
-        </p:nvPicPr>
-        <p:blipFill>
-          <a:blip r:embed="rId5" cstate="print">
-            <a:extLst>
-              <a:ext uri="{28A0092B-C50C-407E-A947-70E740481C1C}">
-                <a14:useLocalDpi xmlns:a14="http://schemas.microsoft.com/office/drawing/2010/main" val="0"/>
-              </a:ext>
-            </a:extLst>
-          </a:blip>
-          <a:stretch>
-            <a:fillRect/>
-          </a:stretch>
-        </p:blipFill>
-        <p:spPr>
-          <a:xfrm>
-            <a:off x="3266846" y="1788867"/>
-            <a:ext cx="654524" cy="654524"/>
-          </a:xfrm>
-          <a:prstGeom prst="rect">
-            <a:avLst/>
-          </a:prstGeom>
-        </p:spPr>
-      </p:pic>
-      <p:pic>
-        <p:nvPicPr>
-          <p:cNvPr id="38" name="Immagine 37"/>
-          <p:cNvPicPr>
-            <a:picLocks noChangeAspect="1"/>
-          </p:cNvPicPr>
-          <p:nvPr/>
-        </p:nvPicPr>
-        <p:blipFill rotWithShape="1">
-          <a:blip r:embed="rId6" cstate="print">
-            <a:biLevel thresh="75000"/>
-            <a:extLst>
-              <a:ext uri="{28A0092B-C50C-407E-A947-70E740481C1C}">
-                <a14:useLocalDpi xmlns:a14="http://schemas.microsoft.com/office/drawing/2010/main" val="0"/>
-              </a:ext>
-            </a:extLst>
-          </a:blip>
-          <a:srcRect t="15649" b="14795"/>
-          <a:stretch/>
-        </p:blipFill>
-        <p:spPr>
-          <a:xfrm>
-            <a:off x="3308809" y="5959420"/>
-            <a:ext cx="966237" cy="672070"/>
-          </a:xfrm>
-          <a:prstGeom prst="rect">
-            <a:avLst/>
-          </a:prstGeom>
-        </p:spPr>
-      </p:pic>
-      <p:pic>
-        <p:nvPicPr>
-          <p:cNvPr id="39" name="Immagine 38"/>
-          <p:cNvPicPr>
-            <a:picLocks noChangeAspect="1"/>
-          </p:cNvPicPr>
-          <p:nvPr/>
-        </p:nvPicPr>
-        <p:blipFill rotWithShape="1">
-          <a:blip r:embed="rId7" cstate="print">
-            <a:extLst>
-              <a:ext uri="{28A0092B-C50C-407E-A947-70E740481C1C}">
-                <a14:useLocalDpi xmlns:a14="http://schemas.microsoft.com/office/drawing/2010/main" val="0"/>
-              </a:ext>
-            </a:extLst>
-          </a:blip>
-          <a:srcRect t="13351" b="10889"/>
-          <a:stretch/>
-        </p:blipFill>
-        <p:spPr>
-          <a:xfrm>
-            <a:off x="5261453" y="5725827"/>
-            <a:ext cx="815078" cy="617508"/>
-          </a:xfrm>
-          <a:prstGeom prst="rect">
-            <a:avLst/>
-          </a:prstGeom>
-        </p:spPr>
-      </p:pic>
-      <p:pic>
-        <p:nvPicPr>
-          <p:cNvPr id="40" name="Immagine 39"/>
-          <p:cNvPicPr>
-            <a:picLocks noChangeAspect="1"/>
-          </p:cNvPicPr>
-          <p:nvPr/>
-        </p:nvPicPr>
-        <p:blipFill rotWithShape="1">
-          <a:blip r:embed="rId8" cstate="print">
-            <a:biLevel thresh="75000"/>
-            <a:extLst>
-              <a:ext uri="{28A0092B-C50C-407E-A947-70E740481C1C}">
-                <a14:useLocalDpi xmlns:a14="http://schemas.microsoft.com/office/drawing/2010/main" val="0"/>
-              </a:ext>
-            </a:extLst>
-          </a:blip>
-          <a:srcRect l="20118" t="11966" r="19396" b="26154"/>
-          <a:stretch/>
-        </p:blipFill>
-        <p:spPr>
-          <a:xfrm>
-            <a:off x="7973057" y="5969126"/>
-            <a:ext cx="577215" cy="623737"/>
-          </a:xfrm>
-          <a:prstGeom prst="rect">
-            <a:avLst/>
-          </a:prstGeom>
-        </p:spPr>
-      </p:pic>
-      <p:pic>
-        <p:nvPicPr>
-          <p:cNvPr id="41" name="Immagine 40"/>
-          <p:cNvPicPr>
-            <a:picLocks noChangeAspect="1"/>
-          </p:cNvPicPr>
-          <p:nvPr/>
-        </p:nvPicPr>
-        <p:blipFill rotWithShape="1">
-          <a:blip r:embed="rId9" cstate="print">
-            <a:biLevel thresh="50000"/>
-            <a:extLst>
-              <a:ext uri="{28A0092B-C50C-407E-A947-70E740481C1C}">
-                <a14:useLocalDpi xmlns:a14="http://schemas.microsoft.com/office/drawing/2010/main" val="0"/>
-              </a:ext>
-            </a:extLst>
-          </a:blip>
-          <a:srcRect l="11349" r="13195"/>
-          <a:stretch/>
-        </p:blipFill>
-        <p:spPr>
-          <a:xfrm>
-            <a:off x="9853211" y="5725826"/>
-            <a:ext cx="1175410" cy="594235"/>
-          </a:xfrm>
-          <a:prstGeom prst="rect">
-            <a:avLst/>
-          </a:prstGeom>
-        </p:spPr>
-      </p:pic>
-      <p:pic>
-        <p:nvPicPr>
-          <p:cNvPr id="42" name="Immagine 41"/>
-          <p:cNvPicPr>
-            <a:picLocks noChangeAspect="1"/>
-          </p:cNvPicPr>
-          <p:nvPr/>
-        </p:nvPicPr>
-        <p:blipFill rotWithShape="1">
-          <a:blip r:embed="rId10" cstate="print">
-            <a:extLst>
-              <a:ext uri="{28A0092B-C50C-407E-A947-70E740481C1C}">
-                <a14:useLocalDpi xmlns:a14="http://schemas.microsoft.com/office/drawing/2010/main" val="0"/>
-              </a:ext>
-            </a:extLst>
-          </a:blip>
-          <a:srcRect t="14470"/>
-          <a:stretch/>
-        </p:blipFill>
-        <p:spPr>
-          <a:xfrm>
-            <a:off x="6165335" y="3177790"/>
-            <a:ext cx="738082" cy="631281"/>
-          </a:xfrm>
-          <a:prstGeom prst="rect">
-            <a:avLst/>
-          </a:prstGeom>
-        </p:spPr>
-      </p:pic>
-      <p:pic>
-        <p:nvPicPr>
-          <p:cNvPr id="43" name="Immagine 42"/>
-          <p:cNvPicPr>
-            <a:picLocks noChangeAspect="1"/>
-          </p:cNvPicPr>
-          <p:nvPr/>
-        </p:nvPicPr>
-        <p:blipFill>
-          <a:blip r:embed="rId11" cstate="print">
-            <a:biLevel thresh="75000"/>
-            <a:extLst>
-              <a:ext uri="{28A0092B-C50C-407E-A947-70E740481C1C}">
-                <a14:useLocalDpi xmlns:a14="http://schemas.microsoft.com/office/drawing/2010/main" val="0"/>
-              </a:ext>
-            </a:extLst>
-          </a:blip>
-          <a:stretch>
-            <a:fillRect/>
-          </a:stretch>
-        </p:blipFill>
-        <p:spPr>
-          <a:xfrm>
-            <a:off x="7883204" y="3153651"/>
-            <a:ext cx="1082830" cy="693804"/>
-          </a:xfrm>
-          <a:prstGeom prst="rect">
-            <a:avLst/>
-          </a:prstGeom>
-        </p:spPr>
-      </p:pic>
-      <p:pic>
-        <p:nvPicPr>
-          <p:cNvPr id="44" name="Immagine 43"/>
-          <p:cNvPicPr>
-            <a:picLocks noChangeAspect="1"/>
-          </p:cNvPicPr>
-          <p:nvPr/>
-        </p:nvPicPr>
-        <p:blipFill>
-          <a:blip r:embed="rId12" cstate="print">
-            <a:extLst>
-              <a:ext uri="{28A0092B-C50C-407E-A947-70E740481C1C}">
-                <a14:useLocalDpi xmlns:a14="http://schemas.microsoft.com/office/drawing/2010/main" val="0"/>
-              </a:ext>
-            </a:extLst>
-          </a:blip>
-          <a:stretch>
-            <a:fillRect/>
-          </a:stretch>
-        </p:blipFill>
-        <p:spPr>
-          <a:xfrm>
-            <a:off x="9727043" y="3240823"/>
-            <a:ext cx="1190766" cy="567904"/>
-          </a:xfrm>
-          <a:prstGeom prst="rect">
-            <a:avLst/>
-          </a:prstGeom>
-        </p:spPr>
-      </p:pic>
-      <p:pic>
-        <p:nvPicPr>
-          <p:cNvPr id="45" name="Picture 2"/>
-          <p:cNvPicPr>
-            <a:picLocks noChangeAspect="1" noChangeArrowheads="1"/>
-          </p:cNvPicPr>
-          <p:nvPr/>
-        </p:nvPicPr>
-        <p:blipFill>
-          <a:blip r:embed="rId13" cstate="print">
-            <a:biLevel thresh="75000"/>
-          </a:blip>
-          <a:srcRect l="5016" t="4758" r="50097" b="4943"/>
-          <a:stretch>
-            <a:fillRect/>
-          </a:stretch>
-        </p:blipFill>
-        <p:spPr bwMode="auto">
-          <a:xfrm>
-            <a:off x="5510026" y="1846052"/>
-            <a:ext cx="638548" cy="657936"/>
-          </a:xfrm>
-          <a:prstGeom prst="rect">
-            <a:avLst/>
-          </a:prstGeom>
-          <a:noFill/>
-          <a:ln w="9525">
-            <a:noFill/>
-            <a:miter lim="800000"/>
-            <a:headEnd/>
-            <a:tailEnd/>
-          </a:ln>
-          <a:effectLst/>
-        </p:spPr>
-      </p:pic>
-      <p:pic>
-        <p:nvPicPr>
-          <p:cNvPr id="46" name="Immagine 45"/>
-          <p:cNvPicPr>
-            <a:picLocks noChangeAspect="1"/>
-          </p:cNvPicPr>
-          <p:nvPr/>
-        </p:nvPicPr>
-        <p:blipFill>
-          <a:blip r:embed="rId14" cstate="print">
-            <a:extLst>
-              <a:ext uri="{28A0092B-C50C-407E-A947-70E740481C1C}">
-                <a14:useLocalDpi xmlns:a14="http://schemas.microsoft.com/office/drawing/2010/main" val="0"/>
-              </a:ext>
-            </a:extLst>
-          </a:blip>
-          <a:stretch>
-            <a:fillRect/>
-          </a:stretch>
-        </p:blipFill>
-        <p:spPr>
-          <a:xfrm>
-            <a:off x="4757846" y="1812020"/>
-            <a:ext cx="725623" cy="725623"/>
-          </a:xfrm>
-          <a:prstGeom prst="rect">
-            <a:avLst/>
-          </a:prstGeom>
-        </p:spPr>
-      </p:pic>
-      <p:pic>
-        <p:nvPicPr>
-          <p:cNvPr id="47" name="Immagine 46"/>
-          <p:cNvPicPr>
-            <a:picLocks noChangeAspect="1"/>
-          </p:cNvPicPr>
-          <p:nvPr/>
-        </p:nvPicPr>
-        <p:blipFill rotWithShape="1">
-          <a:blip r:embed="rId15" cstate="print">
-            <a:extLst>
-              <a:ext uri="{28A0092B-C50C-407E-A947-70E740481C1C}">
-                <a14:useLocalDpi xmlns:a14="http://schemas.microsoft.com/office/drawing/2010/main" val="0"/>
-              </a:ext>
-            </a:extLst>
-          </a:blip>
-          <a:srcRect l="28374" t="6540" r="27640"/>
-          <a:stretch/>
-        </p:blipFill>
-        <p:spPr>
-          <a:xfrm>
-            <a:off x="9655162" y="1833686"/>
-            <a:ext cx="423584" cy="722471"/>
-          </a:xfrm>
-          <a:prstGeom prst="rect">
-            <a:avLst/>
-          </a:prstGeom>
-        </p:spPr>
-      </p:pic>
-      <p:pic>
-        <p:nvPicPr>
-          <p:cNvPr id="48" name="Immagine 47"/>
-          <p:cNvPicPr>
-            <a:picLocks noChangeAspect="1"/>
-          </p:cNvPicPr>
-          <p:nvPr/>
-        </p:nvPicPr>
-        <p:blipFill rotWithShape="1">
-          <a:blip r:embed="rId16" cstate="print">
-            <a:duotone>
-              <a:schemeClr val="accent3">
-                <a:shade val="45000"/>
-                <a:satMod val="135000"/>
-              </a:schemeClr>
-              <a:prstClr val="white"/>
-            </a:duotone>
-            <a:extLst>
-              <a:ext uri="{28A0092B-C50C-407E-A947-70E740481C1C}">
-                <a14:useLocalDpi xmlns:a14="http://schemas.microsoft.com/office/drawing/2010/main" val="0"/>
-              </a:ext>
-            </a:extLst>
-          </a:blip>
-          <a:srcRect l="18566" t="16998" r="18567" b="18788"/>
-          <a:stretch/>
-        </p:blipFill>
-        <p:spPr>
-          <a:xfrm>
-            <a:off x="9727043" y="2044594"/>
-            <a:ext cx="291353" cy="198495"/>
-          </a:xfrm>
-          <a:prstGeom prst="rect">
-            <a:avLst/>
-          </a:prstGeom>
-        </p:spPr>
-      </p:pic>
-      <p:sp>
-        <p:nvSpPr>
-          <p:cNvPr id="51" name="Freccia bidirezionale orizzontale 50"/>
-          <p:cNvSpPr/>
-          <p:nvPr/>
-        </p:nvSpPr>
-        <p:spPr>
-          <a:xfrm>
-            <a:off x="7652240" y="4731501"/>
-            <a:ext cx="1226738" cy="169194"/>
-          </a:xfrm>
-          <a:prstGeom prst="leftRightArrow">
-            <a:avLst/>
-          </a:prstGeom>
-        </p:spPr>
-        <p:style>
-          <a:lnRef idx="2">
-            <a:schemeClr val="dk1">
-              <a:shade val="50000"/>
-            </a:schemeClr>
-          </a:lnRef>
-          <a:fillRef idx="1">
-            <a:schemeClr val="dk1"/>
-          </a:fillRef>
-          <a:effectRef idx="0">
-            <a:schemeClr val="dk1"/>
-          </a:effectRef>
-          <a:fontRef idx="minor">
-            <a:schemeClr val="lt1"/>
-          </a:fontRef>
-        </p:style>
-        <p:txBody>
-          <a:bodyPr rtlCol="0" anchor="ctr"/>
-          <a:lstStyle/>
-          <a:p>
-            <a:pPr algn="ctr"/>
-            <a:endParaRPr lang="en-GB"/>
-          </a:p>
-        </p:txBody>
-      </p:sp>
-      <p:pic>
-        <p:nvPicPr>
-          <p:cNvPr id="53" name="Immagine 52"/>
-          <p:cNvPicPr>
-            <a:picLocks noChangeAspect="1"/>
-          </p:cNvPicPr>
-          <p:nvPr/>
-        </p:nvPicPr>
-        <p:blipFill rotWithShape="1">
-          <a:blip r:embed="rId17" cstate="print">
-            <a:biLevel thresh="75000"/>
-            <a:extLst>
-              <a:ext uri="{28A0092B-C50C-407E-A947-70E740481C1C}">
-                <a14:useLocalDpi xmlns:a14="http://schemas.microsoft.com/office/drawing/2010/main" val="0"/>
-              </a:ext>
-            </a:extLst>
-          </a:blip>
-          <a:srcRect l="32956" r="37156" b="37692"/>
-          <a:stretch/>
-        </p:blipFill>
-        <p:spPr>
-          <a:xfrm>
-            <a:off x="7301040" y="1809632"/>
-            <a:ext cx="464960" cy="700322"/>
-          </a:xfrm>
-          <a:prstGeom prst="rect">
-            <a:avLst/>
-          </a:prstGeom>
-        </p:spPr>
-      </p:pic>
-      <p:sp>
-        <p:nvSpPr>
-          <p:cNvPr id="49" name="CasellaDiTesto 48"/>
-          <p:cNvSpPr txBox="1"/>
-          <p:nvPr/>
-        </p:nvSpPr>
-        <p:spPr>
-          <a:xfrm>
-            <a:off x="3692770" y="2801335"/>
-            <a:ext cx="1922585" cy="369332"/>
-          </a:xfrm>
-          <a:prstGeom prst="rect">
-            <a:avLst/>
-          </a:prstGeom>
-          <a:noFill/>
-        </p:spPr>
-        <p:txBody>
-          <a:bodyPr wrap="square" rtlCol="0">
-            <a:spAutoFit/>
-          </a:bodyPr>
-          <a:lstStyle/>
-          <a:p>
-            <a:r>
-              <a:rPr lang="it-IT" dirty="0">
-                <a:latin typeface="Palatino Linotype" panose="02040502050505030304" pitchFamily="18" charset="0"/>
-              </a:rPr>
-              <a:t>Database</a:t>
-            </a:r>
-            <a:endParaRPr lang="en-GB" dirty="0">
-              <a:latin typeface="Palatino Linotype" panose="02040502050505030304" pitchFamily="18" charset="0"/>
-            </a:endParaRPr>
-          </a:p>
-        </p:txBody>
-      </p:sp>
-      <p:pic>
-        <p:nvPicPr>
-          <p:cNvPr id="3" name="Immagine 2"/>
-          <p:cNvPicPr>
-            <a:picLocks noChangeAspect="1"/>
-          </p:cNvPicPr>
-          <p:nvPr/>
-        </p:nvPicPr>
-        <p:blipFill rotWithShape="1">
-          <a:blip r:embed="rId18" cstate="print">
-            <a:biLevel thresh="75000"/>
-            <a:extLst>
-              <a:ext uri="{28A0092B-C50C-407E-A947-70E740481C1C}">
-                <a14:useLocalDpi xmlns:a14="http://schemas.microsoft.com/office/drawing/2010/main" val="0"/>
-              </a:ext>
-            </a:extLst>
-          </a:blip>
-          <a:srcRect t="10794" b="16165"/>
-          <a:stretch/>
-        </p:blipFill>
-        <p:spPr>
-          <a:xfrm>
-            <a:off x="3733874" y="3112824"/>
-            <a:ext cx="1017056" cy="784655"/>
-          </a:xfrm>
-          <a:prstGeom prst="rect">
-            <a:avLst/>
-          </a:prstGeom>
-        </p:spPr>
-      </p:pic>
-      <p:sp>
-        <p:nvSpPr>
-          <p:cNvPr id="21" name="Segnaposto numero diapositiva 20"/>
-          <p:cNvSpPr>
-            <a:spLocks noGrp="1"/>
-          </p:cNvSpPr>
-          <p:nvPr>
-            <p:ph type="sldNum" sz="quarter" idx="12"/>
-          </p:nvPr>
-        </p:nvSpPr>
-        <p:spPr/>
-        <p:txBody>
-          <a:bodyPr/>
-          <a:lstStyle/>
-          <a:p>
-            <a:fld id="{31DE2C5B-556E-47B8-A792-024C2FCA4ACC}" type="slidenum">
-              <a:rPr lang="en-GB" smtClean="0"/>
-              <a:t>36</a:t>
-            </a:fld>
-            <a:endParaRPr lang="en-GB"/>
-          </a:p>
-        </p:txBody>
-      </p:sp>
-      <p:pic>
-        <p:nvPicPr>
-          <p:cNvPr id="31" name="Immagine 30"/>
-          <p:cNvPicPr>
-            <a:picLocks noChangeAspect="1"/>
-          </p:cNvPicPr>
-          <p:nvPr/>
-        </p:nvPicPr>
-        <p:blipFill>
-          <a:blip r:embed="rId19">
-            <a:extLst>
-              <a:ext uri="{28A0092B-C50C-407E-A947-70E740481C1C}">
-                <a14:useLocalDpi xmlns:a14="http://schemas.microsoft.com/office/drawing/2010/main" val="0"/>
-              </a:ext>
-            </a:extLst>
-          </a:blip>
-          <a:stretch>
-            <a:fillRect/>
-          </a:stretch>
-        </p:blipFill>
-        <p:spPr>
-          <a:xfrm>
-            <a:off x="10564134" y="5140064"/>
-            <a:ext cx="1712287" cy="1638712"/>
-          </a:xfrm>
-          <a:prstGeom prst="rect">
-            <a:avLst/>
-          </a:prstGeom>
-        </p:spPr>
-      </p:pic>
-    </p:spTree>
-    <p:extLst>
-      <p:ext uri="{BB962C8B-B14F-4D97-AF65-F5344CB8AC3E}">
-        <p14:creationId xmlns:p14="http://schemas.microsoft.com/office/powerpoint/2010/main" val="483304000"/>
-      </p:ext>
-    </p:extLst>
-  </p:cSld>
-  <p:clrMapOvr>
-    <a:masterClrMapping/>
-  </p:clrMapOvr>
 </p:sld>
 </file>
 

--- a/theory_03-wearable_sensors_part_2/theory_03-wearable_sensors_part_2.pptx
+++ b/theory_03-wearable_sensors_part_2/theory_03-wearable_sensors_part_2.pptx
@@ -231,7 +231,7 @@
           <a:p>
             <a:fld id="{5BDD61AD-5ABE-41AD-B3EF-A04A3105339F}" type="datetimeFigureOut">
               <a:rPr lang="en-GB" smtClean="0"/>
-              <a:t>02/02/2024</a:t>
+              <a:t>16/02/2024</a:t>
             </a:fld>
             <a:endParaRPr lang="en-GB"/>
           </a:p>
@@ -2431,7 +2431,7 @@
           <a:p>
             <a:r>
               <a:rPr lang="en-US" dirty="0"/>
-              <a:t>Wearable sensors</a:t>
+              <a:t>Wearable sensors – Part 2</a:t>
             </a:r>
           </a:p>
         </p:txBody>

--- a/theory_03-wearable_sensors_part_2/theory_03-wearable_sensors_part_2.pptx
+++ b/theory_03-wearable_sensors_part_2/theory_03-wearable_sensors_part_2.pptx
@@ -231,7 +231,7 @@
           <a:p>
             <a:fld id="{5BDD61AD-5ABE-41AD-B3EF-A04A3105339F}" type="datetimeFigureOut">
               <a:rPr lang="en-GB" smtClean="0"/>
-              <a:t>16/02/2024</a:t>
+              <a:t>11/03/2024</a:t>
             </a:fld>
             <a:endParaRPr lang="en-GB"/>
           </a:p>
@@ -4630,15 +4630,7 @@
             </a:r>
             <a:r>
               <a:rPr lang="en-US" dirty="0"/>
-              <a:t>(.), to convert the electrical sensor generated by the sensing technique to output measurements in the same domain of the </a:t>
-            </a:r>
-            <a:r>
-              <a:rPr lang="en-US" dirty="0" err="1"/>
-              <a:t>measurand</a:t>
-            </a:r>
-            <a:r>
-              <a:rPr lang="en-US" dirty="0"/>
-              <a:t>.</a:t>
+              <a:t>(.), to convert the electrical signal generated by the sensing technique to output measurements in the same domain of the measurand.</a:t>
             </a:r>
           </a:p>
         </p:txBody>
@@ -7204,112 +7196,6 @@
   <p:clrMapOvr>
     <a:masterClrMapping/>
   </p:clrMapOvr>
-  <p:timing>
-    <p:tnLst>
-      <p:par>
-        <p:cTn id="1" dur="indefinite" restart="never" nodeType="tmRoot">
-          <p:childTnLst>
-            <p:seq concurrent="1" nextAc="seek">
-              <p:cTn id="2" dur="indefinite" nodeType="mainSeq">
-                <p:childTnLst>
-                  <p:par>
-                    <p:cTn id="3" fill="hold">
-                      <p:stCondLst>
-                        <p:cond delay="indefinite"/>
-                      </p:stCondLst>
-                      <p:childTnLst>
-                        <p:par>
-                          <p:cTn id="4" fill="hold">
-                            <p:stCondLst>
-                              <p:cond delay="0"/>
-                            </p:stCondLst>
-                            <p:childTnLst>
-                              <p:par>
-                                <p:cTn id="5" presetID="1" presetClass="entr" presetSubtype="0" fill="hold" nodeType="clickEffect">
-                                  <p:stCondLst>
-                                    <p:cond delay="0"/>
-                                  </p:stCondLst>
-                                  <p:childTnLst>
-                                    <p:set>
-                                      <p:cBhvr>
-                                        <p:cTn id="6" dur="1" fill="hold">
-                                          <p:stCondLst>
-                                            <p:cond delay="0"/>
-                                          </p:stCondLst>
-                                        </p:cTn>
-                                        <p:tgtEl>
-                                          <p:spTgt spid="3">
-                                            <p:txEl>
-                                              <p:pRg st="4" end="4"/>
-                                            </p:txEl>
-                                          </p:spTgt>
-                                        </p:tgtEl>
-                                        <p:attrNameLst>
-                                          <p:attrName>style.visibility</p:attrName>
-                                        </p:attrNameLst>
-                                      </p:cBhvr>
-                                      <p:to>
-                                        <p:strVal val="visible"/>
-                                      </p:to>
-                                    </p:set>
-                                  </p:childTnLst>
-                                </p:cTn>
-                              </p:par>
-                              <p:par>
-                                <p:cTn id="7" presetID="1" presetClass="entr" presetSubtype="0" fill="hold" nodeType="withEffect">
-                                  <p:stCondLst>
-                                    <p:cond delay="0"/>
-                                  </p:stCondLst>
-                                  <p:childTnLst>
-                                    <p:set>
-                                      <p:cBhvr>
-                                        <p:cTn id="8" dur="1" fill="hold">
-                                          <p:stCondLst>
-                                            <p:cond delay="0"/>
-                                          </p:stCondLst>
-                                        </p:cTn>
-                                        <p:tgtEl>
-                                          <p:spTgt spid="6"/>
-                                        </p:tgtEl>
-                                        <p:attrNameLst>
-                                          <p:attrName>style.visibility</p:attrName>
-                                        </p:attrNameLst>
-                                      </p:cBhvr>
-                                      <p:to>
-                                        <p:strVal val="visible"/>
-                                      </p:to>
-                                    </p:set>
-                                  </p:childTnLst>
-                                </p:cTn>
-                              </p:par>
-                            </p:childTnLst>
-                          </p:cTn>
-                        </p:par>
-                      </p:childTnLst>
-                    </p:cTn>
-                  </p:par>
-                </p:childTnLst>
-              </p:cTn>
-              <p:prevCondLst>
-                <p:cond evt="onPrev" delay="0">
-                  <p:tgtEl>
-                    <p:sldTgt/>
-                  </p:tgtEl>
-                </p:cond>
-              </p:prevCondLst>
-              <p:nextCondLst>
-                <p:cond evt="onNext" delay="0">
-                  <p:tgtEl>
-                    <p:sldTgt/>
-                  </p:tgtEl>
-                </p:cond>
-              </p:nextCondLst>
-            </p:seq>
-          </p:childTnLst>
-        </p:cTn>
-      </p:par>
-    </p:tnLst>
-  </p:timing>
 </p:sld>
 </file>
 
@@ -12351,84 +12237,6 @@
   <p:clrMapOvr>
     <a:masterClrMapping/>
   </p:clrMapOvr>
-  <p:timing>
-    <p:tnLst>
-      <p:par>
-        <p:cTn id="1" dur="indefinite" restart="never" nodeType="tmRoot">
-          <p:childTnLst>
-            <p:seq concurrent="1" nextAc="seek">
-              <p:cTn id="2" dur="indefinite" nodeType="mainSeq">
-                <p:childTnLst>
-                  <p:par>
-                    <p:cTn id="3" fill="hold">
-                      <p:stCondLst>
-                        <p:cond delay="indefinite"/>
-                      </p:stCondLst>
-                      <p:childTnLst>
-                        <p:par>
-                          <p:cTn id="4" fill="hold">
-                            <p:stCondLst>
-                              <p:cond delay="0"/>
-                            </p:stCondLst>
-                            <p:childTnLst>
-                              <p:par>
-                                <p:cTn id="5" presetID="1" presetClass="entr" presetSubtype="0" fill="hold" grpId="0" nodeType="clickEffect">
-                                  <p:stCondLst>
-                                    <p:cond delay="0"/>
-                                  </p:stCondLst>
-                                  <p:childTnLst>
-                                    <p:set>
-                                      <p:cBhvr>
-                                        <p:cTn id="6" dur="1" fill="hold">
-                                          <p:stCondLst>
-                                            <p:cond delay="0"/>
-                                          </p:stCondLst>
-                                        </p:cTn>
-                                        <p:tgtEl>
-                                          <p:spTgt spid="10"/>
-                                        </p:tgtEl>
-                                        <p:attrNameLst>
-                                          <p:attrName>style.visibility</p:attrName>
-                                        </p:attrNameLst>
-                                      </p:cBhvr>
-                                      <p:to>
-                                        <p:strVal val="visible"/>
-                                      </p:to>
-                                    </p:set>
-                                  </p:childTnLst>
-                                </p:cTn>
-                              </p:par>
-                            </p:childTnLst>
-                          </p:cTn>
-                        </p:par>
-                      </p:childTnLst>
-                    </p:cTn>
-                  </p:par>
-                </p:childTnLst>
-              </p:cTn>
-              <p:prevCondLst>
-                <p:cond evt="onPrev" delay="0">
-                  <p:tgtEl>
-                    <p:sldTgt/>
-                  </p:tgtEl>
-                </p:cond>
-              </p:prevCondLst>
-              <p:nextCondLst>
-                <p:cond evt="onNext" delay="0">
-                  <p:tgtEl>
-                    <p:sldTgt/>
-                  </p:tgtEl>
-                </p:cond>
-              </p:nextCondLst>
-            </p:seq>
-          </p:childTnLst>
-        </p:cTn>
-      </p:par>
-    </p:tnLst>
-    <p:bldLst>
-      <p:bldP spid="10" grpId="0"/>
-    </p:bldLst>
-  </p:timing>
 </p:sld>
 </file>
 
@@ -14012,863 +13820,6 @@
   <p:clrMapOvr>
     <a:masterClrMapping/>
   </p:clrMapOvr>
-  <p:timing>
-    <p:tnLst>
-      <p:par>
-        <p:cTn id="1" dur="indefinite" restart="never" nodeType="tmRoot">
-          <p:childTnLst>
-            <p:seq concurrent="1" nextAc="seek">
-              <p:cTn id="2" dur="indefinite" nodeType="mainSeq">
-                <p:childTnLst>
-                  <p:par>
-                    <p:cTn id="3" fill="hold">
-                      <p:stCondLst>
-                        <p:cond delay="indefinite"/>
-                      </p:stCondLst>
-                      <p:childTnLst>
-                        <p:par>
-                          <p:cTn id="4" fill="hold">
-                            <p:stCondLst>
-                              <p:cond delay="0"/>
-                            </p:stCondLst>
-                            <p:childTnLst>
-                              <p:par>
-                                <p:cTn id="5" presetID="1" presetClass="entr" presetSubtype="0" fill="hold" grpId="0" nodeType="clickEffect">
-                                  <p:stCondLst>
-                                    <p:cond delay="0"/>
-                                  </p:stCondLst>
-                                  <p:childTnLst>
-                                    <p:set>
-                                      <p:cBhvr>
-                                        <p:cTn id="6" dur="1" fill="hold">
-                                          <p:stCondLst>
-                                            <p:cond delay="0"/>
-                                          </p:stCondLst>
-                                        </p:cTn>
-                                        <p:tgtEl>
-                                          <p:spTgt spid="5"/>
-                                        </p:tgtEl>
-                                        <p:attrNameLst>
-                                          <p:attrName>style.visibility</p:attrName>
-                                        </p:attrNameLst>
-                                      </p:cBhvr>
-                                      <p:to>
-                                        <p:strVal val="visible"/>
-                                      </p:to>
-                                    </p:set>
-                                  </p:childTnLst>
-                                </p:cTn>
-                              </p:par>
-                              <p:par>
-                                <p:cTn id="7" presetID="1" presetClass="entr" presetSubtype="0" fill="hold" nodeType="withEffect">
-                                  <p:stCondLst>
-                                    <p:cond delay="0"/>
-                                  </p:stCondLst>
-                                  <p:childTnLst>
-                                    <p:set>
-                                      <p:cBhvr>
-                                        <p:cTn id="8" dur="1" fill="hold">
-                                          <p:stCondLst>
-                                            <p:cond delay="0"/>
-                                          </p:stCondLst>
-                                        </p:cTn>
-                                        <p:tgtEl>
-                                          <p:spTgt spid="6"/>
-                                        </p:tgtEl>
-                                        <p:attrNameLst>
-                                          <p:attrName>style.visibility</p:attrName>
-                                        </p:attrNameLst>
-                                      </p:cBhvr>
-                                      <p:to>
-                                        <p:strVal val="visible"/>
-                                      </p:to>
-                                    </p:set>
-                                  </p:childTnLst>
-                                </p:cTn>
-                              </p:par>
-                              <p:par>
-                                <p:cTn id="9" presetID="1" presetClass="entr" presetSubtype="0" fill="hold" nodeType="withEffect">
-                                  <p:stCondLst>
-                                    <p:cond delay="0"/>
-                                  </p:stCondLst>
-                                  <p:childTnLst>
-                                    <p:set>
-                                      <p:cBhvr>
-                                        <p:cTn id="10" dur="1" fill="hold">
-                                          <p:stCondLst>
-                                            <p:cond delay="0"/>
-                                          </p:stCondLst>
-                                        </p:cTn>
-                                        <p:tgtEl>
-                                          <p:spTgt spid="7"/>
-                                        </p:tgtEl>
-                                        <p:attrNameLst>
-                                          <p:attrName>style.visibility</p:attrName>
-                                        </p:attrNameLst>
-                                      </p:cBhvr>
-                                      <p:to>
-                                        <p:strVal val="visible"/>
-                                      </p:to>
-                                    </p:set>
-                                  </p:childTnLst>
-                                </p:cTn>
-                              </p:par>
-                              <p:par>
-                                <p:cTn id="11" presetID="1" presetClass="entr" presetSubtype="0" fill="hold" nodeType="withEffect">
-                                  <p:stCondLst>
-                                    <p:cond delay="0"/>
-                                  </p:stCondLst>
-                                  <p:childTnLst>
-                                    <p:set>
-                                      <p:cBhvr>
-                                        <p:cTn id="12" dur="1" fill="hold">
-                                          <p:stCondLst>
-                                            <p:cond delay="0"/>
-                                          </p:stCondLst>
-                                        </p:cTn>
-                                        <p:tgtEl>
-                                          <p:spTgt spid="8"/>
-                                        </p:tgtEl>
-                                        <p:attrNameLst>
-                                          <p:attrName>style.visibility</p:attrName>
-                                        </p:attrNameLst>
-                                      </p:cBhvr>
-                                      <p:to>
-                                        <p:strVal val="visible"/>
-                                      </p:to>
-                                    </p:set>
-                                  </p:childTnLst>
-                                </p:cTn>
-                              </p:par>
-                              <p:par>
-                                <p:cTn id="13" presetID="1" presetClass="entr" presetSubtype="0" fill="hold" grpId="0" nodeType="withEffect">
-                                  <p:stCondLst>
-                                    <p:cond delay="0"/>
-                                  </p:stCondLst>
-                                  <p:childTnLst>
-                                    <p:set>
-                                      <p:cBhvr>
-                                        <p:cTn id="14" dur="1" fill="hold">
-                                          <p:stCondLst>
-                                            <p:cond delay="0"/>
-                                          </p:stCondLst>
-                                        </p:cTn>
-                                        <p:tgtEl>
-                                          <p:spTgt spid="9"/>
-                                        </p:tgtEl>
-                                        <p:attrNameLst>
-                                          <p:attrName>style.visibility</p:attrName>
-                                        </p:attrNameLst>
-                                      </p:cBhvr>
-                                      <p:to>
-                                        <p:strVal val="visible"/>
-                                      </p:to>
-                                    </p:set>
-                                  </p:childTnLst>
-                                </p:cTn>
-                              </p:par>
-                              <p:par>
-                                <p:cTn id="15" presetID="1" presetClass="entr" presetSubtype="0" fill="hold" grpId="0" nodeType="withEffect">
-                                  <p:stCondLst>
-                                    <p:cond delay="0"/>
-                                  </p:stCondLst>
-                                  <p:childTnLst>
-                                    <p:set>
-                                      <p:cBhvr>
-                                        <p:cTn id="16" dur="1" fill="hold">
-                                          <p:stCondLst>
-                                            <p:cond delay="0"/>
-                                          </p:stCondLst>
-                                        </p:cTn>
-                                        <p:tgtEl>
-                                          <p:spTgt spid="10"/>
-                                        </p:tgtEl>
-                                        <p:attrNameLst>
-                                          <p:attrName>style.visibility</p:attrName>
-                                        </p:attrNameLst>
-                                      </p:cBhvr>
-                                      <p:to>
-                                        <p:strVal val="visible"/>
-                                      </p:to>
-                                    </p:set>
-                                  </p:childTnLst>
-                                </p:cTn>
-                              </p:par>
-                              <p:par>
-                                <p:cTn id="17" presetID="1" presetClass="entr" presetSubtype="0" fill="hold" grpId="0" nodeType="withEffect">
-                                  <p:stCondLst>
-                                    <p:cond delay="0"/>
-                                  </p:stCondLst>
-                                  <p:childTnLst>
-                                    <p:set>
-                                      <p:cBhvr>
-                                        <p:cTn id="18" dur="1" fill="hold">
-                                          <p:stCondLst>
-                                            <p:cond delay="0"/>
-                                          </p:stCondLst>
-                                        </p:cTn>
-                                        <p:tgtEl>
-                                          <p:spTgt spid="11"/>
-                                        </p:tgtEl>
-                                        <p:attrNameLst>
-                                          <p:attrName>style.visibility</p:attrName>
-                                        </p:attrNameLst>
-                                      </p:cBhvr>
-                                      <p:to>
-                                        <p:strVal val="visible"/>
-                                      </p:to>
-                                    </p:set>
-                                  </p:childTnLst>
-                                </p:cTn>
-                              </p:par>
-                              <p:par>
-                                <p:cTn id="19" presetID="1" presetClass="entr" presetSubtype="0" fill="hold" grpId="0" nodeType="withEffect">
-                                  <p:stCondLst>
-                                    <p:cond delay="0"/>
-                                  </p:stCondLst>
-                                  <p:childTnLst>
-                                    <p:set>
-                                      <p:cBhvr>
-                                        <p:cTn id="20" dur="1" fill="hold">
-                                          <p:stCondLst>
-                                            <p:cond delay="0"/>
-                                          </p:stCondLst>
-                                        </p:cTn>
-                                        <p:tgtEl>
-                                          <p:spTgt spid="12"/>
-                                        </p:tgtEl>
-                                        <p:attrNameLst>
-                                          <p:attrName>style.visibility</p:attrName>
-                                        </p:attrNameLst>
-                                      </p:cBhvr>
-                                      <p:to>
-                                        <p:strVal val="visible"/>
-                                      </p:to>
-                                    </p:set>
-                                  </p:childTnLst>
-                                </p:cTn>
-                              </p:par>
-                              <p:par>
-                                <p:cTn id="21" presetID="1" presetClass="entr" presetSubtype="0" fill="hold" grpId="0" nodeType="withEffect">
-                                  <p:stCondLst>
-                                    <p:cond delay="0"/>
-                                  </p:stCondLst>
-                                  <p:childTnLst>
-                                    <p:set>
-                                      <p:cBhvr>
-                                        <p:cTn id="22" dur="1" fill="hold">
-                                          <p:stCondLst>
-                                            <p:cond delay="0"/>
-                                          </p:stCondLst>
-                                        </p:cTn>
-                                        <p:tgtEl>
-                                          <p:spTgt spid="13"/>
-                                        </p:tgtEl>
-                                        <p:attrNameLst>
-                                          <p:attrName>style.visibility</p:attrName>
-                                        </p:attrNameLst>
-                                      </p:cBhvr>
-                                      <p:to>
-                                        <p:strVal val="visible"/>
-                                      </p:to>
-                                    </p:set>
-                                  </p:childTnLst>
-                                </p:cTn>
-                              </p:par>
-                              <p:par>
-                                <p:cTn id="23" presetID="1" presetClass="entr" presetSubtype="0" fill="hold" grpId="0" nodeType="withEffect">
-                                  <p:stCondLst>
-                                    <p:cond delay="0"/>
-                                  </p:stCondLst>
-                                  <p:childTnLst>
-                                    <p:set>
-                                      <p:cBhvr>
-                                        <p:cTn id="24" dur="1" fill="hold">
-                                          <p:stCondLst>
-                                            <p:cond delay="0"/>
-                                          </p:stCondLst>
-                                        </p:cTn>
-                                        <p:tgtEl>
-                                          <p:spTgt spid="14"/>
-                                        </p:tgtEl>
-                                        <p:attrNameLst>
-                                          <p:attrName>style.visibility</p:attrName>
-                                        </p:attrNameLst>
-                                      </p:cBhvr>
-                                      <p:to>
-                                        <p:strVal val="visible"/>
-                                      </p:to>
-                                    </p:set>
-                                  </p:childTnLst>
-                                </p:cTn>
-                              </p:par>
-                              <p:par>
-                                <p:cTn id="25" presetID="1" presetClass="entr" presetSubtype="0" fill="hold" grpId="0" nodeType="withEffect">
-                                  <p:stCondLst>
-                                    <p:cond delay="0"/>
-                                  </p:stCondLst>
-                                  <p:childTnLst>
-                                    <p:set>
-                                      <p:cBhvr>
-                                        <p:cTn id="26" dur="1" fill="hold">
-                                          <p:stCondLst>
-                                            <p:cond delay="0"/>
-                                          </p:stCondLst>
-                                        </p:cTn>
-                                        <p:tgtEl>
-                                          <p:spTgt spid="15"/>
-                                        </p:tgtEl>
-                                        <p:attrNameLst>
-                                          <p:attrName>style.visibility</p:attrName>
-                                        </p:attrNameLst>
-                                      </p:cBhvr>
-                                      <p:to>
-                                        <p:strVal val="visible"/>
-                                      </p:to>
-                                    </p:set>
-                                  </p:childTnLst>
-                                </p:cTn>
-                              </p:par>
-                              <p:par>
-                                <p:cTn id="27" presetID="1" presetClass="entr" presetSubtype="0" fill="hold" grpId="0" nodeType="withEffect">
-                                  <p:stCondLst>
-                                    <p:cond delay="0"/>
-                                  </p:stCondLst>
-                                  <p:childTnLst>
-                                    <p:set>
-                                      <p:cBhvr>
-                                        <p:cTn id="28" dur="1" fill="hold">
-                                          <p:stCondLst>
-                                            <p:cond delay="0"/>
-                                          </p:stCondLst>
-                                        </p:cTn>
-                                        <p:tgtEl>
-                                          <p:spTgt spid="16"/>
-                                        </p:tgtEl>
-                                        <p:attrNameLst>
-                                          <p:attrName>style.visibility</p:attrName>
-                                        </p:attrNameLst>
-                                      </p:cBhvr>
-                                      <p:to>
-                                        <p:strVal val="visible"/>
-                                      </p:to>
-                                    </p:set>
-                                  </p:childTnLst>
-                                </p:cTn>
-                              </p:par>
-                              <p:par>
-                                <p:cTn id="29" presetID="1" presetClass="entr" presetSubtype="0" fill="hold" grpId="0" nodeType="withEffect">
-                                  <p:stCondLst>
-                                    <p:cond delay="0"/>
-                                  </p:stCondLst>
-                                  <p:childTnLst>
-                                    <p:set>
-                                      <p:cBhvr>
-                                        <p:cTn id="30" dur="1" fill="hold">
-                                          <p:stCondLst>
-                                            <p:cond delay="0"/>
-                                          </p:stCondLst>
-                                        </p:cTn>
-                                        <p:tgtEl>
-                                          <p:spTgt spid="17"/>
-                                        </p:tgtEl>
-                                        <p:attrNameLst>
-                                          <p:attrName>style.visibility</p:attrName>
-                                        </p:attrNameLst>
-                                      </p:cBhvr>
-                                      <p:to>
-                                        <p:strVal val="visible"/>
-                                      </p:to>
-                                    </p:set>
-                                  </p:childTnLst>
-                                </p:cTn>
-                              </p:par>
-                              <p:par>
-                                <p:cTn id="31" presetID="1" presetClass="entr" presetSubtype="0" fill="hold" grpId="0" nodeType="withEffect">
-                                  <p:stCondLst>
-                                    <p:cond delay="0"/>
-                                  </p:stCondLst>
-                                  <p:childTnLst>
-                                    <p:set>
-                                      <p:cBhvr>
-                                        <p:cTn id="32" dur="1" fill="hold">
-                                          <p:stCondLst>
-                                            <p:cond delay="0"/>
-                                          </p:stCondLst>
-                                        </p:cTn>
-                                        <p:tgtEl>
-                                          <p:spTgt spid="18"/>
-                                        </p:tgtEl>
-                                        <p:attrNameLst>
-                                          <p:attrName>style.visibility</p:attrName>
-                                        </p:attrNameLst>
-                                      </p:cBhvr>
-                                      <p:to>
-                                        <p:strVal val="visible"/>
-                                      </p:to>
-                                    </p:set>
-                                  </p:childTnLst>
-                                </p:cTn>
-                              </p:par>
-                              <p:par>
-                                <p:cTn id="33" presetID="1" presetClass="entr" presetSubtype="0" fill="hold" grpId="0" nodeType="withEffect">
-                                  <p:stCondLst>
-                                    <p:cond delay="0"/>
-                                  </p:stCondLst>
-                                  <p:childTnLst>
-                                    <p:set>
-                                      <p:cBhvr>
-                                        <p:cTn id="34" dur="1" fill="hold">
-                                          <p:stCondLst>
-                                            <p:cond delay="0"/>
-                                          </p:stCondLst>
-                                        </p:cTn>
-                                        <p:tgtEl>
-                                          <p:spTgt spid="19"/>
-                                        </p:tgtEl>
-                                        <p:attrNameLst>
-                                          <p:attrName>style.visibility</p:attrName>
-                                        </p:attrNameLst>
-                                      </p:cBhvr>
-                                      <p:to>
-                                        <p:strVal val="visible"/>
-                                      </p:to>
-                                    </p:set>
-                                  </p:childTnLst>
-                                </p:cTn>
-                              </p:par>
-                              <p:par>
-                                <p:cTn id="35" presetID="1" presetClass="entr" presetSubtype="0" fill="hold" grpId="0" nodeType="withEffect">
-                                  <p:stCondLst>
-                                    <p:cond delay="0"/>
-                                  </p:stCondLst>
-                                  <p:childTnLst>
-                                    <p:set>
-                                      <p:cBhvr>
-                                        <p:cTn id="36" dur="1" fill="hold">
-                                          <p:stCondLst>
-                                            <p:cond delay="0"/>
-                                          </p:stCondLst>
-                                        </p:cTn>
-                                        <p:tgtEl>
-                                          <p:spTgt spid="20"/>
-                                        </p:tgtEl>
-                                        <p:attrNameLst>
-                                          <p:attrName>style.visibility</p:attrName>
-                                        </p:attrNameLst>
-                                      </p:cBhvr>
-                                      <p:to>
-                                        <p:strVal val="visible"/>
-                                      </p:to>
-                                    </p:set>
-                                  </p:childTnLst>
-                                </p:cTn>
-                              </p:par>
-                              <p:par>
-                                <p:cTn id="37" presetID="1" presetClass="entr" presetSubtype="0" fill="hold" grpId="0" nodeType="withEffect">
-                                  <p:stCondLst>
-                                    <p:cond delay="0"/>
-                                  </p:stCondLst>
-                                  <p:childTnLst>
-                                    <p:set>
-                                      <p:cBhvr>
-                                        <p:cTn id="38" dur="1" fill="hold">
-                                          <p:stCondLst>
-                                            <p:cond delay="0"/>
-                                          </p:stCondLst>
-                                        </p:cTn>
-                                        <p:tgtEl>
-                                          <p:spTgt spid="21"/>
-                                        </p:tgtEl>
-                                        <p:attrNameLst>
-                                          <p:attrName>style.visibility</p:attrName>
-                                        </p:attrNameLst>
-                                      </p:cBhvr>
-                                      <p:to>
-                                        <p:strVal val="visible"/>
-                                      </p:to>
-                                    </p:set>
-                                  </p:childTnLst>
-                                </p:cTn>
-                              </p:par>
-                              <p:par>
-                                <p:cTn id="39" presetID="1" presetClass="entr" presetSubtype="0" fill="hold" grpId="0" nodeType="withEffect">
-                                  <p:stCondLst>
-                                    <p:cond delay="0"/>
-                                  </p:stCondLst>
-                                  <p:childTnLst>
-                                    <p:set>
-                                      <p:cBhvr>
-                                        <p:cTn id="40" dur="1" fill="hold">
-                                          <p:stCondLst>
-                                            <p:cond delay="0"/>
-                                          </p:stCondLst>
-                                        </p:cTn>
-                                        <p:tgtEl>
-                                          <p:spTgt spid="22"/>
-                                        </p:tgtEl>
-                                        <p:attrNameLst>
-                                          <p:attrName>style.visibility</p:attrName>
-                                        </p:attrNameLst>
-                                      </p:cBhvr>
-                                      <p:to>
-                                        <p:strVal val="visible"/>
-                                      </p:to>
-                                    </p:set>
-                                  </p:childTnLst>
-                                </p:cTn>
-                              </p:par>
-                              <p:par>
-                                <p:cTn id="41" presetID="1" presetClass="entr" presetSubtype="0" fill="hold" grpId="0" nodeType="withEffect">
-                                  <p:stCondLst>
-                                    <p:cond delay="0"/>
-                                  </p:stCondLst>
-                                  <p:childTnLst>
-                                    <p:set>
-                                      <p:cBhvr>
-                                        <p:cTn id="42" dur="1" fill="hold">
-                                          <p:stCondLst>
-                                            <p:cond delay="0"/>
-                                          </p:stCondLst>
-                                        </p:cTn>
-                                        <p:tgtEl>
-                                          <p:spTgt spid="23"/>
-                                        </p:tgtEl>
-                                        <p:attrNameLst>
-                                          <p:attrName>style.visibility</p:attrName>
-                                        </p:attrNameLst>
-                                      </p:cBhvr>
-                                      <p:to>
-                                        <p:strVal val="visible"/>
-                                      </p:to>
-                                    </p:set>
-                                  </p:childTnLst>
-                                </p:cTn>
-                              </p:par>
-                              <p:par>
-                                <p:cTn id="43" presetID="1" presetClass="entr" presetSubtype="0" fill="hold" grpId="0" nodeType="withEffect">
-                                  <p:stCondLst>
-                                    <p:cond delay="0"/>
-                                  </p:stCondLst>
-                                  <p:childTnLst>
-                                    <p:set>
-                                      <p:cBhvr>
-                                        <p:cTn id="44" dur="1" fill="hold">
-                                          <p:stCondLst>
-                                            <p:cond delay="0"/>
-                                          </p:stCondLst>
-                                        </p:cTn>
-                                        <p:tgtEl>
-                                          <p:spTgt spid="24"/>
-                                        </p:tgtEl>
-                                        <p:attrNameLst>
-                                          <p:attrName>style.visibility</p:attrName>
-                                        </p:attrNameLst>
-                                      </p:cBhvr>
-                                      <p:to>
-                                        <p:strVal val="visible"/>
-                                      </p:to>
-                                    </p:set>
-                                  </p:childTnLst>
-                                </p:cTn>
-                              </p:par>
-                              <p:par>
-                                <p:cTn id="45" presetID="1" presetClass="entr" presetSubtype="0" fill="hold" grpId="0" nodeType="withEffect">
-                                  <p:stCondLst>
-                                    <p:cond delay="0"/>
-                                  </p:stCondLst>
-                                  <p:childTnLst>
-                                    <p:set>
-                                      <p:cBhvr>
-                                        <p:cTn id="46" dur="1" fill="hold">
-                                          <p:stCondLst>
-                                            <p:cond delay="0"/>
-                                          </p:stCondLst>
-                                        </p:cTn>
-                                        <p:tgtEl>
-                                          <p:spTgt spid="25"/>
-                                        </p:tgtEl>
-                                        <p:attrNameLst>
-                                          <p:attrName>style.visibility</p:attrName>
-                                        </p:attrNameLst>
-                                      </p:cBhvr>
-                                      <p:to>
-                                        <p:strVal val="visible"/>
-                                      </p:to>
-                                    </p:set>
-                                  </p:childTnLst>
-                                </p:cTn>
-                              </p:par>
-                              <p:par>
-                                <p:cTn id="47" presetID="1" presetClass="entr" presetSubtype="0" fill="hold" grpId="0" nodeType="withEffect">
-                                  <p:stCondLst>
-                                    <p:cond delay="0"/>
-                                  </p:stCondLst>
-                                  <p:childTnLst>
-                                    <p:set>
-                                      <p:cBhvr>
-                                        <p:cTn id="48" dur="1" fill="hold">
-                                          <p:stCondLst>
-                                            <p:cond delay="0"/>
-                                          </p:stCondLst>
-                                        </p:cTn>
-                                        <p:tgtEl>
-                                          <p:spTgt spid="26"/>
-                                        </p:tgtEl>
-                                        <p:attrNameLst>
-                                          <p:attrName>style.visibility</p:attrName>
-                                        </p:attrNameLst>
-                                      </p:cBhvr>
-                                      <p:to>
-                                        <p:strVal val="visible"/>
-                                      </p:to>
-                                    </p:set>
-                                  </p:childTnLst>
-                                </p:cTn>
-                              </p:par>
-                              <p:par>
-                                <p:cTn id="49" presetID="1" presetClass="entr" presetSubtype="0" fill="hold" grpId="0" nodeType="withEffect">
-                                  <p:stCondLst>
-                                    <p:cond delay="0"/>
-                                  </p:stCondLst>
-                                  <p:childTnLst>
-                                    <p:set>
-                                      <p:cBhvr>
-                                        <p:cTn id="50" dur="1" fill="hold">
-                                          <p:stCondLst>
-                                            <p:cond delay="0"/>
-                                          </p:stCondLst>
-                                        </p:cTn>
-                                        <p:tgtEl>
-                                          <p:spTgt spid="27"/>
-                                        </p:tgtEl>
-                                        <p:attrNameLst>
-                                          <p:attrName>style.visibility</p:attrName>
-                                        </p:attrNameLst>
-                                      </p:cBhvr>
-                                      <p:to>
-                                        <p:strVal val="visible"/>
-                                      </p:to>
-                                    </p:set>
-                                  </p:childTnLst>
-                                </p:cTn>
-                              </p:par>
-                              <p:par>
-                                <p:cTn id="51" presetID="1" presetClass="entr" presetSubtype="0" fill="hold" grpId="0" nodeType="withEffect">
-                                  <p:stCondLst>
-                                    <p:cond delay="0"/>
-                                  </p:stCondLst>
-                                  <p:childTnLst>
-                                    <p:set>
-                                      <p:cBhvr>
-                                        <p:cTn id="52" dur="1" fill="hold">
-                                          <p:stCondLst>
-                                            <p:cond delay="0"/>
-                                          </p:stCondLst>
-                                        </p:cTn>
-                                        <p:tgtEl>
-                                          <p:spTgt spid="34"/>
-                                        </p:tgtEl>
-                                        <p:attrNameLst>
-                                          <p:attrName>style.visibility</p:attrName>
-                                        </p:attrNameLst>
-                                      </p:cBhvr>
-                                      <p:to>
-                                        <p:strVal val="visible"/>
-                                      </p:to>
-                                    </p:set>
-                                  </p:childTnLst>
-                                </p:cTn>
-                              </p:par>
-                              <p:par>
-                                <p:cTn id="53" presetID="1" presetClass="entr" presetSubtype="0" fill="hold" nodeType="withEffect">
-                                  <p:stCondLst>
-                                    <p:cond delay="0"/>
-                                  </p:stCondLst>
-                                  <p:childTnLst>
-                                    <p:set>
-                                      <p:cBhvr>
-                                        <p:cTn id="54" dur="1" fill="hold">
-                                          <p:stCondLst>
-                                            <p:cond delay="0"/>
-                                          </p:stCondLst>
-                                        </p:cTn>
-                                        <p:tgtEl>
-                                          <p:spTgt spid="36"/>
-                                        </p:tgtEl>
-                                        <p:attrNameLst>
-                                          <p:attrName>style.visibility</p:attrName>
-                                        </p:attrNameLst>
-                                      </p:cBhvr>
-                                      <p:to>
-                                        <p:strVal val="visible"/>
-                                      </p:to>
-                                    </p:set>
-                                  </p:childTnLst>
-                                </p:cTn>
-                              </p:par>
-                              <p:par>
-                                <p:cTn id="55" presetID="1" presetClass="entr" presetSubtype="0" fill="hold" nodeType="withEffect">
-                                  <p:stCondLst>
-                                    <p:cond delay="0"/>
-                                  </p:stCondLst>
-                                  <p:childTnLst>
-                                    <p:set>
-                                      <p:cBhvr>
-                                        <p:cTn id="56" dur="1" fill="hold">
-                                          <p:stCondLst>
-                                            <p:cond delay="0"/>
-                                          </p:stCondLst>
-                                        </p:cTn>
-                                        <p:tgtEl>
-                                          <p:spTgt spid="38"/>
-                                        </p:tgtEl>
-                                        <p:attrNameLst>
-                                          <p:attrName>style.visibility</p:attrName>
-                                        </p:attrNameLst>
-                                      </p:cBhvr>
-                                      <p:to>
-                                        <p:strVal val="visible"/>
-                                      </p:to>
-                                    </p:set>
-                                  </p:childTnLst>
-                                </p:cTn>
-                              </p:par>
-                              <p:par>
-                                <p:cTn id="57" presetID="1" presetClass="entr" presetSubtype="0" fill="hold" grpId="0" nodeType="withEffect">
-                                  <p:stCondLst>
-                                    <p:cond delay="0"/>
-                                  </p:stCondLst>
-                                  <p:childTnLst>
-                                    <p:set>
-                                      <p:cBhvr>
-                                        <p:cTn id="58" dur="1" fill="hold">
-                                          <p:stCondLst>
-                                            <p:cond delay="0"/>
-                                          </p:stCondLst>
-                                        </p:cTn>
-                                        <p:tgtEl>
-                                          <p:spTgt spid="40"/>
-                                        </p:tgtEl>
-                                        <p:attrNameLst>
-                                          <p:attrName>style.visibility</p:attrName>
-                                        </p:attrNameLst>
-                                      </p:cBhvr>
-                                      <p:to>
-                                        <p:strVal val="visible"/>
-                                      </p:to>
-                                    </p:set>
-                                  </p:childTnLst>
-                                </p:cTn>
-                              </p:par>
-                              <p:par>
-                                <p:cTn id="59" presetID="1" presetClass="entr" presetSubtype="0" fill="hold" grpId="0" nodeType="withEffect">
-                                  <p:stCondLst>
-                                    <p:cond delay="0"/>
-                                  </p:stCondLst>
-                                  <p:childTnLst>
-                                    <p:set>
-                                      <p:cBhvr>
-                                        <p:cTn id="60" dur="1" fill="hold">
-                                          <p:stCondLst>
-                                            <p:cond delay="0"/>
-                                          </p:stCondLst>
-                                        </p:cTn>
-                                        <p:tgtEl>
-                                          <p:spTgt spid="41"/>
-                                        </p:tgtEl>
-                                        <p:attrNameLst>
-                                          <p:attrName>style.visibility</p:attrName>
-                                        </p:attrNameLst>
-                                      </p:cBhvr>
-                                      <p:to>
-                                        <p:strVal val="visible"/>
-                                      </p:to>
-                                    </p:set>
-                                  </p:childTnLst>
-                                </p:cTn>
-                              </p:par>
-                              <p:par>
-                                <p:cTn id="61" presetID="1" presetClass="entr" presetSubtype="0" fill="hold" grpId="0" nodeType="withEffect">
-                                  <p:stCondLst>
-                                    <p:cond delay="0"/>
-                                  </p:stCondLst>
-                                  <p:childTnLst>
-                                    <p:set>
-                                      <p:cBhvr>
-                                        <p:cTn id="62" dur="1" fill="hold">
-                                          <p:stCondLst>
-                                            <p:cond delay="0"/>
-                                          </p:stCondLst>
-                                        </p:cTn>
-                                        <p:tgtEl>
-                                          <p:spTgt spid="42"/>
-                                        </p:tgtEl>
-                                        <p:attrNameLst>
-                                          <p:attrName>style.visibility</p:attrName>
-                                        </p:attrNameLst>
-                                      </p:cBhvr>
-                                      <p:to>
-                                        <p:strVal val="visible"/>
-                                      </p:to>
-                                    </p:set>
-                                  </p:childTnLst>
-                                </p:cTn>
-                              </p:par>
-                            </p:childTnLst>
-                          </p:cTn>
-                        </p:par>
-                      </p:childTnLst>
-                    </p:cTn>
-                  </p:par>
-                </p:childTnLst>
-              </p:cTn>
-              <p:prevCondLst>
-                <p:cond evt="onPrev" delay="0">
-                  <p:tgtEl>
-                    <p:sldTgt/>
-                  </p:tgtEl>
-                </p:cond>
-              </p:prevCondLst>
-              <p:nextCondLst>
-                <p:cond evt="onNext" delay="0">
-                  <p:tgtEl>
-                    <p:sldTgt/>
-                  </p:tgtEl>
-                </p:cond>
-              </p:nextCondLst>
-            </p:seq>
-          </p:childTnLst>
-        </p:cTn>
-      </p:par>
-    </p:tnLst>
-    <p:bldLst>
-      <p:bldP spid="5" grpId="0"/>
-      <p:bldP spid="9" grpId="0"/>
-      <p:bldP spid="10" grpId="0"/>
-      <p:bldP spid="11" grpId="0" animBg="1"/>
-      <p:bldP spid="12" grpId="0" animBg="1"/>
-      <p:bldP spid="13" grpId="0" animBg="1"/>
-      <p:bldP spid="14" grpId="0" animBg="1"/>
-      <p:bldP spid="15" grpId="0" animBg="1"/>
-      <p:bldP spid="16" grpId="0" animBg="1"/>
-      <p:bldP spid="17" grpId="0" animBg="1"/>
-      <p:bldP spid="18" grpId="0" animBg="1"/>
-      <p:bldP spid="19" grpId="0" animBg="1"/>
-      <p:bldP spid="20" grpId="0" animBg="1"/>
-      <p:bldP spid="21" grpId="0" animBg="1"/>
-      <p:bldP spid="22" grpId="0" animBg="1"/>
-      <p:bldP spid="23" grpId="0" animBg="1"/>
-      <p:bldP spid="24" grpId="0" animBg="1"/>
-      <p:bldP spid="25" grpId="0" animBg="1"/>
-      <p:bldP spid="26" grpId="0" animBg="1"/>
-      <p:bldP spid="27" grpId="0" animBg="1"/>
-      <p:bldP spid="34" grpId="0" animBg="1"/>
-      <p:bldP spid="40" grpId="0"/>
-      <p:bldP spid="41" grpId="0"/>
-      <p:bldP spid="42" grpId="0"/>
-    </p:bldLst>
-  </p:timing>
 </p:sld>
 </file>
 
@@ -15190,84 +14141,6 @@
   <p:clrMapOvr>
     <a:masterClrMapping/>
   </p:clrMapOvr>
-  <p:timing>
-    <p:tnLst>
-      <p:par>
-        <p:cTn id="1" dur="indefinite" restart="never" nodeType="tmRoot">
-          <p:childTnLst>
-            <p:seq concurrent="1" nextAc="seek">
-              <p:cTn id="2" dur="indefinite" nodeType="mainSeq">
-                <p:childTnLst>
-                  <p:par>
-                    <p:cTn id="3" fill="hold">
-                      <p:stCondLst>
-                        <p:cond delay="indefinite"/>
-                      </p:stCondLst>
-                      <p:childTnLst>
-                        <p:par>
-                          <p:cTn id="4" fill="hold">
-                            <p:stCondLst>
-                              <p:cond delay="0"/>
-                            </p:stCondLst>
-                            <p:childTnLst>
-                              <p:par>
-                                <p:cTn id="5" presetID="1" presetClass="entr" presetSubtype="0" fill="hold" grpId="0" nodeType="clickEffect">
-                                  <p:stCondLst>
-                                    <p:cond delay="0"/>
-                                  </p:stCondLst>
-                                  <p:childTnLst>
-                                    <p:set>
-                                      <p:cBhvr>
-                                        <p:cTn id="6" dur="1" fill="hold">
-                                          <p:stCondLst>
-                                            <p:cond delay="0"/>
-                                          </p:stCondLst>
-                                        </p:cTn>
-                                        <p:tgtEl>
-                                          <p:spTgt spid="6"/>
-                                        </p:tgtEl>
-                                        <p:attrNameLst>
-                                          <p:attrName>style.visibility</p:attrName>
-                                        </p:attrNameLst>
-                                      </p:cBhvr>
-                                      <p:to>
-                                        <p:strVal val="visible"/>
-                                      </p:to>
-                                    </p:set>
-                                  </p:childTnLst>
-                                </p:cTn>
-                              </p:par>
-                            </p:childTnLst>
-                          </p:cTn>
-                        </p:par>
-                      </p:childTnLst>
-                    </p:cTn>
-                  </p:par>
-                </p:childTnLst>
-              </p:cTn>
-              <p:prevCondLst>
-                <p:cond evt="onPrev" delay="0">
-                  <p:tgtEl>
-                    <p:sldTgt/>
-                  </p:tgtEl>
-                </p:cond>
-              </p:prevCondLst>
-              <p:nextCondLst>
-                <p:cond evt="onNext" delay="0">
-                  <p:tgtEl>
-                    <p:sldTgt/>
-                  </p:tgtEl>
-                </p:cond>
-              </p:nextCondLst>
-            </p:seq>
-          </p:childTnLst>
-        </p:cTn>
-      </p:par>
-    </p:tnLst>
-    <p:bldLst>
-      <p:bldP spid="6" grpId="0"/>
-    </p:bldLst>
-  </p:timing>
 </p:sld>
 </file>
 
@@ -16731,129 +15604,6 @@
   <p:clrMapOvr>
     <a:masterClrMapping/>
   </p:clrMapOvr>
-  <p:timing>
-    <p:tnLst>
-      <p:par>
-        <p:cTn id="1" dur="indefinite" restart="never" nodeType="tmRoot">
-          <p:childTnLst>
-            <p:seq concurrent="1" nextAc="seek">
-              <p:cTn id="2" dur="indefinite" nodeType="mainSeq">
-                <p:childTnLst>
-                  <p:par>
-                    <p:cTn id="3" fill="hold">
-                      <p:stCondLst>
-                        <p:cond delay="indefinite"/>
-                      </p:stCondLst>
-                      <p:childTnLst>
-                        <p:par>
-                          <p:cTn id="4" fill="hold">
-                            <p:stCondLst>
-                              <p:cond delay="0"/>
-                            </p:stCondLst>
-                            <p:childTnLst>
-                              <p:par>
-                                <p:cTn id="5" presetID="1" presetClass="entr" presetSubtype="0" fill="hold" grpId="0" nodeType="clickEffect">
-                                  <p:stCondLst>
-                                    <p:cond delay="0"/>
-                                  </p:stCondLst>
-                                  <p:childTnLst>
-                                    <p:set>
-                                      <p:cBhvr>
-                                        <p:cTn id="6" dur="1" fill="hold">
-                                          <p:stCondLst>
-                                            <p:cond delay="0"/>
-                                          </p:stCondLst>
-                                        </p:cTn>
-                                        <p:tgtEl>
-                                          <p:spTgt spid="6"/>
-                                        </p:tgtEl>
-                                        <p:attrNameLst>
-                                          <p:attrName>style.visibility</p:attrName>
-                                        </p:attrNameLst>
-                                      </p:cBhvr>
-                                      <p:to>
-                                        <p:strVal val="visible"/>
-                                      </p:to>
-                                    </p:set>
-                                  </p:childTnLst>
-                                </p:cTn>
-                              </p:par>
-                            </p:childTnLst>
-                          </p:cTn>
-                        </p:par>
-                      </p:childTnLst>
-                    </p:cTn>
-                  </p:par>
-                  <p:par>
-                    <p:cTn id="7" fill="hold">
-                      <p:stCondLst>
-                        <p:cond delay="indefinite"/>
-                      </p:stCondLst>
-                      <p:childTnLst>
-                        <p:par>
-                          <p:cTn id="8" fill="hold">
-                            <p:stCondLst>
-                              <p:cond delay="0"/>
-                            </p:stCondLst>
-                            <p:childTnLst>
-                              <p:par>
-                                <p:cTn id="9" presetID="1" presetClass="entr" presetSubtype="0" fill="hold" nodeType="clickEffect">
-                                  <p:stCondLst>
-                                    <p:cond delay="0"/>
-                                  </p:stCondLst>
-                                  <p:childTnLst>
-                                    <p:set>
-                                      <p:cBhvr>
-                                        <p:cTn id="10" dur="1" fill="hold">
-                                          <p:stCondLst>
-                                            <p:cond delay="0"/>
-                                          </p:stCondLst>
-                                        </p:cTn>
-                                        <p:tgtEl>
-                                          <p:spTgt spid="5"/>
-                                        </p:tgtEl>
-                                        <p:attrNameLst>
-                                          <p:attrName>style.visibility</p:attrName>
-                                        </p:attrNameLst>
-                                      </p:cBhvr>
-                                      <p:to>
-                                        <p:strVal val="visible"/>
-                                      </p:to>
-                                    </p:set>
-                                  </p:childTnLst>
-                                </p:cTn>
-                              </p:par>
-                            </p:childTnLst>
-                          </p:cTn>
-                        </p:par>
-                      </p:childTnLst>
-                    </p:cTn>
-                  </p:par>
-                </p:childTnLst>
-              </p:cTn>
-              <p:prevCondLst>
-                <p:cond evt="onPrev" delay="0">
-                  <p:tgtEl>
-                    <p:sldTgt/>
-                  </p:tgtEl>
-                </p:cond>
-              </p:prevCondLst>
-              <p:nextCondLst>
-                <p:cond evt="onNext" delay="0">
-                  <p:tgtEl>
-                    <p:sldTgt/>
-                  </p:tgtEl>
-                </p:cond>
-              </p:nextCondLst>
-            </p:seq>
-          </p:childTnLst>
-        </p:cTn>
-      </p:par>
-    </p:tnLst>
-    <p:bldLst>
-      <p:bldP spid="6" grpId="0"/>
-    </p:bldLst>
-  </p:timing>
 </p:sld>
 </file>
 
@@ -25678,191 +24428,6 @@
   <p:clrMapOvr>
     <a:masterClrMapping/>
   </p:clrMapOvr>
-  <p:timing>
-    <p:tnLst>
-      <p:par>
-        <p:cTn id="1" dur="indefinite" restart="never" nodeType="tmRoot">
-          <p:childTnLst>
-            <p:seq concurrent="1" nextAc="seek">
-              <p:cTn id="2" dur="indefinite" nodeType="mainSeq">
-                <p:childTnLst>
-                  <p:par>
-                    <p:cTn id="3" fill="hold">
-                      <p:stCondLst>
-                        <p:cond delay="indefinite"/>
-                      </p:stCondLst>
-                      <p:childTnLst>
-                        <p:par>
-                          <p:cTn id="4" fill="hold">
-                            <p:stCondLst>
-                              <p:cond delay="0"/>
-                            </p:stCondLst>
-                            <p:childTnLst>
-                              <p:par>
-                                <p:cTn id="5" presetID="1" presetClass="entr" presetSubtype="0" fill="hold" nodeType="clickEffect">
-                                  <p:stCondLst>
-                                    <p:cond delay="0"/>
-                                  </p:stCondLst>
-                                  <p:childTnLst>
-                                    <p:set>
-                                      <p:cBhvr>
-                                        <p:cTn id="6" dur="1" fill="hold">
-                                          <p:stCondLst>
-                                            <p:cond delay="0"/>
-                                          </p:stCondLst>
-                                        </p:cTn>
-                                        <p:tgtEl>
-                                          <p:spTgt spid="3">
-                                            <p:txEl>
-                                              <p:pRg st="1" end="1"/>
-                                            </p:txEl>
-                                          </p:spTgt>
-                                        </p:tgtEl>
-                                        <p:attrNameLst>
-                                          <p:attrName>style.visibility</p:attrName>
-                                        </p:attrNameLst>
-                                      </p:cBhvr>
-                                      <p:to>
-                                        <p:strVal val="visible"/>
-                                      </p:to>
-                                    </p:set>
-                                  </p:childTnLst>
-                                </p:cTn>
-                              </p:par>
-                            </p:childTnLst>
-                          </p:cTn>
-                        </p:par>
-                      </p:childTnLst>
-                    </p:cTn>
-                  </p:par>
-                  <p:par>
-                    <p:cTn id="7" fill="hold">
-                      <p:stCondLst>
-                        <p:cond delay="indefinite"/>
-                      </p:stCondLst>
-                      <p:childTnLst>
-                        <p:par>
-                          <p:cTn id="8" fill="hold">
-                            <p:stCondLst>
-                              <p:cond delay="0"/>
-                            </p:stCondLst>
-                            <p:childTnLst>
-                              <p:par>
-                                <p:cTn id="9" presetID="1" presetClass="entr" presetSubtype="0" fill="hold" nodeType="clickEffect">
-                                  <p:stCondLst>
-                                    <p:cond delay="0"/>
-                                  </p:stCondLst>
-                                  <p:childTnLst>
-                                    <p:set>
-                                      <p:cBhvr>
-                                        <p:cTn id="10" dur="1" fill="hold">
-                                          <p:stCondLst>
-                                            <p:cond delay="0"/>
-                                          </p:stCondLst>
-                                        </p:cTn>
-                                        <p:tgtEl>
-                                          <p:spTgt spid="3">
-                                            <p:txEl>
-                                              <p:pRg st="2" end="2"/>
-                                            </p:txEl>
-                                          </p:spTgt>
-                                        </p:tgtEl>
-                                        <p:attrNameLst>
-                                          <p:attrName>style.visibility</p:attrName>
-                                        </p:attrNameLst>
-                                      </p:cBhvr>
-                                      <p:to>
-                                        <p:strVal val="visible"/>
-                                      </p:to>
-                                    </p:set>
-                                  </p:childTnLst>
-                                </p:cTn>
-                              </p:par>
-                              <p:par>
-                                <p:cTn id="11" presetID="1" presetClass="entr" presetSubtype="0" fill="hold" grpId="0" nodeType="withEffect">
-                                  <p:stCondLst>
-                                    <p:cond delay="0"/>
-                                  </p:stCondLst>
-                                  <p:childTnLst>
-                                    <p:set>
-                                      <p:cBhvr>
-                                        <p:cTn id="12" dur="1" fill="hold">
-                                          <p:stCondLst>
-                                            <p:cond delay="0"/>
-                                          </p:stCondLst>
-                                        </p:cTn>
-                                        <p:tgtEl>
-                                          <p:spTgt spid="5"/>
-                                        </p:tgtEl>
-                                        <p:attrNameLst>
-                                          <p:attrName>style.visibility</p:attrName>
-                                        </p:attrNameLst>
-                                      </p:cBhvr>
-                                      <p:to>
-                                        <p:strVal val="visible"/>
-                                      </p:to>
-                                    </p:set>
-                                  </p:childTnLst>
-                                </p:cTn>
-                              </p:par>
-                              <p:par>
-                                <p:cTn id="13" presetID="1" presetClass="entr" presetSubtype="0" fill="hold" nodeType="withEffect">
-                                  <p:stCondLst>
-                                    <p:cond delay="0"/>
-                                  </p:stCondLst>
-                                  <p:childTnLst>
-                                    <p:set>
-                                      <p:cBhvr>
-                                        <p:cTn id="14" dur="1" fill="hold">
-                                          <p:stCondLst>
-                                            <p:cond delay="0"/>
-                                          </p:stCondLst>
-                                        </p:cTn>
-                                        <p:tgtEl>
-                                          <p:spTgt spid="4"/>
-                                        </p:tgtEl>
-                                        <p:attrNameLst>
-                                          <p:attrName>style.visibility</p:attrName>
-                                        </p:attrNameLst>
-                                      </p:cBhvr>
-                                      <p:to>
-                                        <p:strVal val="visible"/>
-                                      </p:to>
-                                    </p:set>
-                                  </p:childTnLst>
-                                </p:cTn>
-                              </p:par>
-                            </p:childTnLst>
-                          </p:cTn>
-                        </p:par>
-                      </p:childTnLst>
-                    </p:cTn>
-                  </p:par>
-                </p:childTnLst>
-              </p:cTn>
-              <p:prevCondLst>
-                <p:cond evt="onPrev" delay="0">
-                  <p:tgtEl>
-                    <p:sldTgt/>
-                  </p:tgtEl>
-                </p:cond>
-              </p:prevCondLst>
-              <p:nextCondLst>
-                <p:cond evt="onNext" delay="0">
-                  <p:tgtEl>
-                    <p:sldTgt/>
-                  </p:tgtEl>
-                </p:cond>
-              </p:nextCondLst>
-            </p:seq>
-          </p:childTnLst>
-        </p:cTn>
-      </p:par>
-    </p:tnLst>
-    <p:bldLst>
-      <p:bldP spid="5" grpId="0"/>
-    </p:bldLst>
-  </p:timing>
 </p:sld>
 </file>
 

--- a/theory_03-wearable_sensors_part_2/theory_03-wearable_sensors_part_2.pptx
+++ b/theory_03-wearable_sensors_part_2/theory_03-wearable_sensors_part_2.pptx
@@ -5,7 +5,7 @@
     <p:sldMasterId id="2147483648" r:id="rId1"/>
   </p:sldMasterIdLst>
   <p:notesMasterIdLst>
-    <p:notesMasterId r:id="rId37"/>
+    <p:notesMasterId r:id="rId36"/>
   </p:notesMasterIdLst>
   <p:sldIdLst>
     <p:sldId id="256" r:id="rId2"/>
@@ -15,34 +15,33 @@
     <p:sldId id="287" r:id="rId6"/>
     <p:sldId id="320" r:id="rId7"/>
     <p:sldId id="319" r:id="rId8"/>
-    <p:sldId id="321" r:id="rId9"/>
-    <p:sldId id="286" r:id="rId10"/>
-    <p:sldId id="288" r:id="rId11"/>
-    <p:sldId id="278" r:id="rId12"/>
-    <p:sldId id="289" r:id="rId13"/>
-    <p:sldId id="290" r:id="rId14"/>
-    <p:sldId id="291" r:id="rId15"/>
-    <p:sldId id="322" r:id="rId16"/>
-    <p:sldId id="292" r:id="rId17"/>
-    <p:sldId id="293" r:id="rId18"/>
-    <p:sldId id="323" r:id="rId19"/>
-    <p:sldId id="294" r:id="rId20"/>
-    <p:sldId id="295" r:id="rId21"/>
-    <p:sldId id="324" r:id="rId22"/>
-    <p:sldId id="296" r:id="rId23"/>
-    <p:sldId id="298" r:id="rId24"/>
-    <p:sldId id="297" r:id="rId25"/>
-    <p:sldId id="299" r:id="rId26"/>
-    <p:sldId id="300" r:id="rId27"/>
-    <p:sldId id="301" r:id="rId28"/>
-    <p:sldId id="302" r:id="rId29"/>
-    <p:sldId id="304" r:id="rId30"/>
-    <p:sldId id="306" r:id="rId31"/>
-    <p:sldId id="308" r:id="rId32"/>
-    <p:sldId id="307" r:id="rId33"/>
-    <p:sldId id="309" r:id="rId34"/>
-    <p:sldId id="310" r:id="rId35"/>
-    <p:sldId id="274" r:id="rId36"/>
+    <p:sldId id="286" r:id="rId9"/>
+    <p:sldId id="288" r:id="rId10"/>
+    <p:sldId id="278" r:id="rId11"/>
+    <p:sldId id="289" r:id="rId12"/>
+    <p:sldId id="290" r:id="rId13"/>
+    <p:sldId id="291" r:id="rId14"/>
+    <p:sldId id="322" r:id="rId15"/>
+    <p:sldId id="292" r:id="rId16"/>
+    <p:sldId id="293" r:id="rId17"/>
+    <p:sldId id="323" r:id="rId18"/>
+    <p:sldId id="294" r:id="rId19"/>
+    <p:sldId id="295" r:id="rId20"/>
+    <p:sldId id="324" r:id="rId21"/>
+    <p:sldId id="296" r:id="rId22"/>
+    <p:sldId id="298" r:id="rId23"/>
+    <p:sldId id="297" r:id="rId24"/>
+    <p:sldId id="299" r:id="rId25"/>
+    <p:sldId id="300" r:id="rId26"/>
+    <p:sldId id="301" r:id="rId27"/>
+    <p:sldId id="302" r:id="rId28"/>
+    <p:sldId id="304" r:id="rId29"/>
+    <p:sldId id="306" r:id="rId30"/>
+    <p:sldId id="308" r:id="rId31"/>
+    <p:sldId id="307" r:id="rId32"/>
+    <p:sldId id="309" r:id="rId33"/>
+    <p:sldId id="310" r:id="rId34"/>
+    <p:sldId id="274" r:id="rId35"/>
   </p:sldIdLst>
   <p:sldSz cx="12192000" cy="6858000"/>
   <p:notesSz cx="6858000" cy="9144000"/>
@@ -231,7 +230,7 @@
           <a:p>
             <a:fld id="{5BDD61AD-5ABE-41AD-B3EF-A04A3105339F}" type="datetimeFigureOut">
               <a:rPr lang="en-GB" smtClean="0"/>
-              <a:t>11/03/2024</a:t>
+              <a:t>11/02/2025</a:t>
             </a:fld>
             <a:endParaRPr lang="en-GB"/>
           </a:p>
@@ -1197,7 +1196,9 @@
           <a:lstStyle>
             <a:lvl1pPr marL="0" indent="0" algn="ctr">
               <a:buNone/>
-              <a:defRPr sz="4800" b="1"/>
+              <a:defRPr sz="4800" b="1">
+                <a:latin typeface="Aptos" panose="020B0004020202020204" pitchFamily="34" charset="0"/>
+              </a:defRPr>
             </a:lvl1pPr>
             <a:lvl2pPr marL="457200" indent="0" algn="ctr">
               <a:buNone/>
@@ -1283,7 +1284,9 @@
           <a:lstStyle/>
           <a:p>
             <a:pPr algn="ctr"/>
-            <a:endParaRPr lang="en-GB" dirty="0"/>
+            <a:endParaRPr lang="en-GB" dirty="0">
+              <a:latin typeface="Aptos" panose="020B0004020202020204" pitchFamily="34" charset="0"/>
+            </a:endParaRPr>
           </a:p>
         </p:txBody>
       </p:sp>
@@ -1333,7 +1336,9 @@
           <a:lstStyle/>
           <a:p>
             <a:pPr algn="ctr"/>
-            <a:endParaRPr lang="en-GB" dirty="0"/>
+            <a:endParaRPr lang="en-GB" dirty="0">
+              <a:latin typeface="Aptos" panose="020B0004020202020204" pitchFamily="34" charset="0"/>
+            </a:endParaRPr>
           </a:p>
         </p:txBody>
       </p:sp>
@@ -1379,36 +1384,52 @@
           </a:lstStyle>
           <a:p>
             <a:r>
-              <a:rPr lang="it-IT" sz="2800" b="0" dirty="0" err="1"/>
+              <a:rPr lang="it-IT" sz="2800" b="0" dirty="0" err="1">
+                <a:latin typeface="Aptos" panose="020B0004020202020204" pitchFamily="34" charset="0"/>
+              </a:rPr>
               <a:t>Biomedical</a:t>
             </a:r>
             <a:r>
-              <a:rPr lang="it-IT" sz="2800" b="0" dirty="0"/>
+              <a:rPr lang="it-IT" sz="2800" b="0" dirty="0">
+                <a:latin typeface="Aptos" panose="020B0004020202020204" pitchFamily="34" charset="0"/>
+              </a:rPr>
               <a:t> </a:t>
             </a:r>
             <a:r>
-              <a:rPr lang="it-IT" sz="2800" b="0" dirty="0" err="1"/>
+              <a:rPr lang="it-IT" sz="2800" b="0" dirty="0" err="1">
+                <a:latin typeface="Aptos" panose="020B0004020202020204" pitchFamily="34" charset="0"/>
+              </a:rPr>
               <a:t>Wearable</a:t>
             </a:r>
             <a:r>
-              <a:rPr lang="it-IT" sz="2800" b="0" dirty="0"/>
+              <a:rPr lang="it-IT" sz="2800" b="0" dirty="0">
+                <a:latin typeface="Aptos" panose="020B0004020202020204" pitchFamily="34" charset="0"/>
+              </a:rPr>
               <a:t> Technologies </a:t>
             </a:r>
           </a:p>
           <a:p>
             <a:r>
-              <a:rPr lang="it-IT" sz="2800" b="0" dirty="0"/>
+              <a:rPr lang="it-IT" sz="2800" b="0" dirty="0">
+                <a:latin typeface="Aptos" panose="020B0004020202020204" pitchFamily="34" charset="0"/>
+              </a:rPr>
               <a:t>for Healthcare and </a:t>
             </a:r>
             <a:r>
-              <a:rPr lang="it-IT" sz="2800" b="0" dirty="0" err="1"/>
+              <a:rPr lang="it-IT" sz="2800" b="0" dirty="0" err="1">
+                <a:latin typeface="Aptos" panose="020B0004020202020204" pitchFamily="34" charset="0"/>
+              </a:rPr>
               <a:t>Wellbeing</a:t>
             </a:r>
             <a:r>
-              <a:rPr lang="it-IT" sz="2800" b="0" dirty="0"/>
+              <a:rPr lang="it-IT" sz="2800" b="0" dirty="0">
+                <a:latin typeface="Aptos" panose="020B0004020202020204" pitchFamily="34" charset="0"/>
+              </a:rPr>
               <a:t>  </a:t>
             </a:r>
-            <a:endParaRPr lang="en-GB" sz="2800" b="0" dirty="0"/>
+            <a:endParaRPr lang="en-GB" sz="2800" b="0" dirty="0">
+              <a:latin typeface="Aptos" panose="020B0004020202020204" pitchFamily="34" charset="0"/>
+            </a:endParaRPr>
           </a:p>
         </p:txBody>
       </p:sp>
@@ -1459,8 +1480,10 @@
               </a:spcAft>
             </a:pPr>
             <a:r>
-              <a:rPr lang="it-IT" sz="2800" dirty="0"/>
-              <a:t>A.Y. 2023-2024</a:t>
+              <a:rPr lang="it-IT" sz="2800" dirty="0">
+                <a:latin typeface="Aptos" panose="020B0004020202020204" pitchFamily="34" charset="0"/>
+              </a:rPr>
+              <a:t>A.Y. 2024-2025</a:t>
             </a:r>
           </a:p>
           <a:p>
@@ -1470,10 +1493,14 @@
               </a:spcAft>
             </a:pPr>
             <a:r>
-              <a:rPr lang="it-IT" sz="2800" baseline="0" dirty="0"/>
+              <a:rPr lang="it-IT" sz="2800" baseline="0" dirty="0">
+                <a:latin typeface="Aptos" panose="020B0004020202020204" pitchFamily="34" charset="0"/>
+              </a:rPr>
               <a:t>Giacomo Cappon</a:t>
             </a:r>
-            <a:endParaRPr lang="en-GB" sz="2800" dirty="0"/>
+            <a:endParaRPr lang="en-GB" sz="2800" dirty="0">
+              <a:latin typeface="Aptos" panose="020B0004020202020204" pitchFamily="34" charset="0"/>
+            </a:endParaRPr>
           </a:p>
         </p:txBody>
       </p:sp>
@@ -1511,7 +1538,7 @@
                 <a:effectLst/>
                 <a:uLnTx/>
                 <a:uFillTx/>
-                <a:latin typeface="Palatino Linotype" panose="02040502050505030304" pitchFamily="18" charset="0"/>
+                <a:latin typeface="Aptos" panose="020B0004020202020204" pitchFamily="34" charset="0"/>
                 <a:ea typeface="+mj-ea"/>
                 <a:cs typeface="+mj-cs"/>
               </a:rPr>
@@ -1528,7 +1555,7 @@
                 <a:effectLst/>
                 <a:uLnTx/>
                 <a:uFillTx/>
-                <a:latin typeface="Palatino Linotype" panose="02040502050505030304" pitchFamily="18" charset="0"/>
+                <a:latin typeface="Aptos" panose="020B0004020202020204" pitchFamily="34" charset="0"/>
                 <a:ea typeface="+mj-ea"/>
                 <a:cs typeface="+mj-cs"/>
               </a:rPr>
@@ -1545,7 +1572,7 @@
                 <a:effectLst/>
                 <a:uLnTx/>
                 <a:uFillTx/>
-                <a:latin typeface="Palatino Linotype" panose="02040502050505030304" pitchFamily="18" charset="0"/>
+                <a:latin typeface="Aptos" panose="020B0004020202020204" pitchFamily="34" charset="0"/>
                 <a:ea typeface="+mj-ea"/>
                 <a:cs typeface="+mj-cs"/>
               </a:rPr>
@@ -1561,7 +1588,7 @@
                 <a:effectLst/>
                 <a:uLnTx/>
                 <a:uFillTx/>
-                <a:latin typeface="Palatino Linotype" panose="02040502050505030304" pitchFamily="18" charset="0"/>
+                <a:latin typeface="Aptos" panose="020B0004020202020204" pitchFamily="34" charset="0"/>
                 <a:ea typeface="+mj-ea"/>
                 <a:cs typeface="+mj-cs"/>
               </a:rPr>
@@ -1578,7 +1605,7 @@
                 <a:effectLst/>
                 <a:uLnTx/>
                 <a:uFillTx/>
-                <a:latin typeface="Palatino Linotype" panose="02040502050505030304" pitchFamily="18" charset="0"/>
+                <a:latin typeface="Aptos" panose="020B0004020202020204" pitchFamily="34" charset="0"/>
                 <a:ea typeface="+mj-ea"/>
                 <a:cs typeface="+mj-cs"/>
               </a:rPr>
@@ -1595,13 +1622,15 @@
                 <a:effectLst/>
                 <a:uLnTx/>
                 <a:uFillTx/>
-                <a:latin typeface="Palatino Linotype" panose="02040502050505030304" pitchFamily="18" charset="0"/>
+                <a:latin typeface="Aptos" panose="020B0004020202020204" pitchFamily="34" charset="0"/>
                 <a:ea typeface="+mj-ea"/>
                 <a:cs typeface="+mj-cs"/>
               </a:rPr>
               <a:t>Engineering</a:t>
             </a:r>
-            <a:endParaRPr lang="en-GB" sz="1100" cap="small" baseline="0" dirty="0"/>
+            <a:endParaRPr lang="en-GB" sz="1100" cap="small" baseline="0" dirty="0">
+              <a:latin typeface="Aptos" panose="020B0004020202020204" pitchFamily="34" charset="0"/>
+            </a:endParaRPr>
           </a:p>
         </p:txBody>
       </p:sp>
@@ -2072,12 +2101,14 @@
                     <a:tint val="75000"/>
                   </a:schemeClr>
                 </a:solidFill>
+                <a:latin typeface="Aptos" panose="020B0004020202020204" pitchFamily="34" charset="0"/>
               </a:defRPr>
             </a:lvl1pPr>
           </a:lstStyle>
           <a:p>
             <a:fld id="{31DE2C5B-556E-47B8-A792-024C2FCA4ACC}" type="slidenum">
               <a:rPr lang="en-GB" smtClean="0"/>
+              <a:pPr/>
               <a:t>‹#›</a:t>
             </a:fld>
             <a:endParaRPr lang="en-GB"/>
@@ -2113,7 +2144,7 @@
           <a:solidFill>
             <a:schemeClr val="tx1"/>
           </a:solidFill>
-          <a:latin typeface="Palatino Linotype" panose="02040502050505030304" pitchFamily="18" charset="0"/>
+          <a:latin typeface="Aptos" panose="020B0004020202020204" pitchFamily="34" charset="0"/>
           <a:ea typeface="+mj-ea"/>
           <a:cs typeface="+mj-cs"/>
         </a:defRPr>
@@ -2136,7 +2167,7 @@
           <a:solidFill>
             <a:schemeClr val="tx1"/>
           </a:solidFill>
-          <a:latin typeface="Palatino Linotype" panose="02040502050505030304" pitchFamily="18" charset="0"/>
+          <a:latin typeface="Aptos" panose="020B0004020202020204" pitchFamily="34" charset="0"/>
           <a:ea typeface="+mn-ea"/>
           <a:cs typeface="+mn-cs"/>
         </a:defRPr>
@@ -2157,7 +2188,7 @@
           <a:solidFill>
             <a:schemeClr val="tx1"/>
           </a:solidFill>
-          <a:latin typeface="Palatino Linotype" panose="02040502050505030304" pitchFamily="18" charset="0"/>
+          <a:latin typeface="Aptos" panose="020B0004020202020204" pitchFamily="34" charset="0"/>
           <a:ea typeface="+mn-ea"/>
           <a:cs typeface="+mn-cs"/>
         </a:defRPr>
@@ -2178,7 +2209,7 @@
           <a:solidFill>
             <a:schemeClr val="tx1"/>
           </a:solidFill>
-          <a:latin typeface="Palatino Linotype" panose="02040502050505030304" pitchFamily="18" charset="0"/>
+          <a:latin typeface="Aptos" panose="020B0004020202020204" pitchFamily="34" charset="0"/>
           <a:ea typeface="+mn-ea"/>
           <a:cs typeface="+mn-cs"/>
         </a:defRPr>
@@ -2199,7 +2230,7 @@
           <a:solidFill>
             <a:schemeClr val="tx1"/>
           </a:solidFill>
-          <a:latin typeface="Palatino Linotype" panose="02040502050505030304" pitchFamily="18" charset="0"/>
+          <a:latin typeface="Aptos" panose="020B0004020202020204" pitchFamily="34" charset="0"/>
           <a:ea typeface="+mn-ea"/>
           <a:cs typeface="+mn-cs"/>
         </a:defRPr>
@@ -2220,7 +2251,7 @@
           <a:solidFill>
             <a:schemeClr val="tx1"/>
           </a:solidFill>
-          <a:latin typeface="Palatino Linotype" panose="02040502050505030304" pitchFamily="18" charset="0"/>
+          <a:latin typeface="Aptos" panose="020B0004020202020204" pitchFamily="34" charset="0"/>
           <a:ea typeface="+mn-ea"/>
           <a:cs typeface="+mn-cs"/>
         </a:defRPr>
@@ -2450,819 +2481,6 @@
 </file>
 
 <file path=ppt/slides/slide10.xml><?xml version="1.0" encoding="utf-8"?>
-<p:sld xmlns:a="http://schemas.openxmlformats.org/drawingml/2006/main" xmlns:r="http://schemas.openxmlformats.org/officeDocument/2006/relationships" xmlns:p="http://schemas.openxmlformats.org/presentationml/2006/main">
-  <p:cSld>
-    <p:spTree>
-      <p:nvGrpSpPr>
-        <p:cNvPr id="1" name=""/>
-        <p:cNvGrpSpPr/>
-        <p:nvPr/>
-      </p:nvGrpSpPr>
-      <p:grpSpPr>
-        <a:xfrm>
-          <a:off x="0" y="0"/>
-          <a:ext cx="0" cy="0"/>
-          <a:chOff x="0" y="0"/>
-          <a:chExt cx="0" cy="0"/>
-        </a:xfrm>
-      </p:grpSpPr>
-      <p:pic>
-        <p:nvPicPr>
-          <p:cNvPr id="17" name="Immagine 16"/>
-          <p:cNvPicPr>
-            <a:picLocks noChangeAspect="1"/>
-          </p:cNvPicPr>
-          <p:nvPr/>
-        </p:nvPicPr>
-        <p:blipFill>
-          <a:blip r:embed="rId2">
-            <a:extLst>
-              <a:ext uri="{28A0092B-C50C-407E-A947-70E740481C1C}">
-                <a14:useLocalDpi xmlns:a14="http://schemas.microsoft.com/office/drawing/2010/main" val="0"/>
-              </a:ext>
-            </a:extLst>
-          </a:blip>
-          <a:stretch>
-            <a:fillRect/>
-          </a:stretch>
-        </p:blipFill>
-        <p:spPr>
-          <a:xfrm>
-            <a:off x="5941069" y="1135651"/>
-            <a:ext cx="6148818" cy="2262047"/>
-          </a:xfrm>
-          <a:prstGeom prst="rect">
-            <a:avLst/>
-          </a:prstGeom>
-        </p:spPr>
-      </p:pic>
-      <p:sp>
-        <p:nvSpPr>
-          <p:cNvPr id="2" name="Titolo 1"/>
-          <p:cNvSpPr>
-            <a:spLocks noGrp="1"/>
-          </p:cNvSpPr>
-          <p:nvPr>
-            <p:ph type="title"/>
-          </p:nvPr>
-        </p:nvSpPr>
-        <p:spPr/>
-        <p:txBody>
-          <a:bodyPr>
-            <a:normAutofit fontScale="90000"/>
-          </a:bodyPr>
-          <a:lstStyle/>
-          <a:p>
-            <a:r>
-              <a:rPr lang="it-IT" dirty="0" err="1"/>
-              <a:t>Electrochemical</a:t>
-            </a:r>
-            <a:r>
-              <a:rPr lang="it-IT" dirty="0"/>
-              <a:t> </a:t>
-            </a:r>
-            <a:r>
-              <a:rPr lang="it-IT" dirty="0" err="1"/>
-              <a:t>sensors</a:t>
-            </a:r>
-            <a:r>
-              <a:rPr lang="it-IT" dirty="0"/>
-              <a:t> – </a:t>
-            </a:r>
-            <a:r>
-              <a:rPr lang="it-IT" dirty="0" err="1"/>
-              <a:t>Example</a:t>
-            </a:r>
-            <a:br>
-              <a:rPr lang="it-IT" dirty="0"/>
-            </a:br>
-            <a:r>
-              <a:rPr lang="it-IT" dirty="0" err="1"/>
-              <a:t>Minimally</a:t>
-            </a:r>
-            <a:r>
-              <a:rPr lang="it-IT" dirty="0"/>
-              <a:t>-invasive </a:t>
-            </a:r>
-            <a:r>
-              <a:rPr lang="it-IT" dirty="0" err="1"/>
-              <a:t>electrochemical</a:t>
-            </a:r>
-            <a:r>
-              <a:rPr lang="it-IT" dirty="0"/>
-              <a:t> </a:t>
-            </a:r>
-            <a:r>
-              <a:rPr lang="it-IT" dirty="0" err="1"/>
-              <a:t>glucose</a:t>
-            </a:r>
-            <a:r>
-              <a:rPr lang="it-IT" dirty="0"/>
-              <a:t> </a:t>
-            </a:r>
-            <a:r>
-              <a:rPr lang="it-IT" dirty="0" err="1"/>
-              <a:t>sensor</a:t>
-            </a:r>
-            <a:endParaRPr lang="en-GB" dirty="0"/>
-          </a:p>
-        </p:txBody>
-      </p:sp>
-      <p:sp>
-        <p:nvSpPr>
-          <p:cNvPr id="3" name="Segnaposto contenuto 2"/>
-          <p:cNvSpPr>
-            <a:spLocks noGrp="1"/>
-          </p:cNvSpPr>
-          <p:nvPr>
-            <p:ph idx="1"/>
-          </p:nvPr>
-        </p:nvSpPr>
-        <p:spPr>
-          <a:xfrm>
-            <a:off x="96122" y="1306404"/>
-            <a:ext cx="5524082" cy="3486576"/>
-          </a:xfrm>
-        </p:spPr>
-        <p:txBody>
-          <a:bodyPr>
-            <a:normAutofit/>
-          </a:bodyPr>
-          <a:lstStyle/>
-          <a:p>
-            <a:pPr marL="457200"/>
-            <a:r>
-              <a:rPr lang="en-US" sz="2000" u="sng" dirty="0" err="1"/>
-              <a:t>Amperometric</a:t>
-            </a:r>
-            <a:r>
-              <a:rPr lang="en-US" sz="2000" dirty="0"/>
-              <a:t> </a:t>
-            </a:r>
-            <a:r>
-              <a:rPr lang="en-US" sz="2000" u="sng" dirty="0"/>
-              <a:t>electrochemical</a:t>
-            </a:r>
-            <a:r>
-              <a:rPr lang="en-US" sz="2000" dirty="0"/>
-              <a:t> sensor </a:t>
-            </a:r>
-          </a:p>
-          <a:p>
-            <a:pPr marL="457200"/>
-            <a:r>
-              <a:rPr lang="en-US" sz="2000" dirty="0"/>
-              <a:t>It exploits glucose oxidase (</a:t>
-            </a:r>
-            <a:r>
-              <a:rPr lang="en-US" sz="2000" dirty="0" err="1"/>
-              <a:t>GOx</a:t>
-            </a:r>
-            <a:r>
-              <a:rPr lang="en-US" sz="2000" dirty="0"/>
-              <a:t>) to measure glucose concentration in the ISF.</a:t>
-            </a:r>
-          </a:p>
-          <a:p>
-            <a:pPr marL="457200"/>
-            <a:r>
-              <a:rPr lang="en-US" sz="2000" dirty="0"/>
-              <a:t>Glucose oxidation:</a:t>
-            </a:r>
-          </a:p>
-          <a:p>
-            <a:pPr marL="114300" indent="0">
-              <a:buNone/>
-            </a:pPr>
-            <a:endParaRPr lang="en-US" sz="2000" dirty="0"/>
-          </a:p>
-          <a:p>
-            <a:pPr marL="114300" indent="0">
-              <a:buNone/>
-            </a:pPr>
-            <a:endParaRPr lang="en-US" sz="2000" dirty="0"/>
-          </a:p>
-          <a:p>
-            <a:pPr marL="457200"/>
-            <a:r>
-              <a:rPr lang="en-US" sz="2000" dirty="0"/>
-              <a:t>Oxidation of hydrogen peroxide:</a:t>
-            </a:r>
-          </a:p>
-          <a:p>
-            <a:pPr marL="457200"/>
-            <a:endParaRPr lang="it-IT" sz="2000" dirty="0"/>
-          </a:p>
-          <a:p>
-            <a:pPr marL="457200"/>
-            <a:endParaRPr lang="it-IT" sz="2000" dirty="0"/>
-          </a:p>
-          <a:p>
-            <a:pPr marL="457200"/>
-            <a:endParaRPr lang="en-GB" sz="2000" dirty="0"/>
-          </a:p>
-        </p:txBody>
-      </p:sp>
-      <p:sp>
-        <p:nvSpPr>
-          <p:cNvPr id="5" name="CasellaDiTesto 4"/>
-          <p:cNvSpPr txBox="1"/>
-          <p:nvPr/>
-        </p:nvSpPr>
-        <p:spPr>
-          <a:xfrm>
-            <a:off x="507599" y="3052431"/>
-            <a:ext cx="2517501" cy="400110"/>
-          </a:xfrm>
-          <a:prstGeom prst="rect">
-            <a:avLst/>
-          </a:prstGeom>
-          <a:noFill/>
-        </p:spPr>
-        <p:txBody>
-          <a:bodyPr wrap="square" rtlCol="0">
-            <a:spAutoFit/>
-          </a:bodyPr>
-          <a:lstStyle/>
-          <a:p>
-            <a:r>
-              <a:rPr lang="it-IT" sz="2000" dirty="0" err="1">
-                <a:latin typeface="Palatino Linotype" panose="02040502050505030304" pitchFamily="18" charset="0"/>
-              </a:rPr>
-              <a:t>Glucose</a:t>
-            </a:r>
-            <a:r>
-              <a:rPr lang="it-IT" sz="2000" dirty="0">
-                <a:latin typeface="Palatino Linotype" panose="02040502050505030304" pitchFamily="18" charset="0"/>
-              </a:rPr>
-              <a:t> + H</a:t>
-            </a:r>
-            <a:r>
-              <a:rPr lang="it-IT" sz="2000" baseline="-25000" dirty="0">
-                <a:latin typeface="Palatino Linotype" panose="02040502050505030304" pitchFamily="18" charset="0"/>
-              </a:rPr>
-              <a:t>2</a:t>
-            </a:r>
-            <a:r>
-              <a:rPr lang="it-IT" sz="2000" dirty="0">
-                <a:latin typeface="Palatino Linotype" panose="02040502050505030304" pitchFamily="18" charset="0"/>
-              </a:rPr>
-              <a:t>O + O</a:t>
-            </a:r>
-            <a:r>
-              <a:rPr lang="it-IT" sz="2000" baseline="-25000" dirty="0">
-                <a:latin typeface="Palatino Linotype" panose="02040502050505030304" pitchFamily="18" charset="0"/>
-              </a:rPr>
-              <a:t>2</a:t>
-            </a:r>
-            <a:r>
-              <a:rPr lang="it-IT" sz="2000" dirty="0">
-                <a:latin typeface="Palatino Linotype" panose="02040502050505030304" pitchFamily="18" charset="0"/>
-              </a:rPr>
-              <a:t> </a:t>
-            </a:r>
-            <a:endParaRPr lang="en-GB" sz="2000" dirty="0">
-              <a:latin typeface="Palatino Linotype" panose="02040502050505030304" pitchFamily="18" charset="0"/>
-            </a:endParaRPr>
-          </a:p>
-        </p:txBody>
-      </p:sp>
-      <p:cxnSp>
-        <p:nvCxnSpPr>
-          <p:cNvPr id="7" name="Connettore 2 6"/>
-          <p:cNvCxnSpPr>
-            <a:endCxn id="8" idx="1"/>
-          </p:cNvCxnSpPr>
-          <p:nvPr/>
-        </p:nvCxnSpPr>
-        <p:spPr>
-          <a:xfrm flipV="1">
-            <a:off x="2867773" y="3236174"/>
-            <a:ext cx="478192" cy="8672"/>
-          </a:xfrm>
-          <a:prstGeom prst="straightConnector1">
-            <a:avLst/>
-          </a:prstGeom>
-          <a:ln w="28575">
-            <a:solidFill>
-              <a:schemeClr val="tx1"/>
-            </a:solidFill>
-            <a:tailEnd type="triangle"/>
-          </a:ln>
-        </p:spPr>
-        <p:style>
-          <a:lnRef idx="1">
-            <a:schemeClr val="accent1"/>
-          </a:lnRef>
-          <a:fillRef idx="0">
-            <a:schemeClr val="accent1"/>
-          </a:fillRef>
-          <a:effectRef idx="0">
-            <a:schemeClr val="accent1"/>
-          </a:effectRef>
-          <a:fontRef idx="minor">
-            <a:schemeClr val="tx1"/>
-          </a:fontRef>
-        </p:style>
-      </p:cxnSp>
-      <p:sp>
-        <p:nvSpPr>
-          <p:cNvPr id="8" name="CasellaDiTesto 7"/>
-          <p:cNvSpPr txBox="1"/>
-          <p:nvPr/>
-        </p:nvSpPr>
-        <p:spPr>
-          <a:xfrm>
-            <a:off x="3345965" y="3036119"/>
-            <a:ext cx="3290686" cy="400110"/>
-          </a:xfrm>
-          <a:prstGeom prst="rect">
-            <a:avLst/>
-          </a:prstGeom>
-          <a:noFill/>
-        </p:spPr>
-        <p:txBody>
-          <a:bodyPr wrap="square" rtlCol="0">
-            <a:spAutoFit/>
-          </a:bodyPr>
-          <a:lstStyle/>
-          <a:p>
-            <a:r>
-              <a:rPr lang="it-IT" sz="2000" dirty="0" err="1">
-                <a:latin typeface="Palatino Linotype" panose="02040502050505030304" pitchFamily="18" charset="0"/>
-              </a:rPr>
-              <a:t>Gluconic</a:t>
-            </a:r>
-            <a:r>
-              <a:rPr lang="it-IT" sz="2000" dirty="0">
-                <a:latin typeface="Palatino Linotype" panose="02040502050505030304" pitchFamily="18" charset="0"/>
-              </a:rPr>
-              <a:t> acid + H</a:t>
-            </a:r>
-            <a:r>
-              <a:rPr lang="it-IT" sz="2000" baseline="-25000" dirty="0">
-                <a:latin typeface="Palatino Linotype" panose="02040502050505030304" pitchFamily="18" charset="0"/>
-              </a:rPr>
-              <a:t>2</a:t>
-            </a:r>
-            <a:r>
-              <a:rPr lang="it-IT" sz="2000" dirty="0">
-                <a:latin typeface="Palatino Linotype" panose="02040502050505030304" pitchFamily="18" charset="0"/>
-              </a:rPr>
-              <a:t>O</a:t>
-            </a:r>
-            <a:r>
-              <a:rPr lang="it-IT" sz="2000" baseline="-25000" dirty="0">
-                <a:latin typeface="Palatino Linotype" panose="02040502050505030304" pitchFamily="18" charset="0"/>
-              </a:rPr>
-              <a:t>2</a:t>
-            </a:r>
-            <a:r>
-              <a:rPr lang="it-IT" sz="2000" dirty="0">
-                <a:latin typeface="Palatino Linotype" panose="02040502050505030304" pitchFamily="18" charset="0"/>
-              </a:rPr>
-              <a:t> </a:t>
-            </a:r>
-            <a:endParaRPr lang="en-GB" sz="2000" dirty="0">
-              <a:latin typeface="Palatino Linotype" panose="02040502050505030304" pitchFamily="18" charset="0"/>
-            </a:endParaRPr>
-          </a:p>
-        </p:txBody>
-      </p:sp>
-      <p:sp>
-        <p:nvSpPr>
-          <p:cNvPr id="9" name="CasellaDiTesto 8"/>
-          <p:cNvSpPr txBox="1"/>
-          <p:nvPr/>
-        </p:nvSpPr>
-        <p:spPr>
-          <a:xfrm>
-            <a:off x="2527632" y="2738963"/>
-            <a:ext cx="1158473" cy="400110"/>
-          </a:xfrm>
-          <a:prstGeom prst="rect">
-            <a:avLst/>
-          </a:prstGeom>
-          <a:noFill/>
-        </p:spPr>
-        <p:txBody>
-          <a:bodyPr wrap="square" rtlCol="0">
-            <a:spAutoFit/>
-          </a:bodyPr>
-          <a:lstStyle/>
-          <a:p>
-            <a:pPr algn="ctr"/>
-            <a:r>
-              <a:rPr lang="it-IT" sz="2000" dirty="0" err="1">
-                <a:latin typeface="Palatino Linotype" panose="02040502050505030304" pitchFamily="18" charset="0"/>
-              </a:rPr>
-              <a:t>GOx</a:t>
-            </a:r>
-            <a:endParaRPr lang="en-GB" sz="1600" dirty="0">
-              <a:latin typeface="Palatino Linotype" panose="02040502050505030304" pitchFamily="18" charset="0"/>
-            </a:endParaRPr>
-          </a:p>
-        </p:txBody>
-      </p:sp>
-      <p:sp>
-        <p:nvSpPr>
-          <p:cNvPr id="10" name="CasellaDiTesto 9"/>
-          <p:cNvSpPr txBox="1"/>
-          <p:nvPr/>
-        </p:nvSpPr>
-        <p:spPr>
-          <a:xfrm>
-            <a:off x="1477512" y="4234906"/>
-            <a:ext cx="939165" cy="400110"/>
-          </a:xfrm>
-          <a:prstGeom prst="rect">
-            <a:avLst/>
-          </a:prstGeom>
-          <a:noFill/>
-        </p:spPr>
-        <p:txBody>
-          <a:bodyPr wrap="square" rtlCol="0">
-            <a:spAutoFit/>
-          </a:bodyPr>
-          <a:lstStyle/>
-          <a:p>
-            <a:r>
-              <a:rPr lang="it-IT" sz="2000" dirty="0">
-                <a:latin typeface="Palatino Linotype" panose="02040502050505030304" pitchFamily="18" charset="0"/>
-              </a:rPr>
-              <a:t>H</a:t>
-            </a:r>
-            <a:r>
-              <a:rPr lang="it-IT" sz="2000" baseline="-25000" dirty="0">
-                <a:latin typeface="Palatino Linotype" panose="02040502050505030304" pitchFamily="18" charset="0"/>
-              </a:rPr>
-              <a:t>2</a:t>
-            </a:r>
-            <a:r>
-              <a:rPr lang="it-IT" sz="2000" dirty="0">
-                <a:latin typeface="Palatino Linotype" panose="02040502050505030304" pitchFamily="18" charset="0"/>
-              </a:rPr>
-              <a:t>O</a:t>
-            </a:r>
-            <a:r>
-              <a:rPr lang="it-IT" sz="2000" baseline="-25000" dirty="0">
-                <a:latin typeface="Palatino Linotype" panose="02040502050505030304" pitchFamily="18" charset="0"/>
-              </a:rPr>
-              <a:t>2</a:t>
-            </a:r>
-            <a:r>
-              <a:rPr lang="it-IT" sz="2000" dirty="0">
-                <a:latin typeface="Palatino Linotype" panose="02040502050505030304" pitchFamily="18" charset="0"/>
-              </a:rPr>
-              <a:t>  </a:t>
-            </a:r>
-            <a:endParaRPr lang="en-GB" sz="2000" dirty="0">
-              <a:latin typeface="Palatino Linotype" panose="02040502050505030304" pitchFamily="18" charset="0"/>
-            </a:endParaRPr>
-          </a:p>
-        </p:txBody>
-      </p:sp>
-      <p:cxnSp>
-        <p:nvCxnSpPr>
-          <p:cNvPr id="11" name="Connettore 2 10"/>
-          <p:cNvCxnSpPr/>
-          <p:nvPr/>
-        </p:nvCxnSpPr>
-        <p:spPr>
-          <a:xfrm>
-            <a:off x="2282734" y="4439013"/>
-            <a:ext cx="1847571" cy="2868"/>
-          </a:xfrm>
-          <a:prstGeom prst="straightConnector1">
-            <a:avLst/>
-          </a:prstGeom>
-          <a:ln w="28575">
-            <a:solidFill>
-              <a:schemeClr val="tx1"/>
-            </a:solidFill>
-            <a:tailEnd type="triangle"/>
-          </a:ln>
-        </p:spPr>
-        <p:style>
-          <a:lnRef idx="1">
-            <a:schemeClr val="accent1"/>
-          </a:lnRef>
-          <a:fillRef idx="0">
-            <a:schemeClr val="accent1"/>
-          </a:fillRef>
-          <a:effectRef idx="0">
-            <a:schemeClr val="accent1"/>
-          </a:effectRef>
-          <a:fontRef idx="minor">
-            <a:schemeClr val="tx1"/>
-          </a:fontRef>
-        </p:style>
-      </p:cxnSp>
-      <p:sp>
-        <p:nvSpPr>
-          <p:cNvPr id="12" name="CasellaDiTesto 11"/>
-          <p:cNvSpPr txBox="1"/>
-          <p:nvPr/>
-        </p:nvSpPr>
-        <p:spPr>
-          <a:xfrm>
-            <a:off x="4182557" y="4234777"/>
-            <a:ext cx="3771900" cy="400110"/>
-          </a:xfrm>
-          <a:prstGeom prst="rect">
-            <a:avLst/>
-          </a:prstGeom>
-          <a:noFill/>
-        </p:spPr>
-        <p:txBody>
-          <a:bodyPr wrap="square" rtlCol="0">
-            <a:spAutoFit/>
-          </a:bodyPr>
-          <a:lstStyle/>
-          <a:p>
-            <a:r>
-              <a:rPr lang="it-IT" sz="2000" dirty="0">
-                <a:latin typeface="Palatino Linotype" panose="02040502050505030304" pitchFamily="18" charset="0"/>
-              </a:rPr>
-              <a:t>O</a:t>
-            </a:r>
-            <a:r>
-              <a:rPr lang="it-IT" sz="2000" baseline="-25000" dirty="0">
-                <a:latin typeface="Palatino Linotype" panose="02040502050505030304" pitchFamily="18" charset="0"/>
-              </a:rPr>
-              <a:t>2</a:t>
-            </a:r>
-            <a:r>
-              <a:rPr lang="it-IT" sz="2000" dirty="0">
-                <a:latin typeface="Palatino Linotype" panose="02040502050505030304" pitchFamily="18" charset="0"/>
-              </a:rPr>
-              <a:t> + 2H</a:t>
-            </a:r>
-            <a:r>
-              <a:rPr lang="it-IT" sz="2000" baseline="30000" dirty="0">
-                <a:latin typeface="Palatino Linotype" panose="02040502050505030304" pitchFamily="18" charset="0"/>
-              </a:rPr>
-              <a:t>+</a:t>
-            </a:r>
-            <a:r>
-              <a:rPr lang="it-IT" sz="2000" dirty="0">
-                <a:latin typeface="Palatino Linotype" panose="02040502050505030304" pitchFamily="18" charset="0"/>
-              </a:rPr>
-              <a:t> + 2e</a:t>
-            </a:r>
-            <a:r>
-              <a:rPr lang="it-IT" sz="2000" baseline="30000" dirty="0">
-                <a:latin typeface="Palatino Linotype" panose="02040502050505030304" pitchFamily="18" charset="0"/>
-              </a:rPr>
-              <a:t>-</a:t>
-            </a:r>
-            <a:endParaRPr lang="en-GB" sz="2000" baseline="30000" dirty="0">
-              <a:latin typeface="Palatino Linotype" panose="02040502050505030304" pitchFamily="18" charset="0"/>
-            </a:endParaRPr>
-          </a:p>
-        </p:txBody>
-      </p:sp>
-      <p:sp>
-        <p:nvSpPr>
-          <p:cNvPr id="18" name="Rettangolo 17"/>
-          <p:cNvSpPr/>
-          <p:nvPr/>
-        </p:nvSpPr>
-        <p:spPr>
-          <a:xfrm>
-            <a:off x="96122" y="4922571"/>
-            <a:ext cx="11763828" cy="1733808"/>
-          </a:xfrm>
-          <a:prstGeom prst="rect">
-            <a:avLst/>
-          </a:prstGeom>
-        </p:spPr>
-        <p:txBody>
-          <a:bodyPr wrap="square">
-            <a:spAutoFit/>
-          </a:bodyPr>
-          <a:lstStyle/>
-          <a:p>
-            <a:pPr marL="457200" indent="-342900">
-              <a:lnSpc>
-                <a:spcPct val="90000"/>
-              </a:lnSpc>
-              <a:spcBef>
-                <a:spcPts val="1000"/>
-              </a:spcBef>
-              <a:buClr>
-                <a:srgbClr val="00B050"/>
-              </a:buClr>
-              <a:buFont typeface="Wingdings" panose="05000000000000000000" pitchFamily="2" charset="2"/>
-              <a:buChar char="Ø"/>
-            </a:pPr>
-            <a:r>
-              <a:rPr lang="en-US" sz="2000" dirty="0">
-                <a:latin typeface="Palatino Linotype" panose="02040502050505030304" pitchFamily="18" charset="0"/>
-              </a:rPr>
-              <a:t>The reaction takes place at a platinum working electrode used as anode and polarized to a positive potential of +500 mV with respect to an iridium oxide (</a:t>
-            </a:r>
-            <a:r>
-              <a:rPr lang="en-US" sz="2000" dirty="0" err="1">
-                <a:latin typeface="Palatino Linotype" panose="02040502050505030304" pitchFamily="18" charset="0"/>
-              </a:rPr>
-              <a:t>IrOx</a:t>
-            </a:r>
-            <a:r>
-              <a:rPr lang="en-US" sz="2000" dirty="0">
-                <a:latin typeface="Palatino Linotype" panose="02040502050505030304" pitchFamily="18" charset="0"/>
-              </a:rPr>
-              <a:t>) reference electrode.</a:t>
-            </a:r>
-          </a:p>
-          <a:p>
-            <a:pPr marL="457200" indent="-342900">
-              <a:lnSpc>
-                <a:spcPct val="90000"/>
-              </a:lnSpc>
-              <a:spcBef>
-                <a:spcPts val="1000"/>
-              </a:spcBef>
-              <a:buClr>
-                <a:srgbClr val="00B050"/>
-              </a:buClr>
-              <a:buFont typeface="Wingdings" panose="05000000000000000000" pitchFamily="2" charset="2"/>
-              <a:buChar char="Ø"/>
-            </a:pPr>
-            <a:r>
-              <a:rPr lang="en-US" sz="2000" dirty="0">
-                <a:latin typeface="Palatino Linotype" panose="02040502050505030304" pitchFamily="18" charset="0"/>
-              </a:rPr>
-              <a:t>A counter electrode, also made of platinum, closes the electrical circuit.</a:t>
-            </a:r>
-          </a:p>
-          <a:p>
-            <a:pPr marL="457200" indent="-342900">
-              <a:lnSpc>
-                <a:spcPct val="90000"/>
-              </a:lnSpc>
-              <a:spcBef>
-                <a:spcPts val="1000"/>
-              </a:spcBef>
-              <a:buClr>
-                <a:srgbClr val="00B050"/>
-              </a:buClr>
-              <a:buFont typeface="Wingdings" panose="05000000000000000000" pitchFamily="2" charset="2"/>
-              <a:buChar char="Ø"/>
-            </a:pPr>
-            <a:r>
-              <a:rPr lang="en-US" sz="2000" dirty="0">
-                <a:latin typeface="Palatino Linotype" panose="02040502050505030304" pitchFamily="18" charset="0"/>
-              </a:rPr>
-              <a:t>The electrons generated by the oxidation hydrogen peroxide generate an electrical current which is proportional to glucose concentration in the ISF. </a:t>
-            </a:r>
-          </a:p>
-        </p:txBody>
-      </p:sp>
-      <p:sp>
-        <p:nvSpPr>
-          <p:cNvPr id="21" name="CasellaDiTesto 20"/>
-          <p:cNvSpPr txBox="1"/>
-          <p:nvPr/>
-        </p:nvSpPr>
-        <p:spPr>
-          <a:xfrm>
-            <a:off x="2156169" y="4030541"/>
-            <a:ext cx="2333146" cy="400110"/>
-          </a:xfrm>
-          <a:prstGeom prst="rect">
-            <a:avLst/>
-          </a:prstGeom>
-          <a:noFill/>
-        </p:spPr>
-        <p:txBody>
-          <a:bodyPr wrap="square" rtlCol="0">
-            <a:spAutoFit/>
-          </a:bodyPr>
-          <a:lstStyle/>
-          <a:p>
-            <a:r>
-              <a:rPr lang="it-IT" sz="2000" dirty="0">
-                <a:latin typeface="Palatino Linotype" panose="02040502050505030304" pitchFamily="18" charset="0"/>
-              </a:rPr>
-              <a:t>+500 </a:t>
-            </a:r>
-            <a:r>
-              <a:rPr lang="it-IT" sz="2000" dirty="0" err="1">
-                <a:latin typeface="Palatino Linotype" panose="02040502050505030304" pitchFamily="18" charset="0"/>
-              </a:rPr>
-              <a:t>mV</a:t>
-            </a:r>
-            <a:r>
-              <a:rPr lang="it-IT" sz="2000" dirty="0">
-                <a:latin typeface="Palatino Linotype" panose="02040502050505030304" pitchFamily="18" charset="0"/>
-              </a:rPr>
-              <a:t> vs </a:t>
-            </a:r>
-            <a:r>
-              <a:rPr lang="it-IT" sz="2000" dirty="0" err="1">
-                <a:latin typeface="Palatino Linotype" panose="02040502050505030304" pitchFamily="18" charset="0"/>
-              </a:rPr>
-              <a:t>IrOx</a:t>
-            </a:r>
-            <a:endParaRPr lang="en-GB" sz="1600" dirty="0">
-              <a:latin typeface="Palatino Linotype" panose="02040502050505030304" pitchFamily="18" charset="0"/>
-            </a:endParaRPr>
-          </a:p>
-        </p:txBody>
-      </p:sp>
-      <p:sp>
-        <p:nvSpPr>
-          <p:cNvPr id="24" name="CasellaDiTesto 23"/>
-          <p:cNvSpPr txBox="1"/>
-          <p:nvPr/>
-        </p:nvSpPr>
-        <p:spPr>
-          <a:xfrm>
-            <a:off x="6983642" y="3509098"/>
-            <a:ext cx="4511040" cy="369332"/>
-          </a:xfrm>
-          <a:prstGeom prst="rect">
-            <a:avLst/>
-          </a:prstGeom>
-          <a:noFill/>
-        </p:spPr>
-        <p:txBody>
-          <a:bodyPr wrap="square" rtlCol="0">
-            <a:spAutoFit/>
-          </a:bodyPr>
-          <a:lstStyle/>
-          <a:p>
-            <a:r>
-              <a:rPr lang="it-IT" dirty="0" err="1">
-                <a:latin typeface="Palatino Linotype" panose="02040502050505030304" pitchFamily="18" charset="0"/>
-              </a:rPr>
-              <a:t>Ribet</a:t>
-            </a:r>
-            <a:r>
-              <a:rPr lang="it-IT" dirty="0">
-                <a:latin typeface="Palatino Linotype" panose="02040502050505030304" pitchFamily="18" charset="0"/>
-              </a:rPr>
-              <a:t> et al., </a:t>
-            </a:r>
-            <a:r>
-              <a:rPr lang="en-GB" dirty="0">
-                <a:latin typeface="Palatino Linotype" panose="02040502050505030304" pitchFamily="18" charset="0"/>
-              </a:rPr>
-              <a:t>Biomedical </a:t>
-            </a:r>
-            <a:r>
-              <a:rPr lang="en-GB" dirty="0" err="1">
-                <a:latin typeface="Palatino Linotype" panose="02040502050505030304" pitchFamily="18" charset="0"/>
-              </a:rPr>
-              <a:t>Microdevices</a:t>
-            </a:r>
-            <a:r>
-              <a:rPr lang="en-GB" dirty="0">
-                <a:latin typeface="Palatino Linotype" panose="02040502050505030304" pitchFamily="18" charset="0"/>
-              </a:rPr>
-              <a:t>, 2018</a:t>
-            </a:r>
-          </a:p>
-        </p:txBody>
-      </p:sp>
-      <p:sp>
-        <p:nvSpPr>
-          <p:cNvPr id="4" name="Segnaposto numero diapositiva 3"/>
-          <p:cNvSpPr>
-            <a:spLocks noGrp="1"/>
-          </p:cNvSpPr>
-          <p:nvPr>
-            <p:ph type="sldNum" sz="quarter" idx="12"/>
-          </p:nvPr>
-        </p:nvSpPr>
-        <p:spPr/>
-        <p:txBody>
-          <a:bodyPr/>
-          <a:lstStyle/>
-          <a:p>
-            <a:fld id="{31DE2C5B-556E-47B8-A792-024C2FCA4ACC}" type="slidenum">
-              <a:rPr lang="en-GB" smtClean="0"/>
-              <a:t>10</a:t>
-            </a:fld>
-            <a:endParaRPr lang="en-GB"/>
-          </a:p>
-        </p:txBody>
-      </p:sp>
-    </p:spTree>
-    <p:extLst>
-      <p:ext uri="{BB962C8B-B14F-4D97-AF65-F5344CB8AC3E}">
-        <p14:creationId xmlns:p14="http://schemas.microsoft.com/office/powerpoint/2010/main" val="912415085"/>
-      </p:ext>
-    </p:extLst>
-  </p:cSld>
-  <p:clrMapOvr>
-    <a:masterClrMapping/>
-  </p:clrMapOvr>
-</p:sld>
-</file>
-
-<file path=ppt/slides/slide11.xml><?xml version="1.0" encoding="utf-8"?>
 <p:sld xmlns:a="http://schemas.openxmlformats.org/drawingml/2006/main" xmlns:r="http://schemas.openxmlformats.org/officeDocument/2006/relationships" xmlns:p="http://schemas.openxmlformats.org/presentationml/2006/main">
   <p:cSld>
     <p:spTree>
@@ -3622,35 +2840,48 @@
           </a:lstStyle>
           <a:p>
             <a:r>
-              <a:rPr lang="en-US" sz="2200" b="1" dirty="0"/>
+              <a:rPr lang="en-US" sz="2200" b="1" dirty="0">
+                <a:latin typeface="Aptos" panose="020B0004020202020204" pitchFamily="34" charset="0"/>
+              </a:rPr>
               <a:t>Reverse iontophoresis </a:t>
             </a:r>
             <a:r>
-              <a:rPr lang="en-US" sz="2200" dirty="0"/>
+              <a:rPr lang="en-US" sz="2200" dirty="0">
+                <a:latin typeface="Aptos" panose="020B0004020202020204" pitchFamily="34" charset="0"/>
+              </a:rPr>
               <a:t>technique: application of a small controlled current between two electrodes connected to the skin, the anode (positive) and cathode (negative) to promote migration of biochemical species from ISF to sweat.</a:t>
             </a:r>
           </a:p>
           <a:p>
             <a:r>
-              <a:rPr lang="en-US" sz="2200" dirty="0"/>
+              <a:rPr lang="en-US" sz="2200" dirty="0">
+                <a:latin typeface="Aptos" panose="020B0004020202020204" pitchFamily="34" charset="0"/>
+              </a:rPr>
               <a:t>The current causes a migration of Na</a:t>
             </a:r>
             <a:r>
-              <a:rPr lang="en-US" sz="2200" baseline="30000" dirty="0"/>
+              <a:rPr lang="en-US" sz="2200" baseline="30000" dirty="0">
+                <a:latin typeface="Aptos" panose="020B0004020202020204" pitchFamily="34" charset="0"/>
+              </a:rPr>
               <a:t>+ </a:t>
             </a:r>
             <a:r>
-              <a:rPr lang="en-US" sz="2200" dirty="0"/>
+              <a:rPr lang="en-US" sz="2200" dirty="0">
+                <a:latin typeface="Aptos" panose="020B0004020202020204" pitchFamily="34" charset="0"/>
+              </a:rPr>
               <a:t>ions in the ISF towards the cathode </a:t>
             </a:r>
             <a:r>
               <a:rPr lang="en-US" sz="2200" dirty="0">
+                <a:latin typeface="Aptos" panose="020B0004020202020204" pitchFamily="34" charset="0"/>
                 <a:sym typeface="Wingdings" panose="05000000000000000000" pitchFamily="2" charset="2"/>
               </a:rPr>
               <a:t> </a:t>
             </a:r>
             <a:r>
-              <a:rPr lang="en-US" sz="2200" dirty="0"/>
+              <a:rPr lang="en-US" sz="2200" dirty="0">
+                <a:latin typeface="Aptos" panose="020B0004020202020204" pitchFamily="34" charset="0"/>
+              </a:rPr>
               <a:t>convective flow of the ISF that transports the uncharged species, e.g., glucose, towards the iontophoretic cathode.</a:t>
             </a:r>
           </a:p>
@@ -3673,7 +2904,7 @@
           <a:p>
             <a:fld id="{31DE2C5B-556E-47B8-A792-024C2FCA4ACC}" type="slidenum">
               <a:rPr lang="en-GB" smtClean="0"/>
-              <a:t>11</a:t>
+              <a:t>10</a:t>
             </a:fld>
             <a:endParaRPr lang="en-GB"/>
           </a:p>
@@ -3683,6 +2914,188 @@
     <p:extLst>
       <p:ext uri="{BB962C8B-B14F-4D97-AF65-F5344CB8AC3E}">
         <p14:creationId xmlns:p14="http://schemas.microsoft.com/office/powerpoint/2010/main" val="2143505655"/>
+      </p:ext>
+    </p:extLst>
+  </p:cSld>
+  <p:clrMapOvr>
+    <a:masterClrMapping/>
+  </p:clrMapOvr>
+</p:sld>
+</file>
+
+<file path=ppt/slides/slide11.xml><?xml version="1.0" encoding="utf-8"?>
+<p:sld xmlns:a="http://schemas.openxmlformats.org/drawingml/2006/main" xmlns:r="http://schemas.openxmlformats.org/officeDocument/2006/relationships" xmlns:p="http://schemas.openxmlformats.org/presentationml/2006/main">
+  <p:cSld>
+    <p:spTree>
+      <p:nvGrpSpPr>
+        <p:cNvPr id="1" name=""/>
+        <p:cNvGrpSpPr/>
+        <p:nvPr/>
+      </p:nvGrpSpPr>
+      <p:grpSpPr>
+        <a:xfrm>
+          <a:off x="0" y="0"/>
+          <a:ext cx="0" cy="0"/>
+          <a:chOff x="0" y="0"/>
+          <a:chExt cx="0" cy="0"/>
+        </a:xfrm>
+      </p:grpSpPr>
+      <p:sp>
+        <p:nvSpPr>
+          <p:cNvPr id="2" name="Titolo 1"/>
+          <p:cNvSpPr>
+            <a:spLocks noGrp="1"/>
+          </p:cNvSpPr>
+          <p:nvPr>
+            <p:ph type="title"/>
+          </p:nvPr>
+        </p:nvSpPr>
+        <p:spPr/>
+        <p:txBody>
+          <a:bodyPr/>
+          <a:lstStyle/>
+          <a:p>
+            <a:r>
+              <a:rPr lang="it-IT" dirty="0"/>
+              <a:t>Sensor </a:t>
+            </a:r>
+            <a:r>
+              <a:rPr lang="it-IT" dirty="0" err="1"/>
+              <a:t>characteristics</a:t>
+            </a:r>
+            <a:endParaRPr lang="en-GB" dirty="0"/>
+          </a:p>
+        </p:txBody>
+      </p:sp>
+      <p:sp>
+        <p:nvSpPr>
+          <p:cNvPr id="3" name="Segnaposto contenuto 2"/>
+          <p:cNvSpPr>
+            <a:spLocks noGrp="1"/>
+          </p:cNvSpPr>
+          <p:nvPr>
+            <p:ph idx="1"/>
+          </p:nvPr>
+        </p:nvSpPr>
+        <p:spPr/>
+        <p:txBody>
+          <a:bodyPr>
+            <a:normAutofit/>
+          </a:bodyPr>
+          <a:lstStyle/>
+          <a:p>
+            <a:r>
+              <a:rPr lang="en-GB" dirty="0"/>
+              <a:t>To truly understand sensors, and how sensors that measure the same </a:t>
+            </a:r>
+            <a:r>
+              <a:rPr lang="en-GB" dirty="0" err="1"/>
+              <a:t>measurand</a:t>
+            </a:r>
+            <a:r>
+              <a:rPr lang="en-GB" dirty="0"/>
+              <a:t> can differ, it is necessary to understand sensor performance characteristics, which are reported in </a:t>
+            </a:r>
+            <a:r>
+              <a:rPr lang="en-GB" b="1" dirty="0"/>
+              <a:t>specifications</a:t>
+            </a:r>
+            <a:r>
+              <a:rPr lang="en-GB" dirty="0"/>
+              <a:t> (specs) or </a:t>
+            </a:r>
+            <a:r>
+              <a:rPr lang="en-GB" b="1" dirty="0"/>
+              <a:t>datasheet</a:t>
+            </a:r>
+            <a:r>
+              <a:rPr lang="en-GB" dirty="0"/>
+              <a:t>.</a:t>
+            </a:r>
+          </a:p>
+          <a:p>
+            <a:pPr lvl="1">
+              <a:lnSpc>
+                <a:spcPct val="100000"/>
+              </a:lnSpc>
+              <a:spcBef>
+                <a:spcPts val="1200"/>
+              </a:spcBef>
+            </a:pPr>
+            <a:r>
+              <a:rPr lang="en-GB" sz="2400" u="sng" dirty="0"/>
+              <a:t>Systematic characteristics</a:t>
+            </a:r>
+            <a:r>
+              <a:rPr lang="en-GB" sz="2400" dirty="0"/>
+              <a:t>: those which can be exactly quantified by mathematical or graphical means; </a:t>
+            </a:r>
+          </a:p>
+          <a:p>
+            <a:pPr lvl="1">
+              <a:lnSpc>
+                <a:spcPct val="100000"/>
+              </a:lnSpc>
+              <a:spcBef>
+                <a:spcPts val="1200"/>
+              </a:spcBef>
+            </a:pPr>
+            <a:r>
+              <a:rPr lang="en-GB" sz="2400" u="sng" dirty="0"/>
+              <a:t>Statistical characteristics</a:t>
+            </a:r>
+            <a:r>
+              <a:rPr lang="en-GB" sz="2400" dirty="0"/>
+              <a:t>: those which cannot be exactly quantified;</a:t>
+            </a:r>
+          </a:p>
+          <a:p>
+            <a:pPr lvl="1">
+              <a:lnSpc>
+                <a:spcPct val="100000"/>
+              </a:lnSpc>
+              <a:spcBef>
+                <a:spcPts val="1200"/>
+              </a:spcBef>
+            </a:pPr>
+            <a:r>
+              <a:rPr lang="en-GB" sz="2400" u="sng" dirty="0"/>
+              <a:t>Dynamic characteristics</a:t>
+            </a:r>
+            <a:r>
+              <a:rPr lang="en-GB" sz="2400" dirty="0"/>
+              <a:t>: those characterizing the ways in which an element responds to sudden input changes.</a:t>
+            </a:r>
+          </a:p>
+        </p:txBody>
+      </p:sp>
+      <p:sp>
+        <p:nvSpPr>
+          <p:cNvPr id="4" name="Segnaposto numero diapositiva 3"/>
+          <p:cNvSpPr>
+            <a:spLocks noGrp="1"/>
+          </p:cNvSpPr>
+          <p:nvPr>
+            <p:ph type="sldNum" sz="quarter" idx="12"/>
+          </p:nvPr>
+        </p:nvSpPr>
+        <p:spPr/>
+        <p:txBody>
+          <a:bodyPr/>
+          <a:lstStyle/>
+          <a:p>
+            <a:fld id="{31DE2C5B-556E-47B8-A792-024C2FCA4ACC}" type="slidenum">
+              <a:rPr lang="en-GB" smtClean="0"/>
+              <a:t>11</a:t>
+            </a:fld>
+            <a:endParaRPr lang="en-GB"/>
+          </a:p>
+        </p:txBody>
+      </p:sp>
+    </p:spTree>
+    <p:extLst>
+      <p:ext uri="{BB962C8B-B14F-4D97-AF65-F5344CB8AC3E}">
+        <p14:creationId xmlns:p14="http://schemas.microsoft.com/office/powerpoint/2010/main" val="2693429878"/>
       </p:ext>
     </p:extLst>
   </p:cSld>
@@ -3726,11 +3139,7 @@
           <a:p>
             <a:r>
               <a:rPr lang="it-IT" dirty="0"/>
-              <a:t>Sensor </a:t>
-            </a:r>
-            <a:r>
-              <a:rPr lang="it-IT" dirty="0" err="1"/>
-              <a:t>characteristics</a:t>
+              <a:t>Ranges</a:t>
             </a:r>
             <a:endParaRPr lang="en-GB" dirty="0"/>
           </a:p>
@@ -3748,93 +3157,46 @@
         </p:nvSpPr>
         <p:spPr/>
         <p:txBody>
-          <a:bodyPr>
-            <a:normAutofit/>
-          </a:bodyPr>
+          <a:bodyPr/>
           <a:lstStyle/>
           <a:p>
             <a:r>
-              <a:rPr lang="en-GB" dirty="0"/>
-              <a:t>To truly understand sensors, and how sensors that measure the same </a:t>
-            </a:r>
-            <a:r>
-              <a:rPr lang="en-GB" dirty="0" err="1"/>
-              <a:t>measurand</a:t>
-            </a:r>
-            <a:r>
-              <a:rPr lang="en-GB" dirty="0"/>
-              <a:t> can differ, it is necessary to understand sensor performance characteristics, which are reported in </a:t>
-            </a:r>
-            <a:r>
-              <a:rPr lang="en-GB" b="1" dirty="0"/>
-              <a:t>specifications</a:t>
-            </a:r>
-            <a:r>
-              <a:rPr lang="en-GB" dirty="0"/>
-              <a:t> (specs) or </a:t>
-            </a:r>
-            <a:r>
-              <a:rPr lang="en-GB" b="1" dirty="0"/>
-              <a:t>datasheet</a:t>
-            </a:r>
-            <a:r>
-              <a:rPr lang="en-GB" dirty="0"/>
-              <a:t>.</a:t>
-            </a:r>
-          </a:p>
-          <a:p>
-            <a:pPr lvl="1">
-              <a:lnSpc>
-                <a:spcPct val="100000"/>
-              </a:lnSpc>
-              <a:spcBef>
-                <a:spcPts val="1200"/>
-              </a:spcBef>
-            </a:pPr>
-            <a:r>
-              <a:rPr lang="en-GB" sz="2400" u="sng" dirty="0"/>
-              <a:t>Systematic characteristics</a:t>
-            </a:r>
-            <a:r>
-              <a:rPr lang="en-GB" sz="2400" dirty="0"/>
-              <a:t>: those which can be exactly quantified by mathematical or graphical means; </a:t>
-            </a:r>
-          </a:p>
-          <a:p>
-            <a:pPr lvl="1">
-              <a:lnSpc>
-                <a:spcPct val="100000"/>
-              </a:lnSpc>
-              <a:spcBef>
-                <a:spcPts val="1200"/>
-              </a:spcBef>
-            </a:pPr>
-            <a:r>
-              <a:rPr lang="en-GB" sz="2400" u="sng" dirty="0"/>
-              <a:t>Statistical characteristics</a:t>
-            </a:r>
-            <a:r>
-              <a:rPr lang="en-GB" sz="2400" dirty="0"/>
-              <a:t>: those which cannot be exactly quantified;</a:t>
-            </a:r>
-          </a:p>
-          <a:p>
-            <a:pPr lvl="1">
-              <a:lnSpc>
-                <a:spcPct val="100000"/>
-              </a:lnSpc>
-              <a:spcBef>
-                <a:spcPts val="1200"/>
-              </a:spcBef>
-            </a:pPr>
-            <a:r>
-              <a:rPr lang="en-GB" sz="2400" u="sng" dirty="0"/>
-              <a:t>Dynamic characteristics</a:t>
-            </a:r>
-            <a:r>
-              <a:rPr lang="en-GB" sz="2400" dirty="0"/>
-              <a:t>: those characterizing the ways in which an element responds to sudden input changes.</a:t>
-            </a:r>
+              <a:rPr lang="en-US" dirty="0"/>
+              <a:t>The minimum-maximum values of the sensor input or output over which the sensor works well (systematic characteristic).</a:t>
+            </a:r>
+          </a:p>
+          <a:p>
+            <a:r>
+              <a:rPr lang="en-US" b="1" dirty="0"/>
+              <a:t>Full-scale range</a:t>
+            </a:r>
+            <a:r>
+              <a:rPr lang="en-US" dirty="0"/>
+              <a:t>: the difference between the minimum and the maximum values of the input (measurand).</a:t>
+            </a:r>
+          </a:p>
+          <a:p>
+            <a:r>
+              <a:rPr lang="en-US" b="1" dirty="0"/>
+              <a:t>Full-scale output</a:t>
+            </a:r>
+            <a:r>
+              <a:rPr lang="en-US" dirty="0"/>
+              <a:t>: the difference between the output signals measured at maximum input stimulus and minimum input stimulus.</a:t>
+            </a:r>
+          </a:p>
+          <a:p>
+            <a:r>
+              <a:rPr lang="en-US" b="1" dirty="0"/>
+              <a:t>Operating voltage range</a:t>
+            </a:r>
+            <a:r>
+              <a:rPr lang="en-US" dirty="0"/>
+              <a:t>: the minimum and maximum voltages that can be used to operate a sensor (for sensors requiring it). Applying an input voltage outside of this range may permanently damage the sensor.</a:t>
+            </a:r>
+          </a:p>
+          <a:p>
+            <a:endParaRPr lang="it-IT" dirty="0"/>
           </a:p>
         </p:txBody>
       </p:sp>
@@ -3857,14 +3219,14 @@
               <a:rPr lang="en-GB" smtClean="0"/>
               <a:t>12</a:t>
             </a:fld>
-            <a:endParaRPr lang="en-GB"/>
+            <a:endParaRPr lang="en-GB" dirty="0"/>
           </a:p>
         </p:txBody>
       </p:sp>
     </p:spTree>
     <p:extLst>
       <p:ext uri="{BB962C8B-B14F-4D97-AF65-F5344CB8AC3E}">
-        <p14:creationId xmlns:p14="http://schemas.microsoft.com/office/powerpoint/2010/main" val="2693429878"/>
+        <p14:creationId xmlns:p14="http://schemas.microsoft.com/office/powerpoint/2010/main" val="3175956915"/>
       </p:ext>
     </p:extLst>
   </p:cSld>
@@ -3908,149 +3270,18 @@
           <a:p>
             <a:r>
               <a:rPr lang="it-IT" dirty="0"/>
-              <a:t>Ranges</a:t>
+              <a:t>Transfer </a:t>
+            </a:r>
+            <a:r>
+              <a:rPr lang="it-IT" dirty="0" err="1"/>
+              <a:t>function</a:t>
             </a:r>
             <a:endParaRPr lang="en-GB" dirty="0"/>
           </a:p>
         </p:txBody>
       </p:sp>
-      <p:sp>
-        <p:nvSpPr>
-          <p:cNvPr id="3" name="Segnaposto contenuto 2"/>
-          <p:cNvSpPr>
-            <a:spLocks noGrp="1"/>
-          </p:cNvSpPr>
-          <p:nvPr>
-            <p:ph idx="1"/>
-          </p:nvPr>
-        </p:nvSpPr>
-        <p:spPr/>
-        <p:txBody>
-          <a:bodyPr/>
-          <a:lstStyle/>
-          <a:p>
-            <a:r>
-              <a:rPr lang="en-US" dirty="0"/>
-              <a:t>The minimum-maximum values of the sensor input or output over which the sensor works well (systematic characteristic).</a:t>
-            </a:r>
-          </a:p>
-          <a:p>
-            <a:r>
-              <a:rPr lang="en-US" b="1" dirty="0"/>
-              <a:t>Full-scale range</a:t>
-            </a:r>
-            <a:r>
-              <a:rPr lang="en-US" dirty="0"/>
-              <a:t>: the difference between the minimum and the maximum values of the input (measurand).</a:t>
-            </a:r>
-          </a:p>
-          <a:p>
-            <a:r>
-              <a:rPr lang="en-US" b="1" dirty="0"/>
-              <a:t>Full-scale output</a:t>
-            </a:r>
-            <a:r>
-              <a:rPr lang="en-US" dirty="0"/>
-              <a:t>: the difference between the output signals measured at maximum input stimulus and minimum input stimulus.</a:t>
-            </a:r>
-          </a:p>
-          <a:p>
-            <a:r>
-              <a:rPr lang="en-US" b="1" dirty="0"/>
-              <a:t>Operating voltage range</a:t>
-            </a:r>
-            <a:r>
-              <a:rPr lang="en-US" dirty="0"/>
-              <a:t>: the minimum and maximum voltages that can be used to operate a sensor (for sensors requiring it). Applying an input voltage outside of this range may permanently damage the sensor.</a:t>
-            </a:r>
-          </a:p>
-          <a:p>
-            <a:endParaRPr lang="it-IT" dirty="0"/>
-          </a:p>
-        </p:txBody>
-      </p:sp>
-      <p:sp>
-        <p:nvSpPr>
-          <p:cNvPr id="4" name="Segnaposto numero diapositiva 3"/>
-          <p:cNvSpPr>
-            <a:spLocks noGrp="1"/>
-          </p:cNvSpPr>
-          <p:nvPr>
-            <p:ph type="sldNum" sz="quarter" idx="12"/>
-          </p:nvPr>
-        </p:nvSpPr>
-        <p:spPr/>
-        <p:txBody>
-          <a:bodyPr/>
-          <a:lstStyle/>
-          <a:p>
-            <a:fld id="{31DE2C5B-556E-47B8-A792-024C2FCA4ACC}" type="slidenum">
-              <a:rPr lang="en-GB" smtClean="0"/>
-              <a:t>13</a:t>
-            </a:fld>
-            <a:endParaRPr lang="en-GB" dirty="0"/>
-          </a:p>
-        </p:txBody>
-      </p:sp>
-    </p:spTree>
-    <p:extLst>
-      <p:ext uri="{BB962C8B-B14F-4D97-AF65-F5344CB8AC3E}">
-        <p14:creationId xmlns:p14="http://schemas.microsoft.com/office/powerpoint/2010/main" val="3175956915"/>
-      </p:ext>
-    </p:extLst>
-  </p:cSld>
-  <p:clrMapOvr>
-    <a:masterClrMapping/>
-  </p:clrMapOvr>
-</p:sld>
-</file>
-
-<file path=ppt/slides/slide14.xml><?xml version="1.0" encoding="utf-8"?>
-<p:sld xmlns:a="http://schemas.openxmlformats.org/drawingml/2006/main" xmlns:r="http://schemas.openxmlformats.org/officeDocument/2006/relationships" xmlns:p="http://schemas.openxmlformats.org/presentationml/2006/main">
-  <p:cSld>
-    <p:spTree>
-      <p:nvGrpSpPr>
-        <p:cNvPr id="1" name=""/>
-        <p:cNvGrpSpPr/>
-        <p:nvPr/>
-      </p:nvGrpSpPr>
-      <p:grpSpPr>
-        <a:xfrm>
-          <a:off x="0" y="0"/>
-          <a:ext cx="0" cy="0"/>
-          <a:chOff x="0" y="0"/>
-          <a:chExt cx="0" cy="0"/>
-        </a:xfrm>
-      </p:grpSpPr>
-      <p:sp>
-        <p:nvSpPr>
-          <p:cNvPr id="2" name="Titolo 1"/>
-          <p:cNvSpPr>
-            <a:spLocks noGrp="1"/>
-          </p:cNvSpPr>
-          <p:nvPr>
-            <p:ph type="title"/>
-          </p:nvPr>
-        </p:nvSpPr>
-        <p:spPr/>
-        <p:txBody>
-          <a:bodyPr/>
-          <a:lstStyle/>
-          <a:p>
-            <a:r>
-              <a:rPr lang="it-IT" dirty="0"/>
-              <a:t>Transfer </a:t>
-            </a:r>
-            <a:r>
-              <a:rPr lang="it-IT" dirty="0" err="1"/>
-              <a:t>function</a:t>
-            </a:r>
-            <a:endParaRPr lang="en-GB" dirty="0"/>
-          </a:p>
-        </p:txBody>
-      </p:sp>
-      <mc:AlternateContent xmlns:mc="http://schemas.openxmlformats.org/markup-compatibility/2006" xmlns:a14="http://schemas.microsoft.com/office/drawing/2010/main">
-        <mc:Choice Requires="a14">
+      <mc:AlternateContent xmlns:mc="http://schemas.openxmlformats.org/markup-compatibility/2006">
+        <mc:Choice xmlns:a14="http://schemas.microsoft.com/office/drawing/2010/main" Requires="a14">
           <p:sp>
             <p:nvSpPr>
               <p:cNvPr id="3" name="Segnaposto contenuto 2"/>
@@ -4193,7 +3424,7 @@
             </p:txBody>
           </p:sp>
         </mc:Choice>
-        <mc:Fallback xmlns="">
+        <mc:Fallback>
           <p:sp>
             <p:nvSpPr>
               <p:cNvPr id="3" name="Segnaposto contenuto 2"/>
@@ -4212,7 +3443,7 @@
               <a:blipFill>
                 <a:blip r:embed="rId2"/>
                 <a:stretch>
-                  <a:fillRect l="-670" t="-1676"/>
+                  <a:fillRect l="-670" t="-1955" r="-893"/>
                 </a:stretch>
               </a:blipFill>
             </p:spPr>
@@ -4293,42 +3524,42 @@
           <a:p>
             <a:r>
               <a:rPr lang="it-IT" sz="2400" dirty="0">
-                <a:latin typeface="Palatino Linotype" panose="02040502050505030304" pitchFamily="18" charset="0"/>
+                <a:latin typeface="Aptos" panose="020B0004020202020204" pitchFamily="34" charset="0"/>
               </a:rPr>
               <a:t>Output </a:t>
             </a:r>
             <a:r>
               <a:rPr lang="it-IT" sz="2400" dirty="0" err="1">
-                <a:latin typeface="Palatino Linotype" panose="02040502050505030304" pitchFamily="18" charset="0"/>
+                <a:latin typeface="Aptos" panose="020B0004020202020204" pitchFamily="34" charset="0"/>
               </a:rPr>
               <a:t>electrical</a:t>
             </a:r>
             <a:r>
               <a:rPr lang="it-IT" sz="2400" dirty="0">
-                <a:latin typeface="Palatino Linotype" panose="02040502050505030304" pitchFamily="18" charset="0"/>
+                <a:latin typeface="Aptos" panose="020B0004020202020204" pitchFamily="34" charset="0"/>
               </a:rPr>
               <a:t> (or </a:t>
             </a:r>
             <a:r>
               <a:rPr lang="it-IT" sz="2400" dirty="0" err="1">
-                <a:latin typeface="Palatino Linotype" panose="02040502050505030304" pitchFamily="18" charset="0"/>
+                <a:latin typeface="Aptos" panose="020B0004020202020204" pitchFamily="34" charset="0"/>
               </a:rPr>
               <a:t>optical</a:t>
             </a:r>
             <a:r>
               <a:rPr lang="it-IT" sz="2400" dirty="0">
-                <a:latin typeface="Palatino Linotype" panose="02040502050505030304" pitchFamily="18" charset="0"/>
+                <a:latin typeface="Aptos" panose="020B0004020202020204" pitchFamily="34" charset="0"/>
               </a:rPr>
               <a:t>) </a:t>
             </a:r>
             <a:r>
               <a:rPr lang="it-IT" sz="2400" dirty="0" err="1">
-                <a:latin typeface="Palatino Linotype" panose="02040502050505030304" pitchFamily="18" charset="0"/>
+                <a:latin typeface="Aptos" panose="020B0004020202020204" pitchFamily="34" charset="0"/>
               </a:rPr>
               <a:t>signal</a:t>
             </a:r>
             <a:endParaRPr lang="en-GB" sz="2400" dirty="0">
-              <a:latin typeface="Palatino Linotype" panose="02040502050505030304" pitchFamily="18" charset="0"/>
+              <a:latin typeface="Aptos" panose="020B0004020202020204" pitchFamily="34" charset="0"/>
             </a:endParaRPr>
           </a:p>
         </p:txBody>
@@ -4357,12 +3588,12 @@
           <a:p>
             <a:r>
               <a:rPr lang="it-IT" sz="2400" dirty="0" err="1">
-                <a:latin typeface="Palatino Linotype" panose="02040502050505030304" pitchFamily="18" charset="0"/>
+                <a:latin typeface="Aptos" panose="020B0004020202020204" pitchFamily="34" charset="0"/>
               </a:rPr>
               <a:t>Measurand</a:t>
             </a:r>
             <a:endParaRPr lang="en-GB" sz="2400" dirty="0">
-              <a:latin typeface="Palatino Linotype" panose="02040502050505030304" pitchFamily="18" charset="0"/>
+              <a:latin typeface="Aptos" panose="020B0004020202020204" pitchFamily="34" charset="0"/>
             </a:endParaRPr>
           </a:p>
         </p:txBody>
@@ -4405,8 +3636,8 @@
           </a:fontRef>
         </p:style>
       </p:cxnSp>
-      <mc:AlternateContent xmlns:mc="http://schemas.openxmlformats.org/markup-compatibility/2006" xmlns:a14="http://schemas.microsoft.com/office/drawing/2010/main">
-        <mc:Choice Requires="a14">
+      <mc:AlternateContent xmlns:mc="http://schemas.openxmlformats.org/markup-compatibility/2006">
+        <mc:Choice xmlns:a14="http://schemas.microsoft.com/office/drawing/2010/main" Requires="a14">
           <p:sp>
             <p:nvSpPr>
               <p:cNvPr id="35" name="Rettangolo 34"/>
@@ -4474,12 +3705,14 @@
                     </m:oMath>
                   </m:oMathPara>
                 </a14:m>
-                <a:endParaRPr lang="it-IT" sz="2400" dirty="0"/>
+                <a:endParaRPr lang="it-IT" sz="2400" dirty="0">
+                  <a:latin typeface="Aptos" panose="020B0004020202020204" pitchFamily="34" charset="0"/>
+                </a:endParaRPr>
               </a:p>
             </p:txBody>
           </p:sp>
         </mc:Choice>
-        <mc:Fallback xmlns="">
+        <mc:Fallback>
           <p:sp>
             <p:nvSpPr>
               <p:cNvPr id="35" name="Rettangolo 34"/>
@@ -4499,7 +3732,7 @@
               <a:blipFill>
                 <a:blip r:embed="rId3"/>
                 <a:stretch>
-                  <a:fillRect r="-847" b="-18667"/>
+                  <a:fillRect r="-877" b="-16216"/>
                 </a:stretch>
               </a:blipFill>
             </p:spPr>
@@ -4508,7 +3741,7 @@
               <a:lstStyle/>
               <a:p>
                 <a:r>
-                  <a:rPr lang="it-IT">
+                  <a:rPr lang="en-US">
                     <a:noFill/>
                   </a:rPr>
                   <a:t> </a:t>
@@ -4535,7 +3768,7 @@
           <a:p>
             <a:fld id="{31DE2C5B-556E-47B8-A792-024C2FCA4ACC}" type="slidenum">
               <a:rPr lang="en-GB" smtClean="0"/>
-              <a:t>14</a:t>
+              <a:t>13</a:t>
             </a:fld>
             <a:endParaRPr lang="en-GB" dirty="0"/>
           </a:p>
@@ -4554,7 +3787,7 @@
 </p:sld>
 </file>
 
-<file path=ppt/slides/slide15.xml><?xml version="1.0" encoding="utf-8"?>
+<file path=ppt/slides/slide14.xml><?xml version="1.0" encoding="utf-8"?>
 <p:sld xmlns:a="http://schemas.openxmlformats.org/drawingml/2006/main" xmlns:r="http://schemas.openxmlformats.org/officeDocument/2006/relationships" xmlns:p="http://schemas.openxmlformats.org/presentationml/2006/main">
   <p:cSld>
     <p:spTree>
@@ -4676,13 +3909,13 @@
             <a:pPr algn="ctr"/>
             <a:r>
               <a:rPr lang="en-GB" dirty="0" err="1">
-                <a:latin typeface="Palatino Linotype" panose="02040502050505030304" pitchFamily="18" charset="0"/>
+                <a:latin typeface="Aptos" panose="020B0004020202020204" pitchFamily="34" charset="0"/>
               </a:rPr>
               <a:t>Amperometric</a:t>
             </a:r>
             <a:r>
               <a:rPr lang="en-GB" dirty="0">
-                <a:latin typeface="Palatino Linotype" panose="02040502050505030304" pitchFamily="18" charset="0"/>
+                <a:latin typeface="Aptos" panose="020B0004020202020204" pitchFamily="34" charset="0"/>
               </a:rPr>
               <a:t> glucose sensor</a:t>
             </a:r>
@@ -4730,7 +3963,7 @@
             <a:pPr algn="ctr"/>
             <a:r>
               <a:rPr lang="en-GB" dirty="0">
-                <a:latin typeface="Palatino Linotype" panose="02040502050505030304" pitchFamily="18" charset="0"/>
+                <a:latin typeface="Aptos" panose="020B0004020202020204" pitchFamily="34" charset="0"/>
               </a:rPr>
               <a:t>Approximated inverse transfer function</a:t>
             </a:r>
@@ -4739,19 +3972,19 @@
             <a:pPr algn="ctr"/>
             <a:r>
               <a:rPr lang="en-GB" dirty="0">
-                <a:latin typeface="Palatino Linotype" panose="02040502050505030304" pitchFamily="18" charset="0"/>
+                <a:latin typeface="Aptos" panose="020B0004020202020204" pitchFamily="34" charset="0"/>
               </a:rPr>
               <a:t>F</a:t>
             </a:r>
             <a:r>
               <a:rPr lang="en-GB" baseline="30000" dirty="0">
-                <a:latin typeface="Palatino Linotype" panose="02040502050505030304" pitchFamily="18" charset="0"/>
+                <a:latin typeface="Aptos" panose="020B0004020202020204" pitchFamily="34" charset="0"/>
               </a:rPr>
               <a:t>-1</a:t>
             </a:r>
             <a:r>
               <a:rPr lang="en-GB" dirty="0">
-                <a:latin typeface="Palatino Linotype" panose="02040502050505030304" pitchFamily="18" charset="0"/>
+                <a:latin typeface="Aptos" panose="020B0004020202020204" pitchFamily="34" charset="0"/>
               </a:rPr>
               <a:t>(y)</a:t>
             </a:r>
@@ -4802,7 +4035,9 @@
           <a:lstStyle/>
           <a:p>
             <a:pPr algn="ctr"/>
-            <a:endParaRPr lang="en-GB" dirty="0"/>
+            <a:endParaRPr lang="en-GB" dirty="0">
+              <a:latin typeface="Aptos" panose="020B0004020202020204" pitchFamily="34" charset="0"/>
+            </a:endParaRPr>
           </a:p>
         </p:txBody>
       </p:sp>
@@ -4850,7 +4085,9 @@
           <a:lstStyle/>
           <a:p>
             <a:pPr algn="ctr"/>
-            <a:endParaRPr lang="en-GB" dirty="0"/>
+            <a:endParaRPr lang="en-GB" dirty="0">
+              <a:latin typeface="Aptos" panose="020B0004020202020204" pitchFamily="34" charset="0"/>
+            </a:endParaRPr>
           </a:p>
         </p:txBody>
       </p:sp>
@@ -4898,7 +4135,9 @@
           <a:lstStyle/>
           <a:p>
             <a:pPr algn="ctr"/>
-            <a:endParaRPr lang="en-GB" dirty="0"/>
+            <a:endParaRPr lang="en-GB" dirty="0">
+              <a:latin typeface="Aptos" panose="020B0004020202020204" pitchFamily="34" charset="0"/>
+            </a:endParaRPr>
           </a:p>
         </p:txBody>
       </p:sp>
@@ -4946,7 +4185,9 @@
           <a:lstStyle/>
           <a:p>
             <a:pPr algn="ctr"/>
-            <a:endParaRPr lang="en-GB" dirty="0"/>
+            <a:endParaRPr lang="en-GB" dirty="0">
+              <a:latin typeface="Aptos" panose="020B0004020202020204" pitchFamily="34" charset="0"/>
+            </a:endParaRPr>
           </a:p>
         </p:txBody>
       </p:sp>
@@ -4994,7 +4235,9 @@
           <a:lstStyle/>
           <a:p>
             <a:pPr algn="ctr"/>
-            <a:endParaRPr lang="en-GB" dirty="0"/>
+            <a:endParaRPr lang="en-GB" dirty="0">
+              <a:latin typeface="Aptos" panose="020B0004020202020204" pitchFamily="34" charset="0"/>
+            </a:endParaRPr>
           </a:p>
         </p:txBody>
       </p:sp>
@@ -5042,7 +4285,9 @@
           <a:lstStyle/>
           <a:p>
             <a:pPr algn="ctr"/>
-            <a:endParaRPr lang="en-GB" dirty="0"/>
+            <a:endParaRPr lang="en-GB" dirty="0">
+              <a:latin typeface="Aptos" panose="020B0004020202020204" pitchFamily="34" charset="0"/>
+            </a:endParaRPr>
           </a:p>
         </p:txBody>
       </p:sp>
@@ -5090,7 +4335,9 @@
           <a:lstStyle/>
           <a:p>
             <a:pPr algn="ctr"/>
-            <a:endParaRPr lang="en-GB" dirty="0"/>
+            <a:endParaRPr lang="en-GB" dirty="0">
+              <a:latin typeface="Aptos" panose="020B0004020202020204" pitchFamily="34" charset="0"/>
+            </a:endParaRPr>
           </a:p>
         </p:txBody>
       </p:sp>
@@ -5119,7 +4366,7 @@
             <a:pPr algn="ctr"/>
             <a:r>
               <a:rPr lang="en-GB" dirty="0">
-                <a:latin typeface="Palatino Linotype" panose="02040502050505030304" pitchFamily="18" charset="0"/>
+                <a:latin typeface="Aptos" panose="020B0004020202020204" pitchFamily="34" charset="0"/>
               </a:rPr>
               <a:t>Measurand</a:t>
             </a:r>
@@ -5128,7 +4375,7 @@
             <a:pPr algn="ctr"/>
             <a:r>
               <a:rPr lang="en-GB" dirty="0">
-                <a:latin typeface="Palatino Linotype" panose="02040502050505030304" pitchFamily="18" charset="0"/>
+                <a:latin typeface="Aptos" panose="020B0004020202020204" pitchFamily="34" charset="0"/>
               </a:rPr>
               <a:t>Glucose concentration</a:t>
             </a:r>
@@ -5237,7 +4484,7 @@
             <a:pPr algn="ctr"/>
             <a:r>
               <a:rPr lang="en-GB" dirty="0">
-                <a:latin typeface="Palatino Linotype" panose="02040502050505030304" pitchFamily="18" charset="0"/>
+                <a:latin typeface="Aptos" panose="020B0004020202020204" pitchFamily="34" charset="0"/>
               </a:rPr>
               <a:t>Electrical current </a:t>
             </a:r>
@@ -5246,12 +4493,12 @@
             <a:pPr algn="ctr"/>
             <a:r>
               <a:rPr lang="en-GB" dirty="0" err="1">
-                <a:latin typeface="Palatino Linotype" panose="02040502050505030304" pitchFamily="18" charset="0"/>
+                <a:latin typeface="Aptos" panose="020B0004020202020204" pitchFamily="34" charset="0"/>
               </a:rPr>
               <a:t>pA</a:t>
             </a:r>
             <a:endParaRPr lang="en-GB" dirty="0">
-              <a:latin typeface="Palatino Linotype" panose="02040502050505030304" pitchFamily="18" charset="0"/>
+              <a:latin typeface="Aptos" panose="020B0004020202020204" pitchFamily="34" charset="0"/>
             </a:endParaRPr>
           </a:p>
         </p:txBody>
@@ -5281,7 +4528,7 @@
             <a:pPr algn="ctr"/>
             <a:r>
               <a:rPr lang="en-GB" dirty="0">
-                <a:latin typeface="Palatino Linotype" panose="02040502050505030304" pitchFamily="18" charset="0"/>
+                <a:latin typeface="Aptos" panose="020B0004020202020204" pitchFamily="34" charset="0"/>
               </a:rPr>
               <a:t>Glucose concentration mg/dl</a:t>
             </a:r>
@@ -5324,8 +4571,8 @@
           </a:fontRef>
         </p:style>
       </p:cxnSp>
-      <mc:AlternateContent xmlns:mc="http://schemas.openxmlformats.org/markup-compatibility/2006" xmlns:a14="http://schemas.microsoft.com/office/drawing/2010/main">
-        <mc:Choice Requires="a14">
+      <mc:AlternateContent xmlns:mc="http://schemas.openxmlformats.org/markup-compatibility/2006">
+        <mc:Choice xmlns:a14="http://schemas.microsoft.com/office/drawing/2010/main" Requires="a14">
           <p:sp>
             <p:nvSpPr>
               <p:cNvPr id="29" name="CasellaDiTesto 28"/>
@@ -5376,12 +4623,14 @@
                     </m:oMath>
                   </m:oMathPara>
                 </a14:m>
-                <a:endParaRPr lang="en-GB" dirty="0"/>
+                <a:endParaRPr lang="en-GB" dirty="0">
+                  <a:latin typeface="Aptos" panose="020B0004020202020204" pitchFamily="34" charset="0"/>
+                </a:endParaRPr>
               </a:p>
             </p:txBody>
           </p:sp>
         </mc:Choice>
-        <mc:Fallback xmlns="">
+        <mc:Fallback>
           <p:sp>
             <p:nvSpPr>
               <p:cNvPr id="29" name="CasellaDiTesto 28"/>
@@ -5401,7 +4650,7 @@
               <a:blipFill>
                 <a:blip r:embed="rId2"/>
                 <a:stretch>
-                  <a:fillRect t="-6557" r="-26042"/>
+                  <a:fillRect/>
                 </a:stretch>
               </a:blipFill>
             </p:spPr>
@@ -5410,7 +4659,7 @@
               <a:lstStyle/>
               <a:p>
                 <a:r>
-                  <a:rPr lang="it-IT">
+                  <a:rPr lang="en-US">
                     <a:noFill/>
                   </a:rPr>
                   <a:t> </a:t>
@@ -5420,8 +4669,8 @@
           </p:sp>
         </mc:Fallback>
       </mc:AlternateContent>
-      <mc:AlternateContent xmlns:mc="http://schemas.openxmlformats.org/markup-compatibility/2006" xmlns:a14="http://schemas.microsoft.com/office/drawing/2010/main">
-        <mc:Choice Requires="a14">
+      <mc:AlternateContent xmlns:mc="http://schemas.openxmlformats.org/markup-compatibility/2006">
+        <mc:Choice xmlns:a14="http://schemas.microsoft.com/office/drawing/2010/main" Requires="a14">
           <p:sp>
             <p:nvSpPr>
               <p:cNvPr id="30" name="CasellaDiTesto 29"/>
@@ -5460,12 +4709,14 @@
                     </m:oMath>
                   </m:oMathPara>
                 </a14:m>
-                <a:endParaRPr lang="en-GB" dirty="0"/>
+                <a:endParaRPr lang="en-GB" dirty="0">
+                  <a:latin typeface="Aptos" panose="020B0004020202020204" pitchFamily="34" charset="0"/>
+                </a:endParaRPr>
               </a:p>
             </p:txBody>
           </p:sp>
         </mc:Choice>
-        <mc:Fallback xmlns="">
+        <mc:Fallback>
           <p:sp>
             <p:nvSpPr>
               <p:cNvPr id="30" name="CasellaDiTesto 29"/>
@@ -5485,7 +4736,7 @@
               <a:blipFill>
                 <a:blip r:embed="rId3"/>
                 <a:stretch>
-                  <a:fillRect b="-6557"/>
+                  <a:fillRect b="-10000"/>
                 </a:stretch>
               </a:blipFill>
             </p:spPr>
@@ -5494,7 +4745,7 @@
               <a:lstStyle/>
               <a:p>
                 <a:r>
-                  <a:rPr lang="it-IT">
+                  <a:rPr lang="en-US">
                     <a:noFill/>
                   </a:rPr>
                   <a:t> </a:t>
@@ -5521,14 +4772,14 @@
           <a:p>
             <a:fld id="{31DE2C5B-556E-47B8-A792-024C2FCA4ACC}" type="slidenum">
               <a:rPr lang="en-GB" smtClean="0"/>
-              <a:t>15</a:t>
+              <a:t>14</a:t>
             </a:fld>
             <a:endParaRPr lang="en-GB"/>
           </a:p>
         </p:txBody>
       </p:sp>
-      <mc:AlternateContent xmlns:mc="http://schemas.openxmlformats.org/markup-compatibility/2006" xmlns:a14="http://schemas.microsoft.com/office/drawing/2010/main">
-        <mc:Choice Requires="a14">
+      <mc:AlternateContent xmlns:mc="http://schemas.openxmlformats.org/markup-compatibility/2006">
+        <mc:Choice xmlns:a14="http://schemas.microsoft.com/office/drawing/2010/main" Requires="a14">
           <p:sp>
             <p:nvSpPr>
               <p:cNvPr id="5" name="CasellaDiTesto 4">
@@ -5573,12 +4824,14 @@
                     </m:oMath>
                   </m:oMathPara>
                 </a14:m>
-                <a:endParaRPr lang="en-GB" dirty="0"/>
+                <a:endParaRPr lang="en-GB" dirty="0">
+                  <a:latin typeface="Aptos" panose="020B0004020202020204" pitchFamily="34" charset="0"/>
+                </a:endParaRPr>
               </a:p>
             </p:txBody>
           </p:sp>
         </mc:Choice>
-        <mc:Fallback xmlns="">
+        <mc:Fallback>
           <p:sp>
             <p:nvSpPr>
               <p:cNvPr id="5" name="CasellaDiTesto 4">
@@ -5613,7 +4866,7 @@
               <a:lstStyle/>
               <a:p>
                 <a:r>
-                  <a:rPr lang="it-IT">
+                  <a:rPr lang="en-US">
                     <a:noFill/>
                   </a:rPr>
                   <a:t> </a:t>
@@ -5636,7 +4889,7 @@
 </p:sld>
 </file>
 
-<file path=ppt/slides/slide16.xml><?xml version="1.0" encoding="utf-8"?>
+<file path=ppt/slides/slide15.xml><?xml version="1.0" encoding="utf-8"?>
 <p:sld xmlns:a="http://schemas.openxmlformats.org/drawingml/2006/main" xmlns:r="http://schemas.openxmlformats.org/officeDocument/2006/relationships" xmlns:p="http://schemas.openxmlformats.org/presentationml/2006/main">
   <p:cSld>
     <p:spTree>
@@ -5750,8 +5003,8 @@
           </a:p>
         </p:txBody>
       </p:sp>
-      <mc:AlternateContent xmlns:mc="http://schemas.openxmlformats.org/markup-compatibility/2006" xmlns:a14="http://schemas.microsoft.com/office/drawing/2010/main">
-        <mc:Choice Requires="a14">
+      <mc:AlternateContent xmlns:mc="http://schemas.openxmlformats.org/markup-compatibility/2006">
+        <mc:Choice xmlns:a14="http://schemas.microsoft.com/office/drawing/2010/main" Requires="a14">
           <p:sp>
             <p:nvSpPr>
               <p:cNvPr id="4" name="Rettangolo 3"/>
@@ -5838,12 +5091,14 @@
                     </m:oMath>
                   </m:oMathPara>
                 </a14:m>
-                <a:endParaRPr lang="it-IT" sz="2000" dirty="0"/>
+                <a:endParaRPr lang="it-IT" sz="2000" dirty="0">
+                  <a:latin typeface="Aptos" panose="020B0004020202020204" pitchFamily="34" charset="0"/>
+                </a:endParaRPr>
               </a:p>
             </p:txBody>
           </p:sp>
         </mc:Choice>
-        <mc:Fallback xmlns="">
+        <mc:Fallback>
           <p:sp>
             <p:nvSpPr>
               <p:cNvPr id="4" name="Rettangolo 3"/>
@@ -5863,7 +5118,7 @@
               <a:blipFill>
                 <a:blip r:embed="rId2"/>
                 <a:stretch>
-                  <a:fillRect b="-7576"/>
+                  <a:fillRect b="-6061"/>
                 </a:stretch>
               </a:blipFill>
             </p:spPr>
@@ -5872,7 +5127,7 @@
               <a:lstStyle/>
               <a:p>
                 <a:r>
-                  <a:rPr lang="en-GB">
+                  <a:rPr lang="en-US">
                     <a:noFill/>
                   </a:rPr>
                   <a:t> </a:t>
@@ -5882,8 +5137,8 @@
           </p:sp>
         </mc:Fallback>
       </mc:AlternateContent>
-      <mc:AlternateContent xmlns:mc="http://schemas.openxmlformats.org/markup-compatibility/2006" xmlns:a14="http://schemas.microsoft.com/office/drawing/2010/main">
-        <mc:Choice Requires="a14">
+      <mc:AlternateContent xmlns:mc="http://schemas.openxmlformats.org/markup-compatibility/2006">
+        <mc:Choice xmlns:a14="http://schemas.microsoft.com/office/drawing/2010/main" Requires="a14">
           <p:graphicFrame>
             <p:nvGraphicFramePr>
               <p:cNvPr id="6" name="Tabella 5"/>
@@ -5893,7 +5148,7 @@
               <p:nvPr>
                 <p:extLst>
                   <p:ext uri="{D42A27DB-BD31-4B8C-83A1-F6EECF244321}">
-                    <p14:modId xmlns:p14="http://schemas.microsoft.com/office/powerpoint/2010/main" val="1441852871"/>
+                    <p14:modId xmlns:p14="http://schemas.microsoft.com/office/powerpoint/2010/main" val="3556595021"/>
                   </p:ext>
                 </p:extLst>
               </p:nvPr>
@@ -5952,7 +5207,7 @@
                               <a:solidFill>
                                 <a:schemeClr val="tx1"/>
                               </a:solidFill>
-                              <a:latin typeface="Palatino Linotype" panose="02040502050505030304" pitchFamily="18" charset="0"/>
+                              <a:latin typeface="Aptos" panose="020B0004020202020204" pitchFamily="34" charset="0"/>
                               <a:ea typeface="+mn-ea"/>
                               <a:cs typeface="+mn-cs"/>
                             </a:rPr>
@@ -6060,7 +5315,9 @@
                               </m:oMath>
                             </m:oMathPara>
                           </a14:m>
-                          <a:endParaRPr lang="it-IT" sz="1800" dirty="0"/>
+                          <a:endParaRPr lang="it-IT" sz="1800" dirty="0">
+                            <a:latin typeface="Aptos" panose="020B0004020202020204" pitchFamily="34" charset="0"/>
+                          </a:endParaRPr>
                         </a:p>
                       </a:txBody>
                       <a:tcPr anchor="ctr"/>
@@ -6099,7 +5356,7 @@
                               <a:solidFill>
                                 <a:schemeClr val="tx1"/>
                               </a:solidFill>
-                              <a:latin typeface="Palatino Linotype" panose="02040502050505030304" pitchFamily="18" charset="0"/>
+                              <a:latin typeface="Aptos" panose="020B0004020202020204" pitchFamily="34" charset="0"/>
                               <a:ea typeface="+mn-ea"/>
                               <a:cs typeface="+mn-cs"/>
                             </a:rPr>
@@ -6219,7 +5476,9 @@
                               </m:oMath>
                             </m:oMathPara>
                           </a14:m>
-                          <a:endParaRPr lang="it-IT" sz="1800" dirty="0"/>
+                          <a:endParaRPr lang="it-IT" sz="1800" dirty="0">
+                            <a:latin typeface="Aptos" panose="020B0004020202020204" pitchFamily="34" charset="0"/>
+                          </a:endParaRPr>
                         </a:p>
                       </a:txBody>
                       <a:tcPr anchor="ctr"/>
@@ -6258,7 +5517,7 @@
                               <a:solidFill>
                                 <a:schemeClr val="tx1"/>
                               </a:solidFill>
-                              <a:latin typeface="Palatino Linotype" panose="02040502050505030304" pitchFamily="18" charset="0"/>
+                              <a:latin typeface="Aptos" panose="020B0004020202020204" pitchFamily="34" charset="0"/>
                               <a:ea typeface="+mn-ea"/>
                               <a:cs typeface="+mn-cs"/>
                             </a:rPr>
@@ -6376,7 +5635,9 @@
                               </m:oMath>
                             </m:oMathPara>
                           </a14:m>
-                          <a:endParaRPr lang="it-IT" sz="1800" dirty="0"/>
+                          <a:endParaRPr lang="it-IT" sz="1800" dirty="0">
+                            <a:latin typeface="Aptos" panose="020B0004020202020204" pitchFamily="34" charset="0"/>
+                          </a:endParaRPr>
                         </a:p>
                       </a:txBody>
                       <a:tcPr anchor="ctr"/>
@@ -6415,7 +5676,7 @@
                               <a:solidFill>
                                 <a:schemeClr val="tx1"/>
                               </a:solidFill>
-                              <a:latin typeface="Palatino Linotype" panose="02040502050505030304" pitchFamily="18" charset="0"/>
+                              <a:latin typeface="Aptos" panose="020B0004020202020204" pitchFamily="34" charset="0"/>
                               <a:ea typeface="+mn-ea"/>
                               <a:cs typeface="+mn-cs"/>
                             </a:rPr>
@@ -6561,7 +5822,9 @@
                               </m:oMath>
                             </m:oMathPara>
                           </a14:m>
-                          <a:endParaRPr lang="it-IT" sz="1800" dirty="0"/>
+                          <a:endParaRPr lang="it-IT" sz="1800" dirty="0">
+                            <a:latin typeface="Aptos" panose="020B0004020202020204" pitchFamily="34" charset="0"/>
+                          </a:endParaRPr>
                         </a:p>
                       </a:txBody>
                       <a:tcPr anchor="ctr"/>
@@ -6600,7 +5863,7 @@
                               <a:solidFill>
                                 <a:schemeClr val="tx1"/>
                               </a:solidFill>
-                              <a:latin typeface="Palatino Linotype" panose="02040502050505030304" pitchFamily="18" charset="0"/>
+                              <a:latin typeface="Aptos" panose="020B0004020202020204" pitchFamily="34" charset="0"/>
                               <a:ea typeface="+mn-ea"/>
                               <a:cs typeface="+mn-cs"/>
                             </a:rPr>
@@ -6795,7 +6058,9 @@
                               </m:oMath>
                             </m:oMathPara>
                           </a14:m>
-                          <a:endParaRPr lang="it-IT" sz="1800" dirty="0"/>
+                          <a:endParaRPr lang="it-IT" sz="1800" dirty="0">
+                            <a:latin typeface="Aptos" panose="020B0004020202020204" pitchFamily="34" charset="0"/>
+                          </a:endParaRPr>
                         </a:p>
                       </a:txBody>
                       <a:tcPr anchor="ctr"/>
@@ -6811,7 +6076,7 @@
             </a:graphic>
           </p:graphicFrame>
         </mc:Choice>
-        <mc:Fallback xmlns="">
+        <mc:Fallback>
           <p:graphicFrame>
             <p:nvGraphicFramePr>
               <p:cNvPr id="6" name="Tabella 5"/>
@@ -6821,7 +6086,7 @@
               <p:nvPr>
                 <p:extLst>
                   <p:ext uri="{D42A27DB-BD31-4B8C-83A1-F6EECF244321}">
-                    <p14:modId xmlns:p14="http://schemas.microsoft.com/office/powerpoint/2010/main" val="1441852871"/>
+                    <p14:modId xmlns:p14="http://schemas.microsoft.com/office/powerpoint/2010/main" val="3556595021"/>
                   </p:ext>
                 </p:extLst>
               </p:nvPr>
@@ -6876,11 +6141,11 @@
                             <a:defRPr/>
                           </a:pPr>
                           <a:r>
-                            <a:rPr lang="en-US" sz="1800" kern="1200" dirty="0" smtClean="0">
+                            <a:rPr lang="en-US" sz="1800" kern="1200" dirty="0">
                               <a:solidFill>
                                 <a:schemeClr val="tx1"/>
                               </a:solidFill>
-                              <a:latin typeface="Palatino Linotype" panose="02040502050505030304" pitchFamily="18" charset="0"/>
+                              <a:latin typeface="Aptos" panose="020B0004020202020204" pitchFamily="34" charset="0"/>
                               <a:ea typeface="+mn-ea"/>
                               <a:cs typeface="+mn-cs"/>
                             </a:rPr>
@@ -6902,7 +6167,7 @@
                         <a:blipFill>
                           <a:blip r:embed="rId3"/>
                           <a:stretch>
-                            <a:fillRect l="-100150" t="-1351" r="-300" b="-416216"/>
+                            <a:fillRect l="-100313" r="-313" b="-413889"/>
                           </a:stretch>
                         </a:blipFill>
                       </a:tcPr>
@@ -6937,11 +6202,11 @@
                             <a:defRPr/>
                           </a:pPr>
                           <a:r>
-                            <a:rPr lang="en-US" sz="1800" kern="1200" dirty="0" smtClean="0">
+                            <a:rPr lang="en-US" sz="1800" kern="1200" dirty="0">
                               <a:solidFill>
                                 <a:schemeClr val="tx1"/>
                               </a:solidFill>
-                              <a:latin typeface="Palatino Linotype" panose="02040502050505030304" pitchFamily="18" charset="0"/>
+                              <a:latin typeface="Aptos" panose="020B0004020202020204" pitchFamily="34" charset="0"/>
                               <a:ea typeface="+mn-ea"/>
                               <a:cs typeface="+mn-cs"/>
                             </a:rPr>
@@ -6963,7 +6228,7 @@
                         <a:blipFill>
                           <a:blip r:embed="rId3"/>
                           <a:stretch>
-                            <a:fillRect l="-100150" t="-100000" r="-300" b="-310667"/>
+                            <a:fillRect l="-100313" t="-100000" r="-313" b="-313889"/>
                           </a:stretch>
                         </a:blipFill>
                       </a:tcPr>
@@ -6998,11 +6263,11 @@
                             <a:defRPr/>
                           </a:pPr>
                           <a:r>
-                            <a:rPr lang="en-US" sz="1800" kern="1200" dirty="0" smtClean="0">
+                            <a:rPr lang="en-US" sz="1800" kern="1200" dirty="0">
                               <a:solidFill>
                                 <a:schemeClr val="tx1"/>
                               </a:solidFill>
-                              <a:latin typeface="Palatino Linotype" panose="02040502050505030304" pitchFamily="18" charset="0"/>
+                              <a:latin typeface="Aptos" panose="020B0004020202020204" pitchFamily="34" charset="0"/>
                               <a:ea typeface="+mn-ea"/>
                               <a:cs typeface="+mn-cs"/>
                             </a:rPr>
@@ -7024,7 +6289,7 @@
                         <a:blipFill>
                           <a:blip r:embed="rId3"/>
                           <a:stretch>
-                            <a:fillRect l="-100150" t="-200000" r="-300" b="-210667"/>
+                            <a:fillRect l="-100313" t="-200000" r="-313" b="-213889"/>
                           </a:stretch>
                         </a:blipFill>
                       </a:tcPr>
@@ -7059,11 +6324,11 @@
                             <a:defRPr/>
                           </a:pPr>
                           <a:r>
-                            <a:rPr lang="en-US" sz="1800" kern="1200" dirty="0" smtClean="0">
+                            <a:rPr lang="en-US" sz="1800" kern="1200" dirty="0">
                               <a:solidFill>
                                 <a:schemeClr val="tx1"/>
                               </a:solidFill>
-                              <a:latin typeface="Palatino Linotype" panose="02040502050505030304" pitchFamily="18" charset="0"/>
+                              <a:latin typeface="Aptos" panose="020B0004020202020204" pitchFamily="34" charset="0"/>
                               <a:ea typeface="+mn-ea"/>
                               <a:cs typeface="+mn-cs"/>
                             </a:rPr>
@@ -7085,7 +6350,7 @@
                         <a:blipFill>
                           <a:blip r:embed="rId3"/>
                           <a:stretch>
-                            <a:fillRect l="-100150" t="-300000" r="-300" b="-110667"/>
+                            <a:fillRect l="-100313" t="-300000" r="-313" b="-113889"/>
                           </a:stretch>
                         </a:blipFill>
                       </a:tcPr>
@@ -7120,11 +6385,11 @@
                             <a:defRPr/>
                           </a:pPr>
                           <a:r>
-                            <a:rPr lang="en-US" sz="1800" kern="1200" dirty="0" smtClean="0">
+                            <a:rPr lang="en-US" sz="1800" kern="1200" dirty="0">
                               <a:solidFill>
                                 <a:schemeClr val="tx1"/>
                               </a:solidFill>
-                              <a:latin typeface="Palatino Linotype" panose="02040502050505030304" pitchFamily="18" charset="0"/>
+                              <a:latin typeface="Aptos" panose="020B0004020202020204" pitchFamily="34" charset="0"/>
                               <a:ea typeface="+mn-ea"/>
                               <a:cs typeface="+mn-cs"/>
                             </a:rPr>
@@ -7146,7 +6411,7 @@
                         <a:blipFill>
                           <a:blip r:embed="rId3"/>
                           <a:stretch>
-                            <a:fillRect l="-100150" t="-400000" r="-300" b="-10667"/>
+                            <a:fillRect l="-100313" t="-400000" r="-313" b="-13889"/>
                           </a:stretch>
                         </a:blipFill>
                       </a:tcPr>
@@ -7180,7 +6445,7 @@
           <a:p>
             <a:fld id="{31DE2C5B-556E-47B8-A792-024C2FCA4ACC}" type="slidenum">
               <a:rPr lang="en-GB" smtClean="0"/>
-              <a:t>16</a:t>
+              <a:t>15</a:t>
             </a:fld>
             <a:endParaRPr lang="en-GB"/>
           </a:p>
@@ -7199,7 +6464,7 @@
 </p:sld>
 </file>
 
-<file path=ppt/slides/slide17.xml><?xml version="1.0" encoding="utf-8"?>
+<file path=ppt/slides/slide16.xml><?xml version="1.0" encoding="utf-8"?>
 <p:sld xmlns:a="http://schemas.openxmlformats.org/drawingml/2006/main" xmlns:r="http://schemas.openxmlformats.org/officeDocument/2006/relationships" xmlns:p="http://schemas.openxmlformats.org/presentationml/2006/main">
   <p:cSld>
     <p:spTree>
@@ -7565,23 +6830,32 @@
               <a:buNone/>
             </a:pPr>
             <a:r>
-              <a:rPr lang="it-IT" sz="2000" b="1" dirty="0" err="1"/>
+              <a:rPr lang="it-IT" sz="2000" b="1" dirty="0" err="1">
+                <a:latin typeface="Aptos" panose="020B0004020202020204" pitchFamily="34" charset="0"/>
+              </a:rPr>
               <a:t>Two-point</a:t>
             </a:r>
             <a:r>
-              <a:rPr lang="it-IT" sz="2000" b="1" dirty="0"/>
+              <a:rPr lang="it-IT" sz="2000" b="1" dirty="0">
+                <a:latin typeface="Aptos" panose="020B0004020202020204" pitchFamily="34" charset="0"/>
+              </a:rPr>
               <a:t> </a:t>
             </a:r>
             <a:r>
               <a:rPr lang="en-GB" sz="2000" b="1" dirty="0">
+                <a:latin typeface="Aptos" panose="020B0004020202020204" pitchFamily="34" charset="0"/>
                 <a:sym typeface="Wingdings" panose="05000000000000000000" pitchFamily="2" charset="2"/>
               </a:rPr>
               <a:t>calibration</a:t>
             </a:r>
-            <a:endParaRPr lang="it-IT" b="1" dirty="0"/>
-          </a:p>
-          <a:p>
-            <a:endParaRPr lang="en-GB" dirty="0"/>
+            <a:endParaRPr lang="it-IT" b="1" dirty="0">
+              <a:latin typeface="Aptos" panose="020B0004020202020204" pitchFamily="34" charset="0"/>
+            </a:endParaRPr>
+          </a:p>
+          <a:p>
+            <a:endParaRPr lang="en-GB" dirty="0">
+              <a:latin typeface="Aptos" panose="020B0004020202020204" pitchFamily="34" charset="0"/>
+            </a:endParaRPr>
           </a:p>
         </p:txBody>
       </p:sp>
@@ -7657,8 +6931,8 @@
           </a:fontRef>
         </p:style>
       </p:cxnSp>
-      <mc:AlternateContent xmlns:mc="http://schemas.openxmlformats.org/markup-compatibility/2006" xmlns:a14="http://schemas.microsoft.com/office/drawing/2010/main">
-        <mc:Choice Requires="a14">
+      <mc:AlternateContent xmlns:mc="http://schemas.openxmlformats.org/markup-compatibility/2006">
+        <mc:Choice xmlns:a14="http://schemas.microsoft.com/office/drawing/2010/main" Requires="a14">
           <p:sp>
             <p:nvSpPr>
               <p:cNvPr id="11" name="CasellaDiTesto 10"/>
@@ -7697,12 +6971,14 @@
                     </m:oMath>
                   </m:oMathPara>
                 </a14:m>
-                <a:endParaRPr lang="en-GB" dirty="0"/>
+                <a:endParaRPr lang="en-GB" dirty="0">
+                  <a:latin typeface="Aptos" panose="020B0004020202020204" pitchFamily="34" charset="0"/>
+                </a:endParaRPr>
               </a:p>
             </p:txBody>
           </p:sp>
         </mc:Choice>
-        <mc:Fallback xmlns="">
+        <mc:Fallback>
           <p:sp>
             <p:nvSpPr>
               <p:cNvPr id="11" name="CasellaDiTesto 10"/>
@@ -7731,7 +7007,7 @@
               <a:lstStyle/>
               <a:p>
                 <a:r>
-                  <a:rPr lang="en-GB">
+                  <a:rPr lang="en-US">
                     <a:noFill/>
                   </a:rPr>
                   <a:t> </a:t>
@@ -7741,8 +7017,8 @@
           </p:sp>
         </mc:Fallback>
       </mc:AlternateContent>
-      <mc:AlternateContent xmlns:mc="http://schemas.openxmlformats.org/markup-compatibility/2006" xmlns:a14="http://schemas.microsoft.com/office/drawing/2010/main">
-        <mc:Choice Requires="a14">
+      <mc:AlternateContent xmlns:mc="http://schemas.openxmlformats.org/markup-compatibility/2006">
+        <mc:Choice xmlns:a14="http://schemas.microsoft.com/office/drawing/2010/main" Requires="a14">
           <p:sp>
             <p:nvSpPr>
               <p:cNvPr id="12" name="CasellaDiTesto 11"/>
@@ -7781,12 +7057,14 @@
                     </m:oMath>
                   </m:oMathPara>
                 </a14:m>
-                <a:endParaRPr lang="en-GB" dirty="0"/>
+                <a:endParaRPr lang="en-GB" dirty="0">
+                  <a:latin typeface="Aptos" panose="020B0004020202020204" pitchFamily="34" charset="0"/>
+                </a:endParaRPr>
               </a:p>
             </p:txBody>
           </p:sp>
         </mc:Choice>
-        <mc:Fallback xmlns="">
+        <mc:Fallback>
           <p:sp>
             <p:nvSpPr>
               <p:cNvPr id="12" name="CasellaDiTesto 11"/>
@@ -7815,7 +7093,7 @@
               <a:lstStyle/>
               <a:p>
                 <a:r>
-                  <a:rPr lang="en-GB">
+                  <a:rPr lang="en-US">
                     <a:noFill/>
                   </a:rPr>
                   <a:t> </a:t>
@@ -7861,7 +7139,9 @@
           <a:lstStyle/>
           <a:p>
             <a:pPr algn="ctr"/>
-            <a:endParaRPr lang="en-GB"/>
+            <a:endParaRPr lang="en-GB">
+              <a:latin typeface="Aptos" panose="020B0004020202020204" pitchFamily="34" charset="0"/>
+            </a:endParaRPr>
           </a:p>
         </p:txBody>
       </p:sp>
@@ -7901,7 +7181,9 @@
           <a:lstStyle/>
           <a:p>
             <a:pPr algn="ctr"/>
-            <a:endParaRPr lang="en-GB"/>
+            <a:endParaRPr lang="en-GB">
+              <a:latin typeface="Aptos" panose="020B0004020202020204" pitchFamily="34" charset="0"/>
+            </a:endParaRPr>
           </a:p>
         </p:txBody>
       </p:sp>
@@ -8057,8 +7339,8 @@
           </a:fontRef>
         </p:style>
       </p:cxnSp>
-      <mc:AlternateContent xmlns:mc="http://schemas.openxmlformats.org/markup-compatibility/2006" xmlns:a14="http://schemas.microsoft.com/office/drawing/2010/main">
-        <mc:Choice Requires="a14">
+      <mc:AlternateContent xmlns:mc="http://schemas.openxmlformats.org/markup-compatibility/2006">
+        <mc:Choice xmlns:a14="http://schemas.microsoft.com/office/drawing/2010/main" Requires="a14">
           <p:sp>
             <p:nvSpPr>
               <p:cNvPr id="31" name="Rettangolo 30"/>
@@ -8157,12 +7439,14 @@
                     </m:oMath>
                   </m:oMathPara>
                 </a14:m>
-                <a:endParaRPr lang="it-IT" sz="2000" dirty="0"/>
+                <a:endParaRPr lang="it-IT" sz="2000" dirty="0">
+                  <a:latin typeface="Aptos" panose="020B0004020202020204" pitchFamily="34" charset="0"/>
+                </a:endParaRPr>
               </a:p>
             </p:txBody>
           </p:sp>
         </mc:Choice>
-        <mc:Fallback xmlns="">
+        <mc:Fallback>
           <p:sp>
             <p:nvSpPr>
               <p:cNvPr id="31" name="Rettangolo 30"/>
@@ -8182,7 +7466,7 @@
               <a:blipFill>
                 <a:blip r:embed="rId4"/>
                 <a:stretch>
-                  <a:fillRect t="-8696" r="-15809" b="-7246"/>
+                  <a:fillRect t="-2941" b="-2941"/>
                 </a:stretch>
               </a:blipFill>
             </p:spPr>
@@ -8191,7 +7475,7 @@
               <a:lstStyle/>
               <a:p>
                 <a:r>
-                  <a:rPr lang="en-GB">
+                  <a:rPr lang="en-US">
                     <a:noFill/>
                   </a:rPr>
                   <a:t> </a:t>
@@ -8201,8 +7485,8 @@
           </p:sp>
         </mc:Fallback>
       </mc:AlternateContent>
-      <mc:AlternateContent xmlns:mc="http://schemas.openxmlformats.org/markup-compatibility/2006" xmlns:a14="http://schemas.microsoft.com/office/drawing/2010/main">
-        <mc:Choice Requires="a14">
+      <mc:AlternateContent xmlns:mc="http://schemas.openxmlformats.org/markup-compatibility/2006">
+        <mc:Choice xmlns:a14="http://schemas.microsoft.com/office/drawing/2010/main" Requires="a14">
           <p:sp>
             <p:nvSpPr>
               <p:cNvPr id="32" name="CasellaDiTesto 31"/>
@@ -8260,12 +7544,14 @@
                     </m:oMath>
                   </m:oMathPara>
                 </a14:m>
-                <a:endParaRPr lang="en-GB" dirty="0"/>
+                <a:endParaRPr lang="en-GB" dirty="0">
+                  <a:latin typeface="Aptos" panose="020B0004020202020204" pitchFamily="34" charset="0"/>
+                </a:endParaRPr>
               </a:p>
             </p:txBody>
           </p:sp>
         </mc:Choice>
-        <mc:Fallback xmlns="">
+        <mc:Fallback>
           <p:sp>
             <p:nvSpPr>
               <p:cNvPr id="32" name="CasellaDiTesto 31"/>
@@ -8294,7 +7580,7 @@
               <a:lstStyle/>
               <a:p>
                 <a:r>
-                  <a:rPr lang="en-GB">
+                  <a:rPr lang="en-US">
                     <a:noFill/>
                   </a:rPr>
                   <a:t> </a:t>
@@ -8304,8 +7590,8 @@
           </p:sp>
         </mc:Fallback>
       </mc:AlternateContent>
-      <mc:AlternateContent xmlns:mc="http://schemas.openxmlformats.org/markup-compatibility/2006" xmlns:a14="http://schemas.microsoft.com/office/drawing/2010/main">
-        <mc:Choice Requires="a14">
+      <mc:AlternateContent xmlns:mc="http://schemas.openxmlformats.org/markup-compatibility/2006">
+        <mc:Choice xmlns:a14="http://schemas.microsoft.com/office/drawing/2010/main" Requires="a14">
           <p:sp>
             <p:nvSpPr>
               <p:cNvPr id="33" name="CasellaDiTesto 32"/>
@@ -8363,12 +7649,14 @@
                     </m:oMath>
                   </m:oMathPara>
                 </a14:m>
-                <a:endParaRPr lang="en-GB" dirty="0"/>
+                <a:endParaRPr lang="en-GB" dirty="0">
+                  <a:latin typeface="Aptos" panose="020B0004020202020204" pitchFamily="34" charset="0"/>
+                </a:endParaRPr>
               </a:p>
             </p:txBody>
           </p:sp>
         </mc:Choice>
-        <mc:Fallback xmlns="">
+        <mc:Fallback>
           <p:sp>
             <p:nvSpPr>
               <p:cNvPr id="33" name="CasellaDiTesto 32"/>
@@ -8397,7 +7685,7 @@
               <a:lstStyle/>
               <a:p>
                 <a:r>
-                  <a:rPr lang="en-GB">
+                  <a:rPr lang="en-US">
                     <a:noFill/>
                   </a:rPr>
                   <a:t> </a:t>
@@ -8407,8 +7695,8 @@
           </p:sp>
         </mc:Fallback>
       </mc:AlternateContent>
-      <mc:AlternateContent xmlns:mc="http://schemas.openxmlformats.org/markup-compatibility/2006" xmlns:a14="http://schemas.microsoft.com/office/drawing/2010/main">
-        <mc:Choice Requires="a14">
+      <mc:AlternateContent xmlns:mc="http://schemas.openxmlformats.org/markup-compatibility/2006">
+        <mc:Choice xmlns:a14="http://schemas.microsoft.com/office/drawing/2010/main" Requires="a14">
           <p:sp>
             <p:nvSpPr>
               <p:cNvPr id="34" name="CasellaDiTesto 33"/>
@@ -8466,12 +7754,14 @@
                     </m:oMath>
                   </m:oMathPara>
                 </a14:m>
-                <a:endParaRPr lang="en-GB" dirty="0"/>
+                <a:endParaRPr lang="en-GB" dirty="0">
+                  <a:latin typeface="Aptos" panose="020B0004020202020204" pitchFamily="34" charset="0"/>
+                </a:endParaRPr>
               </a:p>
             </p:txBody>
           </p:sp>
         </mc:Choice>
-        <mc:Fallback xmlns="">
+        <mc:Fallback>
           <p:sp>
             <p:nvSpPr>
               <p:cNvPr id="34" name="CasellaDiTesto 33"/>
@@ -8500,7 +7790,7 @@
               <a:lstStyle/>
               <a:p>
                 <a:r>
-                  <a:rPr lang="en-GB">
+                  <a:rPr lang="en-US">
                     <a:noFill/>
                   </a:rPr>
                   <a:t> </a:t>
@@ -8510,8 +7800,8 @@
           </p:sp>
         </mc:Fallback>
       </mc:AlternateContent>
-      <mc:AlternateContent xmlns:mc="http://schemas.openxmlformats.org/markup-compatibility/2006" xmlns:a14="http://schemas.microsoft.com/office/drawing/2010/main">
-        <mc:Choice Requires="a14">
+      <mc:AlternateContent xmlns:mc="http://schemas.openxmlformats.org/markup-compatibility/2006">
+        <mc:Choice xmlns:a14="http://schemas.microsoft.com/office/drawing/2010/main" Requires="a14">
           <p:sp>
             <p:nvSpPr>
               <p:cNvPr id="35" name="CasellaDiTesto 34"/>
@@ -8569,12 +7859,14 @@
                     </m:oMath>
                   </m:oMathPara>
                 </a14:m>
-                <a:endParaRPr lang="en-GB" dirty="0"/>
+                <a:endParaRPr lang="en-GB" dirty="0">
+                  <a:latin typeface="Aptos" panose="020B0004020202020204" pitchFamily="34" charset="0"/>
+                </a:endParaRPr>
               </a:p>
             </p:txBody>
           </p:sp>
         </mc:Choice>
-        <mc:Fallback xmlns="">
+        <mc:Fallback>
           <p:sp>
             <p:nvSpPr>
               <p:cNvPr id="35" name="CasellaDiTesto 34"/>
@@ -8594,7 +7886,7 @@
               <a:blipFill>
                 <a:blip r:embed="rId8"/>
                 <a:stretch>
-                  <a:fillRect b="-6667"/>
+                  <a:fillRect b="-10345"/>
                 </a:stretch>
               </a:blipFill>
             </p:spPr>
@@ -8603,7 +7895,7 @@
               <a:lstStyle/>
               <a:p>
                 <a:r>
-                  <a:rPr lang="it-IT">
+                  <a:rPr lang="en-US">
                     <a:noFill/>
                   </a:rPr>
                   <a:t> </a:t>
@@ -8613,8 +7905,8 @@
           </p:sp>
         </mc:Fallback>
       </mc:AlternateContent>
-      <mc:AlternateContent xmlns:mc="http://schemas.openxmlformats.org/markup-compatibility/2006" xmlns:a14="http://schemas.microsoft.com/office/drawing/2010/main">
-        <mc:Choice Requires="a14">
+      <mc:AlternateContent xmlns:mc="http://schemas.openxmlformats.org/markup-compatibility/2006">
+        <mc:Choice xmlns:a14="http://schemas.microsoft.com/office/drawing/2010/main" Requires="a14">
           <p:sp>
             <p:nvSpPr>
               <p:cNvPr id="36" name="CasellaDiTesto 35"/>
@@ -8796,12 +8088,14 @@
                     </m:oMath>
                   </m:oMathPara>
                 </a14:m>
-                <a:endParaRPr lang="en-GB" dirty="0"/>
+                <a:endParaRPr lang="en-GB" dirty="0">
+                  <a:latin typeface="Aptos" panose="020B0004020202020204" pitchFamily="34" charset="0"/>
+                </a:endParaRPr>
               </a:p>
             </p:txBody>
           </p:sp>
         </mc:Choice>
-        <mc:Fallback xmlns="">
+        <mc:Fallback>
           <p:sp>
             <p:nvSpPr>
               <p:cNvPr id="36" name="CasellaDiTesto 35"/>
@@ -8821,7 +8115,7 @@
               <a:blipFill>
                 <a:blip r:embed="rId9"/>
                 <a:stretch>
-                  <a:fillRect/>
+                  <a:fillRect l="-2062" t="-2381" r="-1031" b="-11905"/>
                 </a:stretch>
               </a:blipFill>
             </p:spPr>
@@ -8830,7 +8124,7 @@
               <a:lstStyle/>
               <a:p>
                 <a:r>
-                  <a:rPr lang="en-GB">
+                  <a:rPr lang="en-US">
                     <a:noFill/>
                   </a:rPr>
                   <a:t> </a:t>
@@ -8840,8 +8134,8 @@
           </p:sp>
         </mc:Fallback>
       </mc:AlternateContent>
-      <mc:AlternateContent xmlns:mc="http://schemas.openxmlformats.org/markup-compatibility/2006" xmlns:a14="http://schemas.microsoft.com/office/drawing/2010/main">
-        <mc:Choice Requires="a14">
+      <mc:AlternateContent xmlns:mc="http://schemas.openxmlformats.org/markup-compatibility/2006">
+        <mc:Choice xmlns:a14="http://schemas.microsoft.com/office/drawing/2010/main" Requires="a14">
           <p:sp>
             <p:nvSpPr>
               <p:cNvPr id="37" name="CasellaDiTesto 36"/>
@@ -9086,12 +8380,14 @@
                     </m:oMath>
                   </m:oMathPara>
                 </a14:m>
-                <a:endParaRPr lang="en-GB" dirty="0"/>
+                <a:endParaRPr lang="en-GB" dirty="0">
+                  <a:latin typeface="Aptos" panose="020B0004020202020204" pitchFamily="34" charset="0"/>
+                </a:endParaRPr>
               </a:p>
             </p:txBody>
           </p:sp>
         </mc:Choice>
-        <mc:Fallback xmlns="">
+        <mc:Fallback>
           <p:sp>
             <p:nvSpPr>
               <p:cNvPr id="37" name="CasellaDiTesto 36"/>
@@ -9111,7 +8407,7 @@
               <a:blipFill>
                 <a:blip r:embed="rId10"/>
                 <a:stretch>
-                  <a:fillRect/>
+                  <a:fillRect l="-2381" t="-2381" r="-595" b="-9524"/>
                 </a:stretch>
               </a:blipFill>
             </p:spPr>
@@ -9120,7 +8416,7 @@
               <a:lstStyle/>
               <a:p>
                 <a:r>
-                  <a:rPr lang="en-GB">
+                  <a:rPr lang="en-US">
                     <a:noFill/>
                   </a:rPr>
                   <a:t> </a:t>
@@ -9335,27 +8631,38 @@
               <a:buNone/>
             </a:pPr>
             <a:r>
-              <a:rPr lang="it-IT" sz="2000" b="1" dirty="0"/>
+              <a:rPr lang="it-IT" sz="2000" b="1" dirty="0">
+                <a:latin typeface="Aptos" panose="020B0004020202020204" pitchFamily="34" charset="0"/>
+              </a:rPr>
               <a:t>Multiple-</a:t>
             </a:r>
             <a:r>
-              <a:rPr lang="it-IT" sz="2000" b="1" dirty="0" err="1"/>
+              <a:rPr lang="it-IT" sz="2000" b="1" dirty="0" err="1">
+                <a:latin typeface="Aptos" panose="020B0004020202020204" pitchFamily="34" charset="0"/>
+              </a:rPr>
               <a:t>point</a:t>
             </a:r>
             <a:r>
-              <a:rPr lang="it-IT" sz="2000" b="1" dirty="0"/>
+              <a:rPr lang="it-IT" sz="2000" b="1" dirty="0">
+                <a:latin typeface="Aptos" panose="020B0004020202020204" pitchFamily="34" charset="0"/>
+              </a:rPr>
               <a:t> </a:t>
             </a:r>
             <a:r>
               <a:rPr lang="en-GB" sz="2000" b="1" dirty="0">
+                <a:latin typeface="Aptos" panose="020B0004020202020204" pitchFamily="34" charset="0"/>
                 <a:sym typeface="Wingdings" panose="05000000000000000000" pitchFamily="2" charset="2"/>
               </a:rPr>
               <a:t>calibration</a:t>
             </a:r>
-            <a:endParaRPr lang="it-IT" b="1" dirty="0"/>
-          </a:p>
-          <a:p>
-            <a:endParaRPr lang="en-GB" dirty="0"/>
+            <a:endParaRPr lang="it-IT" b="1" dirty="0">
+              <a:latin typeface="Aptos" panose="020B0004020202020204" pitchFamily="34" charset="0"/>
+            </a:endParaRPr>
+          </a:p>
+          <a:p>
+            <a:endParaRPr lang="en-GB" dirty="0">
+              <a:latin typeface="Aptos" panose="020B0004020202020204" pitchFamily="34" charset="0"/>
+            </a:endParaRPr>
           </a:p>
         </p:txBody>
       </p:sp>
@@ -9466,8 +8773,8 @@
           </a:fontRef>
         </p:style>
       </p:cxnSp>
-      <mc:AlternateContent xmlns:mc="http://schemas.openxmlformats.org/markup-compatibility/2006" xmlns:a14="http://schemas.microsoft.com/office/drawing/2010/main">
-        <mc:Choice Requires="a14">
+      <mc:AlternateContent xmlns:mc="http://schemas.openxmlformats.org/markup-compatibility/2006">
+        <mc:Choice xmlns:a14="http://schemas.microsoft.com/office/drawing/2010/main" Requires="a14">
           <p:sp>
             <p:nvSpPr>
               <p:cNvPr id="42" name="CasellaDiTesto 41"/>
@@ -9506,12 +8813,14 @@
                     </m:oMath>
                   </m:oMathPara>
                 </a14:m>
-                <a:endParaRPr lang="en-GB" dirty="0"/>
+                <a:endParaRPr lang="en-GB" dirty="0">
+                  <a:latin typeface="Aptos" panose="020B0004020202020204" pitchFamily="34" charset="0"/>
+                </a:endParaRPr>
               </a:p>
             </p:txBody>
           </p:sp>
         </mc:Choice>
-        <mc:Fallback xmlns="">
+        <mc:Fallback>
           <p:sp>
             <p:nvSpPr>
               <p:cNvPr id="42" name="CasellaDiTesto 41"/>
@@ -9531,7 +8840,7 @@
               <a:blipFill>
                 <a:blip r:embed="rId11"/>
                 <a:stretch>
-                  <a:fillRect b="-4918"/>
+                  <a:fillRect b="-3226"/>
                 </a:stretch>
               </a:blipFill>
             </p:spPr>
@@ -9540,7 +8849,7 @@
               <a:lstStyle/>
               <a:p>
                 <a:r>
-                  <a:rPr lang="en-GB">
+                  <a:rPr lang="en-US">
                     <a:noFill/>
                   </a:rPr>
                   <a:t> </a:t>
@@ -9550,8 +8859,8 @@
           </p:sp>
         </mc:Fallback>
       </mc:AlternateContent>
-      <mc:AlternateContent xmlns:mc="http://schemas.openxmlformats.org/markup-compatibility/2006" xmlns:a14="http://schemas.microsoft.com/office/drawing/2010/main">
-        <mc:Choice Requires="a14">
+      <mc:AlternateContent xmlns:mc="http://schemas.openxmlformats.org/markup-compatibility/2006">
+        <mc:Choice xmlns:a14="http://schemas.microsoft.com/office/drawing/2010/main" Requires="a14">
           <p:sp>
             <p:nvSpPr>
               <p:cNvPr id="43" name="CasellaDiTesto 42"/>
@@ -9590,12 +8899,14 @@
                     </m:oMath>
                   </m:oMathPara>
                 </a14:m>
-                <a:endParaRPr lang="en-GB" dirty="0"/>
+                <a:endParaRPr lang="en-GB" dirty="0">
+                  <a:latin typeface="Aptos" panose="020B0004020202020204" pitchFamily="34" charset="0"/>
+                </a:endParaRPr>
               </a:p>
             </p:txBody>
           </p:sp>
         </mc:Choice>
-        <mc:Fallback xmlns="">
+        <mc:Fallback>
           <p:sp>
             <p:nvSpPr>
               <p:cNvPr id="43" name="CasellaDiTesto 42"/>
@@ -9624,7 +8935,7 @@
               <a:lstStyle/>
               <a:p>
                 <a:r>
-                  <a:rPr lang="en-GB">
+                  <a:rPr lang="en-US">
                     <a:noFill/>
                   </a:rPr>
                   <a:t> </a:t>
@@ -9670,7 +8981,9 @@
           <a:lstStyle/>
           <a:p>
             <a:pPr algn="ctr"/>
-            <a:endParaRPr lang="en-GB"/>
+            <a:endParaRPr lang="en-GB">
+              <a:latin typeface="Aptos" panose="020B0004020202020204" pitchFamily="34" charset="0"/>
+            </a:endParaRPr>
           </a:p>
         </p:txBody>
       </p:sp>
@@ -9710,7 +9023,9 @@
           <a:lstStyle/>
           <a:p>
             <a:pPr algn="ctr"/>
-            <a:endParaRPr lang="en-GB"/>
+            <a:endParaRPr lang="en-GB">
+              <a:latin typeface="Aptos" panose="020B0004020202020204" pitchFamily="34" charset="0"/>
+            </a:endParaRPr>
           </a:p>
         </p:txBody>
       </p:sp>
@@ -9750,7 +9065,9 @@
           <a:lstStyle/>
           <a:p>
             <a:pPr algn="ctr"/>
-            <a:endParaRPr lang="en-GB"/>
+            <a:endParaRPr lang="en-GB">
+              <a:latin typeface="Aptos" panose="020B0004020202020204" pitchFamily="34" charset="0"/>
+            </a:endParaRPr>
           </a:p>
         </p:txBody>
       </p:sp>
@@ -9790,7 +9107,9 @@
           <a:lstStyle/>
           <a:p>
             <a:pPr algn="ctr"/>
-            <a:endParaRPr lang="en-GB"/>
+            <a:endParaRPr lang="en-GB">
+              <a:latin typeface="Aptos" panose="020B0004020202020204" pitchFamily="34" charset="0"/>
+            </a:endParaRPr>
           </a:p>
         </p:txBody>
       </p:sp>
@@ -9830,7 +9149,9 @@
           <a:lstStyle/>
           <a:p>
             <a:pPr algn="ctr"/>
-            <a:endParaRPr lang="en-GB"/>
+            <a:endParaRPr lang="en-GB">
+              <a:latin typeface="Aptos" panose="020B0004020202020204" pitchFamily="34" charset="0"/>
+            </a:endParaRPr>
           </a:p>
         </p:txBody>
       </p:sp>
@@ -9870,7 +9191,9 @@
           <a:lstStyle/>
           <a:p>
             <a:pPr algn="ctr"/>
-            <a:endParaRPr lang="en-GB"/>
+            <a:endParaRPr lang="en-GB">
+              <a:latin typeface="Aptos" panose="020B0004020202020204" pitchFamily="34" charset="0"/>
+            </a:endParaRPr>
           </a:p>
         </p:txBody>
       </p:sp>
@@ -9910,12 +9233,14 @@
           <a:lstStyle/>
           <a:p>
             <a:pPr algn="ctr"/>
-            <a:endParaRPr lang="en-GB"/>
+            <a:endParaRPr lang="en-GB">
+              <a:latin typeface="Aptos" panose="020B0004020202020204" pitchFamily="34" charset="0"/>
+            </a:endParaRPr>
           </a:p>
         </p:txBody>
       </p:sp>
-      <mc:AlternateContent xmlns:mc="http://schemas.openxmlformats.org/markup-compatibility/2006" xmlns:a14="http://schemas.microsoft.com/office/drawing/2010/main">
-        <mc:Choice Requires="a14">
+      <mc:AlternateContent xmlns:mc="http://schemas.openxmlformats.org/markup-compatibility/2006">
+        <mc:Choice xmlns:a14="http://schemas.microsoft.com/office/drawing/2010/main" Requires="a14">
           <p:sp>
             <p:nvSpPr>
               <p:cNvPr id="59" name="Rettangolo 58"/>
@@ -10014,12 +9339,14 @@
                     </m:oMath>
                   </m:oMathPara>
                 </a14:m>
-                <a:endParaRPr lang="it-IT" sz="2000" dirty="0"/>
+                <a:endParaRPr lang="it-IT" sz="2000" dirty="0">
+                  <a:latin typeface="Aptos" panose="020B0004020202020204" pitchFamily="34" charset="0"/>
+                </a:endParaRPr>
               </a:p>
             </p:txBody>
           </p:sp>
         </mc:Choice>
-        <mc:Fallback xmlns="">
+        <mc:Fallback>
           <p:sp>
             <p:nvSpPr>
               <p:cNvPr id="59" name="Rettangolo 58"/>
@@ -10039,7 +9366,7 @@
               <a:blipFill>
                 <a:blip r:embed="rId13"/>
                 <a:stretch>
-                  <a:fillRect t="-8696" r="-15809" b="-7246"/>
+                  <a:fillRect t="-2941" b="-2941"/>
                 </a:stretch>
               </a:blipFill>
             </p:spPr>
@@ -10048,7 +9375,7 @@
               <a:lstStyle/>
               <a:p>
                 <a:r>
-                  <a:rPr lang="en-GB">
+                  <a:rPr lang="en-US">
                     <a:noFill/>
                   </a:rPr>
                   <a:t> </a:t>
@@ -10058,8 +9385,8 @@
           </p:sp>
         </mc:Fallback>
       </mc:AlternateContent>
-      <mc:AlternateContent xmlns:mc="http://schemas.openxmlformats.org/markup-compatibility/2006" xmlns:a14="http://schemas.microsoft.com/office/drawing/2010/main">
-        <mc:Choice Requires="a14">
+      <mc:AlternateContent xmlns:mc="http://schemas.openxmlformats.org/markup-compatibility/2006">
+        <mc:Choice xmlns:a14="http://schemas.microsoft.com/office/drawing/2010/main" Requires="a14">
           <p:sp>
             <p:nvSpPr>
               <p:cNvPr id="60" name="Rettangolo 59"/>
@@ -10378,12 +9705,14 @@
                     </m:oMath>
                   </m:oMathPara>
                 </a14:m>
-                <a:endParaRPr lang="it-IT" sz="2000" dirty="0"/>
+                <a:endParaRPr lang="it-IT" sz="2000" dirty="0">
+                  <a:latin typeface="Aptos" panose="020B0004020202020204" pitchFamily="34" charset="0"/>
+                </a:endParaRPr>
               </a:p>
             </p:txBody>
           </p:sp>
         </mc:Choice>
-        <mc:Fallback xmlns="">
+        <mc:Fallback>
           <p:sp>
             <p:nvSpPr>
               <p:cNvPr id="60" name="Rettangolo 59"/>
@@ -10403,7 +9732,7 @@
               <a:blipFill>
                 <a:blip r:embed="rId14"/>
                 <a:stretch>
-                  <a:fillRect/>
+                  <a:fillRect t="-104054" b="-158108"/>
                 </a:stretch>
               </a:blipFill>
             </p:spPr>
@@ -10412,7 +9741,7 @@
               <a:lstStyle/>
               <a:p>
                 <a:r>
-                  <a:rPr lang="en-GB">
+                  <a:rPr lang="en-US">
                     <a:noFill/>
                   </a:rPr>
                   <a:t> </a:t>
@@ -10439,7 +9768,7 @@
           <a:p>
             <a:fld id="{31DE2C5B-556E-47B8-A792-024C2FCA4ACC}" type="slidenum">
               <a:rPr lang="en-GB" smtClean="0"/>
-              <a:t>17</a:t>
+              <a:t>16</a:t>
             </a:fld>
             <a:endParaRPr lang="en-GB"/>
           </a:p>
@@ -10458,7 +9787,7 @@
 </p:sld>
 </file>
 
-<file path=ppt/slides/slide18.xml><?xml version="1.0" encoding="utf-8"?>
+<file path=ppt/slides/slide17.xml><?xml version="1.0" encoding="utf-8"?>
 <p:sld xmlns:a="http://schemas.openxmlformats.org/drawingml/2006/main" xmlns:r="http://schemas.openxmlformats.org/officeDocument/2006/relationships" xmlns:p="http://schemas.openxmlformats.org/presentationml/2006/main">
   <p:cSld>
     <p:spTree>
@@ -10584,7 +9913,7 @@
           <a:p>
             <a:fld id="{31DE2C5B-556E-47B8-A792-024C2FCA4ACC}" type="slidenum">
               <a:rPr lang="en-GB" smtClean="0"/>
-              <a:t>18</a:t>
+              <a:t>17</a:t>
             </a:fld>
             <a:endParaRPr lang="en-GB"/>
           </a:p>
@@ -10603,7 +9932,7 @@
 </p:sld>
 </file>
 
-<file path=ppt/slides/slide19.xml><?xml version="1.0" encoding="utf-8"?>
+<file path=ppt/slides/slide18.xml><?xml version="1.0" encoding="utf-8"?>
 <p:sld xmlns:a="http://schemas.openxmlformats.org/drawingml/2006/main" xmlns:r="http://schemas.openxmlformats.org/officeDocument/2006/relationships" xmlns:p="http://schemas.openxmlformats.org/presentationml/2006/main">
   <p:cSld>
     <p:spTree>
@@ -10870,7 +10199,7 @@
           <a:p>
             <a:fld id="{31DE2C5B-556E-47B8-A792-024C2FCA4ACC}" type="slidenum">
               <a:rPr lang="en-GB" smtClean="0"/>
-              <a:t>19</a:t>
+              <a:t>18</a:t>
             </a:fld>
             <a:endParaRPr lang="en-GB"/>
           </a:p>
@@ -10880,6 +10209,244 @@
     <p:extLst>
       <p:ext uri="{BB962C8B-B14F-4D97-AF65-F5344CB8AC3E}">
         <p14:creationId xmlns:p14="http://schemas.microsoft.com/office/powerpoint/2010/main" val="2686269440"/>
+      </p:ext>
+    </p:extLst>
+  </p:cSld>
+  <p:clrMapOvr>
+    <a:masterClrMapping/>
+  </p:clrMapOvr>
+</p:sld>
+</file>
+
+<file path=ppt/slides/slide19.xml><?xml version="1.0" encoding="utf-8"?>
+<p:sld xmlns:a="http://schemas.openxmlformats.org/drawingml/2006/main" xmlns:r="http://schemas.openxmlformats.org/officeDocument/2006/relationships" xmlns:p="http://schemas.openxmlformats.org/presentationml/2006/main">
+  <p:cSld>
+    <p:spTree>
+      <p:nvGrpSpPr>
+        <p:cNvPr id="1" name=""/>
+        <p:cNvGrpSpPr/>
+        <p:nvPr/>
+      </p:nvGrpSpPr>
+      <p:grpSpPr>
+        <a:xfrm>
+          <a:off x="0" y="0"/>
+          <a:ext cx="0" cy="0"/>
+          <a:chOff x="0" y="0"/>
+          <a:chExt cx="0" cy="0"/>
+        </a:xfrm>
+      </p:grpSpPr>
+      <p:sp>
+        <p:nvSpPr>
+          <p:cNvPr id="2" name="Titolo 1"/>
+          <p:cNvSpPr>
+            <a:spLocks noGrp="1"/>
+          </p:cNvSpPr>
+          <p:nvPr>
+            <p:ph type="title"/>
+          </p:nvPr>
+        </p:nvSpPr>
+        <p:spPr/>
+        <p:txBody>
+          <a:bodyPr>
+            <a:normAutofit fontScale="90000"/>
+          </a:bodyPr>
+          <a:lstStyle/>
+          <a:p>
+            <a:r>
+              <a:rPr lang="it-IT" dirty="0" err="1"/>
+              <a:t>Calibration</a:t>
+            </a:r>
+            <a:r>
+              <a:rPr lang="it-IT" dirty="0"/>
+              <a:t> – </a:t>
+            </a:r>
+            <a:r>
+              <a:rPr lang="it-IT" dirty="0" err="1"/>
+              <a:t>Example</a:t>
+            </a:r>
+            <a:br>
+              <a:rPr lang="it-IT" dirty="0"/>
+            </a:br>
+            <a:r>
+              <a:rPr lang="it-IT" dirty="0" err="1"/>
+              <a:t>Minimally</a:t>
+            </a:r>
+            <a:r>
+              <a:rPr lang="it-IT" dirty="0"/>
+              <a:t>-invasive </a:t>
+            </a:r>
+            <a:r>
+              <a:rPr lang="it-IT" dirty="0" err="1"/>
+              <a:t>glucose</a:t>
+            </a:r>
+            <a:r>
+              <a:rPr lang="it-IT" dirty="0"/>
+              <a:t> </a:t>
+            </a:r>
+            <a:r>
+              <a:rPr lang="it-IT" dirty="0" err="1"/>
+              <a:t>sensor</a:t>
+            </a:r>
+            <a:endParaRPr lang="en-GB" dirty="0"/>
+          </a:p>
+        </p:txBody>
+      </p:sp>
+      <p:pic>
+        <p:nvPicPr>
+          <p:cNvPr id="5" name="Segnaposto contenuto 4"/>
+          <p:cNvPicPr>
+            <a:picLocks noGrp="1" noChangeAspect="1"/>
+          </p:cNvPicPr>
+          <p:nvPr>
+            <p:ph idx="1"/>
+          </p:nvPr>
+        </p:nvPicPr>
+        <p:blipFill>
+          <a:blip r:embed="rId2">
+            <a:extLst>
+              <a:ext uri="{28A0092B-C50C-407E-A947-70E740481C1C}">
+                <a14:useLocalDpi xmlns:a14="http://schemas.microsoft.com/office/drawing/2010/main" val="0"/>
+              </a:ext>
+            </a:extLst>
+          </a:blip>
+          <a:stretch>
+            <a:fillRect/>
+          </a:stretch>
+        </p:blipFill>
+        <p:spPr>
+          <a:xfrm>
+            <a:off x="3272147" y="3452247"/>
+            <a:ext cx="5680364" cy="3186277"/>
+          </a:xfrm>
+        </p:spPr>
+      </p:pic>
+      <p:pic>
+        <p:nvPicPr>
+          <p:cNvPr id="4" name="Immagine 3"/>
+          <p:cNvPicPr>
+            <a:picLocks noChangeAspect="1"/>
+          </p:cNvPicPr>
+          <p:nvPr/>
+        </p:nvPicPr>
+        <p:blipFill>
+          <a:blip r:embed="rId3">
+            <a:extLst>
+              <a:ext uri="{28A0092B-C50C-407E-A947-70E740481C1C}">
+                <a14:useLocalDpi xmlns:a14="http://schemas.microsoft.com/office/drawing/2010/main" val="0"/>
+              </a:ext>
+            </a:extLst>
+          </a:blip>
+          <a:stretch>
+            <a:fillRect/>
+          </a:stretch>
+        </p:blipFill>
+        <p:spPr>
+          <a:xfrm>
+            <a:off x="9070280" y="1450936"/>
+            <a:ext cx="3015233" cy="1718683"/>
+          </a:xfrm>
+          <a:prstGeom prst="rect">
+            <a:avLst/>
+          </a:prstGeom>
+        </p:spPr>
+      </p:pic>
+      <p:sp>
+        <p:nvSpPr>
+          <p:cNvPr id="6" name="CasellaDiTesto 5"/>
+          <p:cNvSpPr txBox="1"/>
+          <p:nvPr/>
+        </p:nvSpPr>
+        <p:spPr>
+          <a:xfrm>
+            <a:off x="428172" y="1450937"/>
+            <a:ext cx="8424883" cy="1882567"/>
+          </a:xfrm>
+          <a:prstGeom prst="rect">
+            <a:avLst/>
+          </a:prstGeom>
+          <a:noFill/>
+        </p:spPr>
+        <p:txBody>
+          <a:bodyPr wrap="square" rtlCol="0">
+            <a:spAutoFit/>
+          </a:bodyPr>
+          <a:lstStyle/>
+          <a:p>
+            <a:pPr marL="342900" indent="-342900">
+              <a:lnSpc>
+                <a:spcPct val="90000"/>
+              </a:lnSpc>
+              <a:spcBef>
+                <a:spcPts val="1000"/>
+              </a:spcBef>
+              <a:buClr>
+                <a:srgbClr val="00B050"/>
+              </a:buClr>
+              <a:buFont typeface="Wingdings" panose="05000000000000000000" pitchFamily="2" charset="2"/>
+              <a:buChar char="Ø"/>
+            </a:pPr>
+            <a:r>
+              <a:rPr lang="en-US" sz="2400" dirty="0">
+                <a:latin typeface="Aptos" panose="020B0004020202020204" pitchFamily="34" charset="0"/>
+              </a:rPr>
+              <a:t>The current measured by the sensor presents a non-physiologic drift due to the non-stationary conditions of the sensor interaction with the physiological environment.  </a:t>
+            </a:r>
+          </a:p>
+          <a:p>
+            <a:pPr lvl="1">
+              <a:lnSpc>
+                <a:spcPct val="90000"/>
+              </a:lnSpc>
+              <a:spcBef>
+                <a:spcPts val="1000"/>
+              </a:spcBef>
+              <a:buClr>
+                <a:srgbClr val="00B050"/>
+              </a:buClr>
+            </a:pPr>
+            <a:r>
+              <a:rPr lang="en-US" sz="2400" dirty="0">
+                <a:latin typeface="Aptos" panose="020B0004020202020204" pitchFamily="34" charset="0"/>
+                <a:sym typeface="Wingdings" panose="05000000000000000000" pitchFamily="2" charset="2"/>
+              </a:rPr>
+              <a:t></a:t>
+            </a:r>
+            <a:r>
+              <a:rPr lang="en-US" sz="2400" dirty="0">
+                <a:latin typeface="Aptos" panose="020B0004020202020204" pitchFamily="34" charset="0"/>
+              </a:rPr>
+              <a:t> The parameters of the transfer function need to be updated over time. </a:t>
+            </a:r>
+          </a:p>
+        </p:txBody>
+      </p:sp>
+      <p:sp>
+        <p:nvSpPr>
+          <p:cNvPr id="3" name="Segnaposto numero diapositiva 2"/>
+          <p:cNvSpPr>
+            <a:spLocks noGrp="1"/>
+          </p:cNvSpPr>
+          <p:nvPr>
+            <p:ph type="sldNum" sz="quarter" idx="12"/>
+          </p:nvPr>
+        </p:nvSpPr>
+        <p:spPr/>
+        <p:txBody>
+          <a:bodyPr/>
+          <a:lstStyle/>
+          <a:p>
+            <a:fld id="{31DE2C5B-556E-47B8-A792-024C2FCA4ACC}" type="slidenum">
+              <a:rPr lang="en-GB" smtClean="0"/>
+              <a:t>19</a:t>
+            </a:fld>
+            <a:endParaRPr lang="en-GB"/>
+          </a:p>
+        </p:txBody>
+      </p:sp>
+    </p:spTree>
+    <p:extLst>
+      <p:ext uri="{BB962C8B-B14F-4D97-AF65-F5344CB8AC3E}">
+        <p14:creationId xmlns:p14="http://schemas.microsoft.com/office/powerpoint/2010/main" val="696718783"/>
       </p:ext>
     </p:extLst>
   </p:cSld>
@@ -11139,7 +10706,9 @@
           <a:lstStyle/>
           <a:p>
             <a:pPr algn="ctr"/>
-            <a:endParaRPr lang="en-US"/>
+            <a:endParaRPr lang="en-US">
+              <a:latin typeface="Aptos" panose="020B0004020202020204" pitchFamily="34" charset="0"/>
+            </a:endParaRPr>
           </a:p>
         </p:txBody>
       </p:sp>
@@ -11184,7 +10753,9 @@
           <a:lstStyle/>
           <a:p>
             <a:pPr algn="ctr"/>
-            <a:endParaRPr lang="en-US"/>
+            <a:endParaRPr lang="en-US">
+              <a:latin typeface="Aptos" panose="020B0004020202020204" pitchFamily="34" charset="0"/>
+            </a:endParaRPr>
           </a:p>
         </p:txBody>
       </p:sp>
@@ -11399,10 +10970,14 @@
               <a:buNone/>
             </a:pPr>
             <a:r>
-              <a:rPr lang="en-GB" b="1" dirty="0"/>
+              <a:rPr lang="en-GB" b="1" dirty="0">
+                <a:latin typeface="Aptos" panose="020B0004020202020204" pitchFamily="34" charset="0"/>
+              </a:rPr>
               <a:t>Part 1</a:t>
             </a:r>
-            <a:endParaRPr lang="it-IT" b="1" dirty="0"/>
+            <a:endParaRPr lang="it-IT" b="1" dirty="0">
+              <a:latin typeface="Aptos" panose="020B0004020202020204" pitchFamily="34" charset="0"/>
+            </a:endParaRPr>
           </a:p>
         </p:txBody>
       </p:sp>
@@ -11617,10 +11192,14 @@
               <a:buNone/>
             </a:pPr>
             <a:r>
-              <a:rPr lang="en-GB" b="1" dirty="0"/>
+              <a:rPr lang="en-GB" b="1" dirty="0">
+                <a:latin typeface="Aptos" panose="020B0004020202020204" pitchFamily="34" charset="0"/>
+              </a:rPr>
               <a:t>Part 2</a:t>
             </a:r>
-            <a:endParaRPr lang="it-IT" b="1" dirty="0"/>
+            <a:endParaRPr lang="it-IT" b="1" dirty="0">
+              <a:latin typeface="Aptos" panose="020B0004020202020204" pitchFamily="34" charset="0"/>
+            </a:endParaRPr>
           </a:p>
         </p:txBody>
       </p:sp>
@@ -11710,244 +11289,6 @@
           </a:p>
         </p:txBody>
       </p:sp>
-      <p:pic>
-        <p:nvPicPr>
-          <p:cNvPr id="5" name="Segnaposto contenuto 4"/>
-          <p:cNvPicPr>
-            <a:picLocks noGrp="1" noChangeAspect="1"/>
-          </p:cNvPicPr>
-          <p:nvPr>
-            <p:ph idx="1"/>
-          </p:nvPr>
-        </p:nvPicPr>
-        <p:blipFill>
-          <a:blip r:embed="rId2">
-            <a:extLst>
-              <a:ext uri="{28A0092B-C50C-407E-A947-70E740481C1C}">
-                <a14:useLocalDpi xmlns:a14="http://schemas.microsoft.com/office/drawing/2010/main" val="0"/>
-              </a:ext>
-            </a:extLst>
-          </a:blip>
-          <a:stretch>
-            <a:fillRect/>
-          </a:stretch>
-        </p:blipFill>
-        <p:spPr>
-          <a:xfrm>
-            <a:off x="3272147" y="3452247"/>
-            <a:ext cx="5680364" cy="3186277"/>
-          </a:xfrm>
-        </p:spPr>
-      </p:pic>
-      <p:pic>
-        <p:nvPicPr>
-          <p:cNvPr id="4" name="Immagine 3"/>
-          <p:cNvPicPr>
-            <a:picLocks noChangeAspect="1"/>
-          </p:cNvPicPr>
-          <p:nvPr/>
-        </p:nvPicPr>
-        <p:blipFill>
-          <a:blip r:embed="rId3">
-            <a:extLst>
-              <a:ext uri="{28A0092B-C50C-407E-A947-70E740481C1C}">
-                <a14:useLocalDpi xmlns:a14="http://schemas.microsoft.com/office/drawing/2010/main" val="0"/>
-              </a:ext>
-            </a:extLst>
-          </a:blip>
-          <a:stretch>
-            <a:fillRect/>
-          </a:stretch>
-        </p:blipFill>
-        <p:spPr>
-          <a:xfrm>
-            <a:off x="9070280" y="1450936"/>
-            <a:ext cx="3015233" cy="1718683"/>
-          </a:xfrm>
-          <a:prstGeom prst="rect">
-            <a:avLst/>
-          </a:prstGeom>
-        </p:spPr>
-      </p:pic>
-      <p:sp>
-        <p:nvSpPr>
-          <p:cNvPr id="6" name="CasellaDiTesto 5"/>
-          <p:cNvSpPr txBox="1"/>
-          <p:nvPr/>
-        </p:nvSpPr>
-        <p:spPr>
-          <a:xfrm>
-            <a:off x="428172" y="1450937"/>
-            <a:ext cx="8424883" cy="1882567"/>
-          </a:xfrm>
-          <a:prstGeom prst="rect">
-            <a:avLst/>
-          </a:prstGeom>
-          <a:noFill/>
-        </p:spPr>
-        <p:txBody>
-          <a:bodyPr wrap="square" rtlCol="0">
-            <a:spAutoFit/>
-          </a:bodyPr>
-          <a:lstStyle/>
-          <a:p>
-            <a:pPr marL="342900" indent="-342900">
-              <a:lnSpc>
-                <a:spcPct val="90000"/>
-              </a:lnSpc>
-              <a:spcBef>
-                <a:spcPts val="1000"/>
-              </a:spcBef>
-              <a:buClr>
-                <a:srgbClr val="00B050"/>
-              </a:buClr>
-              <a:buFont typeface="Wingdings" panose="05000000000000000000" pitchFamily="2" charset="2"/>
-              <a:buChar char="Ø"/>
-            </a:pPr>
-            <a:r>
-              <a:rPr lang="en-US" sz="2400" dirty="0">
-                <a:latin typeface="Palatino Linotype" panose="02040502050505030304" pitchFamily="18" charset="0"/>
-              </a:rPr>
-              <a:t>The current measured by the sensor presents a non-physiologic drift due to the non-stationary conditions of the sensor interaction with the physiological environment.  </a:t>
-            </a:r>
-          </a:p>
-          <a:p>
-            <a:pPr lvl="1">
-              <a:lnSpc>
-                <a:spcPct val="90000"/>
-              </a:lnSpc>
-              <a:spcBef>
-                <a:spcPts val="1000"/>
-              </a:spcBef>
-              <a:buClr>
-                <a:srgbClr val="00B050"/>
-              </a:buClr>
-            </a:pPr>
-            <a:r>
-              <a:rPr lang="en-US" sz="2400" dirty="0">
-                <a:latin typeface="Palatino Linotype" panose="02040502050505030304" pitchFamily="18" charset="0"/>
-                <a:sym typeface="Wingdings" panose="05000000000000000000" pitchFamily="2" charset="2"/>
-              </a:rPr>
-              <a:t></a:t>
-            </a:r>
-            <a:r>
-              <a:rPr lang="en-US" sz="2400" dirty="0">
-                <a:latin typeface="Palatino Linotype" panose="02040502050505030304" pitchFamily="18" charset="0"/>
-              </a:rPr>
-              <a:t> The parameters of the transfer function need to be updated over time. </a:t>
-            </a:r>
-          </a:p>
-        </p:txBody>
-      </p:sp>
-      <p:sp>
-        <p:nvSpPr>
-          <p:cNvPr id="3" name="Segnaposto numero diapositiva 2"/>
-          <p:cNvSpPr>
-            <a:spLocks noGrp="1"/>
-          </p:cNvSpPr>
-          <p:nvPr>
-            <p:ph type="sldNum" sz="quarter" idx="12"/>
-          </p:nvPr>
-        </p:nvSpPr>
-        <p:spPr/>
-        <p:txBody>
-          <a:bodyPr/>
-          <a:lstStyle/>
-          <a:p>
-            <a:fld id="{31DE2C5B-556E-47B8-A792-024C2FCA4ACC}" type="slidenum">
-              <a:rPr lang="en-GB" smtClean="0"/>
-              <a:t>20</a:t>
-            </a:fld>
-            <a:endParaRPr lang="en-GB"/>
-          </a:p>
-        </p:txBody>
-      </p:sp>
-    </p:spTree>
-    <p:extLst>
-      <p:ext uri="{BB962C8B-B14F-4D97-AF65-F5344CB8AC3E}">
-        <p14:creationId xmlns:p14="http://schemas.microsoft.com/office/powerpoint/2010/main" val="696718783"/>
-      </p:ext>
-    </p:extLst>
-  </p:cSld>
-  <p:clrMapOvr>
-    <a:masterClrMapping/>
-  </p:clrMapOvr>
-</p:sld>
-</file>
-
-<file path=ppt/slides/slide21.xml><?xml version="1.0" encoding="utf-8"?>
-<p:sld xmlns:a="http://schemas.openxmlformats.org/drawingml/2006/main" xmlns:r="http://schemas.openxmlformats.org/officeDocument/2006/relationships" xmlns:p="http://schemas.openxmlformats.org/presentationml/2006/main">
-  <p:cSld>
-    <p:spTree>
-      <p:nvGrpSpPr>
-        <p:cNvPr id="1" name=""/>
-        <p:cNvGrpSpPr/>
-        <p:nvPr/>
-      </p:nvGrpSpPr>
-      <p:grpSpPr>
-        <a:xfrm>
-          <a:off x="0" y="0"/>
-          <a:ext cx="0" cy="0"/>
-          <a:chOff x="0" y="0"/>
-          <a:chExt cx="0" cy="0"/>
-        </a:xfrm>
-      </p:grpSpPr>
-      <p:sp>
-        <p:nvSpPr>
-          <p:cNvPr id="2" name="Titolo 1"/>
-          <p:cNvSpPr>
-            <a:spLocks noGrp="1"/>
-          </p:cNvSpPr>
-          <p:nvPr>
-            <p:ph type="title"/>
-          </p:nvPr>
-        </p:nvSpPr>
-        <p:spPr/>
-        <p:txBody>
-          <a:bodyPr>
-            <a:normAutofit fontScale="90000"/>
-          </a:bodyPr>
-          <a:lstStyle/>
-          <a:p>
-            <a:r>
-              <a:rPr lang="it-IT" dirty="0" err="1"/>
-              <a:t>Calibration</a:t>
-            </a:r>
-            <a:r>
-              <a:rPr lang="it-IT" dirty="0"/>
-              <a:t> – </a:t>
-            </a:r>
-            <a:r>
-              <a:rPr lang="it-IT" dirty="0" err="1"/>
-              <a:t>Example</a:t>
-            </a:r>
-            <a:br>
-              <a:rPr lang="it-IT" dirty="0"/>
-            </a:br>
-            <a:r>
-              <a:rPr lang="it-IT" dirty="0" err="1"/>
-              <a:t>Minimally</a:t>
-            </a:r>
-            <a:r>
-              <a:rPr lang="it-IT" dirty="0"/>
-              <a:t>-invasive </a:t>
-            </a:r>
-            <a:r>
-              <a:rPr lang="it-IT" dirty="0" err="1"/>
-              <a:t>glucose</a:t>
-            </a:r>
-            <a:r>
-              <a:rPr lang="it-IT" dirty="0"/>
-              <a:t> </a:t>
-            </a:r>
-            <a:r>
-              <a:rPr lang="it-IT" dirty="0" err="1"/>
-              <a:t>sensor</a:t>
-            </a:r>
-            <a:endParaRPr lang="en-GB" dirty="0"/>
-          </a:p>
-        </p:txBody>
-      </p:sp>
       <p:sp>
         <p:nvSpPr>
           <p:cNvPr id="7" name="CasellaDiTesto 6"/>
@@ -11985,19 +11326,19 @@
             </a:pPr>
             <a:r>
               <a:rPr lang="en-US" sz="2400" dirty="0">
-                <a:latin typeface="Palatino Linotype" panose="02040502050505030304" pitchFamily="18" charset="0"/>
+                <a:latin typeface="Aptos" panose="020B0004020202020204" pitchFamily="34" charset="0"/>
               </a:rPr>
               <a:t>Past-generation sensors required one calibration every 12 hours using a </a:t>
             </a:r>
             <a:r>
               <a:rPr lang="en-US" sz="2400" dirty="0" err="1">
-                <a:latin typeface="Palatino Linotype" panose="02040502050505030304" pitchFamily="18" charset="0"/>
+                <a:latin typeface="Aptos" panose="020B0004020202020204" pitchFamily="34" charset="0"/>
               </a:rPr>
               <a:t>fingerstick</a:t>
             </a:r>
             <a:r>
               <a:rPr lang="en-US" sz="2400" dirty="0">
-                <a:latin typeface="Palatino Linotype" panose="02040502050505030304" pitchFamily="18" charset="0"/>
+                <a:latin typeface="Aptos" panose="020B0004020202020204" pitchFamily="34" charset="0"/>
               </a:rPr>
               <a:t> device to collect reference measurements. </a:t>
             </a:r>
@@ -12018,18 +11359,18 @@
             </a:pPr>
             <a:r>
               <a:rPr lang="en-US" sz="2400" dirty="0">
-                <a:latin typeface="Palatino Linotype" panose="02040502050505030304" pitchFamily="18" charset="0"/>
+                <a:latin typeface="Aptos" panose="020B0004020202020204" pitchFamily="34" charset="0"/>
               </a:rPr>
               <a:t>The reference measurements are given in input to the sensor processing unit which runs the parameter estimation algorithm</a:t>
             </a:r>
             <a:r>
               <a:rPr lang="it-IT" sz="2400" dirty="0">
-                <a:latin typeface="Palatino Linotype" panose="02040502050505030304" pitchFamily="18" charset="0"/>
+                <a:latin typeface="Aptos" panose="020B0004020202020204" pitchFamily="34" charset="0"/>
               </a:rPr>
               <a:t>. </a:t>
             </a:r>
             <a:endParaRPr lang="en-GB" sz="2400" dirty="0">
-              <a:latin typeface="Palatino Linotype" panose="02040502050505030304" pitchFamily="18" charset="0"/>
+              <a:latin typeface="Aptos" panose="020B0004020202020204" pitchFamily="34" charset="0"/>
             </a:endParaRPr>
           </a:p>
         </p:txBody>
@@ -12107,7 +11448,7 @@
         <p:spPr>
           <a:xfrm>
             <a:off x="428169" y="3326751"/>
-            <a:ext cx="5744031" cy="3212161"/>
+            <a:ext cx="5744031" cy="2549480"/>
           </a:xfrm>
           <a:prstGeom prst="rect">
             <a:avLst/>
@@ -12135,7 +11476,7 @@
             </a:pPr>
             <a:r>
               <a:rPr lang="en-US" sz="2400" dirty="0">
-                <a:latin typeface="Palatino Linotype" panose="02040502050505030304" pitchFamily="18" charset="0"/>
+                <a:latin typeface="Aptos" panose="020B0004020202020204" pitchFamily="34" charset="0"/>
               </a:rPr>
               <a:t>Modern sensors comes factory-calibrated with a time-dependent transfer functions which automatically compensate the non-physiologic drift. </a:t>
             </a:r>
@@ -12156,19 +11497,19 @@
             </a:pPr>
             <a:r>
               <a:rPr lang="en-US" sz="2400" dirty="0">
-                <a:latin typeface="Palatino Linotype" panose="02040502050505030304" pitchFamily="18" charset="0"/>
+                <a:latin typeface="Aptos" panose="020B0004020202020204" pitchFamily="34" charset="0"/>
               </a:rPr>
               <a:t>The systems allows to perform optional re-calibrations with </a:t>
             </a:r>
             <a:r>
               <a:rPr lang="en-US" sz="2400" dirty="0" err="1">
-                <a:latin typeface="Palatino Linotype" panose="02040502050505030304" pitchFamily="18" charset="0"/>
+                <a:latin typeface="Aptos" panose="020B0004020202020204" pitchFamily="34" charset="0"/>
               </a:rPr>
               <a:t>fingerstick</a:t>
             </a:r>
             <a:r>
               <a:rPr lang="en-US" sz="2400" dirty="0">
-                <a:latin typeface="Palatino Linotype" panose="02040502050505030304" pitchFamily="18" charset="0"/>
+                <a:latin typeface="Aptos" panose="020B0004020202020204" pitchFamily="34" charset="0"/>
               </a:rPr>
               <a:t> in case of perceived sensor inaccuracy.</a:t>
             </a:r>
@@ -12221,7 +11562,7 @@
           <a:p>
             <a:fld id="{31DE2C5B-556E-47B8-A792-024C2FCA4ACC}" type="slidenum">
               <a:rPr lang="en-GB" smtClean="0"/>
-              <a:t>21</a:t>
+              <a:t>20</a:t>
             </a:fld>
             <a:endParaRPr lang="en-GB"/>
           </a:p>
@@ -12240,7 +11581,7 @@
 </p:sld>
 </file>
 
-<file path=ppt/slides/slide22.xml><?xml version="1.0" encoding="utf-8"?>
+<file path=ppt/slides/slide21.xml><?xml version="1.0" encoding="utf-8"?>
 <p:sld xmlns:a="http://schemas.openxmlformats.org/drawingml/2006/main" xmlns:r="http://schemas.openxmlformats.org/officeDocument/2006/relationships" xmlns:p="http://schemas.openxmlformats.org/presentationml/2006/main">
   <p:cSld>
     <p:spTree>
@@ -12349,7 +11690,7 @@
         <p:spPr>
           <a:xfrm>
             <a:off x="412965" y="3395938"/>
-            <a:ext cx="6020753" cy="2086725"/>
+            <a:ext cx="6020753" cy="2088842"/>
           </a:xfrm>
           <a:prstGeom prst="rect">
             <a:avLst/>
@@ -12376,103 +11717,103 @@
             </a:pPr>
             <a:r>
               <a:rPr lang="it-IT" sz="2400" b="1" dirty="0">
-                <a:latin typeface="Palatino Linotype" panose="02040502050505030304" pitchFamily="18" charset="0"/>
+                <a:latin typeface="Aptos" panose="020B0004020202020204" pitchFamily="34" charset="0"/>
               </a:rPr>
               <a:t>Non-</a:t>
             </a:r>
             <a:r>
               <a:rPr lang="it-IT" sz="2400" b="1" dirty="0" err="1">
-                <a:latin typeface="Palatino Linotype" panose="02040502050505030304" pitchFamily="18" charset="0"/>
+                <a:latin typeface="Aptos" panose="020B0004020202020204" pitchFamily="34" charset="0"/>
               </a:rPr>
               <a:t>linearity</a:t>
             </a:r>
             <a:r>
               <a:rPr lang="it-IT" sz="2400" dirty="0">
-                <a:latin typeface="Palatino Linotype" panose="02040502050505030304" pitchFamily="18" charset="0"/>
+                <a:latin typeface="Aptos" panose="020B0004020202020204" pitchFamily="34" charset="0"/>
               </a:rPr>
               <a:t>: </a:t>
             </a:r>
             <a:r>
               <a:rPr lang="it-IT" sz="2400" dirty="0" err="1">
-                <a:latin typeface="Palatino Linotype" panose="02040502050505030304" pitchFamily="18" charset="0"/>
+                <a:latin typeface="Aptos" panose="020B0004020202020204" pitchFamily="34" charset="0"/>
               </a:rPr>
               <a:t>If</a:t>
             </a:r>
             <a:r>
               <a:rPr lang="it-IT" sz="2400" dirty="0">
-                <a:latin typeface="Palatino Linotype" panose="02040502050505030304" pitchFamily="18" charset="0"/>
+                <a:latin typeface="Aptos" panose="020B0004020202020204" pitchFamily="34" charset="0"/>
               </a:rPr>
               <a:t> the </a:t>
             </a:r>
             <a:r>
               <a:rPr lang="it-IT" sz="2400" dirty="0" err="1">
-                <a:latin typeface="Palatino Linotype" panose="02040502050505030304" pitchFamily="18" charset="0"/>
+                <a:latin typeface="Aptos" panose="020B0004020202020204" pitchFamily="34" charset="0"/>
               </a:rPr>
               <a:t>sensor</a:t>
             </a:r>
             <a:r>
               <a:rPr lang="it-IT" sz="2400" dirty="0">
-                <a:latin typeface="Palatino Linotype" panose="02040502050505030304" pitchFamily="18" charset="0"/>
+                <a:latin typeface="Aptos" panose="020B0004020202020204" pitchFamily="34" charset="0"/>
               </a:rPr>
               <a:t> </a:t>
             </a:r>
             <a:r>
               <a:rPr lang="it-IT" sz="2400" dirty="0" err="1">
-                <a:latin typeface="Palatino Linotype" panose="02040502050505030304" pitchFamily="18" charset="0"/>
+                <a:latin typeface="Aptos" panose="020B0004020202020204" pitchFamily="34" charset="0"/>
               </a:rPr>
               <a:t>response</a:t>
             </a:r>
             <a:r>
               <a:rPr lang="it-IT" sz="2400" dirty="0">
-                <a:latin typeface="Palatino Linotype" panose="02040502050505030304" pitchFamily="18" charset="0"/>
+                <a:latin typeface="Aptos" panose="020B0004020202020204" pitchFamily="34" charset="0"/>
               </a:rPr>
               <a:t> </a:t>
             </a:r>
             <a:r>
               <a:rPr lang="it-IT" sz="2400" dirty="0" err="1">
-                <a:latin typeface="Palatino Linotype" panose="02040502050505030304" pitchFamily="18" charset="0"/>
+                <a:latin typeface="Aptos" panose="020B0004020202020204" pitchFamily="34" charset="0"/>
               </a:rPr>
               <a:t>is</a:t>
             </a:r>
             <a:r>
               <a:rPr lang="it-IT" sz="2400" dirty="0">
-                <a:latin typeface="Palatino Linotype" panose="02040502050505030304" pitchFamily="18" charset="0"/>
+                <a:latin typeface="Aptos" panose="020B0004020202020204" pitchFamily="34" charset="0"/>
               </a:rPr>
               <a:t> non-linear, the </a:t>
             </a:r>
             <a:r>
               <a:rPr lang="it-IT" sz="2400" dirty="0" err="1">
-                <a:latin typeface="Palatino Linotype" panose="02040502050505030304" pitchFamily="18" charset="0"/>
+                <a:latin typeface="Aptos" panose="020B0004020202020204" pitchFamily="34" charset="0"/>
               </a:rPr>
               <a:t>specs</a:t>
             </a:r>
             <a:r>
               <a:rPr lang="it-IT" sz="2400" dirty="0">
-                <a:latin typeface="Palatino Linotype" panose="02040502050505030304" pitchFamily="18" charset="0"/>
+                <a:latin typeface="Aptos" panose="020B0004020202020204" pitchFamily="34" charset="0"/>
               </a:rPr>
               <a:t> report the </a:t>
             </a:r>
             <a:r>
               <a:rPr lang="it-IT" sz="2400" dirty="0" err="1">
-                <a:latin typeface="Palatino Linotype" panose="02040502050505030304" pitchFamily="18" charset="0"/>
+                <a:latin typeface="Aptos" panose="020B0004020202020204" pitchFamily="34" charset="0"/>
               </a:rPr>
               <a:t>level</a:t>
             </a:r>
             <a:r>
               <a:rPr lang="it-IT" sz="2400" dirty="0">
-                <a:latin typeface="Palatino Linotype" panose="02040502050505030304" pitchFamily="18" charset="0"/>
+                <a:latin typeface="Aptos" panose="020B0004020202020204" pitchFamily="34" charset="0"/>
               </a:rPr>
               <a:t> of non-</a:t>
             </a:r>
             <a:r>
               <a:rPr lang="it-IT" sz="2400" dirty="0" err="1">
-                <a:latin typeface="Palatino Linotype" panose="02040502050505030304" pitchFamily="18" charset="0"/>
+                <a:latin typeface="Aptos" panose="020B0004020202020204" pitchFamily="34" charset="0"/>
               </a:rPr>
               <a:t>linearity</a:t>
             </a:r>
             <a:r>
               <a:rPr lang="en-GB" sz="2400" dirty="0">
-                <a:latin typeface="Palatino Linotype" panose="02040502050505030304" pitchFamily="18" charset="0"/>
+                <a:latin typeface="Aptos" panose="020B0004020202020204" pitchFamily="34" charset="0"/>
               </a:rPr>
               <a:t>. It is defined as the maximum distance of the non-linear transfer function from the best-fit straight line.  </a:t>
             </a:r>
@@ -12790,7 +12131,9 @@
           <a:lstStyle/>
           <a:p>
             <a:pPr algn="ctr"/>
-            <a:endParaRPr lang="en-GB"/>
+            <a:endParaRPr lang="en-GB">
+              <a:latin typeface="Aptos" panose="020B0004020202020204" pitchFamily="34" charset="0"/>
+            </a:endParaRPr>
           </a:p>
         </p:txBody>
       </p:sp>
@@ -12830,7 +12173,9 @@
           <a:lstStyle/>
           <a:p>
             <a:pPr algn="ctr"/>
-            <a:endParaRPr lang="en-GB"/>
+            <a:endParaRPr lang="en-GB">
+              <a:latin typeface="Aptos" panose="020B0004020202020204" pitchFamily="34" charset="0"/>
+            </a:endParaRPr>
           </a:p>
         </p:txBody>
       </p:sp>
@@ -12870,7 +12215,9 @@
           <a:lstStyle/>
           <a:p>
             <a:pPr algn="ctr"/>
-            <a:endParaRPr lang="en-GB"/>
+            <a:endParaRPr lang="en-GB">
+              <a:latin typeface="Aptos" panose="020B0004020202020204" pitchFamily="34" charset="0"/>
+            </a:endParaRPr>
           </a:p>
         </p:txBody>
       </p:sp>
@@ -12910,7 +12257,9 @@
           <a:lstStyle/>
           <a:p>
             <a:pPr algn="ctr"/>
-            <a:endParaRPr lang="en-GB"/>
+            <a:endParaRPr lang="en-GB">
+              <a:latin typeface="Aptos" panose="020B0004020202020204" pitchFamily="34" charset="0"/>
+            </a:endParaRPr>
           </a:p>
         </p:txBody>
       </p:sp>
@@ -12950,7 +12299,9 @@
           <a:lstStyle/>
           <a:p>
             <a:pPr algn="ctr"/>
-            <a:endParaRPr lang="en-GB"/>
+            <a:endParaRPr lang="en-GB">
+              <a:latin typeface="Aptos" panose="020B0004020202020204" pitchFamily="34" charset="0"/>
+            </a:endParaRPr>
           </a:p>
         </p:txBody>
       </p:sp>
@@ -12990,7 +12341,9 @@
           <a:lstStyle/>
           <a:p>
             <a:pPr algn="ctr"/>
-            <a:endParaRPr lang="en-GB"/>
+            <a:endParaRPr lang="en-GB">
+              <a:latin typeface="Aptos" panose="020B0004020202020204" pitchFamily="34" charset="0"/>
+            </a:endParaRPr>
           </a:p>
         </p:txBody>
       </p:sp>
@@ -13030,7 +12383,9 @@
           <a:lstStyle/>
           <a:p>
             <a:pPr algn="ctr"/>
-            <a:endParaRPr lang="en-GB"/>
+            <a:endParaRPr lang="en-GB">
+              <a:latin typeface="Aptos" panose="020B0004020202020204" pitchFamily="34" charset="0"/>
+            </a:endParaRPr>
           </a:p>
         </p:txBody>
       </p:sp>
@@ -13070,7 +12425,9 @@
           <a:lstStyle/>
           <a:p>
             <a:pPr algn="ctr"/>
-            <a:endParaRPr lang="en-GB"/>
+            <a:endParaRPr lang="en-GB">
+              <a:latin typeface="Aptos" panose="020B0004020202020204" pitchFamily="34" charset="0"/>
+            </a:endParaRPr>
           </a:p>
         </p:txBody>
       </p:sp>
@@ -13110,7 +12467,9 @@
           <a:lstStyle/>
           <a:p>
             <a:pPr algn="ctr"/>
-            <a:endParaRPr lang="en-GB"/>
+            <a:endParaRPr lang="en-GB">
+              <a:latin typeface="Aptos" panose="020B0004020202020204" pitchFamily="34" charset="0"/>
+            </a:endParaRPr>
           </a:p>
         </p:txBody>
       </p:sp>
@@ -13150,7 +12509,9 @@
           <a:lstStyle/>
           <a:p>
             <a:pPr algn="ctr"/>
-            <a:endParaRPr lang="en-GB"/>
+            <a:endParaRPr lang="en-GB">
+              <a:latin typeface="Aptos" panose="020B0004020202020204" pitchFamily="34" charset="0"/>
+            </a:endParaRPr>
           </a:p>
         </p:txBody>
       </p:sp>
@@ -13190,7 +12551,9 @@
           <a:lstStyle/>
           <a:p>
             <a:pPr algn="ctr"/>
-            <a:endParaRPr lang="en-GB"/>
+            <a:endParaRPr lang="en-GB">
+              <a:latin typeface="Aptos" panose="020B0004020202020204" pitchFamily="34" charset="0"/>
+            </a:endParaRPr>
           </a:p>
         </p:txBody>
       </p:sp>
@@ -13230,7 +12593,9 @@
           <a:lstStyle/>
           <a:p>
             <a:pPr algn="ctr"/>
-            <a:endParaRPr lang="en-GB"/>
+            <a:endParaRPr lang="en-GB">
+              <a:latin typeface="Aptos" panose="020B0004020202020204" pitchFamily="34" charset="0"/>
+            </a:endParaRPr>
           </a:p>
         </p:txBody>
       </p:sp>
@@ -13270,7 +12635,9 @@
           <a:lstStyle/>
           <a:p>
             <a:pPr algn="ctr"/>
-            <a:endParaRPr lang="en-GB"/>
+            <a:endParaRPr lang="en-GB">
+              <a:latin typeface="Aptos" panose="020B0004020202020204" pitchFamily="34" charset="0"/>
+            </a:endParaRPr>
           </a:p>
         </p:txBody>
       </p:sp>
@@ -13310,7 +12677,9 @@
           <a:lstStyle/>
           <a:p>
             <a:pPr algn="ctr"/>
-            <a:endParaRPr lang="en-GB"/>
+            <a:endParaRPr lang="en-GB">
+              <a:latin typeface="Aptos" panose="020B0004020202020204" pitchFamily="34" charset="0"/>
+            </a:endParaRPr>
           </a:p>
         </p:txBody>
       </p:sp>
@@ -13350,7 +12719,9 @@
           <a:lstStyle/>
           <a:p>
             <a:pPr algn="ctr"/>
-            <a:endParaRPr lang="en-GB"/>
+            <a:endParaRPr lang="en-GB">
+              <a:latin typeface="Aptos" panose="020B0004020202020204" pitchFamily="34" charset="0"/>
+            </a:endParaRPr>
           </a:p>
         </p:txBody>
       </p:sp>
@@ -13390,7 +12761,9 @@
           <a:lstStyle/>
           <a:p>
             <a:pPr algn="ctr"/>
-            <a:endParaRPr lang="en-GB"/>
+            <a:endParaRPr lang="en-GB">
+              <a:latin typeface="Aptos" panose="020B0004020202020204" pitchFamily="34" charset="0"/>
+            </a:endParaRPr>
           </a:p>
         </p:txBody>
       </p:sp>
@@ -13430,7 +12803,9 @@
           <a:lstStyle/>
           <a:p>
             <a:pPr algn="ctr"/>
-            <a:endParaRPr lang="en-GB"/>
+            <a:endParaRPr lang="en-GB">
+              <a:latin typeface="Aptos" panose="020B0004020202020204" pitchFamily="34" charset="0"/>
+            </a:endParaRPr>
           </a:p>
         </p:txBody>
       </p:sp>
@@ -13558,7 +12933,9 @@
           <a:lstStyle/>
           <a:p>
             <a:pPr algn="ctr"/>
-            <a:endParaRPr lang="en-GB"/>
+            <a:endParaRPr lang="en-GB">
+              <a:latin typeface="Aptos" panose="020B0004020202020204" pitchFamily="34" charset="0"/>
+            </a:endParaRPr>
           </a:p>
         </p:txBody>
       </p:sp>
@@ -13658,18 +13035,18 @@
           <a:p>
             <a:r>
               <a:rPr lang="it-IT" dirty="0">
-                <a:latin typeface="Palatino Linotype" panose="02040502050505030304" pitchFamily="18" charset="0"/>
+                <a:latin typeface="Aptos" panose="020B0004020202020204" pitchFamily="34" charset="0"/>
               </a:rPr>
               <a:t>Non-</a:t>
             </a:r>
             <a:r>
               <a:rPr lang="it-IT" dirty="0" err="1">
-                <a:latin typeface="Palatino Linotype" panose="02040502050505030304" pitchFamily="18" charset="0"/>
+                <a:latin typeface="Aptos" panose="020B0004020202020204" pitchFamily="34" charset="0"/>
               </a:rPr>
               <a:t>linearity</a:t>
             </a:r>
             <a:endParaRPr lang="en-GB" dirty="0">
-              <a:latin typeface="Palatino Linotype" panose="02040502050505030304" pitchFamily="18" charset="0"/>
+              <a:latin typeface="Aptos" panose="020B0004020202020204" pitchFamily="34" charset="0"/>
             </a:endParaRPr>
           </a:p>
         </p:txBody>
@@ -13701,7 +13078,7 @@
                 <a:solidFill>
                   <a:srgbClr val="FF0000"/>
                 </a:solidFill>
-                <a:latin typeface="Palatino Linotype" panose="02040502050505030304" pitchFamily="18" charset="0"/>
+                <a:latin typeface="Aptos" panose="020B0004020202020204" pitchFamily="34" charset="0"/>
               </a:rPr>
               <a:t>Best-</a:t>
             </a:r>
@@ -13710,7 +13087,7 @@
                 <a:solidFill>
                   <a:srgbClr val="FF0000"/>
                 </a:solidFill>
-                <a:latin typeface="Palatino Linotype" panose="02040502050505030304" pitchFamily="18" charset="0"/>
+                <a:latin typeface="Aptos" panose="020B0004020202020204" pitchFamily="34" charset="0"/>
               </a:rPr>
               <a:t>fit</a:t>
             </a:r>
@@ -13719,7 +13096,7 @@
                 <a:solidFill>
                   <a:srgbClr val="FF0000"/>
                 </a:solidFill>
-                <a:latin typeface="Palatino Linotype" panose="02040502050505030304" pitchFamily="18" charset="0"/>
+                <a:latin typeface="Aptos" panose="020B0004020202020204" pitchFamily="34" charset="0"/>
               </a:rPr>
               <a:t> line</a:t>
             </a:r>
@@ -13727,7 +13104,7 @@
               <a:solidFill>
                 <a:srgbClr val="FF0000"/>
               </a:solidFill>
-              <a:latin typeface="Palatino Linotype" panose="02040502050505030304" pitchFamily="18" charset="0"/>
+              <a:latin typeface="Aptos" panose="020B0004020202020204" pitchFamily="34" charset="0"/>
             </a:endParaRPr>
           </a:p>
         </p:txBody>
@@ -13761,7 +13138,7 @@
                     <a:lumMod val="75000"/>
                   </a:schemeClr>
                 </a:solidFill>
-                <a:latin typeface="Palatino Linotype" panose="02040502050505030304" pitchFamily="18" charset="0"/>
+                <a:latin typeface="Aptos" panose="020B0004020202020204" pitchFamily="34" charset="0"/>
               </a:rPr>
               <a:t>Non-linear transfer </a:t>
             </a:r>
@@ -13772,7 +13149,7 @@
                     <a:lumMod val="75000"/>
                   </a:schemeClr>
                 </a:solidFill>
-                <a:latin typeface="Palatino Linotype" panose="02040502050505030304" pitchFamily="18" charset="0"/>
+                <a:latin typeface="Aptos" panose="020B0004020202020204" pitchFamily="34" charset="0"/>
               </a:rPr>
               <a:t>function</a:t>
             </a:r>
@@ -13782,7 +13159,7 @@
                   <a:lumMod val="75000"/>
                 </a:schemeClr>
               </a:solidFill>
-              <a:latin typeface="Palatino Linotype" panose="02040502050505030304" pitchFamily="18" charset="0"/>
+              <a:latin typeface="Aptos" panose="020B0004020202020204" pitchFamily="34" charset="0"/>
             </a:endParaRPr>
           </a:p>
         </p:txBody>
@@ -13804,7 +13181,7 @@
           <a:p>
             <a:fld id="{31DE2C5B-556E-47B8-A792-024C2FCA4ACC}" type="slidenum">
               <a:rPr lang="en-GB" smtClean="0"/>
-              <a:t>22</a:t>
+              <a:t>21</a:t>
             </a:fld>
             <a:endParaRPr lang="en-GB"/>
           </a:p>
@@ -13823,7 +13200,7 @@
 </p:sld>
 </file>
 
-<file path=ppt/slides/slide23.xml><?xml version="1.0" encoding="utf-8"?>
+<file path=ppt/slides/slide22.xml><?xml version="1.0" encoding="utf-8"?>
 <p:sld xmlns:a="http://schemas.openxmlformats.org/drawingml/2006/main" xmlns:r="http://schemas.openxmlformats.org/officeDocument/2006/relationships" xmlns:p="http://schemas.openxmlformats.org/presentationml/2006/main">
   <p:cSld>
     <p:spTree>
@@ -13937,55 +13314,55 @@
             </a:pPr>
             <a:r>
               <a:rPr lang="it-IT" sz="2400" b="1" dirty="0" err="1">
-                <a:latin typeface="Palatino Linotype" panose="02040502050505030304" pitchFamily="18" charset="0"/>
+                <a:latin typeface="Aptos" panose="020B0004020202020204" pitchFamily="34" charset="0"/>
               </a:rPr>
               <a:t>Hysteresis</a:t>
             </a:r>
             <a:r>
               <a:rPr lang="it-IT" sz="2400" dirty="0">
-                <a:latin typeface="Palatino Linotype" panose="02040502050505030304" pitchFamily="18" charset="0"/>
+                <a:latin typeface="Aptos" panose="020B0004020202020204" pitchFamily="34" charset="0"/>
               </a:rPr>
               <a:t>: the output of a </a:t>
             </a:r>
             <a:r>
               <a:rPr lang="it-IT" sz="2400" dirty="0" err="1">
-                <a:latin typeface="Palatino Linotype" panose="02040502050505030304" pitchFamily="18" charset="0"/>
+                <a:latin typeface="Aptos" panose="020B0004020202020204" pitchFamily="34" charset="0"/>
               </a:rPr>
               <a:t>sensor</a:t>
             </a:r>
             <a:r>
               <a:rPr lang="it-IT" sz="2400" dirty="0">
-                <a:latin typeface="Palatino Linotype" panose="02040502050505030304" pitchFamily="18" charset="0"/>
+                <a:latin typeface="Aptos" panose="020B0004020202020204" pitchFamily="34" charset="0"/>
               </a:rPr>
               <a:t> </a:t>
             </a:r>
             <a:r>
               <a:rPr lang="it-IT" sz="2400" dirty="0" err="1">
-                <a:latin typeface="Palatino Linotype" panose="02040502050505030304" pitchFamily="18" charset="0"/>
+                <a:latin typeface="Aptos" panose="020B0004020202020204" pitchFamily="34" charset="0"/>
               </a:rPr>
               <a:t>may</a:t>
             </a:r>
             <a:r>
               <a:rPr lang="it-IT" sz="2400" dirty="0">
-                <a:latin typeface="Palatino Linotype" panose="02040502050505030304" pitchFamily="18" charset="0"/>
+                <a:latin typeface="Aptos" panose="020B0004020202020204" pitchFamily="34" charset="0"/>
               </a:rPr>
               <a:t> be </a:t>
             </a:r>
             <a:r>
               <a:rPr lang="it-IT" sz="2400" dirty="0" err="1">
-                <a:latin typeface="Palatino Linotype" panose="02040502050505030304" pitchFamily="18" charset="0"/>
+                <a:latin typeface="Aptos" panose="020B0004020202020204" pitchFamily="34" charset="0"/>
               </a:rPr>
               <a:t>different</a:t>
             </a:r>
             <a:r>
               <a:rPr lang="it-IT" sz="2400" dirty="0">
-                <a:latin typeface="Palatino Linotype" panose="02040502050505030304" pitchFamily="18" charset="0"/>
+                <a:latin typeface="Aptos" panose="020B0004020202020204" pitchFamily="34" charset="0"/>
               </a:rPr>
               <a:t> f</a:t>
             </a:r>
             <a:r>
               <a:rPr lang="en-GB" sz="2400" dirty="0">
-                <a:latin typeface="Palatino Linotype" panose="02040502050505030304" pitchFamily="18" charset="0"/>
+                <a:latin typeface="Aptos" panose="020B0004020202020204" pitchFamily="34" charset="0"/>
               </a:rPr>
               <a:t>or a given input, depending on whether the input is increasing or decreasing. </a:t>
             </a:r>
@@ -14006,20 +13383,20 @@
             </a:pPr>
             <a:r>
               <a:rPr lang="en-GB" sz="2200" dirty="0">
-                <a:latin typeface="Palatino Linotype" panose="02040502050505030304" pitchFamily="18" charset="0"/>
+                <a:latin typeface="Aptos" panose="020B0004020202020204" pitchFamily="34" charset="0"/>
               </a:rPr>
               <a:t>Hysteresis commonly occurs when a sensing technique relies on the stressing of a particular material (as with strain gauges). The material may never return to its original start position after repeated use </a:t>
             </a:r>
             <a:r>
               <a:rPr lang="en-GB" sz="2200" dirty="0">
-                <a:latin typeface="Palatino Linotype" panose="02040502050505030304" pitchFamily="18" charset="0"/>
+                <a:latin typeface="Aptos" panose="020B0004020202020204" pitchFamily="34" charset="0"/>
                 <a:sym typeface="Wingdings" panose="05000000000000000000" pitchFamily="2" charset="2"/>
               </a:rPr>
               <a:t> </a:t>
             </a:r>
             <a:r>
               <a:rPr lang="en-GB" sz="2200" dirty="0">
-                <a:latin typeface="Palatino Linotype" panose="02040502050505030304" pitchFamily="18" charset="0"/>
+                <a:latin typeface="Aptos" panose="020B0004020202020204" pitchFamily="34" charset="0"/>
               </a:rPr>
               <a:t>unknown offset over time which can affect the transfer function. </a:t>
             </a:r>
@@ -14040,7 +13417,7 @@
             </a:pPr>
             <a:r>
               <a:rPr lang="en-GB" sz="2200" dirty="0">
-                <a:latin typeface="Palatino Linotype" panose="02040502050505030304" pitchFamily="18" charset="0"/>
+                <a:latin typeface="Aptos" panose="020B0004020202020204" pitchFamily="34" charset="0"/>
               </a:rPr>
               <a:t>Maximum hysteresis reported in the specs. </a:t>
             </a:r>
@@ -14083,25 +13460,25 @@
             </a:pPr>
             <a:r>
               <a:rPr lang="en-GB" sz="2400" b="1" dirty="0">
-                <a:latin typeface="Palatino Linotype" panose="02040502050505030304" pitchFamily="18" charset="0"/>
+                <a:latin typeface="Aptos" panose="020B0004020202020204" pitchFamily="34" charset="0"/>
               </a:rPr>
               <a:t>Resolution or discrimination: </a:t>
             </a:r>
             <a:r>
               <a:rPr lang="en-GB" sz="2400" dirty="0">
-                <a:latin typeface="Palatino Linotype" panose="02040502050505030304" pitchFamily="18" charset="0"/>
+                <a:latin typeface="Aptos" panose="020B0004020202020204" pitchFamily="34" charset="0"/>
               </a:rPr>
               <a:t>the smallest increment of the </a:t>
             </a:r>
             <a:r>
               <a:rPr lang="en-GB" sz="2400" dirty="0" err="1">
-                <a:latin typeface="Palatino Linotype" panose="02040502050505030304" pitchFamily="18" charset="0"/>
+                <a:latin typeface="Aptos" panose="020B0004020202020204" pitchFamily="34" charset="0"/>
               </a:rPr>
               <a:t>measurand</a:t>
             </a:r>
             <a:r>
               <a:rPr lang="en-GB" sz="2400" dirty="0">
-                <a:latin typeface="Palatino Linotype" panose="02040502050505030304" pitchFamily="18" charset="0"/>
+                <a:latin typeface="Aptos" panose="020B0004020202020204" pitchFamily="34" charset="0"/>
               </a:rPr>
               <a:t> that causes a detectable change in output. </a:t>
             </a:r>
@@ -14125,7 +13502,7 @@
           <a:p>
             <a:fld id="{31DE2C5B-556E-47B8-A792-024C2FCA4ACC}" type="slidenum">
               <a:rPr lang="en-GB" smtClean="0"/>
-              <a:t>23</a:t>
+              <a:t>22</a:t>
             </a:fld>
             <a:endParaRPr lang="en-GB"/>
           </a:p>
@@ -14144,7 +13521,7 @@
 </p:sld>
 </file>
 
-<file path=ppt/slides/slide24.xml><?xml version="1.0" encoding="utf-8"?>
+<file path=ppt/slides/slide23.xml><?xml version="1.0" encoding="utf-8"?>
 <p:sld xmlns:a="http://schemas.openxmlformats.org/drawingml/2006/main" xmlns:r="http://schemas.openxmlformats.org/officeDocument/2006/relationships" xmlns:p="http://schemas.openxmlformats.org/presentationml/2006/main">
   <p:cSld>
     <p:spTree>
@@ -14649,13 +14026,13 @@
             </a:pPr>
             <a:r>
               <a:rPr lang="en-US" sz="2200" b="1" dirty="0">
-                <a:latin typeface="Palatino Linotype" panose="02040502050505030304" pitchFamily="18" charset="0"/>
+                <a:latin typeface="Aptos" panose="020B0004020202020204" pitchFamily="34" charset="0"/>
               </a:rPr>
               <a:t>Interfering inputs</a:t>
             </a:r>
             <a:r>
               <a:rPr lang="en-US" sz="2200" dirty="0">
-                <a:latin typeface="Palatino Linotype" panose="02040502050505030304" pitchFamily="18" charset="0"/>
+                <a:latin typeface="Aptos" panose="020B0004020202020204" pitchFamily="34" charset="0"/>
               </a:rPr>
               <a:t>: factors other than the measurand that change the sensor offset (e.g., ambient temperature). </a:t>
             </a:r>
@@ -14769,8 +14146,8 @@
           </a:fontRef>
         </p:style>
       </p:cxnSp>
-      <mc:AlternateContent xmlns:mc="http://schemas.openxmlformats.org/markup-compatibility/2006" xmlns:a14="http://schemas.microsoft.com/office/drawing/2010/main">
-        <mc:Choice Requires="a14">
+      <mc:AlternateContent xmlns:mc="http://schemas.openxmlformats.org/markup-compatibility/2006">
+        <mc:Choice xmlns:a14="http://schemas.microsoft.com/office/drawing/2010/main" Requires="a14">
           <p:sp>
             <p:nvSpPr>
               <p:cNvPr id="26" name="CasellaDiTesto 25"/>
@@ -14809,12 +14186,14 @@
                     </m:oMath>
                   </m:oMathPara>
                 </a14:m>
-                <a:endParaRPr lang="en-GB" dirty="0"/>
+                <a:endParaRPr lang="en-GB" dirty="0">
+                  <a:latin typeface="Aptos" panose="020B0004020202020204" pitchFamily="34" charset="0"/>
+                </a:endParaRPr>
               </a:p>
             </p:txBody>
           </p:sp>
         </mc:Choice>
-        <mc:Fallback xmlns="">
+        <mc:Fallback>
           <p:sp>
             <p:nvSpPr>
               <p:cNvPr id="26" name="CasellaDiTesto 25"/>
@@ -14834,7 +14213,7 @@
               <a:blipFill>
                 <a:blip r:embed="rId4"/>
                 <a:stretch>
-                  <a:fillRect b="-6557"/>
+                  <a:fillRect b="-6667"/>
                 </a:stretch>
               </a:blipFill>
             </p:spPr>
@@ -14843,7 +14222,7 @@
               <a:lstStyle/>
               <a:p>
                 <a:r>
-                  <a:rPr lang="en-GB">
+                  <a:rPr lang="en-US">
                     <a:noFill/>
                   </a:rPr>
                   <a:t> </a:t>
@@ -14853,8 +14232,8 @@
           </p:sp>
         </mc:Fallback>
       </mc:AlternateContent>
-      <mc:AlternateContent xmlns:mc="http://schemas.openxmlformats.org/markup-compatibility/2006" xmlns:a14="http://schemas.microsoft.com/office/drawing/2010/main">
-        <mc:Choice Requires="a14">
+      <mc:AlternateContent xmlns:mc="http://schemas.openxmlformats.org/markup-compatibility/2006">
+        <mc:Choice xmlns:a14="http://schemas.microsoft.com/office/drawing/2010/main" Requires="a14">
           <p:sp>
             <p:nvSpPr>
               <p:cNvPr id="27" name="CasellaDiTesto 26"/>
@@ -14893,12 +14272,14 @@
                     </m:oMath>
                   </m:oMathPara>
                 </a14:m>
-                <a:endParaRPr lang="en-GB" dirty="0"/>
+                <a:endParaRPr lang="en-GB" dirty="0">
+                  <a:latin typeface="Aptos" panose="020B0004020202020204" pitchFamily="34" charset="0"/>
+                </a:endParaRPr>
               </a:p>
             </p:txBody>
           </p:sp>
         </mc:Choice>
-        <mc:Fallback xmlns="">
+        <mc:Fallback>
           <p:sp>
             <p:nvSpPr>
               <p:cNvPr id="27" name="CasellaDiTesto 26"/>
@@ -14927,7 +14308,7 @@
               <a:lstStyle/>
               <a:p>
                 <a:r>
-                  <a:rPr lang="en-GB">
+                  <a:rPr lang="en-US">
                     <a:noFill/>
                   </a:rPr>
                   <a:t> </a:t>
@@ -15059,7 +14440,7 @@
           <a:p>
             <a:fld id="{31DE2C5B-556E-47B8-A792-024C2FCA4ACC}" type="slidenum">
               <a:rPr lang="en-GB" smtClean="0"/>
-              <a:t>24</a:t>
+              <a:t>23</a:t>
             </a:fld>
             <a:endParaRPr lang="en-GB"/>
           </a:p>
@@ -15078,7 +14459,7 @@
 </p:sld>
 </file>
 
-<file path=ppt/slides/slide25.xml><?xml version="1.0" encoding="utf-8"?>
+<file path=ppt/slides/slide24.xml><?xml version="1.0" encoding="utf-8"?>
 <p:sld xmlns:a="http://schemas.openxmlformats.org/drawingml/2006/main" xmlns:r="http://schemas.openxmlformats.org/officeDocument/2006/relationships" xmlns:p="http://schemas.openxmlformats.org/presentationml/2006/main">
   <p:cSld>
     <p:spTree>
@@ -15130,8 +14511,8 @@
           </a:p>
         </p:txBody>
       </p:sp>
-      <mc:AlternateContent xmlns:mc="http://schemas.openxmlformats.org/markup-compatibility/2006" xmlns:a14="http://schemas.microsoft.com/office/drawing/2010/main">
-        <mc:Choice Requires="a14">
+      <mc:AlternateContent xmlns:mc="http://schemas.openxmlformats.org/markup-compatibility/2006">
+        <mc:Choice xmlns:a14="http://schemas.microsoft.com/office/drawing/2010/main" Requires="a14">
           <p:sp>
             <p:nvSpPr>
               <p:cNvPr id="3" name="Segnaposto contenuto 2"/>
@@ -15315,7 +14696,7 @@
             </p:txBody>
           </p:sp>
         </mc:Choice>
-        <mc:Fallback xmlns="">
+        <mc:Fallback>
           <p:sp>
             <p:nvSpPr>
               <p:cNvPr id="3" name="Segnaposto contenuto 2"/>
@@ -15334,7 +14715,7 @@
               <a:blipFill>
                 <a:blip r:embed="rId2"/>
                 <a:stretch>
-                  <a:fillRect l="-580" t="-3540"/>
+                  <a:fillRect l="-548" t="-2439" r="-987"/>
                 </a:stretch>
               </a:blipFill>
             </p:spPr>
@@ -15343,7 +14724,7 @@
               <a:lstStyle/>
               <a:p>
                 <a:r>
-                  <a:rPr lang="en-GB">
+                  <a:rPr lang="en-US">
                     <a:noFill/>
                   </a:rPr>
                   <a:t> </a:t>
@@ -15383,8 +14764,8 @@
           </a:prstGeom>
         </p:spPr>
       </p:pic>
-      <mc:AlternateContent xmlns:mc="http://schemas.openxmlformats.org/markup-compatibility/2006" xmlns:a14="http://schemas.microsoft.com/office/drawing/2010/main">
-        <mc:Choice Requires="a14">
+      <mc:AlternateContent xmlns:mc="http://schemas.openxmlformats.org/markup-compatibility/2006">
+        <mc:Choice xmlns:a14="http://schemas.microsoft.com/office/drawing/2010/main" Requires="a14">
           <p:sp>
             <p:nvSpPr>
               <p:cNvPr id="6" name="Rettangolo 5"/>
@@ -15421,19 +14802,19 @@
                 </a:pPr>
                 <a:r>
                   <a:rPr lang="it-IT" sz="2200" b="1" dirty="0">
-                    <a:latin typeface="Palatino Linotype" panose="02040502050505030304" pitchFamily="18" charset="0"/>
+                    <a:latin typeface="Aptos" panose="020B0004020202020204" pitchFamily="34" charset="0"/>
                   </a:rPr>
                   <a:t>Precision</a:t>
                 </a:r>
                 <a:r>
                   <a:rPr lang="it-IT" sz="2200" dirty="0">
-                    <a:latin typeface="Palatino Linotype" panose="02040502050505030304" pitchFamily="18" charset="0"/>
+                    <a:latin typeface="Aptos" panose="020B0004020202020204" pitchFamily="34" charset="0"/>
                   </a:rPr>
                   <a:t>: </a:t>
                 </a:r>
                 <a:r>
                   <a:rPr lang="en-GB" sz="2200" dirty="0">
-                    <a:latin typeface="Palatino Linotype" panose="02040502050505030304" pitchFamily="18" charset="0"/>
+                    <a:latin typeface="Aptos" panose="020B0004020202020204" pitchFamily="34" charset="0"/>
                   </a:rPr>
                   <a:t>the ability of the sensor to constantly reproduce its output when measuring the same quantity at the same conditions. It is related to the reproducibility of a measure. It is usually quantified by the percentage standard deviation (SD) of repeated measurements.</a:t>
                 </a:r>
@@ -15452,7 +14833,9 @@
                   <a:buFont typeface="Wingdings" panose="05000000000000000000" pitchFamily="2" charset="2"/>
                   <a:buChar char="Ø"/>
                 </a:pPr>
-                <a:endParaRPr lang="en-GB" sz="800" dirty="0"/>
+                <a:endParaRPr lang="en-GB" sz="800" dirty="0">
+                  <a:latin typeface="Aptos" panose="020B0004020202020204" pitchFamily="34" charset="0"/>
+                </a:endParaRPr>
               </a:p>
               <a:p>
                 <a:pPr/>
@@ -15527,12 +14910,14 @@
                     </m:oMath>
                   </m:oMathPara>
                 </a14:m>
-                <a:endParaRPr lang="en-GB" sz="2200" dirty="0"/>
+                <a:endParaRPr lang="en-GB" sz="2200" dirty="0">
+                  <a:latin typeface="Aptos" panose="020B0004020202020204" pitchFamily="34" charset="0"/>
+                </a:endParaRPr>
               </a:p>
             </p:txBody>
           </p:sp>
         </mc:Choice>
-        <mc:Fallback xmlns="">
+        <mc:Fallback>
           <p:sp>
             <p:nvSpPr>
               <p:cNvPr id="6" name="Rettangolo 5"/>
@@ -15552,7 +14937,7 @@
               <a:blipFill>
                 <a:blip r:embed="rId4"/>
                 <a:stretch>
-                  <a:fillRect l="-1101" t="-2554" r="-1702"/>
+                  <a:fillRect l="-1042" t="-2449"/>
                 </a:stretch>
               </a:blipFill>
             </p:spPr>
@@ -15561,7 +14946,7 @@
               <a:lstStyle/>
               <a:p>
                 <a:r>
-                  <a:rPr lang="en-GB">
+                  <a:rPr lang="en-US">
                     <a:noFill/>
                   </a:rPr>
                   <a:t> </a:t>
@@ -15588,7 +14973,7 @@
           <a:p>
             <a:fld id="{31DE2C5B-556E-47B8-A792-024C2FCA4ACC}" type="slidenum">
               <a:rPr lang="en-GB" smtClean="0"/>
-              <a:t>25</a:t>
+              <a:t>24</a:t>
             </a:fld>
             <a:endParaRPr lang="en-GB"/>
           </a:p>
@@ -15598,6 +14983,187 @@
     <p:extLst>
       <p:ext uri="{BB962C8B-B14F-4D97-AF65-F5344CB8AC3E}">
         <p14:creationId xmlns:p14="http://schemas.microsoft.com/office/powerpoint/2010/main" val="1310530101"/>
+      </p:ext>
+    </p:extLst>
+  </p:cSld>
+  <p:clrMapOvr>
+    <a:masterClrMapping/>
+  </p:clrMapOvr>
+</p:sld>
+</file>
+
+<file path=ppt/slides/slide25.xml><?xml version="1.0" encoding="utf-8"?>
+<p:sld xmlns:a="http://schemas.openxmlformats.org/drawingml/2006/main" xmlns:r="http://schemas.openxmlformats.org/officeDocument/2006/relationships" xmlns:p="http://schemas.openxmlformats.org/presentationml/2006/main">
+  <p:cSld>
+    <p:spTree>
+      <p:nvGrpSpPr>
+        <p:cNvPr id="1" name=""/>
+        <p:cNvGrpSpPr/>
+        <p:nvPr/>
+      </p:nvGrpSpPr>
+      <p:grpSpPr>
+        <a:xfrm>
+          <a:off x="0" y="0"/>
+          <a:ext cx="0" cy="0"/>
+          <a:chOff x="0" y="0"/>
+          <a:chExt cx="0" cy="0"/>
+        </a:xfrm>
+      </p:grpSpPr>
+      <p:sp>
+        <p:nvSpPr>
+          <p:cNvPr id="2" name="Titolo 1"/>
+          <p:cNvSpPr>
+            <a:spLocks noGrp="1"/>
+          </p:cNvSpPr>
+          <p:nvPr>
+            <p:ph type="title"/>
+          </p:nvPr>
+        </p:nvSpPr>
+        <p:spPr/>
+        <p:txBody>
+          <a:bodyPr/>
+          <a:lstStyle/>
+          <a:p>
+            <a:r>
+              <a:rPr lang="it-IT" dirty="0" err="1"/>
+              <a:t>Systematic</a:t>
+            </a:r>
+            <a:r>
+              <a:rPr lang="it-IT" dirty="0"/>
+              <a:t> </a:t>
+            </a:r>
+            <a:r>
+              <a:rPr lang="it-IT" dirty="0" err="1"/>
+              <a:t>error</a:t>
+            </a:r>
+            <a:r>
+              <a:rPr lang="it-IT" dirty="0"/>
+              <a:t> and random </a:t>
+            </a:r>
+            <a:r>
+              <a:rPr lang="it-IT" dirty="0" err="1"/>
+              <a:t>error</a:t>
+            </a:r>
+            <a:endParaRPr lang="en-GB" dirty="0"/>
+          </a:p>
+        </p:txBody>
+      </p:sp>
+      <p:sp>
+        <p:nvSpPr>
+          <p:cNvPr id="3" name="Segnaposto contenuto 2"/>
+          <p:cNvSpPr>
+            <a:spLocks noGrp="1"/>
+          </p:cNvSpPr>
+          <p:nvPr>
+            <p:ph idx="1"/>
+          </p:nvPr>
+        </p:nvSpPr>
+        <p:spPr>
+          <a:xfrm>
+            <a:off x="428172" y="1361167"/>
+            <a:ext cx="11248963" cy="4858203"/>
+          </a:xfrm>
+        </p:spPr>
+        <p:txBody>
+          <a:bodyPr>
+            <a:normAutofit/>
+          </a:bodyPr>
+          <a:lstStyle/>
+          <a:p>
+            <a:r>
+              <a:rPr lang="en-US" b="1" dirty="0"/>
+              <a:t>Systematic error</a:t>
+            </a:r>
+            <a:r>
+              <a:rPr lang="en-US" dirty="0"/>
+              <a:t>: reproducible inaccuracies that can be corrected with compensation methods, such as feedback, filtering, and calibration.</a:t>
+            </a:r>
+          </a:p>
+          <a:p>
+            <a:pPr lvl="1"/>
+            <a:r>
+              <a:rPr lang="en-US" sz="2200" dirty="0"/>
+              <a:t>Interfering inputs and modifying inputs are sources of systematic errors. </a:t>
+            </a:r>
+          </a:p>
+          <a:p>
+            <a:r>
+              <a:rPr lang="en-US" b="1" dirty="0"/>
+              <a:t>Random error </a:t>
+            </a:r>
+            <a:r>
+              <a:rPr lang="en-US" dirty="0"/>
+              <a:t>or </a:t>
+            </a:r>
+            <a:r>
+              <a:rPr lang="en-US" b="1" dirty="0"/>
+              <a:t>noise</a:t>
+            </a:r>
+            <a:r>
+              <a:rPr lang="en-US" dirty="0"/>
+              <a:t>: a signal component that carries no information. </a:t>
+            </a:r>
+          </a:p>
+          <a:p>
+            <a:pPr lvl="1"/>
+            <a:r>
+              <a:rPr lang="en-US" sz="2200" dirty="0"/>
+              <a:t>Signal-to-noise ratio (SNR): the ratio of the true signal amplitude to the standard deviation of the noise. High SNR </a:t>
+            </a:r>
+            <a:r>
+              <a:rPr lang="en-US" sz="2200" dirty="0">
+                <a:sym typeface="Wingdings" panose="05000000000000000000" pitchFamily="2" charset="2"/>
+              </a:rPr>
+              <a:t> </a:t>
+            </a:r>
+            <a:r>
+              <a:rPr lang="en-US" sz="2200" dirty="0"/>
+              <a:t>high signal quality. </a:t>
+            </a:r>
+          </a:p>
+          <a:p>
+            <a:pPr lvl="1"/>
+            <a:r>
+              <a:rPr lang="en-US" sz="2200" dirty="0"/>
+              <a:t>Noise can be measured by recording the signal in the absence of the measurand, or by recording a known measurand several times, then subtracting the known true signal from the measured signal.</a:t>
+            </a:r>
+          </a:p>
+          <a:p>
+            <a:pPr lvl="1"/>
+            <a:r>
+              <a:rPr lang="en-US" sz="2200" dirty="0"/>
+              <a:t>Sources of noise are: noise of the measurand itself, environmental noise, transmission noise.</a:t>
+            </a:r>
+          </a:p>
+        </p:txBody>
+      </p:sp>
+      <p:sp>
+        <p:nvSpPr>
+          <p:cNvPr id="4" name="Segnaposto numero diapositiva 3"/>
+          <p:cNvSpPr>
+            <a:spLocks noGrp="1"/>
+          </p:cNvSpPr>
+          <p:nvPr>
+            <p:ph type="sldNum" sz="quarter" idx="12"/>
+          </p:nvPr>
+        </p:nvSpPr>
+        <p:spPr/>
+        <p:txBody>
+          <a:bodyPr/>
+          <a:lstStyle/>
+          <a:p>
+            <a:fld id="{31DE2C5B-556E-47B8-A792-024C2FCA4ACC}" type="slidenum">
+              <a:rPr lang="en-GB" smtClean="0"/>
+              <a:t>25</a:t>
+            </a:fld>
+            <a:endParaRPr lang="en-GB"/>
+          </a:p>
+        </p:txBody>
+      </p:sp>
+    </p:spTree>
+    <p:extLst>
+      <p:ext uri="{BB962C8B-B14F-4D97-AF65-F5344CB8AC3E}">
+        <p14:creationId xmlns:p14="http://schemas.microsoft.com/office/powerpoint/2010/main" val="1954385068"/>
       </p:ext>
     </p:extLst>
   </p:cSld>
@@ -15640,187 +15206,6 @@
           <a:lstStyle/>
           <a:p>
             <a:r>
-              <a:rPr lang="it-IT" dirty="0" err="1"/>
-              <a:t>Systematic</a:t>
-            </a:r>
-            <a:r>
-              <a:rPr lang="it-IT" dirty="0"/>
-              <a:t> </a:t>
-            </a:r>
-            <a:r>
-              <a:rPr lang="it-IT" dirty="0" err="1"/>
-              <a:t>error</a:t>
-            </a:r>
-            <a:r>
-              <a:rPr lang="it-IT" dirty="0"/>
-              <a:t> and random </a:t>
-            </a:r>
-            <a:r>
-              <a:rPr lang="it-IT" dirty="0" err="1"/>
-              <a:t>error</a:t>
-            </a:r>
-            <a:endParaRPr lang="en-GB" dirty="0"/>
-          </a:p>
-        </p:txBody>
-      </p:sp>
-      <p:sp>
-        <p:nvSpPr>
-          <p:cNvPr id="3" name="Segnaposto contenuto 2"/>
-          <p:cNvSpPr>
-            <a:spLocks noGrp="1"/>
-          </p:cNvSpPr>
-          <p:nvPr>
-            <p:ph idx="1"/>
-          </p:nvPr>
-        </p:nvSpPr>
-        <p:spPr>
-          <a:xfrm>
-            <a:off x="428172" y="1361167"/>
-            <a:ext cx="11248963" cy="4858203"/>
-          </a:xfrm>
-        </p:spPr>
-        <p:txBody>
-          <a:bodyPr>
-            <a:normAutofit/>
-          </a:bodyPr>
-          <a:lstStyle/>
-          <a:p>
-            <a:r>
-              <a:rPr lang="en-US" b="1" dirty="0"/>
-              <a:t>Systematic error</a:t>
-            </a:r>
-            <a:r>
-              <a:rPr lang="en-US" dirty="0"/>
-              <a:t>: reproducible inaccuracies that can be corrected with compensation methods, such as feedback, filtering, and calibration.</a:t>
-            </a:r>
-          </a:p>
-          <a:p>
-            <a:pPr lvl="1"/>
-            <a:r>
-              <a:rPr lang="en-US" sz="2200" dirty="0"/>
-              <a:t>Interfering inputs and modifying inputs are sources of systematic errors. </a:t>
-            </a:r>
-          </a:p>
-          <a:p>
-            <a:r>
-              <a:rPr lang="en-US" b="1" dirty="0"/>
-              <a:t>Random error </a:t>
-            </a:r>
-            <a:r>
-              <a:rPr lang="en-US" dirty="0"/>
-              <a:t>or </a:t>
-            </a:r>
-            <a:r>
-              <a:rPr lang="en-US" b="1" dirty="0"/>
-              <a:t>noise</a:t>
-            </a:r>
-            <a:r>
-              <a:rPr lang="en-US" dirty="0"/>
-              <a:t>: a signal component that carries no information. </a:t>
-            </a:r>
-          </a:p>
-          <a:p>
-            <a:pPr lvl="1"/>
-            <a:r>
-              <a:rPr lang="en-US" sz="2200" dirty="0"/>
-              <a:t>Signal-to-noise ratio (SNR): the ratio of the true signal amplitude to the standard deviation of the noise. High SNR </a:t>
-            </a:r>
-            <a:r>
-              <a:rPr lang="en-US" sz="2200" dirty="0">
-                <a:sym typeface="Wingdings" panose="05000000000000000000" pitchFamily="2" charset="2"/>
-              </a:rPr>
-              <a:t> </a:t>
-            </a:r>
-            <a:r>
-              <a:rPr lang="en-US" sz="2200" dirty="0"/>
-              <a:t>high signal quality. </a:t>
-            </a:r>
-          </a:p>
-          <a:p>
-            <a:pPr lvl="1"/>
-            <a:r>
-              <a:rPr lang="en-US" sz="2200" dirty="0"/>
-              <a:t>Noise can be measured by recording the signal in the absence of the measurand, or by recording a known measurand several times, then subtracting the known true signal from the measured signal.</a:t>
-            </a:r>
-          </a:p>
-          <a:p>
-            <a:pPr lvl="1"/>
-            <a:r>
-              <a:rPr lang="en-US" sz="2200" dirty="0"/>
-              <a:t>Sources of noise are: noise of the measurand itself, environmental noise, transmission noise.</a:t>
-            </a:r>
-          </a:p>
-        </p:txBody>
-      </p:sp>
-      <p:sp>
-        <p:nvSpPr>
-          <p:cNvPr id="4" name="Segnaposto numero diapositiva 3"/>
-          <p:cNvSpPr>
-            <a:spLocks noGrp="1"/>
-          </p:cNvSpPr>
-          <p:nvPr>
-            <p:ph type="sldNum" sz="quarter" idx="12"/>
-          </p:nvPr>
-        </p:nvSpPr>
-        <p:spPr/>
-        <p:txBody>
-          <a:bodyPr/>
-          <a:lstStyle/>
-          <a:p>
-            <a:fld id="{31DE2C5B-556E-47B8-A792-024C2FCA4ACC}" type="slidenum">
-              <a:rPr lang="en-GB" smtClean="0"/>
-              <a:t>26</a:t>
-            </a:fld>
-            <a:endParaRPr lang="en-GB"/>
-          </a:p>
-        </p:txBody>
-      </p:sp>
-    </p:spTree>
-    <p:extLst>
-      <p:ext uri="{BB962C8B-B14F-4D97-AF65-F5344CB8AC3E}">
-        <p14:creationId xmlns:p14="http://schemas.microsoft.com/office/powerpoint/2010/main" val="1954385068"/>
-      </p:ext>
-    </p:extLst>
-  </p:cSld>
-  <p:clrMapOvr>
-    <a:masterClrMapping/>
-  </p:clrMapOvr>
-</p:sld>
-</file>
-
-<file path=ppt/slides/slide27.xml><?xml version="1.0" encoding="utf-8"?>
-<p:sld xmlns:a="http://schemas.openxmlformats.org/drawingml/2006/main" xmlns:r="http://schemas.openxmlformats.org/officeDocument/2006/relationships" xmlns:p="http://schemas.openxmlformats.org/presentationml/2006/main">
-  <p:cSld>
-    <p:spTree>
-      <p:nvGrpSpPr>
-        <p:cNvPr id="1" name=""/>
-        <p:cNvGrpSpPr/>
-        <p:nvPr/>
-      </p:nvGrpSpPr>
-      <p:grpSpPr>
-        <a:xfrm>
-          <a:off x="0" y="0"/>
-          <a:ext cx="0" cy="0"/>
-          <a:chOff x="0" y="0"/>
-          <a:chExt cx="0" cy="0"/>
-        </a:xfrm>
-      </p:grpSpPr>
-      <p:sp>
-        <p:nvSpPr>
-          <p:cNvPr id="2" name="Titolo 1"/>
-          <p:cNvSpPr>
-            <a:spLocks noGrp="1"/>
-          </p:cNvSpPr>
-          <p:nvPr>
-            <p:ph type="title"/>
-          </p:nvPr>
-        </p:nvSpPr>
-        <p:spPr/>
-        <p:txBody>
-          <a:bodyPr/>
-          <a:lstStyle/>
-          <a:p>
-            <a:r>
               <a:rPr lang="it-IT" dirty="0"/>
               <a:t>Statistical </a:t>
             </a:r>
@@ -15928,7 +15313,7 @@
           <a:p>
             <a:fld id="{31DE2C5B-556E-47B8-A792-024C2FCA4ACC}" type="slidenum">
               <a:rPr lang="en-GB" smtClean="0"/>
-              <a:t>27</a:t>
+              <a:t>26</a:t>
             </a:fld>
             <a:endParaRPr lang="en-GB"/>
           </a:p>
@@ -15947,7 +15332,7 @@
 </p:sld>
 </file>
 
-<file path=ppt/slides/slide28.xml><?xml version="1.0" encoding="utf-8"?>
+<file path=ppt/slides/slide27.xml><?xml version="1.0" encoding="utf-8"?>
 <p:sld xmlns:a="http://schemas.openxmlformats.org/drawingml/2006/main" xmlns:r="http://schemas.openxmlformats.org/officeDocument/2006/relationships" xmlns:p="http://schemas.openxmlformats.org/presentationml/2006/main">
   <p:cSld>
     <p:spTree>
@@ -16135,7 +15520,7 @@
           <a:p>
             <a:fld id="{31DE2C5B-556E-47B8-A792-024C2FCA4ACC}" type="slidenum">
               <a:rPr lang="en-GB" smtClean="0"/>
-              <a:t>28</a:t>
+              <a:t>27</a:t>
             </a:fld>
             <a:endParaRPr lang="en-GB"/>
           </a:p>
@@ -16154,7 +15539,7 @@
 </p:sld>
 </file>
 
-<file path=ppt/slides/slide29.xml><?xml version="1.0" encoding="utf-8"?>
+<file path=ppt/slides/slide28.xml><?xml version="1.0" encoding="utf-8"?>
 <p:sld xmlns:a="http://schemas.openxmlformats.org/drawingml/2006/main" xmlns:r="http://schemas.openxmlformats.org/officeDocument/2006/relationships" xmlns:p="http://schemas.openxmlformats.org/presentationml/2006/main">
   <p:cSld>
     <p:spTree>
@@ -16352,12 +15737,12 @@
           <a:p>
             <a:r>
               <a:rPr lang="it-IT" sz="2000" dirty="0">
-                <a:latin typeface="Palatino Linotype" panose="02040502050505030304" pitchFamily="18" charset="0"/>
+                <a:latin typeface="Aptos" panose="020B0004020202020204" pitchFamily="34" charset="0"/>
               </a:rPr>
               <a:t>Sensor</a:t>
             </a:r>
             <a:endParaRPr lang="en-GB" sz="2400" dirty="0">
-              <a:latin typeface="Palatino Linotype" panose="02040502050505030304" pitchFamily="18" charset="0"/>
+              <a:latin typeface="Aptos" panose="020B0004020202020204" pitchFamily="34" charset="0"/>
             </a:endParaRPr>
           </a:p>
         </p:txBody>
@@ -16386,18 +15771,18 @@
           <a:p>
             <a:r>
               <a:rPr lang="it-IT" sz="2000" dirty="0">
-                <a:latin typeface="Palatino Linotype" panose="02040502050505030304" pitchFamily="18" charset="0"/>
+                <a:latin typeface="Aptos" panose="020B0004020202020204" pitchFamily="34" charset="0"/>
               </a:rPr>
               <a:t>Embedded processing </a:t>
             </a:r>
             <a:r>
               <a:rPr lang="it-IT" sz="2000" dirty="0" err="1">
-                <a:latin typeface="Palatino Linotype" panose="02040502050505030304" pitchFamily="18" charset="0"/>
+                <a:latin typeface="Aptos" panose="020B0004020202020204" pitchFamily="34" charset="0"/>
               </a:rPr>
               <a:t>unit</a:t>
             </a:r>
             <a:endParaRPr lang="en-GB" sz="2000" dirty="0">
-              <a:latin typeface="Palatino Linotype" panose="02040502050505030304" pitchFamily="18" charset="0"/>
+              <a:latin typeface="Aptos" panose="020B0004020202020204" pitchFamily="34" charset="0"/>
             </a:endParaRPr>
           </a:p>
         </p:txBody>
@@ -16499,66 +15884,66 @@
             <a:pPr algn="ctr"/>
             <a:r>
               <a:rPr lang="it-IT" sz="2000" dirty="0" err="1">
-                <a:latin typeface="Palatino Linotype" panose="02040502050505030304" pitchFamily="18" charset="0"/>
+                <a:latin typeface="Aptos" panose="020B0004020202020204" pitchFamily="34" charset="0"/>
               </a:rPr>
               <a:t>Receiver</a:t>
             </a:r>
             <a:r>
               <a:rPr lang="it-IT" sz="2000" dirty="0">
-                <a:latin typeface="Palatino Linotype" panose="02040502050505030304" pitchFamily="18" charset="0"/>
+                <a:latin typeface="Aptos" panose="020B0004020202020204" pitchFamily="34" charset="0"/>
               </a:rPr>
               <a:t> </a:t>
             </a:r>
             <a:r>
               <a:rPr lang="it-IT" sz="2000" dirty="0" err="1">
-                <a:latin typeface="Palatino Linotype" panose="02040502050505030304" pitchFamily="18" charset="0"/>
+                <a:latin typeface="Aptos" panose="020B0004020202020204" pitchFamily="34" charset="0"/>
               </a:rPr>
               <a:t>device</a:t>
             </a:r>
             <a:r>
               <a:rPr lang="it-IT" sz="2000" dirty="0">
-                <a:latin typeface="Palatino Linotype" panose="02040502050505030304" pitchFamily="18" charset="0"/>
+                <a:latin typeface="Aptos" panose="020B0004020202020204" pitchFamily="34" charset="0"/>
               </a:rPr>
               <a:t> / Gateway </a:t>
             </a:r>
             <a:r>
               <a:rPr lang="it-IT" sz="2000" dirty="0" err="1">
-                <a:latin typeface="Palatino Linotype" panose="02040502050505030304" pitchFamily="18" charset="0"/>
+                <a:latin typeface="Aptos" panose="020B0004020202020204" pitchFamily="34" charset="0"/>
               </a:rPr>
               <a:t>device</a:t>
             </a:r>
             <a:r>
               <a:rPr lang="it-IT" sz="2000" dirty="0">
-                <a:latin typeface="Palatino Linotype" panose="02040502050505030304" pitchFamily="18" charset="0"/>
+                <a:latin typeface="Aptos" panose="020B0004020202020204" pitchFamily="34" charset="0"/>
               </a:rPr>
               <a:t> (for </a:t>
             </a:r>
             <a:r>
               <a:rPr lang="it-IT" sz="2000" dirty="0" err="1">
-                <a:latin typeface="Palatino Linotype" panose="02040502050505030304" pitchFamily="18" charset="0"/>
+                <a:latin typeface="Aptos" panose="020B0004020202020204" pitchFamily="34" charset="0"/>
               </a:rPr>
               <a:t>IoT</a:t>
             </a:r>
             <a:r>
               <a:rPr lang="it-IT" sz="2000" dirty="0">
-                <a:latin typeface="Palatino Linotype" panose="02040502050505030304" pitchFamily="18" charset="0"/>
+                <a:latin typeface="Aptos" panose="020B0004020202020204" pitchFamily="34" charset="0"/>
               </a:rPr>
               <a:t> </a:t>
             </a:r>
             <a:r>
               <a:rPr lang="it-IT" sz="2000" dirty="0" err="1">
-                <a:latin typeface="Palatino Linotype" panose="02040502050505030304" pitchFamily="18" charset="0"/>
+                <a:latin typeface="Aptos" panose="020B0004020202020204" pitchFamily="34" charset="0"/>
               </a:rPr>
               <a:t>devices</a:t>
             </a:r>
             <a:r>
               <a:rPr lang="it-IT" sz="2000" dirty="0">
-                <a:latin typeface="Palatino Linotype" panose="02040502050505030304" pitchFamily="18" charset="0"/>
+                <a:latin typeface="Aptos" panose="020B0004020202020204" pitchFamily="34" charset="0"/>
               </a:rPr>
               <a:t>)</a:t>
             </a:r>
             <a:endParaRPr lang="en-GB" sz="2000" dirty="0">
-              <a:latin typeface="Palatino Linotype" panose="02040502050505030304" pitchFamily="18" charset="0"/>
+              <a:latin typeface="Aptos" panose="020B0004020202020204" pitchFamily="34" charset="0"/>
             </a:endParaRPr>
           </a:p>
         </p:txBody>
@@ -16659,7 +16044,7 @@
           <a:p>
             <a:r>
               <a:rPr lang="en-US" sz="2000" dirty="0">
-                <a:latin typeface="Palatino Linotype" panose="02040502050505030304" pitchFamily="18" charset="0"/>
+                <a:latin typeface="Aptos" panose="020B0004020202020204" pitchFamily="34" charset="0"/>
               </a:rPr>
               <a:t>Three main operations: </a:t>
             </a:r>
@@ -16680,12 +16065,12 @@
             </a:pPr>
             <a:r>
               <a:rPr lang="en-US" sz="2000" dirty="0" err="1">
-                <a:latin typeface="Palatino Linotype" panose="02040502050505030304" pitchFamily="18" charset="0"/>
+                <a:latin typeface="Aptos" panose="020B0004020202020204" pitchFamily="34" charset="0"/>
               </a:rPr>
               <a:t>Denoising</a:t>
             </a:r>
             <a:endParaRPr lang="en-US" sz="2000" dirty="0">
-              <a:latin typeface="Palatino Linotype" panose="02040502050505030304" pitchFamily="18" charset="0"/>
+              <a:latin typeface="Aptos" panose="020B0004020202020204" pitchFamily="34" charset="0"/>
             </a:endParaRPr>
           </a:p>
           <a:p>
@@ -16704,7 +16089,7 @@
             </a:pPr>
             <a:r>
               <a:rPr lang="en-US" sz="2000" dirty="0">
-                <a:latin typeface="Palatino Linotype" panose="02040502050505030304" pitchFamily="18" charset="0"/>
+                <a:latin typeface="Aptos" panose="020B0004020202020204" pitchFamily="34" charset="0"/>
               </a:rPr>
               <a:t>Calibration</a:t>
             </a:r>
@@ -16725,7 +16110,7 @@
             </a:pPr>
             <a:r>
               <a:rPr lang="en-US" sz="2000" dirty="0">
-                <a:latin typeface="Palatino Linotype" panose="02040502050505030304" pitchFamily="18" charset="0"/>
+                <a:latin typeface="Aptos" panose="020B0004020202020204" pitchFamily="34" charset="0"/>
               </a:rPr>
               <a:t>Fault detection</a:t>
             </a:r>
@@ -16785,7 +16170,7 @@
           <a:p>
             <a:fld id="{31DE2C5B-556E-47B8-A792-024C2FCA4ACC}" type="slidenum">
               <a:rPr lang="en-GB" smtClean="0"/>
-              <a:t>29</a:t>
+              <a:t>28</a:t>
             </a:fld>
             <a:endParaRPr lang="en-GB"/>
           </a:p>
@@ -16795,6 +16180,147 @@
     <p:extLst>
       <p:ext uri="{BB962C8B-B14F-4D97-AF65-F5344CB8AC3E}">
         <p14:creationId xmlns:p14="http://schemas.microsoft.com/office/powerpoint/2010/main" val="3370653517"/>
+      </p:ext>
+    </p:extLst>
+  </p:cSld>
+  <p:clrMapOvr>
+    <a:masterClrMapping/>
+  </p:clrMapOvr>
+</p:sld>
+</file>
+
+<file path=ppt/slides/slide29.xml><?xml version="1.0" encoding="utf-8"?>
+<p:sld xmlns:a="http://schemas.openxmlformats.org/drawingml/2006/main" xmlns:r="http://schemas.openxmlformats.org/officeDocument/2006/relationships" xmlns:p="http://schemas.openxmlformats.org/presentationml/2006/main">
+  <p:cSld>
+    <p:spTree>
+      <p:nvGrpSpPr>
+        <p:cNvPr id="1" name=""/>
+        <p:cNvGrpSpPr/>
+        <p:nvPr/>
+      </p:nvGrpSpPr>
+      <p:grpSpPr>
+        <a:xfrm>
+          <a:off x="0" y="0"/>
+          <a:ext cx="0" cy="0"/>
+          <a:chOff x="0" y="0"/>
+          <a:chExt cx="0" cy="0"/>
+        </a:xfrm>
+      </p:grpSpPr>
+      <p:sp>
+        <p:nvSpPr>
+          <p:cNvPr id="2" name="Titolo 1"/>
+          <p:cNvSpPr>
+            <a:spLocks noGrp="1"/>
+          </p:cNvSpPr>
+          <p:nvPr>
+            <p:ph type="title"/>
+          </p:nvPr>
+        </p:nvSpPr>
+        <p:spPr/>
+        <p:txBody>
+          <a:bodyPr/>
+          <a:lstStyle/>
+          <a:p>
+            <a:r>
+              <a:rPr lang="it-IT" dirty="0" err="1"/>
+              <a:t>Denoising</a:t>
+            </a:r>
+            <a:endParaRPr lang="en-GB" dirty="0"/>
+          </a:p>
+        </p:txBody>
+      </p:sp>
+      <p:sp>
+        <p:nvSpPr>
+          <p:cNvPr id="3" name="Segnaposto contenuto 2"/>
+          <p:cNvSpPr>
+            <a:spLocks noGrp="1"/>
+          </p:cNvSpPr>
+          <p:nvPr>
+            <p:ph idx="1"/>
+          </p:nvPr>
+        </p:nvSpPr>
+        <p:spPr>
+          <a:xfrm>
+            <a:off x="428172" y="1361167"/>
+            <a:ext cx="11368314" cy="1153433"/>
+          </a:xfrm>
+        </p:spPr>
+        <p:txBody>
+          <a:bodyPr>
+            <a:normAutofit/>
+          </a:bodyPr>
+          <a:lstStyle/>
+          <a:p>
+            <a:r>
+              <a:rPr lang="en-US" dirty="0"/>
+              <a:t>Raw signals are often noisy: the signal of interest is corrupted by noise</a:t>
+            </a:r>
+          </a:p>
+          <a:p>
+            <a:r>
+              <a:rPr lang="en-US" dirty="0"/>
+              <a:t>Example: high-frequency noise on a CGM signal</a:t>
+            </a:r>
+          </a:p>
+        </p:txBody>
+      </p:sp>
+      <p:sp>
+        <p:nvSpPr>
+          <p:cNvPr id="4" name="Segnaposto numero diapositiva 3"/>
+          <p:cNvSpPr>
+            <a:spLocks noGrp="1"/>
+          </p:cNvSpPr>
+          <p:nvPr>
+            <p:ph type="sldNum" sz="quarter" idx="12"/>
+          </p:nvPr>
+        </p:nvSpPr>
+        <p:spPr/>
+        <p:txBody>
+          <a:bodyPr/>
+          <a:lstStyle/>
+          <a:p>
+            <a:fld id="{31DE2C5B-556E-47B8-A792-024C2FCA4ACC}" type="slidenum">
+              <a:rPr lang="en-GB" smtClean="0"/>
+              <a:t>29</a:t>
+            </a:fld>
+            <a:endParaRPr lang="en-GB"/>
+          </a:p>
+        </p:txBody>
+      </p:sp>
+      <p:pic>
+        <p:nvPicPr>
+          <p:cNvPr id="6" name="Immagine 5"/>
+          <p:cNvPicPr>
+            <a:picLocks noChangeAspect="1"/>
+          </p:cNvPicPr>
+          <p:nvPr/>
+        </p:nvPicPr>
+        <p:blipFill>
+          <a:blip r:embed="rId2" cstate="print">
+            <a:extLst>
+              <a:ext uri="{28A0092B-C50C-407E-A947-70E740481C1C}">
+                <a14:useLocalDpi xmlns:a14="http://schemas.microsoft.com/office/drawing/2010/main" val="0"/>
+              </a:ext>
+            </a:extLst>
+          </a:blip>
+          <a:stretch>
+            <a:fillRect/>
+          </a:stretch>
+        </p:blipFill>
+        <p:spPr>
+          <a:xfrm>
+            <a:off x="2147031" y="2354318"/>
+            <a:ext cx="7690120" cy="4002032"/>
+          </a:xfrm>
+          <a:prstGeom prst="rect">
+            <a:avLst/>
+          </a:prstGeom>
+        </p:spPr>
+      </p:pic>
+    </p:spTree>
+    <p:extLst>
+      <p:ext uri="{BB962C8B-B14F-4D97-AF65-F5344CB8AC3E}">
+        <p14:creationId xmlns:p14="http://schemas.microsoft.com/office/powerpoint/2010/main" val="1572922892"/>
       </p:ext>
     </p:extLst>
   </p:cSld>
@@ -17082,6 +16608,7 @@
               <a:solidFill>
                 <a:schemeClr val="bg2"/>
               </a:solidFill>
+              <a:latin typeface="Aptos" panose="020B0004020202020204" pitchFamily="34" charset="0"/>
             </a:endParaRPr>
           </a:p>
         </p:txBody>
@@ -17127,7 +16654,9 @@
           <a:lstStyle/>
           <a:p>
             <a:pPr algn="ctr"/>
-            <a:endParaRPr lang="en-US"/>
+            <a:endParaRPr lang="en-US">
+              <a:latin typeface="Aptos" panose="020B0004020202020204" pitchFamily="34" charset="0"/>
+            </a:endParaRPr>
           </a:p>
         </p:txBody>
       </p:sp>
@@ -17346,6 +16875,7 @@
                 <a:solidFill>
                   <a:schemeClr val="bg2"/>
                 </a:solidFill>
+                <a:latin typeface="Aptos" panose="020B0004020202020204" pitchFamily="34" charset="0"/>
               </a:rPr>
               <a:t>Part 1</a:t>
             </a:r>
@@ -17353,6 +16883,7 @@
               <a:solidFill>
                 <a:schemeClr val="bg2"/>
               </a:solidFill>
+              <a:latin typeface="Aptos" panose="020B0004020202020204" pitchFamily="34" charset="0"/>
             </a:endParaRPr>
           </a:p>
         </p:txBody>
@@ -17568,10 +17099,14 @@
               <a:buNone/>
             </a:pPr>
             <a:r>
-              <a:rPr lang="en-GB" b="1" dirty="0"/>
+              <a:rPr lang="en-GB" b="1" dirty="0">
+                <a:latin typeface="Aptos" panose="020B0004020202020204" pitchFamily="34" charset="0"/>
+              </a:rPr>
               <a:t>Part 2</a:t>
             </a:r>
-            <a:endParaRPr lang="it-IT" b="1" dirty="0"/>
+            <a:endParaRPr lang="it-IT" b="1" dirty="0">
+              <a:latin typeface="Aptos" panose="020B0004020202020204" pitchFamily="34" charset="0"/>
+            </a:endParaRPr>
           </a:p>
         </p:txBody>
       </p:sp>
@@ -17589,147 +17124,6 @@
 </file>
 
 <file path=ppt/slides/slide30.xml><?xml version="1.0" encoding="utf-8"?>
-<p:sld xmlns:a="http://schemas.openxmlformats.org/drawingml/2006/main" xmlns:r="http://schemas.openxmlformats.org/officeDocument/2006/relationships" xmlns:p="http://schemas.openxmlformats.org/presentationml/2006/main">
-  <p:cSld>
-    <p:spTree>
-      <p:nvGrpSpPr>
-        <p:cNvPr id="1" name=""/>
-        <p:cNvGrpSpPr/>
-        <p:nvPr/>
-      </p:nvGrpSpPr>
-      <p:grpSpPr>
-        <a:xfrm>
-          <a:off x="0" y="0"/>
-          <a:ext cx="0" cy="0"/>
-          <a:chOff x="0" y="0"/>
-          <a:chExt cx="0" cy="0"/>
-        </a:xfrm>
-      </p:grpSpPr>
-      <p:sp>
-        <p:nvSpPr>
-          <p:cNvPr id="2" name="Titolo 1"/>
-          <p:cNvSpPr>
-            <a:spLocks noGrp="1"/>
-          </p:cNvSpPr>
-          <p:nvPr>
-            <p:ph type="title"/>
-          </p:nvPr>
-        </p:nvSpPr>
-        <p:spPr/>
-        <p:txBody>
-          <a:bodyPr/>
-          <a:lstStyle/>
-          <a:p>
-            <a:r>
-              <a:rPr lang="it-IT" dirty="0" err="1"/>
-              <a:t>Denoising</a:t>
-            </a:r>
-            <a:endParaRPr lang="en-GB" dirty="0"/>
-          </a:p>
-        </p:txBody>
-      </p:sp>
-      <p:sp>
-        <p:nvSpPr>
-          <p:cNvPr id="3" name="Segnaposto contenuto 2"/>
-          <p:cNvSpPr>
-            <a:spLocks noGrp="1"/>
-          </p:cNvSpPr>
-          <p:nvPr>
-            <p:ph idx="1"/>
-          </p:nvPr>
-        </p:nvSpPr>
-        <p:spPr>
-          <a:xfrm>
-            <a:off x="428172" y="1361167"/>
-            <a:ext cx="11368314" cy="1153433"/>
-          </a:xfrm>
-        </p:spPr>
-        <p:txBody>
-          <a:bodyPr>
-            <a:normAutofit/>
-          </a:bodyPr>
-          <a:lstStyle/>
-          <a:p>
-            <a:r>
-              <a:rPr lang="en-US" dirty="0"/>
-              <a:t>Raw signals are often noisy: the signal of interest is corrupted by noise</a:t>
-            </a:r>
-          </a:p>
-          <a:p>
-            <a:r>
-              <a:rPr lang="en-US" dirty="0"/>
-              <a:t>Example: high-frequency noise on a CGM signal</a:t>
-            </a:r>
-          </a:p>
-        </p:txBody>
-      </p:sp>
-      <p:sp>
-        <p:nvSpPr>
-          <p:cNvPr id="4" name="Segnaposto numero diapositiva 3"/>
-          <p:cNvSpPr>
-            <a:spLocks noGrp="1"/>
-          </p:cNvSpPr>
-          <p:nvPr>
-            <p:ph type="sldNum" sz="quarter" idx="12"/>
-          </p:nvPr>
-        </p:nvSpPr>
-        <p:spPr/>
-        <p:txBody>
-          <a:bodyPr/>
-          <a:lstStyle/>
-          <a:p>
-            <a:fld id="{31DE2C5B-556E-47B8-A792-024C2FCA4ACC}" type="slidenum">
-              <a:rPr lang="en-GB" smtClean="0"/>
-              <a:t>30</a:t>
-            </a:fld>
-            <a:endParaRPr lang="en-GB"/>
-          </a:p>
-        </p:txBody>
-      </p:sp>
-      <p:pic>
-        <p:nvPicPr>
-          <p:cNvPr id="6" name="Immagine 5"/>
-          <p:cNvPicPr>
-            <a:picLocks noChangeAspect="1"/>
-          </p:cNvPicPr>
-          <p:nvPr/>
-        </p:nvPicPr>
-        <p:blipFill>
-          <a:blip r:embed="rId2" cstate="print">
-            <a:extLst>
-              <a:ext uri="{28A0092B-C50C-407E-A947-70E740481C1C}">
-                <a14:useLocalDpi xmlns:a14="http://schemas.microsoft.com/office/drawing/2010/main" val="0"/>
-              </a:ext>
-            </a:extLst>
-          </a:blip>
-          <a:stretch>
-            <a:fillRect/>
-          </a:stretch>
-        </p:blipFill>
-        <p:spPr>
-          <a:xfrm>
-            <a:off x="2147031" y="2354318"/>
-            <a:ext cx="7690120" cy="4002032"/>
-          </a:xfrm>
-          <a:prstGeom prst="rect">
-            <a:avLst/>
-          </a:prstGeom>
-        </p:spPr>
-      </p:pic>
-    </p:spTree>
-    <p:extLst>
-      <p:ext uri="{BB962C8B-B14F-4D97-AF65-F5344CB8AC3E}">
-        <p14:creationId xmlns:p14="http://schemas.microsoft.com/office/powerpoint/2010/main" val="1572922892"/>
-      </p:ext>
-    </p:extLst>
-  </p:cSld>
-  <p:clrMapOvr>
-    <a:masterClrMapping/>
-  </p:clrMapOvr>
-</p:sld>
-</file>
-
-<file path=ppt/slides/slide31.xml><?xml version="1.0" encoding="utf-8"?>
 <p:sld xmlns:a="http://schemas.openxmlformats.org/drawingml/2006/main" xmlns:r="http://schemas.openxmlformats.org/officeDocument/2006/relationships" xmlns:p="http://schemas.openxmlformats.org/presentationml/2006/main">
   <p:cSld>
     <p:spTree>
@@ -17860,24 +17254,24 @@
           <a:p>
             <a:r>
               <a:rPr lang="it-IT" sz="1600" dirty="0" err="1">
-                <a:latin typeface="Palatino Linotype" panose="02040502050505030304" pitchFamily="18" charset="0"/>
+                <a:latin typeface="Aptos" panose="020B0004020202020204" pitchFamily="34" charset="0"/>
               </a:rPr>
               <a:t>Clean</a:t>
             </a:r>
             <a:r>
               <a:rPr lang="it-IT" sz="1600" dirty="0">
-                <a:latin typeface="Palatino Linotype" panose="02040502050505030304" pitchFamily="18" charset="0"/>
+                <a:latin typeface="Aptos" panose="020B0004020202020204" pitchFamily="34" charset="0"/>
               </a:rPr>
               <a:t> ECG </a:t>
             </a:r>
             <a:r>
               <a:rPr lang="it-IT" sz="1600" dirty="0" err="1">
-                <a:latin typeface="Palatino Linotype" panose="02040502050505030304" pitchFamily="18" charset="0"/>
+                <a:latin typeface="Aptos" panose="020B0004020202020204" pitchFamily="34" charset="0"/>
               </a:rPr>
               <a:t>signal</a:t>
             </a:r>
             <a:endParaRPr lang="en-GB" sz="1600" dirty="0">
-              <a:latin typeface="Palatino Linotype" panose="02040502050505030304" pitchFamily="18" charset="0"/>
+              <a:latin typeface="Aptos" panose="020B0004020202020204" pitchFamily="34" charset="0"/>
             </a:endParaRPr>
           </a:p>
         </p:txBody>
@@ -17908,54 +17302,54 @@
           <a:p>
             <a:r>
               <a:rPr lang="it-IT" sz="1600" dirty="0">
-                <a:latin typeface="Palatino Linotype" panose="02040502050505030304" pitchFamily="18" charset="0"/>
+                <a:latin typeface="Aptos" panose="020B0004020202020204" pitchFamily="34" charset="0"/>
               </a:rPr>
               <a:t>ECG </a:t>
             </a:r>
             <a:r>
               <a:rPr lang="it-IT" sz="1600" dirty="0" err="1">
-                <a:latin typeface="Palatino Linotype" panose="02040502050505030304" pitchFamily="18" charset="0"/>
+                <a:latin typeface="Aptos" panose="020B0004020202020204" pitchFamily="34" charset="0"/>
               </a:rPr>
               <a:t>signal</a:t>
             </a:r>
             <a:r>
               <a:rPr lang="it-IT" sz="1600" dirty="0">
-                <a:latin typeface="Palatino Linotype" panose="02040502050505030304" pitchFamily="18" charset="0"/>
+                <a:latin typeface="Aptos" panose="020B0004020202020204" pitchFamily="34" charset="0"/>
               </a:rPr>
               <a:t> </a:t>
             </a:r>
             <a:r>
               <a:rPr lang="it-IT" sz="1600" dirty="0" err="1">
-                <a:latin typeface="Palatino Linotype" panose="02040502050505030304" pitchFamily="18" charset="0"/>
+                <a:latin typeface="Aptos" panose="020B0004020202020204" pitchFamily="34" charset="0"/>
               </a:rPr>
               <a:t>corrupted</a:t>
             </a:r>
             <a:r>
               <a:rPr lang="it-IT" sz="1600" dirty="0">
-                <a:latin typeface="Palatino Linotype" panose="02040502050505030304" pitchFamily="18" charset="0"/>
+                <a:latin typeface="Aptos" panose="020B0004020202020204" pitchFamily="34" charset="0"/>
               </a:rPr>
               <a:t> by </a:t>
             </a:r>
             <a:r>
               <a:rPr lang="it-IT" sz="1600" dirty="0" err="1">
-                <a:latin typeface="Palatino Linotype" panose="02040502050505030304" pitchFamily="18" charset="0"/>
+                <a:latin typeface="Aptos" panose="020B0004020202020204" pitchFamily="34" charset="0"/>
               </a:rPr>
               <a:t>low-freq</a:t>
             </a:r>
             <a:r>
               <a:rPr lang="it-IT" sz="1600" dirty="0">
-                <a:latin typeface="Palatino Linotype" panose="02040502050505030304" pitchFamily="18" charset="0"/>
+                <a:latin typeface="Aptos" panose="020B0004020202020204" pitchFamily="34" charset="0"/>
               </a:rPr>
               <a:t>. </a:t>
             </a:r>
             <a:r>
               <a:rPr lang="it-IT" sz="1600" dirty="0" err="1">
-                <a:latin typeface="Palatino Linotype" panose="02040502050505030304" pitchFamily="18" charset="0"/>
+                <a:latin typeface="Aptos" panose="020B0004020202020204" pitchFamily="34" charset="0"/>
               </a:rPr>
               <a:t>noise</a:t>
             </a:r>
             <a:endParaRPr lang="en-GB" sz="1600" dirty="0">
-              <a:latin typeface="Palatino Linotype" panose="02040502050505030304" pitchFamily="18" charset="0"/>
+              <a:latin typeface="Aptos" panose="020B0004020202020204" pitchFamily="34" charset="0"/>
             </a:endParaRPr>
           </a:p>
         </p:txBody>
@@ -17977,7 +17371,7 @@
           <a:p>
             <a:fld id="{31DE2C5B-556E-47B8-A792-024C2FCA4ACC}" type="slidenum">
               <a:rPr lang="en-GB" smtClean="0"/>
-              <a:t>31</a:t>
+              <a:t>30</a:t>
             </a:fld>
             <a:endParaRPr lang="en-GB"/>
           </a:p>
@@ -17996,7 +17390,7 @@
 </p:sld>
 </file>
 
-<file path=ppt/slides/slide32.xml><?xml version="1.0" encoding="utf-8"?>
+<file path=ppt/slides/slide31.xml><?xml version="1.0" encoding="utf-8"?>
 <p:sld xmlns:a="http://schemas.openxmlformats.org/drawingml/2006/main" xmlns:r="http://schemas.openxmlformats.org/officeDocument/2006/relationships" xmlns:p="http://schemas.openxmlformats.org/presentationml/2006/main">
   <p:cSld>
     <p:spTree>
@@ -18106,60 +17500,60 @@
             <a:pPr algn="ctr"/>
             <a:r>
               <a:rPr lang="it-IT" sz="2400" dirty="0" err="1">
-                <a:latin typeface="Palatino Linotype" panose="02040502050505030304" pitchFamily="18" charset="0"/>
+                <a:latin typeface="Aptos" panose="020B0004020202020204" pitchFamily="34" charset="0"/>
               </a:rPr>
               <a:t>Denoising</a:t>
             </a:r>
             <a:r>
               <a:rPr lang="it-IT" sz="2400" dirty="0">
-                <a:latin typeface="Palatino Linotype" panose="02040502050505030304" pitchFamily="18" charset="0"/>
+                <a:latin typeface="Aptos" panose="020B0004020202020204" pitchFamily="34" charset="0"/>
               </a:rPr>
               <a:t> </a:t>
             </a:r>
             <a:r>
               <a:rPr lang="it-IT" sz="2400" dirty="0" err="1">
-                <a:latin typeface="Palatino Linotype" panose="02040502050505030304" pitchFamily="18" charset="0"/>
+                <a:latin typeface="Aptos" panose="020B0004020202020204" pitchFamily="34" charset="0"/>
               </a:rPr>
               <a:t>algorithm</a:t>
             </a:r>
             <a:endParaRPr lang="it-IT" sz="2400" dirty="0">
-              <a:latin typeface="Palatino Linotype" panose="02040502050505030304" pitchFamily="18" charset="0"/>
+              <a:latin typeface="Aptos" panose="020B0004020202020204" pitchFamily="34" charset="0"/>
             </a:endParaRPr>
           </a:p>
           <a:p>
             <a:pPr algn="ctr"/>
             <a:r>
               <a:rPr lang="it-IT" sz="2400" dirty="0">
-                <a:latin typeface="Palatino Linotype" panose="02040502050505030304" pitchFamily="18" charset="0"/>
+                <a:latin typeface="Aptos" panose="020B0004020202020204" pitchFamily="34" charset="0"/>
               </a:rPr>
               <a:t>(</a:t>
             </a:r>
             <a:r>
               <a:rPr lang="it-IT" sz="2400" dirty="0" err="1">
-                <a:latin typeface="Palatino Linotype" panose="02040502050505030304" pitchFamily="18" charset="0"/>
+                <a:latin typeface="Aptos" panose="020B0004020202020204" pitchFamily="34" charset="0"/>
               </a:rPr>
               <a:t>digital</a:t>
             </a:r>
             <a:r>
               <a:rPr lang="it-IT" sz="2400" dirty="0">
-                <a:latin typeface="Palatino Linotype" panose="02040502050505030304" pitchFamily="18" charset="0"/>
+                <a:latin typeface="Aptos" panose="020B0004020202020204" pitchFamily="34" charset="0"/>
               </a:rPr>
               <a:t> </a:t>
             </a:r>
             <a:r>
               <a:rPr lang="it-IT" sz="2400" dirty="0" err="1">
-                <a:latin typeface="Palatino Linotype" panose="02040502050505030304" pitchFamily="18" charset="0"/>
+                <a:latin typeface="Aptos" panose="020B0004020202020204" pitchFamily="34" charset="0"/>
               </a:rPr>
               <a:t>filter</a:t>
             </a:r>
             <a:r>
               <a:rPr lang="it-IT" sz="2400" dirty="0">
-                <a:latin typeface="Palatino Linotype" panose="02040502050505030304" pitchFamily="18" charset="0"/>
+                <a:latin typeface="Aptos" panose="020B0004020202020204" pitchFamily="34" charset="0"/>
               </a:rPr>
               <a:t>)</a:t>
             </a:r>
             <a:endParaRPr lang="en-GB" sz="2400" dirty="0">
-              <a:latin typeface="Palatino Linotype" panose="02040502050505030304" pitchFamily="18" charset="0"/>
+              <a:latin typeface="Aptos" panose="020B0004020202020204" pitchFamily="34" charset="0"/>
             </a:endParaRPr>
           </a:p>
         </p:txBody>
@@ -18735,7 +18129,9 @@
           <a:lstStyle/>
           <a:p>
             <a:pPr algn="ctr"/>
-            <a:endParaRPr lang="it-IT" sz="2000"/>
+            <a:endParaRPr lang="it-IT" sz="2000">
+              <a:latin typeface="Aptos" panose="020B0004020202020204" pitchFamily="34" charset="0"/>
+            </a:endParaRPr>
           </a:p>
         </p:txBody>
       </p:sp>
@@ -18960,7 +18356,9 @@
           <a:lstStyle/>
           <a:p>
             <a:pPr algn="ctr"/>
-            <a:endParaRPr lang="it-IT" sz="2000"/>
+            <a:endParaRPr lang="it-IT" sz="2000">
+              <a:latin typeface="Aptos" panose="020B0004020202020204" pitchFamily="34" charset="0"/>
+            </a:endParaRPr>
           </a:p>
         </p:txBody>
       </p:sp>
@@ -19060,24 +18458,24 @@
           <a:p>
             <a:r>
               <a:rPr lang="it-IT" sz="2000" dirty="0" err="1">
-                <a:latin typeface="Palatino Linotype" panose="02040502050505030304" pitchFamily="18" charset="0"/>
+                <a:latin typeface="Aptos" panose="020B0004020202020204" pitchFamily="34" charset="0"/>
               </a:rPr>
               <a:t>Noisy</a:t>
             </a:r>
             <a:r>
               <a:rPr lang="it-IT" sz="2000" dirty="0">
-                <a:latin typeface="Palatino Linotype" panose="02040502050505030304" pitchFamily="18" charset="0"/>
+                <a:latin typeface="Aptos" panose="020B0004020202020204" pitchFamily="34" charset="0"/>
               </a:rPr>
               <a:t> </a:t>
             </a:r>
             <a:r>
               <a:rPr lang="it-IT" sz="2000" dirty="0" err="1">
-                <a:latin typeface="Palatino Linotype" panose="02040502050505030304" pitchFamily="18" charset="0"/>
+                <a:latin typeface="Aptos" panose="020B0004020202020204" pitchFamily="34" charset="0"/>
               </a:rPr>
               <a:t>signal</a:t>
             </a:r>
             <a:endParaRPr lang="en-GB" sz="2400" dirty="0">
-              <a:latin typeface="Palatino Linotype" panose="02040502050505030304" pitchFamily="18" charset="0"/>
+              <a:latin typeface="Aptos" panose="020B0004020202020204" pitchFamily="34" charset="0"/>
             </a:endParaRPr>
           </a:p>
         </p:txBody>
@@ -19106,24 +18504,24 @@
           <a:p>
             <a:r>
               <a:rPr lang="it-IT" sz="2000" dirty="0" err="1">
-                <a:latin typeface="Palatino Linotype" panose="02040502050505030304" pitchFamily="18" charset="0"/>
+                <a:latin typeface="Aptos" panose="020B0004020202020204" pitchFamily="34" charset="0"/>
               </a:rPr>
               <a:t>Clean</a:t>
             </a:r>
             <a:r>
               <a:rPr lang="it-IT" sz="2000" dirty="0">
-                <a:latin typeface="Palatino Linotype" panose="02040502050505030304" pitchFamily="18" charset="0"/>
+                <a:latin typeface="Aptos" panose="020B0004020202020204" pitchFamily="34" charset="0"/>
               </a:rPr>
               <a:t> </a:t>
             </a:r>
             <a:r>
               <a:rPr lang="it-IT" sz="2000" dirty="0" err="1">
-                <a:latin typeface="Palatino Linotype" panose="02040502050505030304" pitchFamily="18" charset="0"/>
+                <a:latin typeface="Aptos" panose="020B0004020202020204" pitchFamily="34" charset="0"/>
               </a:rPr>
               <a:t>signal</a:t>
             </a:r>
             <a:endParaRPr lang="en-GB" sz="2400" dirty="0">
-              <a:latin typeface="Palatino Linotype" panose="02040502050505030304" pitchFamily="18" charset="0"/>
+              <a:latin typeface="Aptos" panose="020B0004020202020204" pitchFamily="34" charset="0"/>
             </a:endParaRPr>
           </a:p>
         </p:txBody>
@@ -19330,35 +18728,46 @@
           </a:lstStyle>
           <a:p>
             <a:r>
-              <a:rPr lang="en-US" u="sng" dirty="0"/>
+              <a:rPr lang="en-US" u="sng" dirty="0">
+                <a:latin typeface="Aptos" panose="020B0004020202020204" pitchFamily="34" charset="0"/>
+              </a:rPr>
               <a:t>Non-causal filters</a:t>
             </a:r>
             <a:r>
-              <a:rPr lang="en-US" dirty="0"/>
+              <a:rPr lang="en-US" dirty="0">
+                <a:latin typeface="Aptos" panose="020B0004020202020204" pitchFamily="34" charset="0"/>
+              </a:rPr>
               <a:t>: the filter output depends on past and future inputs </a:t>
             </a:r>
             <a:r>
               <a:rPr lang="en-US" dirty="0">
+                <a:latin typeface="Aptos" panose="020B0004020202020204" pitchFamily="34" charset="0"/>
                 <a:sym typeface="Wingdings" panose="05000000000000000000" pitchFamily="2" charset="2"/>
               </a:rPr>
               <a:t> for </a:t>
             </a:r>
             <a:r>
               <a:rPr lang="en-US" u="sng" dirty="0">
+                <a:latin typeface="Aptos" panose="020B0004020202020204" pitchFamily="34" charset="0"/>
                 <a:sym typeface="Wingdings" panose="05000000000000000000" pitchFamily="2" charset="2"/>
               </a:rPr>
               <a:t>offline</a:t>
             </a:r>
             <a:r>
               <a:rPr lang="en-US" dirty="0">
+                <a:latin typeface="Aptos" panose="020B0004020202020204" pitchFamily="34" charset="0"/>
                 <a:sym typeface="Wingdings" panose="05000000000000000000" pitchFamily="2" charset="2"/>
               </a:rPr>
               <a:t> use only</a:t>
             </a:r>
-            <a:endParaRPr lang="en-US" dirty="0"/>
-          </a:p>
-          <a:p>
-            <a:endParaRPr lang="en-US" dirty="0"/>
+            <a:endParaRPr lang="en-US" dirty="0">
+              <a:latin typeface="Aptos" panose="020B0004020202020204" pitchFamily="34" charset="0"/>
+            </a:endParaRPr>
+          </a:p>
+          <a:p>
+            <a:endParaRPr lang="en-US" dirty="0">
+              <a:latin typeface="Aptos" panose="020B0004020202020204" pitchFamily="34" charset="0"/>
+            </a:endParaRPr>
           </a:p>
         </p:txBody>
       </p:sp>
@@ -19564,39 +18973,52 @@
           </a:lstStyle>
           <a:p>
             <a:r>
-              <a:rPr lang="en-US" u="sng" dirty="0"/>
+              <a:rPr lang="en-US" u="sng" dirty="0">
+                <a:latin typeface="Aptos" panose="020B0004020202020204" pitchFamily="34" charset="0"/>
+              </a:rPr>
               <a:t>Causal filte</a:t>
             </a:r>
             <a:r>
-              <a:rPr lang="en-US" dirty="0"/>
+              <a:rPr lang="en-US" dirty="0">
+                <a:latin typeface="Aptos" panose="020B0004020202020204" pitchFamily="34" charset="0"/>
+              </a:rPr>
               <a:t>rs: </a:t>
             </a:r>
             <a:r>
-              <a:rPr lang="en-GB" dirty="0"/>
+              <a:rPr lang="en-GB" dirty="0">
+                <a:latin typeface="Aptos" panose="020B0004020202020204" pitchFamily="34" charset="0"/>
+              </a:rPr>
               <a:t>the filter output depends only on past and present inputs </a:t>
             </a:r>
             <a:r>
               <a:rPr lang="en-GB" dirty="0">
+                <a:latin typeface="Aptos" panose="020B0004020202020204" pitchFamily="34" charset="0"/>
                 <a:sym typeface="Wingdings" panose="05000000000000000000" pitchFamily="2" charset="2"/>
               </a:rPr>
               <a:t> suitable for </a:t>
             </a:r>
             <a:r>
               <a:rPr lang="en-GB" u="sng" dirty="0">
+                <a:latin typeface="Aptos" panose="020B0004020202020204" pitchFamily="34" charset="0"/>
                 <a:sym typeface="Wingdings" panose="05000000000000000000" pitchFamily="2" charset="2"/>
               </a:rPr>
               <a:t>online</a:t>
             </a:r>
             <a:r>
               <a:rPr lang="en-GB" dirty="0">
+                <a:latin typeface="Aptos" panose="020B0004020202020204" pitchFamily="34" charset="0"/>
                 <a:sym typeface="Wingdings" panose="05000000000000000000" pitchFamily="2" charset="2"/>
               </a:rPr>
               <a:t> application</a:t>
             </a:r>
-            <a:endParaRPr lang="en-US" dirty="0"/>
-          </a:p>
-          <a:p>
-            <a:endParaRPr lang="en-US" dirty="0"/>
+            <a:endParaRPr lang="en-US" dirty="0">
+              <a:latin typeface="Aptos" panose="020B0004020202020204" pitchFamily="34" charset="0"/>
+            </a:endParaRPr>
+          </a:p>
+          <a:p>
+            <a:endParaRPr lang="en-US" dirty="0">
+              <a:latin typeface="Aptos" panose="020B0004020202020204" pitchFamily="34" charset="0"/>
+            </a:endParaRPr>
           </a:p>
         </p:txBody>
       </p:sp>
@@ -19617,7 +19039,7 @@
           <a:p>
             <a:fld id="{31DE2C5B-556E-47B8-A792-024C2FCA4ACC}" type="slidenum">
               <a:rPr lang="en-GB" smtClean="0"/>
-              <a:t>32</a:t>
+              <a:t>31</a:t>
             </a:fld>
             <a:endParaRPr lang="en-GB"/>
           </a:p>
@@ -19636,7 +19058,7 @@
 </p:sld>
 </file>
 
-<file path=ppt/slides/slide33.xml><?xml version="1.0" encoding="utf-8"?>
+<file path=ppt/slides/slide32.xml><?xml version="1.0" encoding="utf-8"?>
 <p:sld xmlns:a="http://schemas.openxmlformats.org/drawingml/2006/main" xmlns:r="http://schemas.openxmlformats.org/officeDocument/2006/relationships" xmlns:p="http://schemas.openxmlformats.org/presentationml/2006/main">
   <p:cSld>
     <p:spTree>
@@ -19783,37 +19205,37 @@
             <a:pPr algn="ctr"/>
             <a:r>
               <a:rPr lang="it-IT" dirty="0">
-                <a:latin typeface="Palatino Linotype" panose="02040502050505030304" pitchFamily="18" charset="0"/>
+                <a:latin typeface="Aptos" panose="020B0004020202020204" pitchFamily="34" charset="0"/>
               </a:rPr>
               <a:t>Inverse transfer </a:t>
             </a:r>
             <a:r>
               <a:rPr lang="it-IT" dirty="0" err="1">
-                <a:latin typeface="Palatino Linotype" panose="02040502050505030304" pitchFamily="18" charset="0"/>
+                <a:latin typeface="Aptos" panose="020B0004020202020204" pitchFamily="34" charset="0"/>
               </a:rPr>
               <a:t>function</a:t>
             </a:r>
             <a:endParaRPr lang="it-IT" dirty="0">
-              <a:latin typeface="Palatino Linotype" panose="02040502050505030304" pitchFamily="18" charset="0"/>
+              <a:latin typeface="Aptos" panose="020B0004020202020204" pitchFamily="34" charset="0"/>
             </a:endParaRPr>
           </a:p>
           <a:p>
             <a:pPr algn="ctr"/>
             <a:r>
               <a:rPr lang="it-IT" dirty="0">
-                <a:latin typeface="Palatino Linotype" panose="02040502050505030304" pitchFamily="18" charset="0"/>
+                <a:latin typeface="Aptos" panose="020B0004020202020204" pitchFamily="34" charset="0"/>
               </a:rPr>
               <a:t>F</a:t>
             </a:r>
             <a:r>
               <a:rPr lang="it-IT" baseline="30000" dirty="0">
-                <a:latin typeface="Palatino Linotype" panose="02040502050505030304" pitchFamily="18" charset="0"/>
+                <a:latin typeface="Aptos" panose="020B0004020202020204" pitchFamily="34" charset="0"/>
               </a:rPr>
               <a:t>-1</a:t>
             </a:r>
             <a:r>
               <a:rPr lang="it-IT" dirty="0">
-                <a:latin typeface="Palatino Linotype" panose="02040502050505030304" pitchFamily="18" charset="0"/>
+                <a:latin typeface="Aptos" panose="020B0004020202020204" pitchFamily="34" charset="0"/>
               </a:rPr>
               <a:t>(y)</a:t>
             </a:r>
@@ -19883,43 +19305,43 @@
             <a:pPr algn="ctr"/>
             <a:r>
               <a:rPr lang="it-IT" sz="1600" dirty="0">
-                <a:latin typeface="Palatino Linotype" panose="02040502050505030304" pitchFamily="18" charset="0"/>
+                <a:latin typeface="Aptos" panose="020B0004020202020204" pitchFamily="34" charset="0"/>
               </a:rPr>
               <a:t>e.g. </a:t>
             </a:r>
             <a:r>
               <a:rPr lang="it-IT" sz="1600" dirty="0" err="1">
-                <a:latin typeface="Palatino Linotype" panose="02040502050505030304" pitchFamily="18" charset="0"/>
+                <a:latin typeface="Aptos" panose="020B0004020202020204" pitchFamily="34" charset="0"/>
               </a:rPr>
               <a:t>electrical</a:t>
             </a:r>
             <a:r>
               <a:rPr lang="it-IT" sz="1600" dirty="0">
-                <a:latin typeface="Palatino Linotype" panose="02040502050505030304" pitchFamily="18" charset="0"/>
+                <a:latin typeface="Aptos" panose="020B0004020202020204" pitchFamily="34" charset="0"/>
               </a:rPr>
               <a:t> </a:t>
             </a:r>
             <a:r>
               <a:rPr lang="it-IT" sz="1600" dirty="0" err="1">
-                <a:latin typeface="Palatino Linotype" panose="02040502050505030304" pitchFamily="18" charset="0"/>
+                <a:latin typeface="Aptos" panose="020B0004020202020204" pitchFamily="34" charset="0"/>
               </a:rPr>
               <a:t>current</a:t>
             </a:r>
             <a:r>
               <a:rPr lang="it-IT" sz="1600" dirty="0">
-                <a:latin typeface="Palatino Linotype" panose="02040502050505030304" pitchFamily="18" charset="0"/>
+                <a:latin typeface="Aptos" panose="020B0004020202020204" pitchFamily="34" charset="0"/>
               </a:rPr>
               <a:t> [</a:t>
             </a:r>
             <a:r>
               <a:rPr lang="it-IT" sz="1600" dirty="0" err="1">
-                <a:latin typeface="Palatino Linotype" panose="02040502050505030304" pitchFamily="18" charset="0"/>
+                <a:latin typeface="Aptos" panose="020B0004020202020204" pitchFamily="34" charset="0"/>
               </a:rPr>
               <a:t>pA</a:t>
             </a:r>
             <a:r>
               <a:rPr lang="it-IT" sz="1600" dirty="0">
-                <a:latin typeface="Palatino Linotype" panose="02040502050505030304" pitchFamily="18" charset="0"/>
+                <a:latin typeface="Aptos" panose="020B0004020202020204" pitchFamily="34" charset="0"/>
               </a:rPr>
               <a:t>]</a:t>
             </a:r>
@@ -19951,31 +19373,31 @@
             <a:pPr algn="ctr"/>
             <a:r>
               <a:rPr lang="it-IT" sz="1600" dirty="0">
-                <a:latin typeface="Palatino Linotype" panose="02040502050505030304" pitchFamily="18" charset="0"/>
+                <a:latin typeface="Aptos" panose="020B0004020202020204" pitchFamily="34" charset="0"/>
               </a:rPr>
               <a:t>e.g. </a:t>
             </a:r>
             <a:r>
               <a:rPr lang="it-IT" sz="1600" dirty="0" err="1">
-                <a:latin typeface="Palatino Linotype" panose="02040502050505030304" pitchFamily="18" charset="0"/>
+                <a:latin typeface="Aptos" panose="020B0004020202020204" pitchFamily="34" charset="0"/>
               </a:rPr>
               <a:t>analyte</a:t>
             </a:r>
             <a:r>
               <a:rPr lang="it-IT" sz="1600" dirty="0">
-                <a:latin typeface="Palatino Linotype" panose="02040502050505030304" pitchFamily="18" charset="0"/>
+                <a:latin typeface="Aptos" panose="020B0004020202020204" pitchFamily="34" charset="0"/>
               </a:rPr>
               <a:t> </a:t>
             </a:r>
             <a:r>
               <a:rPr lang="it-IT" sz="1600" dirty="0" err="1">
-                <a:latin typeface="Palatino Linotype" panose="02040502050505030304" pitchFamily="18" charset="0"/>
+                <a:latin typeface="Aptos" panose="020B0004020202020204" pitchFamily="34" charset="0"/>
               </a:rPr>
               <a:t>concentration</a:t>
             </a:r>
             <a:r>
               <a:rPr lang="it-IT" sz="1600" dirty="0">
-                <a:latin typeface="Palatino Linotype" panose="02040502050505030304" pitchFamily="18" charset="0"/>
+                <a:latin typeface="Aptos" panose="020B0004020202020204" pitchFamily="34" charset="0"/>
               </a:rPr>
               <a:t> [mg/dl]</a:t>
             </a:r>
@@ -20018,8 +19440,8 @@
           </a:fontRef>
         </p:style>
       </p:cxnSp>
-      <mc:AlternateContent xmlns:mc="http://schemas.openxmlformats.org/markup-compatibility/2006" xmlns:a14="http://schemas.microsoft.com/office/drawing/2010/main">
-        <mc:Choice Requires="a14">
+      <mc:AlternateContent xmlns:mc="http://schemas.openxmlformats.org/markup-compatibility/2006">
+        <mc:Choice xmlns:a14="http://schemas.microsoft.com/office/drawing/2010/main" Requires="a14">
           <p:sp>
             <p:nvSpPr>
               <p:cNvPr id="9" name="CasellaDiTesto 8"/>
@@ -20070,12 +19492,14 @@
                     </m:oMath>
                   </m:oMathPara>
                 </a14:m>
-                <a:endParaRPr lang="en-GB" dirty="0"/>
+                <a:endParaRPr lang="en-GB" dirty="0">
+                  <a:latin typeface="Aptos" panose="020B0004020202020204" pitchFamily="34" charset="0"/>
+                </a:endParaRPr>
               </a:p>
             </p:txBody>
           </p:sp>
         </mc:Choice>
-        <mc:Fallback xmlns="">
+        <mc:Fallback>
           <p:sp>
             <p:nvSpPr>
               <p:cNvPr id="9" name="CasellaDiTesto 8"/>
@@ -20095,7 +19519,7 @@
               <a:blipFill>
                 <a:blip r:embed="rId2"/>
                 <a:stretch>
-                  <a:fillRect t="-6667" r="-22105"/>
+                  <a:fillRect/>
                 </a:stretch>
               </a:blipFill>
             </p:spPr>
@@ -20104,7 +19528,7 @@
               <a:lstStyle/>
               <a:p>
                 <a:r>
-                  <a:rPr lang="en-GB">
+                  <a:rPr lang="en-US">
                     <a:noFill/>
                   </a:rPr>
                   <a:t> </a:t>
@@ -20114,8 +19538,8 @@
           </p:sp>
         </mc:Fallback>
       </mc:AlternateContent>
-      <mc:AlternateContent xmlns:mc="http://schemas.openxmlformats.org/markup-compatibility/2006" xmlns:a14="http://schemas.microsoft.com/office/drawing/2010/main">
-        <mc:Choice Requires="a14">
+      <mc:AlternateContent xmlns:mc="http://schemas.openxmlformats.org/markup-compatibility/2006">
+        <mc:Choice xmlns:a14="http://schemas.microsoft.com/office/drawing/2010/main" Requires="a14">
           <p:sp>
             <p:nvSpPr>
               <p:cNvPr id="10" name="CasellaDiTesto 9"/>
@@ -20154,12 +19578,14 @@
                     </m:oMath>
                   </m:oMathPara>
                 </a14:m>
-                <a:endParaRPr lang="en-GB" dirty="0"/>
+                <a:endParaRPr lang="en-GB" dirty="0">
+                  <a:latin typeface="Aptos" panose="020B0004020202020204" pitchFamily="34" charset="0"/>
+                </a:endParaRPr>
               </a:p>
             </p:txBody>
           </p:sp>
         </mc:Choice>
-        <mc:Fallback xmlns="">
+        <mc:Fallback>
           <p:sp>
             <p:nvSpPr>
               <p:cNvPr id="10" name="CasellaDiTesto 9"/>
@@ -20188,7 +19614,7 @@
               <a:lstStyle/>
               <a:p>
                 <a:r>
-                  <a:rPr lang="en-GB">
+                  <a:rPr lang="en-US">
                     <a:noFill/>
                   </a:rPr>
                   <a:t> </a:t>
@@ -20223,24 +19649,24 @@
             <a:pPr algn="ctr"/>
             <a:r>
               <a:rPr lang="it-IT" sz="2000" dirty="0" err="1">
-                <a:latin typeface="Palatino Linotype" panose="02040502050505030304" pitchFamily="18" charset="0"/>
+                <a:latin typeface="Aptos" panose="020B0004020202020204" pitchFamily="34" charset="0"/>
               </a:rPr>
               <a:t>Raw</a:t>
             </a:r>
             <a:r>
               <a:rPr lang="it-IT" sz="2000" dirty="0">
-                <a:latin typeface="Palatino Linotype" panose="02040502050505030304" pitchFamily="18" charset="0"/>
+                <a:latin typeface="Aptos" panose="020B0004020202020204" pitchFamily="34" charset="0"/>
               </a:rPr>
               <a:t> </a:t>
             </a:r>
             <a:r>
               <a:rPr lang="it-IT" sz="2000" dirty="0" err="1">
-                <a:latin typeface="Palatino Linotype" panose="02040502050505030304" pitchFamily="18" charset="0"/>
+                <a:latin typeface="Aptos" panose="020B0004020202020204" pitchFamily="34" charset="0"/>
               </a:rPr>
               <a:t>signal</a:t>
             </a:r>
             <a:endParaRPr lang="it-IT" sz="2000" dirty="0">
-              <a:latin typeface="Palatino Linotype" panose="02040502050505030304" pitchFamily="18" charset="0"/>
+              <a:latin typeface="Aptos" panose="020B0004020202020204" pitchFamily="34" charset="0"/>
             </a:endParaRPr>
           </a:p>
         </p:txBody>
@@ -20270,24 +19696,24 @@
             <a:pPr algn="ctr"/>
             <a:r>
               <a:rPr lang="it-IT" sz="2000" dirty="0" err="1">
-                <a:latin typeface="Palatino Linotype" panose="02040502050505030304" pitchFamily="18" charset="0"/>
+                <a:latin typeface="Aptos" panose="020B0004020202020204" pitchFamily="34" charset="0"/>
               </a:rPr>
               <a:t>Converted</a:t>
             </a:r>
             <a:r>
               <a:rPr lang="it-IT" sz="2000" dirty="0">
-                <a:latin typeface="Palatino Linotype" panose="02040502050505030304" pitchFamily="18" charset="0"/>
+                <a:latin typeface="Aptos" panose="020B0004020202020204" pitchFamily="34" charset="0"/>
               </a:rPr>
               <a:t> </a:t>
             </a:r>
             <a:r>
               <a:rPr lang="it-IT" sz="2000" dirty="0" err="1">
-                <a:latin typeface="Palatino Linotype" panose="02040502050505030304" pitchFamily="18" charset="0"/>
+                <a:latin typeface="Aptos" panose="020B0004020202020204" pitchFamily="34" charset="0"/>
               </a:rPr>
               <a:t>signal</a:t>
             </a:r>
             <a:endParaRPr lang="it-IT" sz="2000" dirty="0">
-              <a:latin typeface="Palatino Linotype" panose="02040502050505030304" pitchFamily="18" charset="0"/>
+              <a:latin typeface="Aptos" panose="020B0004020202020204" pitchFamily="34" charset="0"/>
             </a:endParaRPr>
           </a:p>
         </p:txBody>
@@ -20309,7 +19735,7 @@
           <a:p>
             <a:fld id="{31DE2C5B-556E-47B8-A792-024C2FCA4ACC}" type="slidenum">
               <a:rPr lang="en-GB" smtClean="0"/>
-              <a:t>33</a:t>
+              <a:t>32</a:t>
             </a:fld>
             <a:endParaRPr lang="en-GB"/>
           </a:p>
@@ -20328,7 +19754,7 @@
 </p:sld>
 </file>
 
-<file path=ppt/slides/slide34.xml><?xml version="1.0" encoding="utf-8"?>
+<file path=ppt/slides/slide33.xml><?xml version="1.0" encoding="utf-8"?>
 <p:sld xmlns:a="http://schemas.openxmlformats.org/drawingml/2006/main" xmlns:r="http://schemas.openxmlformats.org/officeDocument/2006/relationships" xmlns:p="http://schemas.openxmlformats.org/presentationml/2006/main">
   <p:cSld>
     <p:spTree>
@@ -20429,7 +19855,7 @@
           <a:p>
             <a:fld id="{31DE2C5B-556E-47B8-A792-024C2FCA4ACC}" type="slidenum">
               <a:rPr lang="en-GB" smtClean="0"/>
-              <a:t>34</a:t>
+              <a:t>33</a:t>
             </a:fld>
             <a:endParaRPr lang="en-GB"/>
           </a:p>
@@ -20522,7 +19948,9 @@
             <a:lstStyle/>
             <a:p>
               <a:pPr algn="ctr"/>
-              <a:endParaRPr lang="en-GB"/>
+              <a:endParaRPr lang="en-GB">
+                <a:latin typeface="Aptos" panose="020B0004020202020204" pitchFamily="34" charset="0"/>
+              </a:endParaRPr>
             </a:p>
           </p:txBody>
         </p:sp>
@@ -20568,30 +19996,30 @@
             <a:pPr algn="ctr"/>
             <a:r>
               <a:rPr lang="it-IT" dirty="0">
-                <a:latin typeface="Palatino Linotype" panose="02040502050505030304" pitchFamily="18" charset="0"/>
+                <a:latin typeface="Aptos" panose="020B0004020202020204" pitchFamily="34" charset="0"/>
               </a:rPr>
               <a:t>Fault </a:t>
             </a:r>
             <a:r>
               <a:rPr lang="it-IT" dirty="0" err="1">
-                <a:latin typeface="Palatino Linotype" panose="02040502050505030304" pitchFamily="18" charset="0"/>
+                <a:latin typeface="Aptos" panose="020B0004020202020204" pitchFamily="34" charset="0"/>
               </a:rPr>
               <a:t>detection</a:t>
             </a:r>
             <a:r>
               <a:rPr lang="it-IT" dirty="0">
-                <a:latin typeface="Palatino Linotype" panose="02040502050505030304" pitchFamily="18" charset="0"/>
+                <a:latin typeface="Aptos" panose="020B0004020202020204" pitchFamily="34" charset="0"/>
               </a:rPr>
               <a:t> </a:t>
             </a:r>
             <a:r>
               <a:rPr lang="it-IT" dirty="0" err="1">
-                <a:latin typeface="Palatino Linotype" panose="02040502050505030304" pitchFamily="18" charset="0"/>
+                <a:latin typeface="Aptos" panose="020B0004020202020204" pitchFamily="34" charset="0"/>
               </a:rPr>
               <a:t>algorithm</a:t>
             </a:r>
             <a:endParaRPr lang="it-IT" dirty="0">
-              <a:latin typeface="Palatino Linotype" panose="02040502050505030304" pitchFamily="18" charset="0"/>
+              <a:latin typeface="Aptos" panose="020B0004020202020204" pitchFamily="34" charset="0"/>
             </a:endParaRPr>
           </a:p>
         </p:txBody>
@@ -21177,7 +20605,9 @@
           <a:lstStyle/>
           <a:p>
             <a:pPr algn="ctr"/>
-            <a:endParaRPr lang="it-IT" sz="2000"/>
+            <a:endParaRPr lang="it-IT" sz="2000">
+              <a:latin typeface="Aptos" panose="020B0004020202020204" pitchFamily="34" charset="0"/>
+            </a:endParaRPr>
           </a:p>
         </p:txBody>
       </p:sp>
@@ -21280,24 +20710,24 @@
           <a:p>
             <a:r>
               <a:rPr lang="it-IT" dirty="0" err="1">
-                <a:latin typeface="Palatino Linotype" panose="02040502050505030304" pitchFamily="18" charset="0"/>
+                <a:latin typeface="Aptos" panose="020B0004020202020204" pitchFamily="34" charset="0"/>
               </a:rPr>
               <a:t>Measured</a:t>
             </a:r>
             <a:r>
               <a:rPr lang="it-IT" dirty="0">
-                <a:latin typeface="Palatino Linotype" panose="02040502050505030304" pitchFamily="18" charset="0"/>
+                <a:latin typeface="Aptos" panose="020B0004020202020204" pitchFamily="34" charset="0"/>
               </a:rPr>
               <a:t> </a:t>
             </a:r>
             <a:r>
               <a:rPr lang="it-IT" dirty="0" err="1">
-                <a:latin typeface="Palatino Linotype" panose="02040502050505030304" pitchFamily="18" charset="0"/>
+                <a:latin typeface="Aptos" panose="020B0004020202020204" pitchFamily="34" charset="0"/>
               </a:rPr>
               <a:t>signal</a:t>
             </a:r>
             <a:endParaRPr lang="en-GB" sz="2000" dirty="0">
-              <a:latin typeface="Palatino Linotype" panose="02040502050505030304" pitchFamily="18" charset="0"/>
+              <a:latin typeface="Aptos" panose="020B0004020202020204" pitchFamily="34" charset="0"/>
             </a:endParaRPr>
           </a:p>
         </p:txBody>
@@ -21326,24 +20756,24 @@
           <a:p>
             <a:r>
               <a:rPr lang="it-IT" dirty="0" err="1">
-                <a:latin typeface="Palatino Linotype" panose="02040502050505030304" pitchFamily="18" charset="0"/>
+                <a:latin typeface="Aptos" panose="020B0004020202020204" pitchFamily="34" charset="0"/>
               </a:rPr>
               <a:t>Reconstructed</a:t>
             </a:r>
             <a:r>
               <a:rPr lang="it-IT" dirty="0">
-                <a:latin typeface="Palatino Linotype" panose="02040502050505030304" pitchFamily="18" charset="0"/>
+                <a:latin typeface="Aptos" panose="020B0004020202020204" pitchFamily="34" charset="0"/>
               </a:rPr>
               <a:t> </a:t>
             </a:r>
             <a:r>
               <a:rPr lang="it-IT" dirty="0" err="1">
-                <a:latin typeface="Palatino Linotype" panose="02040502050505030304" pitchFamily="18" charset="0"/>
+                <a:latin typeface="Aptos" panose="020B0004020202020204" pitchFamily="34" charset="0"/>
               </a:rPr>
               <a:t>signal</a:t>
             </a:r>
             <a:endParaRPr lang="en-GB" sz="2000" dirty="0">
-              <a:latin typeface="Palatino Linotype" panose="02040502050505030304" pitchFamily="18" charset="0"/>
+              <a:latin typeface="Aptos" panose="020B0004020202020204" pitchFamily="34" charset="0"/>
             </a:endParaRPr>
           </a:p>
         </p:txBody>
@@ -21389,37 +20819,37 @@
             <a:pPr algn="ctr"/>
             <a:r>
               <a:rPr lang="it-IT" dirty="0" err="1">
-                <a:latin typeface="Palatino Linotype" panose="02040502050505030304" pitchFamily="18" charset="0"/>
+                <a:latin typeface="Aptos" panose="020B0004020202020204" pitchFamily="34" charset="0"/>
               </a:rPr>
               <a:t>Signal</a:t>
             </a:r>
             <a:r>
               <a:rPr lang="it-IT" dirty="0">
-                <a:latin typeface="Palatino Linotype" panose="02040502050505030304" pitchFamily="18" charset="0"/>
+                <a:latin typeface="Aptos" panose="020B0004020202020204" pitchFamily="34" charset="0"/>
               </a:rPr>
               <a:t> </a:t>
             </a:r>
             <a:r>
               <a:rPr lang="it-IT" dirty="0" err="1">
-                <a:latin typeface="Palatino Linotype" panose="02040502050505030304" pitchFamily="18" charset="0"/>
+                <a:latin typeface="Aptos" panose="020B0004020202020204" pitchFamily="34" charset="0"/>
               </a:rPr>
               <a:t>reconstruction</a:t>
             </a:r>
             <a:r>
               <a:rPr lang="it-IT" dirty="0">
-                <a:latin typeface="Palatino Linotype" panose="02040502050505030304" pitchFamily="18" charset="0"/>
+                <a:latin typeface="Aptos" panose="020B0004020202020204" pitchFamily="34" charset="0"/>
               </a:rPr>
               <a:t> </a:t>
             </a:r>
             <a:r>
               <a:rPr lang="it-IT" dirty="0" err="1">
-                <a:latin typeface="Palatino Linotype" panose="02040502050505030304" pitchFamily="18" charset="0"/>
+                <a:latin typeface="Aptos" panose="020B0004020202020204" pitchFamily="34" charset="0"/>
               </a:rPr>
               <a:t>algorithm</a:t>
             </a:r>
             <a:r>
               <a:rPr lang="it-IT" dirty="0">
-                <a:latin typeface="Palatino Linotype" panose="02040502050505030304" pitchFamily="18" charset="0"/>
+                <a:latin typeface="Aptos" panose="020B0004020202020204" pitchFamily="34" charset="0"/>
               </a:rPr>
               <a:t> </a:t>
             </a:r>
@@ -21428,19 +20858,19 @@
             <a:pPr algn="ctr"/>
             <a:r>
               <a:rPr lang="it-IT" dirty="0">
-                <a:latin typeface="Palatino Linotype" panose="02040502050505030304" pitchFamily="18" charset="0"/>
+                <a:latin typeface="Aptos" panose="020B0004020202020204" pitchFamily="34" charset="0"/>
               </a:rPr>
               <a:t>(e.g. </a:t>
             </a:r>
             <a:r>
               <a:rPr lang="it-IT" dirty="0" err="1">
-                <a:latin typeface="Palatino Linotype" panose="02040502050505030304" pitchFamily="18" charset="0"/>
+                <a:latin typeface="Aptos" panose="020B0004020202020204" pitchFamily="34" charset="0"/>
               </a:rPr>
               <a:t>interpolation</a:t>
             </a:r>
             <a:r>
               <a:rPr lang="it-IT" dirty="0">
-                <a:latin typeface="Palatino Linotype" panose="02040502050505030304" pitchFamily="18" charset="0"/>
+                <a:latin typeface="Aptos" panose="020B0004020202020204" pitchFamily="34" charset="0"/>
               </a:rPr>
               <a:t>)</a:t>
             </a:r>
@@ -22072,7 +21502,9 @@
           <a:lstStyle/>
           <a:p>
             <a:pPr algn="ctr"/>
-            <a:endParaRPr lang="it-IT" sz="2000"/>
+            <a:endParaRPr lang="it-IT" sz="2000">
+              <a:latin typeface="Aptos" panose="020B0004020202020204" pitchFamily="34" charset="0"/>
+            </a:endParaRPr>
           </a:p>
         </p:txBody>
       </p:sp>
@@ -22711,7 +22143,9 @@
           <a:lstStyle/>
           <a:p>
             <a:pPr algn="ctr"/>
-            <a:endParaRPr lang="it-IT" sz="2000"/>
+            <a:endParaRPr lang="it-IT" sz="2000">
+              <a:latin typeface="Aptos" panose="020B0004020202020204" pitchFamily="34" charset="0"/>
+            </a:endParaRPr>
           </a:p>
         </p:txBody>
       </p:sp>
@@ -22739,24 +22173,24 @@
           <a:p>
             <a:r>
               <a:rPr lang="it-IT" dirty="0" err="1">
-                <a:latin typeface="Palatino Linotype" panose="02040502050505030304" pitchFamily="18" charset="0"/>
+                <a:latin typeface="Aptos" panose="020B0004020202020204" pitchFamily="34" charset="0"/>
               </a:rPr>
               <a:t>Artifact</a:t>
             </a:r>
             <a:r>
               <a:rPr lang="it-IT" dirty="0">
-                <a:latin typeface="Palatino Linotype" panose="02040502050505030304" pitchFamily="18" charset="0"/>
+                <a:latin typeface="Aptos" panose="020B0004020202020204" pitchFamily="34" charset="0"/>
               </a:rPr>
               <a:t> </a:t>
             </a:r>
             <a:r>
               <a:rPr lang="it-IT" dirty="0" err="1">
-                <a:latin typeface="Palatino Linotype" panose="02040502050505030304" pitchFamily="18" charset="0"/>
+                <a:latin typeface="Aptos" panose="020B0004020202020204" pitchFamily="34" charset="0"/>
               </a:rPr>
               <a:t>suppressed</a:t>
             </a:r>
             <a:endParaRPr lang="en-GB" sz="2000" dirty="0">
-              <a:latin typeface="Palatino Linotype" panose="02040502050505030304" pitchFamily="18" charset="0"/>
+              <a:latin typeface="Aptos" panose="020B0004020202020204" pitchFamily="34" charset="0"/>
             </a:endParaRPr>
           </a:p>
         </p:txBody>
@@ -23386,7 +22820,9 @@
           <a:lstStyle/>
           <a:p>
             <a:pPr algn="ctr"/>
-            <a:endParaRPr lang="it-IT" sz="2000"/>
+            <a:endParaRPr lang="it-IT" sz="2000">
+              <a:latin typeface="Aptos" panose="020B0004020202020204" pitchFamily="34" charset="0"/>
+            </a:endParaRPr>
           </a:p>
         </p:txBody>
       </p:sp>
@@ -24025,7 +23461,9 @@
           <a:lstStyle/>
           <a:p>
             <a:pPr algn="ctr"/>
-            <a:endParaRPr lang="it-IT" sz="2000"/>
+            <a:endParaRPr lang="it-IT" sz="2000">
+              <a:latin typeface="Aptos" panose="020B0004020202020204" pitchFamily="34" charset="0"/>
+            </a:endParaRPr>
           </a:p>
         </p:txBody>
       </p:sp>
@@ -24167,7 +23605,9 @@
           <a:lstStyle/>
           <a:p>
             <a:pPr algn="ctr"/>
-            <a:endParaRPr lang="en-GB"/>
+            <a:endParaRPr lang="en-GB">
+              <a:latin typeface="Aptos" panose="020B0004020202020204" pitchFamily="34" charset="0"/>
+            </a:endParaRPr>
           </a:p>
         </p:txBody>
       </p:sp>
@@ -24184,7 +23624,7 @@
 </p:sld>
 </file>
 
-<file path=ppt/slides/slide35.xml><?xml version="1.0" encoding="utf-8"?>
+<file path=ppt/slides/slide34.xml><?xml version="1.0" encoding="utf-8"?>
 <p:sld xmlns:a="http://schemas.openxmlformats.org/drawingml/2006/main" xmlns:r="http://schemas.openxmlformats.org/officeDocument/2006/relationships" xmlns:p="http://schemas.openxmlformats.org/presentationml/2006/main">
   <p:cSld>
     <p:spTree>
@@ -24367,7 +23807,7 @@
             </a:pPr>
             <a:r>
               <a:rPr lang="en-GB" sz="2400" dirty="0">
-                <a:latin typeface="Palatino Linotype" panose="02040502050505030304" pitchFamily="18" charset="0"/>
+                <a:latin typeface="Aptos" panose="020B0004020202020204" pitchFamily="34" charset="0"/>
               </a:rPr>
               <a:t>NFC tags can directly communicate with the smartphone equipped with the NFC modules.</a:t>
             </a:r>
@@ -24388,7 +23828,7 @@
             </a:pPr>
             <a:r>
               <a:rPr lang="en-GB" sz="2400" dirty="0">
-                <a:latin typeface="Palatino Linotype" panose="02040502050505030304" pitchFamily="18" charset="0"/>
+                <a:latin typeface="Aptos" panose="020B0004020202020204" pitchFamily="34" charset="0"/>
               </a:rPr>
               <a:t>Bypassing the need for batteries, NFC enables ultrathin, ultraminiaturized designs for sensors, like a temporary transfer tattoo.</a:t>
             </a:r>
@@ -24412,7 +23852,7 @@
           <a:p>
             <a:fld id="{31DE2C5B-556E-47B8-A792-024C2FCA4ACC}" type="slidenum">
               <a:rPr lang="en-GB" smtClean="0"/>
-              <a:t>35</a:t>
+              <a:t>34</a:t>
             </a:fld>
             <a:endParaRPr lang="en-GB"/>
           </a:p>
@@ -24747,7 +24187,7 @@
           <a:p>
             <a:r>
               <a:rPr lang="en-GB" dirty="0"/>
-              <a:t>Categories based on the measurement approach:</a:t>
+              <a:t>Categories based on the measurement approach, we will see:</a:t>
             </a:r>
           </a:p>
           <a:p>
@@ -24767,22 +24207,6 @@
               <a:rPr lang="en-GB" sz="2400" dirty="0"/>
               <a:t> sensors</a:t>
             </a:r>
-          </a:p>
-          <a:p>
-            <a:pPr lvl="1"/>
-            <a:r>
-              <a:rPr lang="it-IT" sz="2400" dirty="0" err="1"/>
-              <a:t>Voltammetric</a:t>
-            </a:r>
-            <a:r>
-              <a:rPr lang="it-IT" sz="2400" dirty="0"/>
-              <a:t> </a:t>
-            </a:r>
-            <a:r>
-              <a:rPr lang="it-IT" sz="2400" dirty="0" err="1"/>
-              <a:t>sensors</a:t>
-            </a:r>
-            <a:endParaRPr lang="en-GB" sz="2400" dirty="0"/>
           </a:p>
         </p:txBody>
       </p:sp>
@@ -24906,7 +24330,7 @@
             </a:r>
             <a:r>
               <a:rPr lang="it-IT" dirty="0"/>
-              <a:t> (1/3)</a:t>
+              <a:t> (1/2)</a:t>
             </a:r>
             <a:endParaRPr lang="en-GB" dirty="0"/>
           </a:p>
@@ -25083,7 +24507,7 @@
         </p:blipFill>
         <p:spPr>
           <a:xfrm>
-            <a:off x="9096633" y="2004411"/>
+            <a:off x="9079595" y="2004411"/>
             <a:ext cx="2880765" cy="3091158"/>
           </a:xfrm>
           <a:prstGeom prst="rect">
@@ -25128,7 +24552,7 @@
             </a:r>
             <a:r>
               <a:rPr lang="it-IT" dirty="0"/>
-              <a:t> (2/3)</a:t>
+              <a:t> (2/2)</a:t>
             </a:r>
             <a:endParaRPr lang="en-GB" dirty="0"/>
           </a:p>
@@ -25147,7 +24571,7 @@
         <p:spPr>
           <a:xfrm>
             <a:off x="428173" y="1361167"/>
-            <a:ext cx="9070760" cy="5199653"/>
+            <a:ext cx="8426172" cy="5199653"/>
           </a:xfrm>
         </p:spPr>
         <p:txBody>
@@ -25260,36 +24684,6 @@
           <a:chExt cx="0" cy="0"/>
         </a:xfrm>
       </p:grpSpPr>
-      <p:pic>
-        <p:nvPicPr>
-          <p:cNvPr id="5" name="Immagine 4"/>
-          <p:cNvPicPr>
-            <a:picLocks noChangeAspect="1"/>
-          </p:cNvPicPr>
-          <p:nvPr/>
-        </p:nvPicPr>
-        <p:blipFill>
-          <a:blip r:embed="rId2">
-            <a:extLst>
-              <a:ext uri="{28A0092B-C50C-407E-A947-70E740481C1C}">
-                <a14:useLocalDpi xmlns:a14="http://schemas.microsoft.com/office/drawing/2010/main" val="0"/>
-              </a:ext>
-            </a:extLst>
-          </a:blip>
-          <a:stretch>
-            <a:fillRect/>
-          </a:stretch>
-        </p:blipFill>
-        <p:spPr>
-          <a:xfrm>
-            <a:off x="7444796" y="1943100"/>
-            <a:ext cx="4747204" cy="4313320"/>
-          </a:xfrm>
-          <a:prstGeom prst="rect">
-            <a:avLst/>
-          </a:prstGeom>
-        </p:spPr>
-      </p:pic>
       <p:sp>
         <p:nvSpPr>
           <p:cNvPr id="2" name="Titolo 1"/>
@@ -25307,15 +24701,7 @@
           <a:p>
             <a:r>
               <a:rPr lang="it-IT" dirty="0" err="1"/>
-              <a:t>Types</a:t>
-            </a:r>
-            <a:r>
-              <a:rPr lang="it-IT" dirty="0"/>
-              <a:t> of </a:t>
-            </a:r>
-            <a:r>
-              <a:rPr lang="it-IT" dirty="0" err="1"/>
-              <a:t>electrochemical</a:t>
+              <a:t>Electrochemical</a:t>
             </a:r>
             <a:r>
               <a:rPr lang="it-IT" dirty="0"/>
@@ -25327,7 +24713,19 @@
             </a:r>
             <a:r>
               <a:rPr lang="it-IT" dirty="0"/>
-              <a:t> (3/3)</a:t>
+              <a:t>: </a:t>
+            </a:r>
+            <a:r>
+              <a:rPr lang="it-IT" dirty="0" err="1"/>
+              <a:t>Pros</a:t>
+            </a:r>
+            <a:r>
+              <a:rPr lang="it-IT" dirty="0"/>
+              <a:t> and </a:t>
+            </a:r>
+            <a:r>
+              <a:rPr lang="it-IT" dirty="0" err="1"/>
+              <a:t>cons</a:t>
             </a:r>
             <a:endParaRPr lang="en-GB" dirty="0"/>
           </a:p>
@@ -25343,12 +24741,7 @@
             <p:ph idx="1"/>
           </p:nvPr>
         </p:nvSpPr>
-        <p:spPr>
-          <a:xfrm>
-            <a:off x="428172" y="1361167"/>
-            <a:ext cx="7705175" cy="5199653"/>
-          </a:xfrm>
-        </p:spPr>
+        <p:spPr/>
         <p:txBody>
           <a:bodyPr>
             <a:normAutofit/>
@@ -25356,86 +24749,75 @@
           <a:lstStyle/>
           <a:p>
             <a:r>
-              <a:rPr lang="it-IT" b="1" dirty="0" err="1"/>
-              <a:t>Voltammetric</a:t>
-            </a:r>
-            <a:r>
-              <a:rPr lang="it-IT" b="1" dirty="0"/>
-              <a:t> </a:t>
-            </a:r>
-            <a:r>
-              <a:rPr lang="it-IT" b="1" dirty="0" err="1"/>
-              <a:t>sensors</a:t>
-            </a:r>
-            <a:r>
-              <a:rPr lang="it-IT" dirty="0"/>
+              <a:rPr lang="en-GB" b="1" dirty="0"/>
+              <a:t>Pros</a:t>
+            </a:r>
+            <a:r>
+              <a:rPr lang="en-GB" dirty="0"/>
               <a:t>: </a:t>
             </a:r>
           </a:p>
           <a:p>
             <a:pPr lvl="1"/>
             <a:r>
-              <a:rPr lang="it-IT" sz="2400" dirty="0" err="1"/>
-              <a:t>As</a:t>
-            </a:r>
-            <a:r>
-              <a:rPr lang="it-IT" sz="2400" dirty="0"/>
-              <a:t> the </a:t>
-            </a:r>
-            <a:r>
-              <a:rPr lang="it-IT" sz="2400" dirty="0" err="1"/>
-              <a:t>amperometric</a:t>
-            </a:r>
-            <a:r>
-              <a:rPr lang="it-IT" sz="2400" dirty="0"/>
-              <a:t> </a:t>
-            </a:r>
-            <a:r>
-              <a:rPr lang="it-IT" sz="2400" dirty="0" err="1"/>
-              <a:t>sensors</a:t>
-            </a:r>
-            <a:r>
-              <a:rPr lang="it-IT" sz="2400" dirty="0"/>
-              <a:t>, </a:t>
-            </a:r>
-            <a:r>
               <a:rPr lang="en-GB" sz="2400" dirty="0"/>
-              <a:t>they measure </a:t>
-            </a:r>
-            <a:r>
-              <a:rPr lang="en-GB" sz="2400" b="1" dirty="0"/>
-              <a:t>changes in current</a:t>
-            </a:r>
+              <a:t>Since this group of techniques directly deals with electrical signals, the signal transduction and processing are simpler than optical detection methods.</a:t>
+            </a:r>
+          </a:p>
+          <a:p>
+            <a:pPr lvl="1"/>
+            <a:endParaRPr lang="en-GB" sz="2400" dirty="0"/>
+          </a:p>
+          <a:p>
+            <a:r>
+              <a:rPr lang="en-GB" b="1" dirty="0"/>
+              <a:t>Cons</a:t>
+            </a:r>
+            <a:r>
+              <a:rPr lang="en-GB" dirty="0"/>
+              <a:t>: </a:t>
+            </a:r>
+          </a:p>
+          <a:p>
+            <a:pPr lvl="1"/>
             <a:r>
               <a:rPr lang="en-GB" sz="2400" dirty="0"/>
-              <a:t>. </a:t>
-            </a:r>
-            <a:endParaRPr lang="it-IT" sz="2400" dirty="0"/>
+              <a:t>They require an electronic hardware (</a:t>
+            </a:r>
+            <a:r>
+              <a:rPr lang="en-GB" sz="2400" dirty="0" err="1"/>
+              <a:t>potentiostat</a:t>
+            </a:r>
+            <a:r>
+              <a:rPr lang="en-GB" sz="2400" dirty="0"/>
+              <a:t>) to produce the excitation signal and measure the electrical response </a:t>
+            </a:r>
+            <a:r>
+              <a:rPr lang="en-GB" sz="2400" dirty="0">
+                <a:sym typeface="Wingdings" panose="05000000000000000000" pitchFamily="2" charset="2"/>
+              </a:rPr>
+              <a:t> </a:t>
+            </a:r>
+            <a:r>
+              <a:rPr lang="en-GB" sz="2400" dirty="0"/>
+              <a:t>main obstacle for wearable sensor miniaturization.</a:t>
+            </a:r>
           </a:p>
           <a:p>
             <a:pPr lvl="1"/>
             <a:r>
-              <a:rPr lang="it-IT" sz="2400" dirty="0"/>
-              <a:t>In</a:t>
-            </a:r>
-            <a:r>
               <a:rPr lang="en-GB" sz="2400" dirty="0"/>
-              <a:t>formation about the </a:t>
-            </a:r>
-            <a:r>
-              <a:rPr lang="en-GB" sz="2400" dirty="0" err="1"/>
-              <a:t>analyte</a:t>
+              <a:t>Ions and many electroactive species in the biofluids might interfere with the analysis </a:t>
+            </a:r>
+            <a:r>
+              <a:rPr lang="en-GB" sz="2400" dirty="0">
+                <a:sym typeface="Wingdings" panose="05000000000000000000" pitchFamily="2" charset="2"/>
+              </a:rPr>
+              <a:t></a:t>
             </a:r>
             <a:r>
               <a:rPr lang="en-GB" sz="2400" dirty="0"/>
-              <a:t> is obtained by measuring the current between the working electrode and the counter electrode as the potential between the working electrode and the reference electrode varies. </a:t>
-            </a:r>
-          </a:p>
-          <a:p>
-            <a:pPr lvl="1"/>
-            <a:r>
-              <a:rPr lang="en-GB" sz="2400" dirty="0"/>
-              <a:t>The current, generated by a redox reaction, is proportional to the species of interest.</a:t>
+              <a:t> the sensor must be carefully designed to achieve selectivity.</a:t>
             </a:r>
           </a:p>
         </p:txBody>
@@ -25466,7 +24848,7 @@
     </p:spTree>
     <p:extLst>
       <p:ext uri="{BB962C8B-B14F-4D97-AF65-F5344CB8AC3E}">
-        <p14:creationId xmlns:p14="http://schemas.microsoft.com/office/powerpoint/2010/main" val="1579114840"/>
+        <p14:creationId xmlns:p14="http://schemas.microsoft.com/office/powerpoint/2010/main" val="343984468"/>
       </p:ext>
     </p:extLst>
   </p:cSld>
@@ -25493,6 +24875,36 @@
           <a:chExt cx="0" cy="0"/>
         </a:xfrm>
       </p:grpSpPr>
+      <p:pic>
+        <p:nvPicPr>
+          <p:cNvPr id="17" name="Immagine 16"/>
+          <p:cNvPicPr>
+            <a:picLocks noChangeAspect="1"/>
+          </p:cNvPicPr>
+          <p:nvPr/>
+        </p:nvPicPr>
+        <p:blipFill>
+          <a:blip r:embed="rId2">
+            <a:extLst>
+              <a:ext uri="{28A0092B-C50C-407E-A947-70E740481C1C}">
+                <a14:useLocalDpi xmlns:a14="http://schemas.microsoft.com/office/drawing/2010/main" val="0"/>
+              </a:ext>
+            </a:extLst>
+          </a:blip>
+          <a:stretch>
+            <a:fillRect/>
+          </a:stretch>
+        </p:blipFill>
+        <p:spPr>
+          <a:xfrm>
+            <a:off x="5941069" y="1135651"/>
+            <a:ext cx="6148818" cy="2262047"/>
+          </a:xfrm>
+          <a:prstGeom prst="rect">
+            <a:avLst/>
+          </a:prstGeom>
+        </p:spPr>
+      </p:pic>
       <p:sp>
         <p:nvSpPr>
           <p:cNvPr id="2" name="Titolo 1"/>
@@ -25505,7 +24917,9 @@
         </p:nvSpPr>
         <p:spPr/>
         <p:txBody>
-          <a:bodyPr/>
+          <a:bodyPr>
+            <a:normAutofit fontScale="90000"/>
+          </a:bodyPr>
           <a:lstStyle/>
           <a:p>
             <a:r>
@@ -25522,19 +24936,42 @@
             </a:r>
             <a:r>
               <a:rPr lang="it-IT" dirty="0"/>
-              <a:t>: </a:t>
+              <a:t> – </a:t>
             </a:r>
             <a:r>
               <a:rPr lang="it-IT" dirty="0" err="1"/>
-              <a:t>Pros</a:t>
-            </a:r>
-            <a:r>
+              <a:t>Example</a:t>
+            </a:r>
+            <a:br>
               <a:rPr lang="it-IT" dirty="0"/>
-              <a:t> and </a:t>
-            </a:r>
+            </a:br>
             <a:r>
               <a:rPr lang="it-IT" dirty="0" err="1"/>
-              <a:t>cons</a:t>
+              <a:t>Minimally</a:t>
+            </a:r>
+            <a:r>
+              <a:rPr lang="it-IT" dirty="0"/>
+              <a:t>-invasive </a:t>
+            </a:r>
+            <a:r>
+              <a:rPr lang="it-IT" dirty="0" err="1"/>
+              <a:t>electrochemical</a:t>
+            </a:r>
+            <a:r>
+              <a:rPr lang="it-IT" dirty="0"/>
+              <a:t> </a:t>
+            </a:r>
+            <a:r>
+              <a:rPr lang="it-IT" dirty="0" err="1"/>
+              <a:t>glucose</a:t>
+            </a:r>
+            <a:r>
+              <a:rPr lang="it-IT" dirty="0"/>
+              <a:t> </a:t>
+            </a:r>
+            <a:r>
+              <a:rPr lang="it-IT" dirty="0" err="1"/>
+              <a:t>sensor</a:t>
             </a:r>
             <a:endParaRPr lang="en-GB" dirty="0"/>
           </a:p>
@@ -25550,75 +24987,650 @@
             <p:ph idx="1"/>
           </p:nvPr>
         </p:nvSpPr>
-        <p:spPr/>
+        <p:spPr>
+          <a:xfrm>
+            <a:off x="96122" y="1306404"/>
+            <a:ext cx="5524082" cy="3486576"/>
+          </a:xfrm>
+        </p:spPr>
         <p:txBody>
           <a:bodyPr>
             <a:normAutofit/>
           </a:bodyPr>
           <a:lstStyle/>
           <a:p>
-            <a:r>
-              <a:rPr lang="en-GB" dirty="0"/>
-              <a:t>Pros: </a:t>
-            </a:r>
-          </a:p>
-          <a:p>
-            <a:pPr lvl="1"/>
-            <a:r>
-              <a:rPr lang="en-GB" sz="2400" dirty="0"/>
-              <a:t>Since this group of techniques directly deals with electrical signals, the signal transduction and processing are simpler than optical detection methods.</a:t>
-            </a:r>
-          </a:p>
-          <a:p>
-            <a:pPr lvl="1"/>
-            <a:endParaRPr lang="en-GB" sz="2400" dirty="0"/>
-          </a:p>
-          <a:p>
-            <a:r>
-              <a:rPr lang="en-GB" dirty="0"/>
-              <a:t>Cons: </a:t>
-            </a:r>
-          </a:p>
-          <a:p>
-            <a:pPr lvl="1"/>
-            <a:r>
-              <a:rPr lang="en-GB" sz="2400" dirty="0"/>
-              <a:t>They require an electronic hardware (</a:t>
-            </a:r>
-            <a:r>
-              <a:rPr lang="en-GB" sz="2400" dirty="0" err="1"/>
-              <a:t>potentiostat</a:t>
-            </a:r>
-            <a:r>
-              <a:rPr lang="en-GB" sz="2400" dirty="0"/>
-              <a:t>) to produce the excitation signal and measure the electrical response </a:t>
-            </a:r>
-            <a:r>
-              <a:rPr lang="en-GB" sz="2400" dirty="0">
-                <a:sym typeface="Wingdings" panose="05000000000000000000" pitchFamily="2" charset="2"/>
+            <a:pPr marL="457200"/>
+            <a:r>
+              <a:rPr lang="en-US" sz="2000" u="sng" dirty="0" err="1"/>
+              <a:t>Amperometric</a:t>
+            </a:r>
+            <a:r>
+              <a:rPr lang="en-US" sz="2000" dirty="0"/>
+              <a:t> </a:t>
+            </a:r>
+            <a:r>
+              <a:rPr lang="en-US" sz="2000" u="sng" dirty="0"/>
+              <a:t>electrochemical</a:t>
+            </a:r>
+            <a:r>
+              <a:rPr lang="en-US" sz="2000" dirty="0"/>
+              <a:t> sensor </a:t>
+            </a:r>
+          </a:p>
+          <a:p>
+            <a:pPr marL="457200"/>
+            <a:r>
+              <a:rPr lang="en-US" sz="2000" dirty="0"/>
+              <a:t>It exploits glucose oxidase (</a:t>
+            </a:r>
+            <a:r>
+              <a:rPr lang="en-US" sz="2000" dirty="0" err="1"/>
+              <a:t>GOx</a:t>
+            </a:r>
+            <a:r>
+              <a:rPr lang="en-US" sz="2000" dirty="0"/>
+              <a:t>) to measure glucose concentration in the ISF.</a:t>
+            </a:r>
+          </a:p>
+          <a:p>
+            <a:pPr marL="457200"/>
+            <a:r>
+              <a:rPr lang="en-US" sz="2000" dirty="0"/>
+              <a:t>Glucose oxidation:</a:t>
+            </a:r>
+          </a:p>
+          <a:p>
+            <a:pPr marL="114300" indent="0">
+              <a:buNone/>
+            </a:pPr>
+            <a:endParaRPr lang="en-US" sz="2000" dirty="0"/>
+          </a:p>
+          <a:p>
+            <a:pPr marL="114300" indent="0">
+              <a:buNone/>
+            </a:pPr>
+            <a:endParaRPr lang="en-US" sz="2000" dirty="0"/>
+          </a:p>
+          <a:p>
+            <a:pPr marL="457200"/>
+            <a:r>
+              <a:rPr lang="en-US" sz="2000" dirty="0"/>
+              <a:t>Oxidation of hydrogen peroxide:</a:t>
+            </a:r>
+          </a:p>
+          <a:p>
+            <a:pPr marL="457200"/>
+            <a:endParaRPr lang="it-IT" sz="2000" dirty="0"/>
+          </a:p>
+          <a:p>
+            <a:pPr marL="457200"/>
+            <a:endParaRPr lang="it-IT" sz="2000" dirty="0"/>
+          </a:p>
+          <a:p>
+            <a:pPr marL="457200"/>
+            <a:endParaRPr lang="en-GB" sz="2000" dirty="0"/>
+          </a:p>
+        </p:txBody>
+      </p:sp>
+      <p:sp>
+        <p:nvSpPr>
+          <p:cNvPr id="5" name="CasellaDiTesto 4"/>
+          <p:cNvSpPr txBox="1"/>
+          <p:nvPr/>
+        </p:nvSpPr>
+        <p:spPr>
+          <a:xfrm>
+            <a:off x="507599" y="3052431"/>
+            <a:ext cx="2517501" cy="400110"/>
+          </a:xfrm>
+          <a:prstGeom prst="rect">
+            <a:avLst/>
+          </a:prstGeom>
+          <a:noFill/>
+        </p:spPr>
+        <p:txBody>
+          <a:bodyPr wrap="square" rtlCol="0">
+            <a:spAutoFit/>
+          </a:bodyPr>
+          <a:lstStyle/>
+          <a:p>
+            <a:r>
+              <a:rPr lang="it-IT" sz="2000" dirty="0" err="1">
+                <a:latin typeface="Aptos" panose="020B0004020202020204" pitchFamily="34" charset="0"/>
               </a:rPr>
-              <a:t> </a:t>
-            </a:r>
-            <a:r>
-              <a:rPr lang="en-GB" sz="2400" dirty="0"/>
-              <a:t>main obstacle for wearable sensor miniaturization.</a:t>
-            </a:r>
-          </a:p>
-          <a:p>
-            <a:pPr lvl="1"/>
-            <a:r>
-              <a:rPr lang="en-GB" sz="2400" dirty="0"/>
-              <a:t>Ions and many electroactive species in the biofluids might interfere with the analysis </a:t>
-            </a:r>
-            <a:r>
-              <a:rPr lang="en-GB" sz="2400" dirty="0">
-                <a:sym typeface="Wingdings" panose="05000000000000000000" pitchFamily="2" charset="2"/>
+              <a:t>Glucose</a:t>
+            </a:r>
+            <a:r>
+              <a:rPr lang="it-IT" sz="2000" dirty="0">
+                <a:latin typeface="Aptos" panose="020B0004020202020204" pitchFamily="34" charset="0"/>
               </a:rPr>
-              <a:t></a:t>
-            </a:r>
-            <a:r>
-              <a:rPr lang="en-GB" sz="2400" dirty="0"/>
-              <a:t> the sensor must be carefully designed to achieve selectivity.</a:t>
+              <a:t> + H</a:t>
+            </a:r>
+            <a:r>
+              <a:rPr lang="it-IT" sz="2000" baseline="-25000" dirty="0">
+                <a:latin typeface="Aptos" panose="020B0004020202020204" pitchFamily="34" charset="0"/>
+              </a:rPr>
+              <a:t>2</a:t>
+            </a:r>
+            <a:r>
+              <a:rPr lang="it-IT" sz="2000" dirty="0">
+                <a:latin typeface="Aptos" panose="020B0004020202020204" pitchFamily="34" charset="0"/>
+              </a:rPr>
+              <a:t>O + O</a:t>
+            </a:r>
+            <a:r>
+              <a:rPr lang="it-IT" sz="2000" baseline="-25000" dirty="0">
+                <a:latin typeface="Aptos" panose="020B0004020202020204" pitchFamily="34" charset="0"/>
+              </a:rPr>
+              <a:t>2</a:t>
+            </a:r>
+            <a:r>
+              <a:rPr lang="it-IT" sz="2000" dirty="0">
+                <a:latin typeface="Aptos" panose="020B0004020202020204" pitchFamily="34" charset="0"/>
+              </a:rPr>
+              <a:t> </a:t>
+            </a:r>
+            <a:endParaRPr lang="en-GB" sz="2000" dirty="0">
+              <a:latin typeface="Aptos" panose="020B0004020202020204" pitchFamily="34" charset="0"/>
+            </a:endParaRPr>
+          </a:p>
+        </p:txBody>
+      </p:sp>
+      <p:cxnSp>
+        <p:nvCxnSpPr>
+          <p:cNvPr id="7" name="Connettore 2 6"/>
+          <p:cNvCxnSpPr>
+            <a:endCxn id="8" idx="1"/>
+          </p:cNvCxnSpPr>
+          <p:nvPr/>
+        </p:nvCxnSpPr>
+        <p:spPr>
+          <a:xfrm flipV="1">
+            <a:off x="2867773" y="3236174"/>
+            <a:ext cx="478192" cy="8672"/>
+          </a:xfrm>
+          <a:prstGeom prst="straightConnector1">
+            <a:avLst/>
+          </a:prstGeom>
+          <a:ln w="28575">
+            <a:solidFill>
+              <a:schemeClr val="tx1"/>
+            </a:solidFill>
+            <a:tailEnd type="triangle"/>
+          </a:ln>
+        </p:spPr>
+        <p:style>
+          <a:lnRef idx="1">
+            <a:schemeClr val="accent1"/>
+          </a:lnRef>
+          <a:fillRef idx="0">
+            <a:schemeClr val="accent1"/>
+          </a:fillRef>
+          <a:effectRef idx="0">
+            <a:schemeClr val="accent1"/>
+          </a:effectRef>
+          <a:fontRef idx="minor">
+            <a:schemeClr val="tx1"/>
+          </a:fontRef>
+        </p:style>
+      </p:cxnSp>
+      <p:sp>
+        <p:nvSpPr>
+          <p:cNvPr id="8" name="CasellaDiTesto 7"/>
+          <p:cNvSpPr txBox="1"/>
+          <p:nvPr/>
+        </p:nvSpPr>
+        <p:spPr>
+          <a:xfrm>
+            <a:off x="3345965" y="3036119"/>
+            <a:ext cx="3290686" cy="400110"/>
+          </a:xfrm>
+          <a:prstGeom prst="rect">
+            <a:avLst/>
+          </a:prstGeom>
+          <a:noFill/>
+        </p:spPr>
+        <p:txBody>
+          <a:bodyPr wrap="square" rtlCol="0">
+            <a:spAutoFit/>
+          </a:bodyPr>
+          <a:lstStyle/>
+          <a:p>
+            <a:r>
+              <a:rPr lang="it-IT" sz="2000" dirty="0" err="1">
+                <a:latin typeface="Aptos" panose="020B0004020202020204" pitchFamily="34" charset="0"/>
+              </a:rPr>
+              <a:t>Gluconic</a:t>
+            </a:r>
+            <a:r>
+              <a:rPr lang="it-IT" sz="2000" dirty="0">
+                <a:latin typeface="Aptos" panose="020B0004020202020204" pitchFamily="34" charset="0"/>
+              </a:rPr>
+              <a:t> acid + H</a:t>
+            </a:r>
+            <a:r>
+              <a:rPr lang="it-IT" sz="2000" baseline="-25000" dirty="0">
+                <a:latin typeface="Aptos" panose="020B0004020202020204" pitchFamily="34" charset="0"/>
+              </a:rPr>
+              <a:t>2</a:t>
+            </a:r>
+            <a:r>
+              <a:rPr lang="it-IT" sz="2000" dirty="0">
+                <a:latin typeface="Aptos" panose="020B0004020202020204" pitchFamily="34" charset="0"/>
+              </a:rPr>
+              <a:t>O</a:t>
+            </a:r>
+            <a:r>
+              <a:rPr lang="it-IT" sz="2000" baseline="-25000" dirty="0">
+                <a:latin typeface="Aptos" panose="020B0004020202020204" pitchFamily="34" charset="0"/>
+              </a:rPr>
+              <a:t>2</a:t>
+            </a:r>
+            <a:r>
+              <a:rPr lang="it-IT" sz="2000" dirty="0">
+                <a:latin typeface="Aptos" panose="020B0004020202020204" pitchFamily="34" charset="0"/>
+              </a:rPr>
+              <a:t> </a:t>
+            </a:r>
+            <a:endParaRPr lang="en-GB" sz="2000" dirty="0">
+              <a:latin typeface="Aptos" panose="020B0004020202020204" pitchFamily="34" charset="0"/>
+            </a:endParaRPr>
+          </a:p>
+        </p:txBody>
+      </p:sp>
+      <p:sp>
+        <p:nvSpPr>
+          <p:cNvPr id="9" name="CasellaDiTesto 8"/>
+          <p:cNvSpPr txBox="1"/>
+          <p:nvPr/>
+        </p:nvSpPr>
+        <p:spPr>
+          <a:xfrm>
+            <a:off x="2527632" y="2738963"/>
+            <a:ext cx="1158473" cy="400110"/>
+          </a:xfrm>
+          <a:prstGeom prst="rect">
+            <a:avLst/>
+          </a:prstGeom>
+          <a:noFill/>
+        </p:spPr>
+        <p:txBody>
+          <a:bodyPr wrap="square" rtlCol="0">
+            <a:spAutoFit/>
+          </a:bodyPr>
+          <a:lstStyle/>
+          <a:p>
+            <a:pPr algn="ctr"/>
+            <a:r>
+              <a:rPr lang="it-IT" sz="2000" dirty="0" err="1">
+                <a:latin typeface="Aptos" panose="020B0004020202020204" pitchFamily="34" charset="0"/>
+              </a:rPr>
+              <a:t>GOx</a:t>
+            </a:r>
+            <a:endParaRPr lang="en-GB" sz="1600" dirty="0">
+              <a:latin typeface="Aptos" panose="020B0004020202020204" pitchFamily="34" charset="0"/>
+            </a:endParaRPr>
+          </a:p>
+        </p:txBody>
+      </p:sp>
+      <p:sp>
+        <p:nvSpPr>
+          <p:cNvPr id="10" name="CasellaDiTesto 9"/>
+          <p:cNvSpPr txBox="1"/>
+          <p:nvPr/>
+        </p:nvSpPr>
+        <p:spPr>
+          <a:xfrm>
+            <a:off x="1477512" y="4234906"/>
+            <a:ext cx="939165" cy="400110"/>
+          </a:xfrm>
+          <a:prstGeom prst="rect">
+            <a:avLst/>
+          </a:prstGeom>
+          <a:noFill/>
+        </p:spPr>
+        <p:txBody>
+          <a:bodyPr wrap="square" rtlCol="0">
+            <a:spAutoFit/>
+          </a:bodyPr>
+          <a:lstStyle/>
+          <a:p>
+            <a:r>
+              <a:rPr lang="it-IT" sz="2000" dirty="0">
+                <a:latin typeface="Aptos" panose="020B0004020202020204" pitchFamily="34" charset="0"/>
+              </a:rPr>
+              <a:t>H</a:t>
+            </a:r>
+            <a:r>
+              <a:rPr lang="it-IT" sz="2000" baseline="-25000" dirty="0">
+                <a:latin typeface="Aptos" panose="020B0004020202020204" pitchFamily="34" charset="0"/>
+              </a:rPr>
+              <a:t>2</a:t>
+            </a:r>
+            <a:r>
+              <a:rPr lang="it-IT" sz="2000" dirty="0">
+                <a:latin typeface="Aptos" panose="020B0004020202020204" pitchFamily="34" charset="0"/>
+              </a:rPr>
+              <a:t>O</a:t>
+            </a:r>
+            <a:r>
+              <a:rPr lang="it-IT" sz="2000" baseline="-25000" dirty="0">
+                <a:latin typeface="Aptos" panose="020B0004020202020204" pitchFamily="34" charset="0"/>
+              </a:rPr>
+              <a:t>2</a:t>
+            </a:r>
+            <a:r>
+              <a:rPr lang="it-IT" sz="2000" dirty="0">
+                <a:latin typeface="Aptos" panose="020B0004020202020204" pitchFamily="34" charset="0"/>
+              </a:rPr>
+              <a:t>  </a:t>
+            </a:r>
+            <a:endParaRPr lang="en-GB" sz="2000" dirty="0">
+              <a:latin typeface="Aptos" panose="020B0004020202020204" pitchFamily="34" charset="0"/>
+            </a:endParaRPr>
+          </a:p>
+        </p:txBody>
+      </p:sp>
+      <p:cxnSp>
+        <p:nvCxnSpPr>
+          <p:cNvPr id="11" name="Connettore 2 10"/>
+          <p:cNvCxnSpPr/>
+          <p:nvPr/>
+        </p:nvCxnSpPr>
+        <p:spPr>
+          <a:xfrm>
+            <a:off x="2282734" y="4439013"/>
+            <a:ext cx="1847571" cy="2868"/>
+          </a:xfrm>
+          <a:prstGeom prst="straightConnector1">
+            <a:avLst/>
+          </a:prstGeom>
+          <a:ln w="28575">
+            <a:solidFill>
+              <a:schemeClr val="tx1"/>
+            </a:solidFill>
+            <a:tailEnd type="triangle"/>
+          </a:ln>
+        </p:spPr>
+        <p:style>
+          <a:lnRef idx="1">
+            <a:schemeClr val="accent1"/>
+          </a:lnRef>
+          <a:fillRef idx="0">
+            <a:schemeClr val="accent1"/>
+          </a:fillRef>
+          <a:effectRef idx="0">
+            <a:schemeClr val="accent1"/>
+          </a:effectRef>
+          <a:fontRef idx="minor">
+            <a:schemeClr val="tx1"/>
+          </a:fontRef>
+        </p:style>
+      </p:cxnSp>
+      <p:sp>
+        <p:nvSpPr>
+          <p:cNvPr id="12" name="CasellaDiTesto 11"/>
+          <p:cNvSpPr txBox="1"/>
+          <p:nvPr/>
+        </p:nvSpPr>
+        <p:spPr>
+          <a:xfrm>
+            <a:off x="4182557" y="4234777"/>
+            <a:ext cx="3771900" cy="400110"/>
+          </a:xfrm>
+          <a:prstGeom prst="rect">
+            <a:avLst/>
+          </a:prstGeom>
+          <a:noFill/>
+        </p:spPr>
+        <p:txBody>
+          <a:bodyPr wrap="square" rtlCol="0">
+            <a:spAutoFit/>
+          </a:bodyPr>
+          <a:lstStyle/>
+          <a:p>
+            <a:r>
+              <a:rPr lang="it-IT" sz="2000" dirty="0">
+                <a:latin typeface="Aptos" panose="020B0004020202020204" pitchFamily="34" charset="0"/>
+              </a:rPr>
+              <a:t>O</a:t>
+            </a:r>
+            <a:r>
+              <a:rPr lang="it-IT" sz="2000" baseline="-25000" dirty="0">
+                <a:latin typeface="Aptos" panose="020B0004020202020204" pitchFamily="34" charset="0"/>
+              </a:rPr>
+              <a:t>2</a:t>
+            </a:r>
+            <a:r>
+              <a:rPr lang="it-IT" sz="2000" dirty="0">
+                <a:latin typeface="Aptos" panose="020B0004020202020204" pitchFamily="34" charset="0"/>
+              </a:rPr>
+              <a:t> + 2H</a:t>
+            </a:r>
+            <a:r>
+              <a:rPr lang="it-IT" sz="2000" baseline="30000" dirty="0">
+                <a:latin typeface="Aptos" panose="020B0004020202020204" pitchFamily="34" charset="0"/>
+              </a:rPr>
+              <a:t>+</a:t>
+            </a:r>
+            <a:r>
+              <a:rPr lang="it-IT" sz="2000" dirty="0">
+                <a:latin typeface="Aptos" panose="020B0004020202020204" pitchFamily="34" charset="0"/>
+              </a:rPr>
+              <a:t> + 2e</a:t>
+            </a:r>
+            <a:r>
+              <a:rPr lang="it-IT" sz="2000" baseline="30000" dirty="0">
+                <a:latin typeface="Aptos" panose="020B0004020202020204" pitchFamily="34" charset="0"/>
+              </a:rPr>
+              <a:t>-</a:t>
+            </a:r>
+            <a:endParaRPr lang="en-GB" sz="2000" baseline="30000" dirty="0">
+              <a:latin typeface="Aptos" panose="020B0004020202020204" pitchFamily="34" charset="0"/>
+            </a:endParaRPr>
+          </a:p>
+        </p:txBody>
+      </p:sp>
+      <p:sp>
+        <p:nvSpPr>
+          <p:cNvPr id="18" name="Rettangolo 17"/>
+          <p:cNvSpPr/>
+          <p:nvPr/>
+        </p:nvSpPr>
+        <p:spPr>
+          <a:xfrm>
+            <a:off x="96122" y="4922571"/>
+            <a:ext cx="11763828" cy="1733808"/>
+          </a:xfrm>
+          <a:prstGeom prst="rect">
+            <a:avLst/>
+          </a:prstGeom>
+        </p:spPr>
+        <p:txBody>
+          <a:bodyPr wrap="square">
+            <a:spAutoFit/>
+          </a:bodyPr>
+          <a:lstStyle/>
+          <a:p>
+            <a:pPr marL="457200" indent="-342900">
+              <a:lnSpc>
+                <a:spcPct val="90000"/>
+              </a:lnSpc>
+              <a:spcBef>
+                <a:spcPts val="1000"/>
+              </a:spcBef>
+              <a:buClr>
+                <a:srgbClr val="00B050"/>
+              </a:buClr>
+              <a:buFont typeface="Wingdings" panose="05000000000000000000" pitchFamily="2" charset="2"/>
+              <a:buChar char="Ø"/>
+            </a:pPr>
+            <a:r>
+              <a:rPr lang="en-US" sz="2000" dirty="0">
+                <a:latin typeface="Aptos" panose="020B0004020202020204" pitchFamily="34" charset="0"/>
+              </a:rPr>
+              <a:t>The reaction takes place at a platinum working electrode used as anode and polarized to a positive potential of +500 mV with respect to an iridium oxide (</a:t>
+            </a:r>
+            <a:r>
+              <a:rPr lang="en-US" sz="2000" dirty="0" err="1">
+                <a:latin typeface="Aptos" panose="020B0004020202020204" pitchFamily="34" charset="0"/>
+              </a:rPr>
+              <a:t>IrOx</a:t>
+            </a:r>
+            <a:r>
+              <a:rPr lang="en-US" sz="2000" dirty="0">
+                <a:latin typeface="Aptos" panose="020B0004020202020204" pitchFamily="34" charset="0"/>
+              </a:rPr>
+              <a:t>) reference electrode.</a:t>
+            </a:r>
+          </a:p>
+          <a:p>
+            <a:pPr marL="457200" indent="-342900">
+              <a:lnSpc>
+                <a:spcPct val="90000"/>
+              </a:lnSpc>
+              <a:spcBef>
+                <a:spcPts val="1000"/>
+              </a:spcBef>
+              <a:buClr>
+                <a:srgbClr val="00B050"/>
+              </a:buClr>
+              <a:buFont typeface="Wingdings" panose="05000000000000000000" pitchFamily="2" charset="2"/>
+              <a:buChar char="Ø"/>
+            </a:pPr>
+            <a:r>
+              <a:rPr lang="en-US" sz="2000" dirty="0">
+                <a:latin typeface="Aptos" panose="020B0004020202020204" pitchFamily="34" charset="0"/>
+              </a:rPr>
+              <a:t>A counter electrode, also made of platinum, closes the electrical circuit.</a:t>
+            </a:r>
+          </a:p>
+          <a:p>
+            <a:pPr marL="457200" indent="-342900">
+              <a:lnSpc>
+                <a:spcPct val="90000"/>
+              </a:lnSpc>
+              <a:spcBef>
+                <a:spcPts val="1000"/>
+              </a:spcBef>
+              <a:buClr>
+                <a:srgbClr val="00B050"/>
+              </a:buClr>
+              <a:buFont typeface="Wingdings" panose="05000000000000000000" pitchFamily="2" charset="2"/>
+              <a:buChar char="Ø"/>
+            </a:pPr>
+            <a:r>
+              <a:rPr lang="en-US" sz="2000" dirty="0">
+                <a:latin typeface="Aptos" panose="020B0004020202020204" pitchFamily="34" charset="0"/>
+              </a:rPr>
+              <a:t>The electrons generated by the oxidation hydrogen peroxide generate an electrical current which is proportional to glucose concentration in the ISF. </a:t>
+            </a:r>
+          </a:p>
+        </p:txBody>
+      </p:sp>
+      <p:sp>
+        <p:nvSpPr>
+          <p:cNvPr id="21" name="CasellaDiTesto 20"/>
+          <p:cNvSpPr txBox="1"/>
+          <p:nvPr/>
+        </p:nvSpPr>
+        <p:spPr>
+          <a:xfrm>
+            <a:off x="2156169" y="4030541"/>
+            <a:ext cx="2333146" cy="400110"/>
+          </a:xfrm>
+          <a:prstGeom prst="rect">
+            <a:avLst/>
+          </a:prstGeom>
+          <a:noFill/>
+        </p:spPr>
+        <p:txBody>
+          <a:bodyPr wrap="square" rtlCol="0">
+            <a:spAutoFit/>
+          </a:bodyPr>
+          <a:lstStyle/>
+          <a:p>
+            <a:r>
+              <a:rPr lang="it-IT" sz="2000" dirty="0">
+                <a:latin typeface="Aptos" panose="020B0004020202020204" pitchFamily="34" charset="0"/>
+              </a:rPr>
+              <a:t>+500 </a:t>
+            </a:r>
+            <a:r>
+              <a:rPr lang="it-IT" sz="2000" dirty="0" err="1">
+                <a:latin typeface="Aptos" panose="020B0004020202020204" pitchFamily="34" charset="0"/>
+              </a:rPr>
+              <a:t>mV</a:t>
+            </a:r>
+            <a:r>
+              <a:rPr lang="it-IT" sz="2000" dirty="0">
+                <a:latin typeface="Aptos" panose="020B0004020202020204" pitchFamily="34" charset="0"/>
+              </a:rPr>
+              <a:t> vs </a:t>
+            </a:r>
+            <a:r>
+              <a:rPr lang="it-IT" sz="2000" dirty="0" err="1">
+                <a:latin typeface="Aptos" panose="020B0004020202020204" pitchFamily="34" charset="0"/>
+              </a:rPr>
+              <a:t>IrOx</a:t>
+            </a:r>
+            <a:endParaRPr lang="en-GB" sz="1600" dirty="0">
+              <a:latin typeface="Aptos" panose="020B0004020202020204" pitchFamily="34" charset="0"/>
+            </a:endParaRPr>
+          </a:p>
+        </p:txBody>
+      </p:sp>
+      <p:sp>
+        <p:nvSpPr>
+          <p:cNvPr id="24" name="CasellaDiTesto 23"/>
+          <p:cNvSpPr txBox="1"/>
+          <p:nvPr/>
+        </p:nvSpPr>
+        <p:spPr>
+          <a:xfrm>
+            <a:off x="6983642" y="3509098"/>
+            <a:ext cx="4511040" cy="369332"/>
+          </a:xfrm>
+          <a:prstGeom prst="rect">
+            <a:avLst/>
+          </a:prstGeom>
+          <a:noFill/>
+        </p:spPr>
+        <p:txBody>
+          <a:bodyPr wrap="square" rtlCol="0">
+            <a:spAutoFit/>
+          </a:bodyPr>
+          <a:lstStyle/>
+          <a:p>
+            <a:r>
+              <a:rPr lang="it-IT" dirty="0" err="1">
+                <a:latin typeface="Aptos" panose="020B0004020202020204" pitchFamily="34" charset="0"/>
+              </a:rPr>
+              <a:t>Ribet</a:t>
+            </a:r>
+            <a:r>
+              <a:rPr lang="it-IT" dirty="0">
+                <a:latin typeface="Aptos" panose="020B0004020202020204" pitchFamily="34" charset="0"/>
+              </a:rPr>
+              <a:t> et al., </a:t>
+            </a:r>
+            <a:r>
+              <a:rPr lang="en-GB" dirty="0">
+                <a:latin typeface="Aptos" panose="020B0004020202020204" pitchFamily="34" charset="0"/>
+              </a:rPr>
+              <a:t>Biomedical </a:t>
+            </a:r>
+            <a:r>
+              <a:rPr lang="en-GB" dirty="0" err="1">
+                <a:latin typeface="Aptos" panose="020B0004020202020204" pitchFamily="34" charset="0"/>
+              </a:rPr>
+              <a:t>Microdevices</a:t>
+            </a:r>
+            <a:r>
+              <a:rPr lang="en-GB" dirty="0">
+                <a:latin typeface="Aptos" panose="020B0004020202020204" pitchFamily="34" charset="0"/>
+              </a:rPr>
+              <a:t>, 2018</a:t>
             </a:r>
           </a:p>
         </p:txBody>
@@ -25649,7 +25661,7 @@
     </p:spTree>
     <p:extLst>
       <p:ext uri="{BB962C8B-B14F-4D97-AF65-F5344CB8AC3E}">
-        <p14:creationId xmlns:p14="http://schemas.microsoft.com/office/powerpoint/2010/main" val="343984468"/>
+        <p14:creationId xmlns:p14="http://schemas.microsoft.com/office/powerpoint/2010/main" val="912415085"/>
       </p:ext>
     </p:extLst>
   </p:cSld>
